--- a/Database Documentation/Database Documentation.pptx
+++ b/Database Documentation/Database Documentation.pptx
@@ -266,7 +266,7 @@
           <a:p>
             <a:fld id="{80FB5BE9-7F13-4564-9415-A50ADEB12BD1}" type="datetimeFigureOut">
               <a:rPr lang="en-GB" smtClean="0"/>
-              <a:t>20/04/2020</a:t>
+              <a:t>22/04/2020</a:t>
             </a:fld>
             <a:endParaRPr lang="en-GB" dirty="0"/>
           </a:p>
@@ -466,7 +466,7 @@
           <a:p>
             <a:fld id="{80FB5BE9-7F13-4564-9415-A50ADEB12BD1}" type="datetimeFigureOut">
               <a:rPr lang="en-GB" smtClean="0"/>
-              <a:t>20/04/2020</a:t>
+              <a:t>22/04/2020</a:t>
             </a:fld>
             <a:endParaRPr lang="en-GB" dirty="0"/>
           </a:p>
@@ -676,7 +676,7 @@
           <a:p>
             <a:fld id="{80FB5BE9-7F13-4564-9415-A50ADEB12BD1}" type="datetimeFigureOut">
               <a:rPr lang="en-GB" smtClean="0"/>
-              <a:t>20/04/2020</a:t>
+              <a:t>22/04/2020</a:t>
             </a:fld>
             <a:endParaRPr lang="en-GB" dirty="0"/>
           </a:p>
@@ -876,7 +876,7 @@
           <a:p>
             <a:fld id="{80FB5BE9-7F13-4564-9415-A50ADEB12BD1}" type="datetimeFigureOut">
               <a:rPr lang="en-GB" smtClean="0"/>
-              <a:t>20/04/2020</a:t>
+              <a:t>22/04/2020</a:t>
             </a:fld>
             <a:endParaRPr lang="en-GB" dirty="0"/>
           </a:p>
@@ -1152,7 +1152,7 @@
           <a:p>
             <a:fld id="{80FB5BE9-7F13-4564-9415-A50ADEB12BD1}" type="datetimeFigureOut">
               <a:rPr lang="en-GB" smtClean="0"/>
-              <a:t>20/04/2020</a:t>
+              <a:t>22/04/2020</a:t>
             </a:fld>
             <a:endParaRPr lang="en-GB" dirty="0"/>
           </a:p>
@@ -1420,7 +1420,7 @@
           <a:p>
             <a:fld id="{80FB5BE9-7F13-4564-9415-A50ADEB12BD1}" type="datetimeFigureOut">
               <a:rPr lang="en-GB" smtClean="0"/>
-              <a:t>20/04/2020</a:t>
+              <a:t>22/04/2020</a:t>
             </a:fld>
             <a:endParaRPr lang="en-GB" dirty="0"/>
           </a:p>
@@ -1835,7 +1835,7 @@
           <a:p>
             <a:fld id="{80FB5BE9-7F13-4564-9415-A50ADEB12BD1}" type="datetimeFigureOut">
               <a:rPr lang="en-GB" smtClean="0"/>
-              <a:t>20/04/2020</a:t>
+              <a:t>22/04/2020</a:t>
             </a:fld>
             <a:endParaRPr lang="en-GB" dirty="0"/>
           </a:p>
@@ -1977,7 +1977,7 @@
           <a:p>
             <a:fld id="{80FB5BE9-7F13-4564-9415-A50ADEB12BD1}" type="datetimeFigureOut">
               <a:rPr lang="en-GB" smtClean="0"/>
-              <a:t>20/04/2020</a:t>
+              <a:t>22/04/2020</a:t>
             </a:fld>
             <a:endParaRPr lang="en-GB" dirty="0"/>
           </a:p>
@@ -2090,7 +2090,7 @@
           <a:p>
             <a:fld id="{80FB5BE9-7F13-4564-9415-A50ADEB12BD1}" type="datetimeFigureOut">
               <a:rPr lang="en-GB" smtClean="0"/>
-              <a:t>20/04/2020</a:t>
+              <a:t>22/04/2020</a:t>
             </a:fld>
             <a:endParaRPr lang="en-GB" dirty="0"/>
           </a:p>
@@ -2403,7 +2403,7 @@
           <a:p>
             <a:fld id="{80FB5BE9-7F13-4564-9415-A50ADEB12BD1}" type="datetimeFigureOut">
               <a:rPr lang="en-GB" smtClean="0"/>
-              <a:t>20/04/2020</a:t>
+              <a:t>22/04/2020</a:t>
             </a:fld>
             <a:endParaRPr lang="en-GB" dirty="0"/>
           </a:p>
@@ -2692,7 +2692,7 @@
           <a:p>
             <a:fld id="{80FB5BE9-7F13-4564-9415-A50ADEB12BD1}" type="datetimeFigureOut">
               <a:rPr lang="en-GB" smtClean="0"/>
-              <a:t>20/04/2020</a:t>
+              <a:t>22/04/2020</a:t>
             </a:fld>
             <a:endParaRPr lang="en-GB" dirty="0"/>
           </a:p>
@@ -2935,7 +2935,7 @@
           <a:p>
             <a:fld id="{80FB5BE9-7F13-4564-9415-A50ADEB12BD1}" type="datetimeFigureOut">
               <a:rPr lang="en-GB" smtClean="0"/>
-              <a:t>20/04/2020</a:t>
+              <a:t>22/04/2020</a:t>
             </a:fld>
             <a:endParaRPr lang="en-GB" dirty="0"/>
           </a:p>
@@ -8348,7 +8348,7 @@
           <p:nvPr>
             <p:extLst>
               <p:ext uri="{D42A27DB-BD31-4B8C-83A1-F6EECF244321}">
-                <p14:modId xmlns:p14="http://schemas.microsoft.com/office/powerpoint/2010/main" val="1446418841"/>
+                <p14:modId xmlns:p14="http://schemas.microsoft.com/office/powerpoint/2010/main" val="342287743"/>
               </p:ext>
             </p:extLst>
           </p:nvPr>
@@ -8468,7 +8468,7 @@
                       <a:pPr algn="ctr"/>
                       <a:r>
                         <a:rPr lang="en-GB" dirty="0"/>
-                        <a:t>PROFILE ID</a:t>
+                        <a:t>Profile Name</a:t>
                       </a:r>
                     </a:p>
                   </a:txBody>
@@ -8481,9 +8481,10 @@
                     <a:p>
                       <a:pPr algn="ctr"/>
                       <a:r>
-                        <a:rPr lang="en-GB" dirty="0"/>
-                        <a:t>Profile Name</a:t>
-                      </a:r>
+                        <a:rPr lang="en-US" altLang="en-US" sz="1800" dirty="0"/>
+                        <a:t>One Time Fee </a:t>
+                      </a:r>
+                      <a:endParaRPr lang="en-GB" dirty="0"/>
                     </a:p>
                   </a:txBody>
                   <a:tcPr anchor="ctr"/>
@@ -8910,14 +8911,14 @@
           <p:nvPr>
             <p:extLst>
               <p:ext uri="{D42A27DB-BD31-4B8C-83A1-F6EECF244321}">
-                <p14:modId xmlns:p14="http://schemas.microsoft.com/office/powerpoint/2010/main" val="2679063501"/>
+                <p14:modId xmlns:p14="http://schemas.microsoft.com/office/powerpoint/2010/main" val="1960369115"/>
               </p:ext>
             </p:extLst>
           </p:nvPr>
         </p:nvGraphicFramePr>
         <p:xfrm>
           <a:off x="296552" y="5791514"/>
-          <a:ext cx="11666064" cy="770213"/>
+          <a:ext cx="10369832" cy="914400"/>
         </p:xfrm>
         <a:graphic>
           <a:graphicData uri="http://schemas.openxmlformats.org/drawingml/2006/table">
@@ -8926,56 +8927,56 @@
                 <a:tableStyleId>{21E4AEA4-8DFA-4A89-87EB-49C32662AFE0}</a:tableStyleId>
               </a:tblPr>
               <a:tblGrid>
-                <a:gridCol w="1458258">
+                <a:gridCol w="1296229">
                   <a:extLst>
                     <a:ext uri="{9D8B030D-6E8A-4147-A177-3AD203B41FA5}">
                       <a16:colId xmlns:a16="http://schemas.microsoft.com/office/drawing/2014/main" val="2544850993"/>
                     </a:ext>
                   </a:extLst>
                 </a:gridCol>
-                <a:gridCol w="1458258">
+                <a:gridCol w="1296229">
                   <a:extLst>
                     <a:ext uri="{9D8B030D-6E8A-4147-A177-3AD203B41FA5}">
                       <a16:colId xmlns:a16="http://schemas.microsoft.com/office/drawing/2014/main" val="4160908569"/>
                     </a:ext>
                   </a:extLst>
                 </a:gridCol>
-                <a:gridCol w="1458258">
+                <a:gridCol w="1296229">
                   <a:extLst>
                     <a:ext uri="{9D8B030D-6E8A-4147-A177-3AD203B41FA5}">
                       <a16:colId xmlns:a16="http://schemas.microsoft.com/office/drawing/2014/main" val="3835503643"/>
                     </a:ext>
                   </a:extLst>
                 </a:gridCol>
-                <a:gridCol w="1458258">
+                <a:gridCol w="1296229">
                   <a:extLst>
                     <a:ext uri="{9D8B030D-6E8A-4147-A177-3AD203B41FA5}">
                       <a16:colId xmlns:a16="http://schemas.microsoft.com/office/drawing/2014/main" val="1590507565"/>
                     </a:ext>
                   </a:extLst>
                 </a:gridCol>
-                <a:gridCol w="1458258">
+                <a:gridCol w="1296229">
                   <a:extLst>
                     <a:ext uri="{9D8B030D-6E8A-4147-A177-3AD203B41FA5}">
                       <a16:colId xmlns:a16="http://schemas.microsoft.com/office/drawing/2014/main" val="1851729959"/>
                     </a:ext>
                   </a:extLst>
                 </a:gridCol>
-                <a:gridCol w="1458258">
+                <a:gridCol w="1296229">
                   <a:extLst>
                     <a:ext uri="{9D8B030D-6E8A-4147-A177-3AD203B41FA5}">
                       <a16:colId xmlns:a16="http://schemas.microsoft.com/office/drawing/2014/main" val="976838896"/>
                     </a:ext>
                   </a:extLst>
                 </a:gridCol>
-                <a:gridCol w="1458258">
+                <a:gridCol w="1296229">
                   <a:extLst>
                     <a:ext uri="{9D8B030D-6E8A-4147-A177-3AD203B41FA5}">
                       <a16:colId xmlns:a16="http://schemas.microsoft.com/office/drawing/2014/main" val="593576195"/>
                     </a:ext>
                   </a:extLst>
                 </a:gridCol>
-                <a:gridCol w="1458258">
+                <a:gridCol w="1296229">
                   <a:extLst>
                     <a:ext uri="{9D8B030D-6E8A-4147-A177-3AD203B41FA5}">
                       <a16:colId xmlns:a16="http://schemas.microsoft.com/office/drawing/2014/main" val="1376094664"/>
@@ -9041,256 +9042,9 @@
                       </a:pPr>
                       <a:r>
                         <a:rPr lang="en-GB" dirty="0"/>
-                        <a:t>Profile ID</a:t>
-                      </a:r>
-                    </a:p>
-                  </a:txBody>
-                  <a:tcPr anchor="ctr"/>
-                </a:tc>
-                <a:tc>
-                  <a:txBody>
-                    <a:bodyPr/>
-                    <a:lstStyle/>
-                    <a:p>
-                      <a:pPr algn="ctr"/>
-                      <a:r>
-                        <a:rPr lang="en-GB" dirty="0"/>
-                        <a:t>Service</a:t>
-                      </a:r>
-                    </a:p>
-                    <a:p>
-                      <a:pPr algn="ctr"/>
-                      <a:r>
-                        <a:rPr lang="en-GB" dirty="0"/>
-                        <a:t>ID</a:t>
-                      </a:r>
-                    </a:p>
-                  </a:txBody>
-                  <a:tcPr anchor="ctr"/>
-                </a:tc>
-                <a:tc>
-                  <a:txBody>
-                    <a:bodyPr/>
-                    <a:lstStyle/>
-                    <a:p>
-                      <a:pPr algn="ctr"/>
-                      <a:r>
-                        <a:rPr lang="en-GB" sz="1800" dirty="0"/>
-                        <a:t>Round</a:t>
-                      </a:r>
-                    </a:p>
-                    <a:p>
-                      <a:pPr algn="ctr"/>
-                      <a:r>
-                        <a:rPr lang="en-GB" sz="1800" dirty="0"/>
-                        <a:t>Amount</a:t>
-                      </a:r>
-                    </a:p>
-                  </a:txBody>
-                  <a:tcPr anchor="ctr"/>
-                </a:tc>
-                <a:tc>
-                  <a:txBody>
-                    <a:bodyPr/>
-                    <a:lstStyle/>
-                    <a:p>
-                      <a:pPr algn="ctr"/>
-                      <a:r>
-                        <a:rPr lang="en-GB" sz="1100" dirty="0"/>
-                        <a:t>Fees</a:t>
-                      </a:r>
-                    </a:p>
-                    <a:p>
-                      <a:pPr algn="ctr"/>
-                      <a:r>
-                        <a:rPr lang="en-GB" sz="1100" dirty="0"/>
-                        <a:t>Local</a:t>
-                      </a:r>
-                    </a:p>
-                    <a:p>
-                      <a:pPr algn="ctr"/>
-                      <a:r>
-                        <a:rPr lang="en-GB" sz="1100" dirty="0"/>
-                        <a:t>Same Operator</a:t>
-                      </a:r>
-                    </a:p>
-                  </a:txBody>
-                  <a:tcPr anchor="ctr"/>
-                </a:tc>
-                <a:tc>
-                  <a:txBody>
-                    <a:bodyPr/>
-                    <a:lstStyle/>
-                    <a:p>
-                      <a:pPr algn="ctr"/>
-                      <a:r>
-                        <a:rPr lang="en-GB" sz="1100" dirty="0"/>
-                        <a:t>Fees</a:t>
-                      </a:r>
-                    </a:p>
-                    <a:p>
-                      <a:pPr algn="ctr"/>
-                      <a:r>
-                        <a:rPr lang="en-GB" sz="1100" dirty="0"/>
-                        <a:t>Local</a:t>
-                      </a:r>
-                    </a:p>
-                    <a:p>
-                      <a:pPr algn="ctr"/>
-                      <a:r>
-                        <a:rPr lang="en-GB" sz="1100" dirty="0"/>
-                        <a:t>Another Operator</a:t>
-                      </a:r>
-                    </a:p>
-                  </a:txBody>
-                  <a:tcPr anchor="ctr"/>
-                </a:tc>
-                <a:tc>
-                  <a:txBody>
-                    <a:bodyPr/>
-                    <a:lstStyle/>
-                    <a:p>
-                      <a:pPr algn="ctr"/>
-                      <a:r>
-                        <a:rPr lang="en-GB" sz="1800" dirty="0"/>
-                        <a:t>Fees</a:t>
-                      </a:r>
-                    </a:p>
-                    <a:p>
-                      <a:pPr algn="ctr"/>
-                      <a:r>
-                        <a:rPr lang="en-GB" sz="1800" dirty="0"/>
-                        <a:t>International</a:t>
-                      </a:r>
-                    </a:p>
-                  </a:txBody>
-                  <a:tcPr anchor="ctr"/>
-                </a:tc>
-                <a:tc>
-                  <a:txBody>
-                    <a:bodyPr/>
-                    <a:lstStyle/>
-                    <a:p>
-                      <a:pPr algn="ctr"/>
-                      <a:r>
-                        <a:rPr lang="en-GB" sz="1100" dirty="0"/>
-                        <a:t>Additional</a:t>
-                      </a:r>
-                    </a:p>
-                    <a:p>
-                      <a:pPr algn="ctr"/>
-                      <a:r>
-                        <a:rPr lang="en-GB" sz="1100" dirty="0"/>
-                        <a:t>Quota</a:t>
-                      </a:r>
-                    </a:p>
-                    <a:p>
-                      <a:pPr algn="ctr"/>
-                      <a:r>
-                        <a:rPr lang="en-GB" sz="1100" dirty="0"/>
-                        <a:t>Size</a:t>
-                      </a:r>
-                    </a:p>
-                    <a:p>
-                      <a:pPr algn="ctr"/>
-                      <a:r>
-                        <a:rPr lang="en-GB" sz="1100" dirty="0"/>
-                        <a:t>(LE/MB/COUNT)</a:t>
-                      </a:r>
-                    </a:p>
-                  </a:txBody>
-                  <a:tcPr anchor="ctr"/>
-                </a:tc>
-                <a:extLst>
-                  <a:ext uri="{0D108BD9-81ED-4DB2-BD59-A6C34878D82A}">
-                    <a16:rowId xmlns:a16="http://schemas.microsoft.com/office/drawing/2014/main" val="3577827613"/>
-                  </a:ext>
-                </a:extLst>
-              </a:tr>
-            </a:tbl>
-          </a:graphicData>
-        </a:graphic>
-      </p:graphicFrame>
-      <p:graphicFrame>
-        <p:nvGraphicFramePr>
-          <p:cNvPr id="9" name="Table 8">
-            <a:extLst>
-              <a:ext uri="{FF2B5EF4-FFF2-40B4-BE49-F238E27FC236}">
-                <a16:creationId xmlns:a16="http://schemas.microsoft.com/office/drawing/2014/main" id="{072447E5-7ED2-4BA7-A1E9-77259EEADE86}"/>
-              </a:ext>
-            </a:extLst>
-          </p:cNvPr>
-          <p:cNvGraphicFramePr>
-            <a:graphicFrameLocks noGrp="1"/>
-          </p:cNvGraphicFramePr>
-          <p:nvPr>
-            <p:extLst>
-              <p:ext uri="{D42A27DB-BD31-4B8C-83A1-F6EECF244321}">
-                <p14:modId xmlns:p14="http://schemas.microsoft.com/office/powerpoint/2010/main" val="1160147922"/>
-              </p:ext>
-            </p:extLst>
-          </p:nvPr>
-        </p:nvGraphicFramePr>
-        <p:xfrm>
-          <a:off x="8403602" y="4648831"/>
-          <a:ext cx="3559014" cy="640080"/>
-        </p:xfrm>
-        <a:graphic>
-          <a:graphicData uri="http://schemas.openxmlformats.org/drawingml/2006/table">
-            <a:tbl>
-              <a:tblPr firstRow="1" bandRow="1">
-                <a:tableStyleId>{00A15C55-8517-42AA-B614-E9B94910E393}</a:tableStyleId>
-              </a:tblPr>
-              <a:tblGrid>
-                <a:gridCol w="1186338">
-                  <a:extLst>
-                    <a:ext uri="{9D8B030D-6E8A-4147-A177-3AD203B41FA5}">
-                      <a16:colId xmlns:a16="http://schemas.microsoft.com/office/drawing/2014/main" val="2059838879"/>
-                    </a:ext>
-                  </a:extLst>
-                </a:gridCol>
-                <a:gridCol w="1186338">
-                  <a:extLst>
-                    <a:ext uri="{9D8B030D-6E8A-4147-A177-3AD203B41FA5}">
-                      <a16:colId xmlns:a16="http://schemas.microsoft.com/office/drawing/2014/main" val="3077536117"/>
-                    </a:ext>
-                  </a:extLst>
-                </a:gridCol>
-                <a:gridCol w="1186338">
-                  <a:extLst>
-                    <a:ext uri="{9D8B030D-6E8A-4147-A177-3AD203B41FA5}">
-                      <a16:colId xmlns:a16="http://schemas.microsoft.com/office/drawing/2014/main" val="2412225613"/>
-                    </a:ext>
-                  </a:extLst>
-                </a:gridCol>
-              </a:tblGrid>
-              <a:tr h="374469">
-                <a:tc>
-                  <a:txBody>
-                    <a:bodyPr/>
-                    <a:lstStyle/>
-                    <a:p>
-                      <a:pPr algn="ctr"/>
-                      <a:r>
-                        <a:rPr lang="en-GB" dirty="0">
-                          <a:solidFill>
-                            <a:sysClr val="windowText" lastClr="000000"/>
-                          </a:solidFill>
-                        </a:rPr>
-                        <a:t>Services</a:t>
-                      </a:r>
-                    </a:p>
-                  </a:txBody>
-                  <a:tcPr anchor="ctr">
-                    <a:solidFill>
-                      <a:schemeClr val="bg2"/>
-                    </a:solidFill>
-                  </a:tcPr>
-                </a:tc>
-                <a:tc>
-                  <a:txBody>
-                    <a:bodyPr/>
-                    <a:lstStyle/>
+                        <a:t>Profile</a:t>
+                      </a:r>
+                    </a:p>
                     <a:p>
                       <a:pPr marL="0" marR="0" lvl="0" indent="0" algn="ctr" defTabSz="914400" rtl="0" eaLnBrk="1" fontAlgn="auto" latinLnBrk="0" hangingPunct="1">
                         <a:lnSpc>
@@ -9311,7 +9065,7 @@
                       </a:pPr>
                       <a:r>
                         <a:rPr lang="en-GB" dirty="0"/>
-                        <a:t>Service ID</a:t>
+                        <a:t>ID</a:t>
                       </a:r>
                     </a:p>
                   </a:txBody>
@@ -9324,9 +9078,308 @@
                     <a:p>
                       <a:pPr algn="ctr"/>
                       <a:r>
+                        <a:rPr lang="en-GB" dirty="0"/>
+                        <a:t>Service</a:t>
+                      </a:r>
+                    </a:p>
+                    <a:p>
+                      <a:pPr algn="ctr"/>
+                      <a:r>
+                        <a:rPr lang="en-GB" dirty="0"/>
+                        <a:t>ID</a:t>
+                      </a:r>
+                    </a:p>
+                  </a:txBody>
+                  <a:tcPr anchor="ctr"/>
+                </a:tc>
+                <a:tc>
+                  <a:txBody>
+                    <a:bodyPr/>
+                    <a:lstStyle/>
+                    <a:p>
+                      <a:pPr algn="ctr"/>
+                      <a:r>
+                        <a:rPr lang="en-GB" sz="1600" dirty="0"/>
+                        <a:t>Round</a:t>
+                      </a:r>
+                    </a:p>
+                    <a:p>
+                      <a:pPr algn="ctr"/>
+                      <a:r>
+                        <a:rPr lang="en-GB" sz="1600" dirty="0"/>
+                        <a:t>Amount</a:t>
+                      </a:r>
+                    </a:p>
+                  </a:txBody>
+                  <a:tcPr anchor="ctr"/>
+                </a:tc>
+                <a:tc>
+                  <a:txBody>
+                    <a:bodyPr/>
+                    <a:lstStyle/>
+                    <a:p>
+                      <a:pPr algn="ctr"/>
+                      <a:r>
+                        <a:rPr lang="en-GB" sz="1100" dirty="0"/>
+                        <a:t>Fees</a:t>
+                      </a:r>
+                    </a:p>
+                    <a:p>
+                      <a:pPr algn="ctr"/>
+                      <a:r>
+                        <a:rPr lang="en-GB" sz="1100" dirty="0"/>
+                        <a:t>Local</a:t>
+                      </a:r>
+                    </a:p>
+                    <a:p>
+                      <a:pPr algn="ctr"/>
+                      <a:r>
+                        <a:rPr lang="en-GB" sz="1100" dirty="0"/>
+                        <a:t>Same Operator</a:t>
+                      </a:r>
+                    </a:p>
+                  </a:txBody>
+                  <a:tcPr anchor="ctr"/>
+                </a:tc>
+                <a:tc>
+                  <a:txBody>
+                    <a:bodyPr/>
+                    <a:lstStyle/>
+                    <a:p>
+                      <a:pPr algn="ctr"/>
+                      <a:r>
+                        <a:rPr lang="en-GB" sz="1100" dirty="0"/>
+                        <a:t>Fees</a:t>
+                      </a:r>
+                    </a:p>
+                    <a:p>
+                      <a:pPr algn="ctr"/>
+                      <a:r>
+                        <a:rPr lang="en-GB" sz="1100" dirty="0"/>
+                        <a:t>Local</a:t>
+                      </a:r>
+                    </a:p>
+                    <a:p>
+                      <a:pPr algn="ctr"/>
+                      <a:r>
+                        <a:rPr lang="en-GB" sz="1100" dirty="0"/>
+                        <a:t>Another Operator</a:t>
+                      </a:r>
+                    </a:p>
+                  </a:txBody>
+                  <a:tcPr anchor="ctr"/>
+                </a:tc>
+                <a:tc>
+                  <a:txBody>
+                    <a:bodyPr/>
+                    <a:lstStyle/>
+                    <a:p>
+                      <a:pPr algn="ctr"/>
+                      <a:r>
+                        <a:rPr lang="en-GB" sz="1800" dirty="0"/>
+                        <a:t>Fees</a:t>
+                      </a:r>
+                    </a:p>
+                    <a:p>
+                      <a:pPr algn="ctr"/>
+                      <a:r>
+                        <a:rPr lang="en-GB" sz="1800" dirty="0"/>
+                        <a:t>International</a:t>
+                      </a:r>
+                    </a:p>
+                  </a:txBody>
+                  <a:tcPr anchor="ctr"/>
+                </a:tc>
+                <a:tc>
+                  <a:txBody>
+                    <a:bodyPr/>
+                    <a:lstStyle/>
+                    <a:p>
+                      <a:pPr algn="ctr"/>
+                      <a:r>
+                        <a:rPr lang="en-GB" sz="1100" dirty="0"/>
+                        <a:t>Additional</a:t>
+                      </a:r>
+                    </a:p>
+                    <a:p>
+                      <a:pPr algn="ctr"/>
+                      <a:r>
+                        <a:rPr lang="en-GB" sz="1100" dirty="0"/>
+                        <a:t>Quota</a:t>
+                      </a:r>
+                    </a:p>
+                    <a:p>
+                      <a:pPr algn="ctr"/>
+                      <a:r>
+                        <a:rPr lang="en-GB" sz="1100" dirty="0"/>
+                        <a:t>Size</a:t>
+                      </a:r>
+                    </a:p>
+                    <a:p>
+                      <a:pPr algn="ctr"/>
+                      <a:r>
+                        <a:rPr lang="en-GB" sz="1100" dirty="0"/>
+                        <a:t>(LE/MB/COUNT)</a:t>
+                      </a:r>
+                    </a:p>
+                  </a:txBody>
+                  <a:tcPr anchor="ctr"/>
+                </a:tc>
+                <a:extLst>
+                  <a:ext uri="{0D108BD9-81ED-4DB2-BD59-A6C34878D82A}">
+                    <a16:rowId xmlns:a16="http://schemas.microsoft.com/office/drawing/2014/main" val="3577827613"/>
+                  </a:ext>
+                </a:extLst>
+              </a:tr>
+            </a:tbl>
+          </a:graphicData>
+        </a:graphic>
+      </p:graphicFrame>
+      <p:graphicFrame>
+        <p:nvGraphicFramePr>
+          <p:cNvPr id="9" name="Table 8">
+            <a:extLst>
+              <a:ext uri="{FF2B5EF4-FFF2-40B4-BE49-F238E27FC236}">
+                <a16:creationId xmlns:a16="http://schemas.microsoft.com/office/drawing/2014/main" id="{072447E5-7ED2-4BA7-A1E9-77259EEADE86}"/>
+              </a:ext>
+            </a:extLst>
+          </p:cNvPr>
+          <p:cNvGraphicFramePr>
+            <a:graphicFrameLocks noGrp="1"/>
+          </p:cNvGraphicFramePr>
+          <p:nvPr>
+            <p:extLst>
+              <p:ext uri="{D42A27DB-BD31-4B8C-83A1-F6EECF244321}">
+                <p14:modId xmlns:p14="http://schemas.microsoft.com/office/powerpoint/2010/main" val="2194798429"/>
+              </p:ext>
+            </p:extLst>
+          </p:nvPr>
+        </p:nvGraphicFramePr>
+        <p:xfrm>
+          <a:off x="8040624" y="4648673"/>
+          <a:ext cx="3921992" cy="640080"/>
+        </p:xfrm>
+        <a:graphic>
+          <a:graphicData uri="http://schemas.openxmlformats.org/drawingml/2006/table">
+            <a:tbl>
+              <a:tblPr firstRow="1" bandRow="1">
+                <a:tableStyleId>{00A15C55-8517-42AA-B614-E9B94910E393}</a:tableStyleId>
+              </a:tblPr>
+              <a:tblGrid>
+                <a:gridCol w="980498">
+                  <a:extLst>
+                    <a:ext uri="{9D8B030D-6E8A-4147-A177-3AD203B41FA5}">
+                      <a16:colId xmlns:a16="http://schemas.microsoft.com/office/drawing/2014/main" val="2059838879"/>
+                    </a:ext>
+                  </a:extLst>
+                </a:gridCol>
+                <a:gridCol w="980498">
+                  <a:extLst>
+                    <a:ext uri="{9D8B030D-6E8A-4147-A177-3AD203B41FA5}">
+                      <a16:colId xmlns:a16="http://schemas.microsoft.com/office/drawing/2014/main" val="3077536117"/>
+                    </a:ext>
+                  </a:extLst>
+                </a:gridCol>
+                <a:gridCol w="980498">
+                  <a:extLst>
+                    <a:ext uri="{9D8B030D-6E8A-4147-A177-3AD203B41FA5}">
+                      <a16:colId xmlns:a16="http://schemas.microsoft.com/office/drawing/2014/main" val="2412225613"/>
+                    </a:ext>
+                  </a:extLst>
+                </a:gridCol>
+                <a:gridCol w="980498">
+                  <a:extLst>
+                    <a:ext uri="{9D8B030D-6E8A-4147-A177-3AD203B41FA5}">
+                      <a16:colId xmlns:a16="http://schemas.microsoft.com/office/drawing/2014/main" val="1493320668"/>
+                    </a:ext>
+                  </a:extLst>
+                </a:gridCol>
+              </a:tblGrid>
+              <a:tr h="374469">
+                <a:tc>
+                  <a:txBody>
+                    <a:bodyPr/>
+                    <a:lstStyle/>
+                    <a:p>
+                      <a:pPr algn="ctr"/>
+                      <a:r>
+                        <a:rPr lang="en-GB" dirty="0">
+                          <a:solidFill>
+                            <a:sysClr val="windowText" lastClr="000000"/>
+                          </a:solidFill>
+                        </a:rPr>
+                        <a:t>Services</a:t>
+                      </a:r>
+                    </a:p>
+                  </a:txBody>
+                  <a:tcPr anchor="ctr">
+                    <a:solidFill>
+                      <a:schemeClr val="bg2"/>
+                    </a:solidFill>
+                  </a:tcPr>
+                </a:tc>
+                <a:tc>
+                  <a:txBody>
+                    <a:bodyPr/>
+                    <a:lstStyle/>
+                    <a:p>
+                      <a:pPr marL="0" marR="0" lvl="0" indent="0" algn="ctr" defTabSz="914400" rtl="0" eaLnBrk="1" fontAlgn="auto" latinLnBrk="0" hangingPunct="1">
+                        <a:lnSpc>
+                          <a:spcPct val="100000"/>
+                        </a:lnSpc>
+                        <a:spcBef>
+                          <a:spcPts val="0"/>
+                        </a:spcBef>
+                        <a:spcAft>
+                          <a:spcPts val="0"/>
+                        </a:spcAft>
+                        <a:buClrTx/>
+                        <a:buSzTx/>
+                        <a:buFontTx/>
+                        <a:buNone/>
+                        <a:tabLst/>
+                        <a:defRPr/>
+                      </a:pPr>
+                      <a:r>
+                        <a:rPr lang="en-GB" dirty="0"/>
+                        <a:t>Service ID</a:t>
+                      </a:r>
+                    </a:p>
+                  </a:txBody>
+                  <a:tcPr anchor="ctr"/>
+                </a:tc>
+                <a:tc>
+                  <a:txBody>
+                    <a:bodyPr/>
+                    <a:lstStyle/>
+                    <a:p>
+                      <a:pPr algn="ctr"/>
+                      <a:r>
                         <a:rPr lang="en-GB" sz="1800" dirty="0"/>
                         <a:t>Service Name</a:t>
                       </a:r>
+                    </a:p>
+                  </a:txBody>
+                  <a:tcPr anchor="ctr"/>
+                </a:tc>
+                <a:tc>
+                  <a:txBody>
+                    <a:bodyPr/>
+                    <a:lstStyle/>
+                    <a:p>
+                      <a:pPr algn="ctr"/>
+                      <a:r>
+                        <a:rPr lang="en-US" altLang="en-US" sz="1800" dirty="0"/>
+                        <a:t>Rate</a:t>
+                      </a:r>
+                    </a:p>
+                    <a:p>
+                      <a:pPr algn="ctr"/>
+                      <a:r>
+                        <a:rPr lang="en-US" sz="1800" dirty="0"/>
+                        <a:t>Points</a:t>
+                      </a:r>
+                      <a:endParaRPr lang="en-GB" sz="1800" dirty="0"/>
                     </a:p>
                   </a:txBody>
                   <a:tcPr anchor="ctr"/>

--- a/Database Documentation/Database Documentation.pptx
+++ b/Database Documentation/Database Documentation.pptx
@@ -7986,14 +7986,14 @@
           <p:nvPr>
             <p:extLst>
               <p:ext uri="{D42A27DB-BD31-4B8C-83A1-F6EECF244321}">
-                <p14:modId xmlns:p14="http://schemas.microsoft.com/office/powerpoint/2010/main" val="110836301"/>
+                <p14:modId xmlns:p14="http://schemas.microsoft.com/office/powerpoint/2010/main" val="2877622858"/>
               </p:ext>
             </p:extLst>
           </p:nvPr>
         </p:nvGraphicFramePr>
         <p:xfrm>
-          <a:off x="296552" y="2500625"/>
-          <a:ext cx="7118022" cy="640080"/>
+          <a:off x="296550" y="2500625"/>
+          <a:ext cx="8753184" cy="640080"/>
         </p:xfrm>
         <a:graphic>
           <a:graphicData uri="http://schemas.openxmlformats.org/drawingml/2006/table">
@@ -8002,45 +8002,59 @@
                 <a:tableStyleId>{7DF18680-E054-41AD-8BC1-D1AEF772440D}</a:tableStyleId>
               </a:tblPr>
               <a:tblGrid>
-                <a:gridCol w="1186337">
+                <a:gridCol w="1094148">
                   <a:extLst>
                     <a:ext uri="{9D8B030D-6E8A-4147-A177-3AD203B41FA5}">
                       <a16:colId xmlns:a16="http://schemas.microsoft.com/office/drawing/2014/main" val="201513916"/>
                     </a:ext>
                   </a:extLst>
                 </a:gridCol>
-                <a:gridCol w="1186337">
+                <a:gridCol w="1094148">
                   <a:extLst>
                     <a:ext uri="{9D8B030D-6E8A-4147-A177-3AD203B41FA5}">
                       <a16:colId xmlns:a16="http://schemas.microsoft.com/office/drawing/2014/main" val="4160908569"/>
                     </a:ext>
                   </a:extLst>
                 </a:gridCol>
-                <a:gridCol w="1186337">
+                <a:gridCol w="1094148">
                   <a:extLst>
                     <a:ext uri="{9D8B030D-6E8A-4147-A177-3AD203B41FA5}">
                       <a16:colId xmlns:a16="http://schemas.microsoft.com/office/drawing/2014/main" val="3835503643"/>
                     </a:ext>
                   </a:extLst>
                 </a:gridCol>
-                <a:gridCol w="1186337">
+                <a:gridCol w="1094148">
                   <a:extLst>
                     <a:ext uri="{9D8B030D-6E8A-4147-A177-3AD203B41FA5}">
                       <a16:colId xmlns:a16="http://schemas.microsoft.com/office/drawing/2014/main" val="1590507565"/>
                     </a:ext>
                   </a:extLst>
                 </a:gridCol>
-                <a:gridCol w="1186337">
+                <a:gridCol w="1094148">
                   <a:extLst>
                     <a:ext uri="{9D8B030D-6E8A-4147-A177-3AD203B41FA5}">
                       <a16:colId xmlns:a16="http://schemas.microsoft.com/office/drawing/2014/main" val="1851729959"/>
                     </a:ext>
                   </a:extLst>
                 </a:gridCol>
-                <a:gridCol w="1186337">
+                <a:gridCol w="1094148">
+                  <a:extLst>
+                    <a:ext uri="{9D8B030D-6E8A-4147-A177-3AD203B41FA5}">
+                      <a16:colId xmlns:a16="http://schemas.microsoft.com/office/drawing/2014/main" val="469733988"/>
+                    </a:ext>
+                  </a:extLst>
+                </a:gridCol>
+                <a:gridCol w="1094148">
                   <a:extLst>
                     <a:ext uri="{9D8B030D-6E8A-4147-A177-3AD203B41FA5}">
                       <a16:colId xmlns:a16="http://schemas.microsoft.com/office/drawing/2014/main" val="976838896"/>
+                    </a:ext>
+                  </a:extLst>
+                </a:gridCol>
+                <a:gridCol w="1094148">
+                  <a:extLst>
+                    <a:ext uri="{9D8B030D-6E8A-4147-A177-3AD203B41FA5}">
+                      <a16:colId xmlns:a16="http://schemas.microsoft.com/office/drawing/2014/main" val="923522584"/>
                     </a:ext>
                   </a:extLst>
                 </a:gridCol>
@@ -8131,8 +8145,51 @@
                     <a:p>
                       <a:pPr algn="ctr"/>
                       <a:r>
+                        <a:rPr lang="en-US" sz="1800" dirty="0"/>
+                        <a:t>Total</a:t>
+                      </a:r>
+                    </a:p>
+                    <a:p>
+                      <a:pPr algn="ctr"/>
+                      <a:r>
+                        <a:rPr lang="en-US" sz="1800" dirty="0"/>
+                        <a:t>Points</a:t>
+                      </a:r>
+                      <a:endParaRPr lang="en-GB" sz="1800" dirty="0"/>
+                    </a:p>
+                  </a:txBody>
+                  <a:tcPr anchor="ctr"/>
+                </a:tc>
+                <a:tc>
+                  <a:txBody>
+                    <a:bodyPr/>
+                    <a:lstStyle/>
+                    <a:p>
+                      <a:pPr algn="ctr"/>
+                      <a:r>
                         <a:rPr lang="en-GB" dirty="0"/>
-                        <a:t>Additional Services</a:t>
+                        <a:t>Recurring Services</a:t>
+                      </a:r>
+                    </a:p>
+                  </a:txBody>
+                  <a:tcPr anchor="ctr"/>
+                </a:tc>
+                <a:tc>
+                  <a:txBody>
+                    <a:bodyPr/>
+                    <a:lstStyle/>
+                    <a:p>
+                      <a:pPr algn="ctr"/>
+                      <a:r>
+                        <a:rPr lang="en-GB" dirty="0"/>
+                        <a:t>Blocked</a:t>
+                      </a:r>
+                    </a:p>
+                    <a:p>
+                      <a:pPr algn="ctr"/>
+                      <a:r>
+                        <a:rPr lang="en-GB" dirty="0"/>
+                        <a:t>Services</a:t>
                       </a:r>
                     </a:p>
                   </a:txBody>
@@ -8529,10 +8586,10 @@
       </p:graphicFrame>
       <p:graphicFrame>
         <p:nvGraphicFramePr>
-          <p:cNvPr id="6" name="Table 5">
-            <a:extLst>
-              <a:ext uri="{FF2B5EF4-FFF2-40B4-BE49-F238E27FC236}">
-                <a16:creationId xmlns:a16="http://schemas.microsoft.com/office/drawing/2014/main" id="{F0EAF7C3-6A7B-4DFA-AF36-ADDED0376513}"/>
+          <p:cNvPr id="7" name="Table 9">
+            <a:extLst>
+              <a:ext uri="{FF2B5EF4-FFF2-40B4-BE49-F238E27FC236}">
+                <a16:creationId xmlns:a16="http://schemas.microsoft.com/office/drawing/2014/main" id="{125BFBE6-DAA4-436C-A64D-CD580F198F48}"/>
               </a:ext>
             </a:extLst>
           </p:cNvPr>
@@ -8542,40 +8599,61 @@
           <p:nvPr>
             <p:extLst>
               <p:ext uri="{D42A27DB-BD31-4B8C-83A1-F6EECF244321}">
-                <p14:modId xmlns:p14="http://schemas.microsoft.com/office/powerpoint/2010/main" val="428521994"/>
+                <p14:modId xmlns:p14="http://schemas.microsoft.com/office/powerpoint/2010/main" val="1134334290"/>
               </p:ext>
             </p:extLst>
           </p:nvPr>
         </p:nvGraphicFramePr>
         <p:xfrm>
-          <a:off x="8403602" y="3506148"/>
-          <a:ext cx="3559014" cy="640080"/>
+          <a:off x="296550" y="4511671"/>
+          <a:ext cx="7118022" cy="914400"/>
         </p:xfrm>
         <a:graphic>
           <a:graphicData uri="http://schemas.openxmlformats.org/drawingml/2006/table">
             <a:tbl>
               <a:tblPr firstRow="1" bandRow="1">
-                <a:tableStyleId>{F5AB1C69-6EDB-4FF4-983F-18BD219EF322}</a:tableStyleId>
+                <a:tableStyleId>{93296810-A885-4BE3-A3E7-6D5BEEA58F35}</a:tableStyleId>
               </a:tblPr>
               <a:tblGrid>
-                <a:gridCol w="1186338">
+                <a:gridCol w="1186337">
                   <a:extLst>
                     <a:ext uri="{9D8B030D-6E8A-4147-A177-3AD203B41FA5}">
-                      <a16:colId xmlns:a16="http://schemas.microsoft.com/office/drawing/2014/main" val="2059838879"/>
+                      <a16:colId xmlns:a16="http://schemas.microsoft.com/office/drawing/2014/main" val="201513916"/>
                     </a:ext>
                   </a:extLst>
                 </a:gridCol>
-                <a:gridCol w="1186338">
+                <a:gridCol w="1186337">
                   <a:extLst>
                     <a:ext uri="{9D8B030D-6E8A-4147-A177-3AD203B41FA5}">
-                      <a16:colId xmlns:a16="http://schemas.microsoft.com/office/drawing/2014/main" val="3077536117"/>
+                      <a16:colId xmlns:a16="http://schemas.microsoft.com/office/drawing/2014/main" val="4160908569"/>
                     </a:ext>
                   </a:extLst>
                 </a:gridCol>
-                <a:gridCol w="1186338">
+                <a:gridCol w="1186337">
                   <a:extLst>
                     <a:ext uri="{9D8B030D-6E8A-4147-A177-3AD203B41FA5}">
-                      <a16:colId xmlns:a16="http://schemas.microsoft.com/office/drawing/2014/main" val="2412225613"/>
+                      <a16:colId xmlns:a16="http://schemas.microsoft.com/office/drawing/2014/main" val="3835503643"/>
+                    </a:ext>
+                  </a:extLst>
+                </a:gridCol>
+                <a:gridCol w="1186337">
+                  <a:extLst>
+                    <a:ext uri="{9D8B030D-6E8A-4147-A177-3AD203B41FA5}">
+                      <a16:colId xmlns:a16="http://schemas.microsoft.com/office/drawing/2014/main" val="1590507565"/>
+                    </a:ext>
+                  </a:extLst>
+                </a:gridCol>
+                <a:gridCol w="1186337">
+                  <a:extLst>
+                    <a:ext uri="{9D8B030D-6E8A-4147-A177-3AD203B41FA5}">
+                      <a16:colId xmlns:a16="http://schemas.microsoft.com/office/drawing/2014/main" val="1851729959"/>
+                    </a:ext>
+                  </a:extLst>
+                </a:gridCol>
+                <a:gridCol w="1186337">
+                  <a:extLst>
+                    <a:ext uri="{9D8B030D-6E8A-4147-A177-3AD203B41FA5}">
+                      <a16:colId xmlns:a16="http://schemas.microsoft.com/office/drawing/2014/main" val="4047012724"/>
                     </a:ext>
                   </a:extLst>
                 </a:gridCol>
@@ -8593,17 +8671,6 @@
                             <a:sysClr val="windowText" lastClr="000000"/>
                           </a:solidFill>
                         </a:rPr>
-                        <a:t>Profile_</a:t>
-                      </a:r>
-                    </a:p>
-                    <a:p>
-                      <a:pPr algn="ctr"/>
-                      <a:r>
-                        <a:rPr lang="en-GB" dirty="0">
-                          <a:solidFill>
-                            <a:sysClr val="windowText" lastClr="000000"/>
-                          </a:solidFill>
-                        </a:rPr>
                         <a:t>Free Units</a:t>
                       </a:r>
                     </a:p>
@@ -8611,6 +8678,134 @@
                   <a:tcPr anchor="ctr">
                     <a:solidFill>
                       <a:schemeClr val="bg2"/>
+                    </a:solidFill>
+                  </a:tcPr>
+                </a:tc>
+                <a:tc>
+                  <a:txBody>
+                    <a:bodyPr/>
+                    <a:lstStyle/>
+                    <a:p>
+                      <a:pPr algn="ctr"/>
+                      <a:r>
+                        <a:rPr lang="en-GB" dirty="0"/>
+                        <a:t>Free</a:t>
+                      </a:r>
+                    </a:p>
+                    <a:p>
+                      <a:pPr algn="ctr"/>
+                      <a:r>
+                        <a:rPr lang="en-GB" dirty="0"/>
+                        <a:t>Unit</a:t>
+                      </a:r>
+                    </a:p>
+                    <a:p>
+                      <a:pPr algn="ctr"/>
+                      <a:r>
+                        <a:rPr lang="en-GB" dirty="0"/>
+                        <a:t>ID</a:t>
+                      </a:r>
+                    </a:p>
+                  </a:txBody>
+                  <a:tcPr anchor="ctr">
+                    <a:solidFill>
+                      <a:srgbClr val="92D050"/>
+                    </a:solidFill>
+                  </a:tcPr>
+                </a:tc>
+                <a:tc>
+                  <a:txBody>
+                    <a:bodyPr/>
+                    <a:lstStyle/>
+                    <a:p>
+                      <a:pPr algn="ctr"/>
+                      <a:r>
+                        <a:rPr lang="en-GB" dirty="0"/>
+                        <a:t>Free</a:t>
+                      </a:r>
+                    </a:p>
+                    <a:p>
+                      <a:pPr algn="ctr"/>
+                      <a:r>
+                        <a:rPr lang="en-GB" dirty="0"/>
+                        <a:t>Unit</a:t>
+                      </a:r>
+                    </a:p>
+                    <a:p>
+                      <a:pPr algn="ctr"/>
+                      <a:r>
+                        <a:rPr lang="en-GB" dirty="0"/>
+                        <a:t>Voice</a:t>
+                      </a:r>
+                    </a:p>
+                  </a:txBody>
+                  <a:tcPr anchor="ctr">
+                    <a:solidFill>
+                      <a:srgbClr val="92D050"/>
+                    </a:solidFill>
+                  </a:tcPr>
+                </a:tc>
+                <a:tc>
+                  <a:txBody>
+                    <a:bodyPr/>
+                    <a:lstStyle/>
+                    <a:p>
+                      <a:pPr algn="ctr"/>
+                      <a:r>
+                        <a:rPr lang="en-GB" dirty="0"/>
+                        <a:t>Free</a:t>
+                      </a:r>
+                    </a:p>
+                    <a:p>
+                      <a:pPr algn="ctr"/>
+                      <a:r>
+                        <a:rPr lang="en-GB" dirty="0"/>
+                        <a:t>Unit</a:t>
+                      </a:r>
+                    </a:p>
+                    <a:p>
+                      <a:pPr algn="ctr"/>
+                      <a:r>
+                        <a:rPr lang="en-GB" dirty="0"/>
+                        <a:t>SMS</a:t>
+                      </a:r>
+                    </a:p>
+                  </a:txBody>
+                  <a:tcPr anchor="ctr">
+                    <a:solidFill>
+                      <a:srgbClr val="92D050"/>
+                    </a:solidFill>
+                  </a:tcPr>
+                </a:tc>
+                <a:tc>
+                  <a:txBody>
+                    <a:bodyPr/>
+                    <a:lstStyle/>
+                    <a:p>
+                      <a:pPr algn="ctr"/>
+                      <a:r>
+                        <a:rPr lang="en-GB" dirty="0"/>
+                        <a:t>Free</a:t>
+                      </a:r>
+                    </a:p>
+                    <a:p>
+                      <a:pPr algn="ctr"/>
+                      <a:r>
+                        <a:rPr lang="en-GB" dirty="0"/>
+                        <a:t>Unit</a:t>
+                      </a:r>
+                    </a:p>
+                    <a:p>
+                      <a:pPr algn="ctr"/>
+                      <a:r>
+                        <a:rPr lang="en-GB" dirty="0"/>
+                        <a:t>Internet</a:t>
+                      </a:r>
+                    </a:p>
+                  </a:txBody>
+                  <a:tcPr anchor="ctr">
+                    <a:solidFill>
+                      <a:srgbClr val="92D050"/>
                     </a:solidFill>
                   </a:tcPr>
                 </a:tc>
@@ -8638,245 +8833,14 @@
                       </a:pPr>
                       <a:r>
                         <a:rPr lang="en-GB" dirty="0"/>
-                        <a:t>Profile ID</a:t>
-                      </a:r>
-                    </a:p>
-                  </a:txBody>
-                  <a:tcPr anchor="ctr"/>
-                </a:tc>
-                <a:tc>
-                  <a:txBody>
-                    <a:bodyPr/>
-                    <a:lstStyle/>
+                        <a:t>Free Unit ID</a:t>
+                      </a:r>
+                    </a:p>
                     <a:p>
                       <a:pPr algn="ctr"/>
                       <a:r>
                         <a:rPr lang="en-GB" dirty="0"/>
-                        <a:t>Free Unit ID</a:t>
-                      </a:r>
-                    </a:p>
-                  </a:txBody>
-                  <a:tcPr anchor="ctr"/>
-                </a:tc>
-                <a:extLst>
-                  <a:ext uri="{0D108BD9-81ED-4DB2-BD59-A6C34878D82A}">
-                    <a16:rowId xmlns:a16="http://schemas.microsoft.com/office/drawing/2014/main" val="1505324408"/>
-                  </a:ext>
-                </a:extLst>
-              </a:tr>
-            </a:tbl>
-          </a:graphicData>
-        </a:graphic>
-      </p:graphicFrame>
-      <p:graphicFrame>
-        <p:nvGraphicFramePr>
-          <p:cNvPr id="7" name="Table 9">
-            <a:extLst>
-              <a:ext uri="{FF2B5EF4-FFF2-40B4-BE49-F238E27FC236}">
-                <a16:creationId xmlns:a16="http://schemas.microsoft.com/office/drawing/2014/main" id="{125BFBE6-DAA4-436C-A64D-CD580F198F48}"/>
-              </a:ext>
-            </a:extLst>
-          </p:cNvPr>
-          <p:cNvGraphicFramePr>
-            <a:graphicFrameLocks noGrp="1"/>
-          </p:cNvGraphicFramePr>
-          <p:nvPr>
-            <p:extLst>
-              <p:ext uri="{D42A27DB-BD31-4B8C-83A1-F6EECF244321}">
-                <p14:modId xmlns:p14="http://schemas.microsoft.com/office/powerpoint/2010/main" val="652562663"/>
-              </p:ext>
-            </p:extLst>
-          </p:nvPr>
-        </p:nvGraphicFramePr>
-        <p:xfrm>
-          <a:off x="296552" y="4511671"/>
-          <a:ext cx="5931690" cy="914400"/>
-        </p:xfrm>
-        <a:graphic>
-          <a:graphicData uri="http://schemas.openxmlformats.org/drawingml/2006/table">
-            <a:tbl>
-              <a:tblPr firstRow="1" bandRow="1">
-                <a:tableStyleId>{93296810-A885-4BE3-A3E7-6D5BEEA58F35}</a:tableStyleId>
-              </a:tblPr>
-              <a:tblGrid>
-                <a:gridCol w="1186338">
-                  <a:extLst>
-                    <a:ext uri="{9D8B030D-6E8A-4147-A177-3AD203B41FA5}">
-                      <a16:colId xmlns:a16="http://schemas.microsoft.com/office/drawing/2014/main" val="201513916"/>
-                    </a:ext>
-                  </a:extLst>
-                </a:gridCol>
-                <a:gridCol w="1186338">
-                  <a:extLst>
-                    <a:ext uri="{9D8B030D-6E8A-4147-A177-3AD203B41FA5}">
-                      <a16:colId xmlns:a16="http://schemas.microsoft.com/office/drawing/2014/main" val="4160908569"/>
-                    </a:ext>
-                  </a:extLst>
-                </a:gridCol>
-                <a:gridCol w="1186338">
-                  <a:extLst>
-                    <a:ext uri="{9D8B030D-6E8A-4147-A177-3AD203B41FA5}">
-                      <a16:colId xmlns:a16="http://schemas.microsoft.com/office/drawing/2014/main" val="3835503643"/>
-                    </a:ext>
-                  </a:extLst>
-                </a:gridCol>
-                <a:gridCol w="1186338">
-                  <a:extLst>
-                    <a:ext uri="{9D8B030D-6E8A-4147-A177-3AD203B41FA5}">
-                      <a16:colId xmlns:a16="http://schemas.microsoft.com/office/drawing/2014/main" val="1590507565"/>
-                    </a:ext>
-                  </a:extLst>
-                </a:gridCol>
-                <a:gridCol w="1186338">
-                  <a:extLst>
-                    <a:ext uri="{9D8B030D-6E8A-4147-A177-3AD203B41FA5}">
-                      <a16:colId xmlns:a16="http://schemas.microsoft.com/office/drawing/2014/main" val="1851729959"/>
-                    </a:ext>
-                  </a:extLst>
-                </a:gridCol>
-              </a:tblGrid>
-              <a:tr h="374469">
-                <a:tc>
-                  <a:txBody>
-                    <a:bodyPr/>
-                    <a:lstStyle/>
-                    <a:p>
-                      <a:pPr algn="ctr"/>
-                      <a:r>
-                        <a:rPr lang="en-GB" dirty="0">
-                          <a:solidFill>
-                            <a:sysClr val="windowText" lastClr="000000"/>
-                          </a:solidFill>
-                        </a:rPr>
-                        <a:t>Free Units</a:t>
-                      </a:r>
-                    </a:p>
-                  </a:txBody>
-                  <a:tcPr anchor="ctr">
-                    <a:solidFill>
-                      <a:schemeClr val="bg2"/>
-                    </a:solidFill>
-                  </a:tcPr>
-                </a:tc>
-                <a:tc>
-                  <a:txBody>
-                    <a:bodyPr/>
-                    <a:lstStyle/>
-                    <a:p>
-                      <a:pPr algn="ctr"/>
-                      <a:r>
-                        <a:rPr lang="en-GB" dirty="0"/>
-                        <a:t>Free</a:t>
-                      </a:r>
-                    </a:p>
-                    <a:p>
-                      <a:pPr algn="ctr"/>
-                      <a:r>
-                        <a:rPr lang="en-GB" dirty="0"/>
-                        <a:t>Unit</a:t>
-                      </a:r>
-                    </a:p>
-                    <a:p>
-                      <a:pPr algn="ctr"/>
-                      <a:r>
-                        <a:rPr lang="en-GB" dirty="0"/>
-                        <a:t>ID</a:t>
-                      </a:r>
-                    </a:p>
-                  </a:txBody>
-                  <a:tcPr anchor="ctr">
-                    <a:solidFill>
-                      <a:srgbClr val="92D050"/>
-                    </a:solidFill>
-                  </a:tcPr>
-                </a:tc>
-                <a:tc>
-                  <a:txBody>
-                    <a:bodyPr/>
-                    <a:lstStyle/>
-                    <a:p>
-                      <a:pPr algn="ctr"/>
-                      <a:r>
-                        <a:rPr lang="en-GB" dirty="0"/>
-                        <a:t>Free</a:t>
-                      </a:r>
-                    </a:p>
-                    <a:p>
-                      <a:pPr algn="ctr"/>
-                      <a:r>
-                        <a:rPr lang="en-GB" dirty="0"/>
-                        <a:t>Unit</a:t>
-                      </a:r>
-                    </a:p>
-                    <a:p>
-                      <a:pPr algn="ctr"/>
-                      <a:r>
-                        <a:rPr lang="en-GB" dirty="0"/>
-                        <a:t>Voice</a:t>
-                      </a:r>
-                    </a:p>
-                  </a:txBody>
-                  <a:tcPr anchor="ctr">
-                    <a:solidFill>
-                      <a:srgbClr val="92D050"/>
-                    </a:solidFill>
-                  </a:tcPr>
-                </a:tc>
-                <a:tc>
-                  <a:txBody>
-                    <a:bodyPr/>
-                    <a:lstStyle/>
-                    <a:p>
-                      <a:pPr algn="ctr"/>
-                      <a:r>
-                        <a:rPr lang="en-GB" dirty="0"/>
-                        <a:t>Free</a:t>
-                      </a:r>
-                    </a:p>
-                    <a:p>
-                      <a:pPr algn="ctr"/>
-                      <a:r>
-                        <a:rPr lang="en-GB" dirty="0"/>
-                        <a:t>Unit</a:t>
-                      </a:r>
-                    </a:p>
-                    <a:p>
-                      <a:pPr algn="ctr"/>
-                      <a:r>
-                        <a:rPr lang="en-GB" dirty="0"/>
-                        <a:t>SMS</a:t>
-                      </a:r>
-                    </a:p>
-                  </a:txBody>
-                  <a:tcPr anchor="ctr">
-                    <a:solidFill>
-                      <a:srgbClr val="92D050"/>
-                    </a:solidFill>
-                  </a:tcPr>
-                </a:tc>
-                <a:tc>
-                  <a:txBody>
-                    <a:bodyPr/>
-                    <a:lstStyle/>
-                    <a:p>
-                      <a:pPr algn="ctr"/>
-                      <a:r>
-                        <a:rPr lang="en-GB" dirty="0"/>
-                        <a:t>Free</a:t>
-                      </a:r>
-                    </a:p>
-                    <a:p>
-                      <a:pPr algn="ctr"/>
-                      <a:r>
-                        <a:rPr lang="en-GB" dirty="0"/>
-                        <a:t>Unit</a:t>
-                      </a:r>
-                    </a:p>
-                    <a:p>
-                      <a:pPr algn="ctr"/>
-                      <a:r>
-                        <a:rPr lang="en-GB" dirty="0"/>
-                        <a:t>Internet</a:t>
+                        <a:t>(FK)</a:t>
                       </a:r>
                     </a:p>
                   </a:txBody>
@@ -8911,14 +8875,14 @@
           <p:nvPr>
             <p:extLst>
               <p:ext uri="{D42A27DB-BD31-4B8C-83A1-F6EECF244321}">
-                <p14:modId xmlns:p14="http://schemas.microsoft.com/office/powerpoint/2010/main" val="1960369115"/>
+                <p14:modId xmlns:p14="http://schemas.microsoft.com/office/powerpoint/2010/main" val="4195687127"/>
               </p:ext>
             </p:extLst>
           </p:nvPr>
         </p:nvGraphicFramePr>
         <p:xfrm>
-          <a:off x="296552" y="5791514"/>
-          <a:ext cx="10369832" cy="914400"/>
+          <a:off x="296550" y="5791514"/>
+          <a:ext cx="11713194" cy="914400"/>
         </p:xfrm>
         <a:graphic>
           <a:graphicData uri="http://schemas.openxmlformats.org/drawingml/2006/table">
@@ -8927,56 +8891,63 @@
                 <a:tableStyleId>{21E4AEA4-8DFA-4A89-87EB-49C32662AFE0}</a:tableStyleId>
               </a:tblPr>
               <a:tblGrid>
-                <a:gridCol w="1296229">
+                <a:gridCol w="1301466">
                   <a:extLst>
                     <a:ext uri="{9D8B030D-6E8A-4147-A177-3AD203B41FA5}">
                       <a16:colId xmlns:a16="http://schemas.microsoft.com/office/drawing/2014/main" val="2544850993"/>
                     </a:ext>
                   </a:extLst>
                 </a:gridCol>
-                <a:gridCol w="1296229">
+                <a:gridCol w="1301466">
                   <a:extLst>
                     <a:ext uri="{9D8B030D-6E8A-4147-A177-3AD203B41FA5}">
                       <a16:colId xmlns:a16="http://schemas.microsoft.com/office/drawing/2014/main" val="4160908569"/>
                     </a:ext>
                   </a:extLst>
                 </a:gridCol>
-                <a:gridCol w="1296229">
+                <a:gridCol w="1301466">
                   <a:extLst>
                     <a:ext uri="{9D8B030D-6E8A-4147-A177-3AD203B41FA5}">
                       <a16:colId xmlns:a16="http://schemas.microsoft.com/office/drawing/2014/main" val="3835503643"/>
                     </a:ext>
                   </a:extLst>
                 </a:gridCol>
-                <a:gridCol w="1296229">
+                <a:gridCol w="1301466">
                   <a:extLst>
                     <a:ext uri="{9D8B030D-6E8A-4147-A177-3AD203B41FA5}">
                       <a16:colId xmlns:a16="http://schemas.microsoft.com/office/drawing/2014/main" val="1590507565"/>
                     </a:ext>
                   </a:extLst>
                 </a:gridCol>
-                <a:gridCol w="1296229">
+                <a:gridCol w="1301466">
+                  <a:extLst>
+                    <a:ext uri="{9D8B030D-6E8A-4147-A177-3AD203B41FA5}">
+                      <a16:colId xmlns:a16="http://schemas.microsoft.com/office/drawing/2014/main" val="3395348303"/>
+                    </a:ext>
+                  </a:extLst>
+                </a:gridCol>
+                <a:gridCol w="1301466">
                   <a:extLst>
                     <a:ext uri="{9D8B030D-6E8A-4147-A177-3AD203B41FA5}">
                       <a16:colId xmlns:a16="http://schemas.microsoft.com/office/drawing/2014/main" val="1851729959"/>
                     </a:ext>
                   </a:extLst>
                 </a:gridCol>
-                <a:gridCol w="1296229">
+                <a:gridCol w="1301466">
                   <a:extLst>
                     <a:ext uri="{9D8B030D-6E8A-4147-A177-3AD203B41FA5}">
                       <a16:colId xmlns:a16="http://schemas.microsoft.com/office/drawing/2014/main" val="976838896"/>
                     </a:ext>
                   </a:extLst>
                 </a:gridCol>
-                <a:gridCol w="1296229">
+                <a:gridCol w="1301466">
                   <a:extLst>
                     <a:ext uri="{9D8B030D-6E8A-4147-A177-3AD203B41FA5}">
                       <a16:colId xmlns:a16="http://schemas.microsoft.com/office/drawing/2014/main" val="593576195"/>
                     </a:ext>
                   </a:extLst>
                 </a:gridCol>
-                <a:gridCol w="1296229">
+                <a:gridCol w="1301466">
                   <a:extLst>
                     <a:ext uri="{9D8B030D-6E8A-4147-A177-3AD203B41FA5}">
                       <a16:colId xmlns:a16="http://schemas.microsoft.com/office/drawing/2014/main" val="1376094664"/>
@@ -9120,6 +9091,28 @@
                     <a:p>
                       <a:pPr algn="ctr"/>
                       <a:r>
+                        <a:rPr lang="en-US" altLang="en-US" sz="1600" dirty="0"/>
+                        <a:t>Rate</a:t>
+                      </a:r>
+                    </a:p>
+                    <a:p>
+                      <a:pPr algn="ctr"/>
+                      <a:r>
+                        <a:rPr lang="en-US" sz="1600" dirty="0"/>
+                        <a:t>Points</a:t>
+                      </a:r>
+                      <a:endParaRPr lang="en-GB" sz="1600" dirty="0"/>
+                    </a:p>
+                  </a:txBody>
+                  <a:tcPr anchor="ctr"/>
+                </a:tc>
+                <a:tc>
+                  <a:txBody>
+                    <a:bodyPr/>
+                    <a:lstStyle/>
+                    <a:p>
+                      <a:pPr algn="ctr"/>
+                      <a:r>
                         <a:rPr lang="en-GB" sz="1100" dirty="0"/>
                         <a:t>Fees</a:t>
                       </a:r>
@@ -9250,14 +9243,14 @@
           <p:nvPr>
             <p:extLst>
               <p:ext uri="{D42A27DB-BD31-4B8C-83A1-F6EECF244321}">
-                <p14:modId xmlns:p14="http://schemas.microsoft.com/office/powerpoint/2010/main" val="2194798429"/>
+                <p14:modId xmlns:p14="http://schemas.microsoft.com/office/powerpoint/2010/main" val="2036670688"/>
               </p:ext>
             </p:extLst>
           </p:nvPr>
         </p:nvGraphicFramePr>
         <p:xfrm>
-          <a:off x="8040624" y="4648673"/>
-          <a:ext cx="3921992" cy="640080"/>
+          <a:off x="8493111" y="4128316"/>
+          <a:ext cx="2941494" cy="640080"/>
         </p:xfrm>
         <a:graphic>
           <a:graphicData uri="http://schemas.openxmlformats.org/drawingml/2006/table">
@@ -9287,13 +9280,6 @@
                     </a:ext>
                   </a:extLst>
                 </a:gridCol>
-                <a:gridCol w="980498">
-                  <a:extLst>
-                    <a:ext uri="{9D8B030D-6E8A-4147-A177-3AD203B41FA5}">
-                      <a16:colId xmlns:a16="http://schemas.microsoft.com/office/drawing/2014/main" val="1493320668"/>
-                    </a:ext>
-                  </a:extLst>
-                </a:gridCol>
               </a:tblGrid>
               <a:tr h="374469">
                 <a:tc>
@@ -9358,28 +9344,6 @@
                         <a:rPr lang="en-GB" sz="1800" dirty="0"/>
                         <a:t>Service Name</a:t>
                       </a:r>
-                    </a:p>
-                  </a:txBody>
-                  <a:tcPr anchor="ctr"/>
-                </a:tc>
-                <a:tc>
-                  <a:txBody>
-                    <a:bodyPr/>
-                    <a:lstStyle/>
-                    <a:p>
-                      <a:pPr algn="ctr"/>
-                      <a:r>
-                        <a:rPr lang="en-US" altLang="en-US" sz="1800" dirty="0"/>
-                        <a:t>Rate</a:t>
-                      </a:r>
-                    </a:p>
-                    <a:p>
-                      <a:pPr algn="ctr"/>
-                      <a:r>
-                        <a:rPr lang="en-US" sz="1800" dirty="0"/>
-                        <a:t>Points</a:t>
-                      </a:r>
-                      <a:endParaRPr lang="en-GB" sz="1800" dirty="0"/>
                     </a:p>
                   </a:txBody>
                   <a:tcPr anchor="ctr"/>

--- a/Database Documentation/Database Documentation.pptx
+++ b/Database Documentation/Database Documentation.pptx
@@ -10,7 +10,8 @@
     <p:sldId id="259" r:id="rId4"/>
     <p:sldId id="260" r:id="rId5"/>
     <p:sldId id="261" r:id="rId6"/>
-    <p:sldId id="258" r:id="rId7"/>
+    <p:sldId id="263" r:id="rId7"/>
+    <p:sldId id="258" r:id="rId8"/>
   </p:sldIdLst>
   <p:sldSz cx="12192000" cy="6858000"/>
   <p:notesSz cx="6858000" cy="9144000"/>
@@ -4707,14 +4708,14 @@
           <p:nvPr>
             <p:extLst>
               <p:ext uri="{D42A27DB-BD31-4B8C-83A1-F6EECF244321}">
-                <p14:modId xmlns:p14="http://schemas.microsoft.com/office/powerpoint/2010/main" val="1096974886"/>
+                <p14:modId xmlns:p14="http://schemas.microsoft.com/office/powerpoint/2010/main" val="2743244485"/>
               </p:ext>
             </p:extLst>
           </p:nvPr>
         </p:nvGraphicFramePr>
         <p:xfrm>
           <a:off x="398872" y="6011472"/>
-          <a:ext cx="11309416" cy="731520"/>
+          <a:ext cx="11309420" cy="731520"/>
         </p:xfrm>
         <a:graphic>
           <a:graphicData uri="http://schemas.openxmlformats.org/drawingml/2006/table">
@@ -4723,59 +4724,73 @@
                 <a:tableStyleId>{00A15C55-8517-42AA-B614-E9B94910E393}</a:tableStyleId>
               </a:tblPr>
               <a:tblGrid>
-                <a:gridCol w="1413677">
+                <a:gridCol w="1130942">
                   <a:extLst>
                     <a:ext uri="{9D8B030D-6E8A-4147-A177-3AD203B41FA5}">
                       <a16:colId xmlns:a16="http://schemas.microsoft.com/office/drawing/2014/main" val="201513916"/>
                     </a:ext>
                   </a:extLst>
                 </a:gridCol>
-                <a:gridCol w="1413677">
+                <a:gridCol w="1130942">
+                  <a:extLst>
+                    <a:ext uri="{9D8B030D-6E8A-4147-A177-3AD203B41FA5}">
+                      <a16:colId xmlns:a16="http://schemas.microsoft.com/office/drawing/2014/main" val="2807766398"/>
+                    </a:ext>
+                  </a:extLst>
+                </a:gridCol>
+                <a:gridCol w="1130942">
                   <a:extLst>
                     <a:ext uri="{9D8B030D-6E8A-4147-A177-3AD203B41FA5}">
                       <a16:colId xmlns:a16="http://schemas.microsoft.com/office/drawing/2014/main" val="4160908569"/>
                     </a:ext>
                   </a:extLst>
                 </a:gridCol>
-                <a:gridCol w="1413677">
+                <a:gridCol w="1130942">
                   <a:extLst>
                     <a:ext uri="{9D8B030D-6E8A-4147-A177-3AD203B41FA5}">
                       <a16:colId xmlns:a16="http://schemas.microsoft.com/office/drawing/2014/main" val="3835503643"/>
                     </a:ext>
                   </a:extLst>
                 </a:gridCol>
-                <a:gridCol w="1413677">
+                <a:gridCol w="1130942">
                   <a:extLst>
                     <a:ext uri="{9D8B030D-6E8A-4147-A177-3AD203B41FA5}">
                       <a16:colId xmlns:a16="http://schemas.microsoft.com/office/drawing/2014/main" val="1590507565"/>
                     </a:ext>
                   </a:extLst>
                 </a:gridCol>
-                <a:gridCol w="1413677">
+                <a:gridCol w="1130942">
                   <a:extLst>
                     <a:ext uri="{9D8B030D-6E8A-4147-A177-3AD203B41FA5}">
                       <a16:colId xmlns:a16="http://schemas.microsoft.com/office/drawing/2014/main" val="1851729959"/>
                     </a:ext>
                   </a:extLst>
                 </a:gridCol>
-                <a:gridCol w="1413677">
+                <a:gridCol w="1130942">
                   <a:extLst>
                     <a:ext uri="{9D8B030D-6E8A-4147-A177-3AD203B41FA5}">
                       <a16:colId xmlns:a16="http://schemas.microsoft.com/office/drawing/2014/main" val="976838896"/>
                     </a:ext>
                   </a:extLst>
                 </a:gridCol>
-                <a:gridCol w="1413677">
+                <a:gridCol w="1130942">
                   <a:extLst>
                     <a:ext uri="{9D8B030D-6E8A-4147-A177-3AD203B41FA5}">
                       <a16:colId xmlns:a16="http://schemas.microsoft.com/office/drawing/2014/main" val="1295158081"/>
                     </a:ext>
                   </a:extLst>
                 </a:gridCol>
-                <a:gridCol w="1413677">
+                <a:gridCol w="1130942">
                   <a:extLst>
                     <a:ext uri="{9D8B030D-6E8A-4147-A177-3AD203B41FA5}">
                       <a16:colId xmlns:a16="http://schemas.microsoft.com/office/drawing/2014/main" val="3012835852"/>
+                    </a:ext>
+                  </a:extLst>
+                </a:gridCol>
+                <a:gridCol w="1130942">
+                  <a:extLst>
+                    <a:ext uri="{9D8B030D-6E8A-4147-A177-3AD203B41FA5}">
+                      <a16:colId xmlns:a16="http://schemas.microsoft.com/office/drawing/2014/main" val="2548652607"/>
                     </a:ext>
                   </a:extLst>
                 </a:gridCol>
@@ -4800,6 +4815,39 @@
                   <a:tcPr anchor="ctr">
                     <a:solidFill>
                       <a:schemeClr val="bg2"/>
+                    </a:solidFill>
+                  </a:tcPr>
+                </a:tc>
+                <a:tc>
+                  <a:txBody>
+                    <a:bodyPr/>
+                    <a:lstStyle/>
+                    <a:p>
+                      <a:pPr algn="ctr"/>
+                      <a:r>
+                        <a:rPr lang="en-GB" dirty="0">
+                          <a:solidFill>
+                            <a:schemeClr val="bg1"/>
+                          </a:solidFill>
+                        </a:rPr>
+                        <a:t>CDR</a:t>
+                      </a:r>
+                    </a:p>
+                    <a:p>
+                      <a:pPr algn="ctr"/>
+                      <a:r>
+                        <a:rPr lang="en-GB" dirty="0">
+                          <a:solidFill>
+                            <a:schemeClr val="bg1"/>
+                          </a:solidFill>
+                        </a:rPr>
+                        <a:t>ID (PK)</a:t>
+                      </a:r>
+                    </a:p>
+                  </a:txBody>
+                  <a:tcPr anchor="ctr">
+                    <a:solidFill>
+                      <a:srgbClr val="FFC000"/>
                     </a:solidFill>
                   </a:tcPr>
                 </a:tc>
@@ -4950,6 +4998,37 @@
                   </a:txBody>
                   <a:tcPr anchor="ctr"/>
                 </a:tc>
+                <a:tc>
+                  <a:txBody>
+                    <a:bodyPr/>
+                    <a:lstStyle/>
+                    <a:p>
+                      <a:pPr marL="0" marR="0" lvl="0" indent="0" algn="ctr" defTabSz="914400" rtl="0" eaLnBrk="1" fontAlgn="auto" latinLnBrk="0" hangingPunct="1">
+                        <a:lnSpc>
+                          <a:spcPct val="100000"/>
+                        </a:lnSpc>
+                        <a:spcBef>
+                          <a:spcPts val="0"/>
+                        </a:spcBef>
+                        <a:spcAft>
+                          <a:spcPts val="0"/>
+                        </a:spcAft>
+                        <a:buClrTx/>
+                        <a:buSzTx/>
+                        <a:buFontTx/>
+                        <a:buNone/>
+                        <a:tabLst/>
+                        <a:defRPr/>
+                      </a:pPr>
+                      <a:r>
+                        <a:rPr lang="en-US" altLang="en-US" sz="1800" dirty="0" err="1"/>
+                        <a:t>Is_Rating</a:t>
+                      </a:r>
+                      <a:endParaRPr lang="en-US" altLang="en-US" sz="1800" dirty="0"/>
+                    </a:p>
+                  </a:txBody>
+                  <a:tcPr anchor="ctr"/>
+                </a:tc>
                 <a:extLst>
                   <a:ext uri="{0D108BD9-81ED-4DB2-BD59-A6C34878D82A}">
                     <a16:rowId xmlns:a16="http://schemas.microsoft.com/office/drawing/2014/main" val="3577827613"/>
@@ -5000,6 +5079,744 @@
           </a:p>
         </p:txBody>
       </p:sp>
+      <p:cxnSp>
+        <p:nvCxnSpPr>
+          <p:cNvPr id="36" name="Straight Connector 35">
+            <a:extLst>
+              <a:ext uri="{FF2B5EF4-FFF2-40B4-BE49-F238E27FC236}">
+                <a16:creationId xmlns:a16="http://schemas.microsoft.com/office/drawing/2014/main" id="{F1D31FDD-AA14-4157-A1AD-0D55A4E33C82}"/>
+              </a:ext>
+            </a:extLst>
+          </p:cNvPr>
+          <p:cNvCxnSpPr>
+            <a:cxnSpLocks/>
+            <a:stCxn id="42" idx="2"/>
+          </p:cNvCxnSpPr>
+          <p:nvPr/>
+        </p:nvCxnSpPr>
+        <p:spPr>
+          <a:xfrm>
+            <a:off x="2339360" y="3533894"/>
+            <a:ext cx="207384" cy="531856"/>
+          </a:xfrm>
+          <a:prstGeom prst="line">
+            <a:avLst/>
+          </a:prstGeom>
+          <a:ln w="76200"/>
+        </p:spPr>
+        <p:style>
+          <a:lnRef idx="3">
+            <a:schemeClr val="accent1"/>
+          </a:lnRef>
+          <a:fillRef idx="0">
+            <a:schemeClr val="accent1"/>
+          </a:fillRef>
+          <a:effectRef idx="2">
+            <a:schemeClr val="accent1"/>
+          </a:effectRef>
+          <a:fontRef idx="minor">
+            <a:schemeClr val="tx1"/>
+          </a:fontRef>
+        </p:style>
+      </p:cxnSp>
+      <p:sp>
+        <p:nvSpPr>
+          <p:cNvPr id="37" name="Rectangle 36">
+            <a:extLst>
+              <a:ext uri="{FF2B5EF4-FFF2-40B4-BE49-F238E27FC236}">
+                <a16:creationId xmlns:a16="http://schemas.microsoft.com/office/drawing/2014/main" id="{55046FA9-86D8-42A0-840C-E82D192BA36C}"/>
+              </a:ext>
+            </a:extLst>
+          </p:cNvPr>
+          <p:cNvSpPr/>
+          <p:nvPr/>
+        </p:nvSpPr>
+        <p:spPr>
+          <a:xfrm>
+            <a:off x="1733132" y="4032937"/>
+            <a:ext cx="1606881" cy="669302"/>
+          </a:xfrm>
+          <a:prstGeom prst="rect">
+            <a:avLst/>
+          </a:prstGeom>
+        </p:spPr>
+        <p:style>
+          <a:lnRef idx="2">
+            <a:schemeClr val="accent1">
+              <a:shade val="50000"/>
+            </a:schemeClr>
+          </a:lnRef>
+          <a:fillRef idx="1">
+            <a:schemeClr val="accent1"/>
+          </a:fillRef>
+          <a:effectRef idx="0">
+            <a:schemeClr val="accent1"/>
+          </a:effectRef>
+          <a:fontRef idx="minor">
+            <a:schemeClr val="lt1"/>
+          </a:fontRef>
+        </p:style>
+        <p:txBody>
+          <a:bodyPr rtlCol="0" anchor="ctr"/>
+          <a:lstStyle/>
+          <a:p>
+            <a:pPr algn="ctr"/>
+            <a:r>
+              <a:rPr lang="en-GB" dirty="0"/>
+              <a:t>Free Units</a:t>
+            </a:r>
+          </a:p>
+        </p:txBody>
+      </p:sp>
+      <p:sp>
+        <p:nvSpPr>
+          <p:cNvPr id="38" name="Oval 37">
+            <a:extLst>
+              <a:ext uri="{FF2B5EF4-FFF2-40B4-BE49-F238E27FC236}">
+                <a16:creationId xmlns:a16="http://schemas.microsoft.com/office/drawing/2014/main" id="{547216F5-750B-408E-824E-5B8400E2947F}"/>
+              </a:ext>
+            </a:extLst>
+          </p:cNvPr>
+          <p:cNvSpPr/>
+          <p:nvPr/>
+        </p:nvSpPr>
+        <p:spPr>
+          <a:xfrm>
+            <a:off x="47495" y="3757808"/>
+            <a:ext cx="1178350" cy="669302"/>
+          </a:xfrm>
+          <a:prstGeom prst="ellipse">
+            <a:avLst/>
+          </a:prstGeom>
+          <a:solidFill>
+            <a:srgbClr val="4472C4"/>
+          </a:solidFill>
+        </p:spPr>
+        <p:style>
+          <a:lnRef idx="1">
+            <a:schemeClr val="accent1"/>
+          </a:lnRef>
+          <a:fillRef idx="2">
+            <a:schemeClr val="accent1"/>
+          </a:fillRef>
+          <a:effectRef idx="1">
+            <a:schemeClr val="accent1"/>
+          </a:effectRef>
+          <a:fontRef idx="minor">
+            <a:schemeClr val="dk1"/>
+          </a:fontRef>
+        </p:style>
+        <p:txBody>
+          <a:bodyPr rtlCol="0" anchor="ctr"/>
+          <a:lstStyle/>
+          <a:p>
+            <a:pPr algn="ctr"/>
+            <a:r>
+              <a:rPr lang="en-GB" dirty="0">
+                <a:solidFill>
+                  <a:schemeClr val="bg1"/>
+                </a:solidFill>
+              </a:rPr>
+              <a:t>Free</a:t>
+            </a:r>
+          </a:p>
+          <a:p>
+            <a:pPr algn="ctr"/>
+            <a:r>
+              <a:rPr lang="en-GB" dirty="0">
+                <a:solidFill>
+                  <a:schemeClr val="bg1"/>
+                </a:solidFill>
+              </a:rPr>
+              <a:t>Unit</a:t>
+            </a:r>
+          </a:p>
+          <a:p>
+            <a:pPr algn="ctr"/>
+            <a:r>
+              <a:rPr lang="en-GB" dirty="0">
+                <a:solidFill>
+                  <a:schemeClr val="bg1"/>
+                </a:solidFill>
+              </a:rPr>
+              <a:t>ID</a:t>
+            </a:r>
+          </a:p>
+        </p:txBody>
+      </p:sp>
+      <p:cxnSp>
+        <p:nvCxnSpPr>
+          <p:cNvPr id="39" name="Straight Connector 38">
+            <a:extLst>
+              <a:ext uri="{FF2B5EF4-FFF2-40B4-BE49-F238E27FC236}">
+                <a16:creationId xmlns:a16="http://schemas.microsoft.com/office/drawing/2014/main" id="{46A82B20-20D4-43E9-A15C-D28E327C31B6}"/>
+              </a:ext>
+            </a:extLst>
+          </p:cNvPr>
+          <p:cNvCxnSpPr>
+            <a:cxnSpLocks/>
+            <a:endCxn id="37" idx="1"/>
+          </p:cNvCxnSpPr>
+          <p:nvPr/>
+        </p:nvCxnSpPr>
+        <p:spPr>
+          <a:xfrm>
+            <a:off x="1141004" y="4092459"/>
+            <a:ext cx="592128" cy="275129"/>
+          </a:xfrm>
+          <a:prstGeom prst="line">
+            <a:avLst/>
+          </a:prstGeom>
+        </p:spPr>
+        <p:style>
+          <a:lnRef idx="1">
+            <a:schemeClr val="accent1"/>
+          </a:lnRef>
+          <a:fillRef idx="2">
+            <a:schemeClr val="accent1"/>
+          </a:fillRef>
+          <a:effectRef idx="1">
+            <a:schemeClr val="accent1"/>
+          </a:effectRef>
+          <a:fontRef idx="minor">
+            <a:schemeClr val="dk1"/>
+          </a:fontRef>
+        </p:style>
+      </p:cxnSp>
+      <p:sp>
+        <p:nvSpPr>
+          <p:cNvPr id="40" name="Oval 39">
+            <a:extLst>
+              <a:ext uri="{FF2B5EF4-FFF2-40B4-BE49-F238E27FC236}">
+                <a16:creationId xmlns:a16="http://schemas.microsoft.com/office/drawing/2014/main" id="{D132DD84-8FB4-4E10-AF55-7DE275A0CA66}"/>
+              </a:ext>
+            </a:extLst>
+          </p:cNvPr>
+          <p:cNvSpPr/>
+          <p:nvPr/>
+        </p:nvSpPr>
+        <p:spPr>
+          <a:xfrm>
+            <a:off x="3372654" y="2906676"/>
+            <a:ext cx="1367671" cy="669302"/>
+          </a:xfrm>
+          <a:prstGeom prst="ellipse">
+            <a:avLst/>
+          </a:prstGeom>
+          <a:solidFill>
+            <a:srgbClr val="4472C4"/>
+          </a:solidFill>
+        </p:spPr>
+        <p:style>
+          <a:lnRef idx="1">
+            <a:schemeClr val="accent1"/>
+          </a:lnRef>
+          <a:fillRef idx="2">
+            <a:schemeClr val="accent1"/>
+          </a:fillRef>
+          <a:effectRef idx="1">
+            <a:schemeClr val="accent1"/>
+          </a:effectRef>
+          <a:fontRef idx="minor">
+            <a:schemeClr val="dk1"/>
+          </a:fontRef>
+        </p:style>
+        <p:txBody>
+          <a:bodyPr rtlCol="0" anchor="ctr"/>
+          <a:lstStyle/>
+          <a:p>
+            <a:pPr algn="ctr"/>
+            <a:r>
+              <a:rPr lang="en-GB" dirty="0">
+                <a:solidFill>
+                  <a:schemeClr val="bg1"/>
+                </a:solidFill>
+              </a:rPr>
+              <a:t>Free</a:t>
+            </a:r>
+          </a:p>
+          <a:p>
+            <a:pPr algn="ctr"/>
+            <a:r>
+              <a:rPr lang="en-GB" dirty="0">
+                <a:solidFill>
+                  <a:schemeClr val="bg1"/>
+                </a:solidFill>
+              </a:rPr>
+              <a:t>Unit</a:t>
+            </a:r>
+          </a:p>
+          <a:p>
+            <a:pPr algn="ctr"/>
+            <a:r>
+              <a:rPr lang="en-GB" dirty="0">
+                <a:solidFill>
+                  <a:schemeClr val="bg1"/>
+                </a:solidFill>
+              </a:rPr>
+              <a:t>Voice</a:t>
+            </a:r>
+          </a:p>
+        </p:txBody>
+      </p:sp>
+      <p:cxnSp>
+        <p:nvCxnSpPr>
+          <p:cNvPr id="41" name="Straight Connector 40">
+            <a:extLst>
+              <a:ext uri="{FF2B5EF4-FFF2-40B4-BE49-F238E27FC236}">
+                <a16:creationId xmlns:a16="http://schemas.microsoft.com/office/drawing/2014/main" id="{63665CE9-2EFD-4CF9-8598-ADB4D00C5947}"/>
+              </a:ext>
+            </a:extLst>
+          </p:cNvPr>
+          <p:cNvCxnSpPr>
+            <a:cxnSpLocks/>
+            <a:stCxn id="40" idx="2"/>
+          </p:cNvCxnSpPr>
+          <p:nvPr/>
+        </p:nvCxnSpPr>
+        <p:spPr>
+          <a:xfrm flipH="1">
+            <a:off x="3008503" y="3241327"/>
+            <a:ext cx="364151" cy="791610"/>
+          </a:xfrm>
+          <a:prstGeom prst="line">
+            <a:avLst/>
+          </a:prstGeom>
+        </p:spPr>
+        <p:style>
+          <a:lnRef idx="1">
+            <a:schemeClr val="accent1"/>
+          </a:lnRef>
+          <a:fillRef idx="2">
+            <a:schemeClr val="accent1"/>
+          </a:fillRef>
+          <a:effectRef idx="1">
+            <a:schemeClr val="accent1"/>
+          </a:effectRef>
+          <a:fontRef idx="minor">
+            <a:schemeClr val="dk1"/>
+          </a:fontRef>
+        </p:style>
+      </p:cxnSp>
+      <p:sp>
+        <p:nvSpPr>
+          <p:cNvPr id="42" name="Diamond 41">
+            <a:extLst>
+              <a:ext uri="{FF2B5EF4-FFF2-40B4-BE49-F238E27FC236}">
+                <a16:creationId xmlns:a16="http://schemas.microsoft.com/office/drawing/2014/main" id="{55818513-7CE8-4984-8242-A558925C4C49}"/>
+              </a:ext>
+            </a:extLst>
+          </p:cNvPr>
+          <p:cNvSpPr/>
+          <p:nvPr/>
+        </p:nvSpPr>
+        <p:spPr>
+          <a:xfrm>
+            <a:off x="1660630" y="2284872"/>
+            <a:ext cx="1357460" cy="1249022"/>
+          </a:xfrm>
+          <a:prstGeom prst="diamond">
+            <a:avLst/>
+          </a:prstGeom>
+        </p:spPr>
+        <p:style>
+          <a:lnRef idx="1">
+            <a:schemeClr val="dk1"/>
+          </a:lnRef>
+          <a:fillRef idx="2">
+            <a:schemeClr val="dk1"/>
+          </a:fillRef>
+          <a:effectRef idx="1">
+            <a:schemeClr val="dk1"/>
+          </a:effectRef>
+          <a:fontRef idx="minor">
+            <a:schemeClr val="dk1"/>
+          </a:fontRef>
+        </p:style>
+        <p:txBody>
+          <a:bodyPr rtlCol="0" anchor="ctr"/>
+          <a:lstStyle/>
+          <a:p>
+            <a:pPr algn="ctr"/>
+            <a:r>
+              <a:rPr lang="en-GB" dirty="0"/>
+              <a:t>Have</a:t>
+            </a:r>
+          </a:p>
+        </p:txBody>
+      </p:sp>
+      <p:sp>
+        <p:nvSpPr>
+          <p:cNvPr id="43" name="Oval 42">
+            <a:extLst>
+              <a:ext uri="{FF2B5EF4-FFF2-40B4-BE49-F238E27FC236}">
+                <a16:creationId xmlns:a16="http://schemas.microsoft.com/office/drawing/2014/main" id="{48612B0C-C550-4F1D-9BFB-ABF8206DA165}"/>
+              </a:ext>
+            </a:extLst>
+          </p:cNvPr>
+          <p:cNvSpPr/>
+          <p:nvPr/>
+        </p:nvSpPr>
+        <p:spPr>
+          <a:xfrm>
+            <a:off x="4096943" y="4358930"/>
+            <a:ext cx="1367671" cy="669302"/>
+          </a:xfrm>
+          <a:prstGeom prst="ellipse">
+            <a:avLst/>
+          </a:prstGeom>
+          <a:solidFill>
+            <a:srgbClr val="4472C4"/>
+          </a:solidFill>
+        </p:spPr>
+        <p:style>
+          <a:lnRef idx="1">
+            <a:schemeClr val="accent1"/>
+          </a:lnRef>
+          <a:fillRef idx="2">
+            <a:schemeClr val="accent1"/>
+          </a:fillRef>
+          <a:effectRef idx="1">
+            <a:schemeClr val="accent1"/>
+          </a:effectRef>
+          <a:fontRef idx="minor">
+            <a:schemeClr val="dk1"/>
+          </a:fontRef>
+        </p:style>
+        <p:txBody>
+          <a:bodyPr rtlCol="0" anchor="ctr"/>
+          <a:lstStyle/>
+          <a:p>
+            <a:pPr algn="ctr"/>
+            <a:r>
+              <a:rPr lang="en-GB" dirty="0">
+                <a:solidFill>
+                  <a:schemeClr val="bg1"/>
+                </a:solidFill>
+              </a:rPr>
+              <a:t>Free</a:t>
+            </a:r>
+          </a:p>
+          <a:p>
+            <a:pPr algn="ctr"/>
+            <a:r>
+              <a:rPr lang="en-GB" dirty="0">
+                <a:solidFill>
+                  <a:schemeClr val="bg1"/>
+                </a:solidFill>
+              </a:rPr>
+              <a:t>Unit</a:t>
+            </a:r>
+          </a:p>
+          <a:p>
+            <a:pPr algn="ctr"/>
+            <a:r>
+              <a:rPr lang="en-GB" dirty="0">
+                <a:solidFill>
+                  <a:schemeClr val="bg1"/>
+                </a:solidFill>
+              </a:rPr>
+              <a:t>SMS</a:t>
+            </a:r>
+          </a:p>
+        </p:txBody>
+      </p:sp>
+      <p:cxnSp>
+        <p:nvCxnSpPr>
+          <p:cNvPr id="44" name="Straight Connector 43">
+            <a:extLst>
+              <a:ext uri="{FF2B5EF4-FFF2-40B4-BE49-F238E27FC236}">
+                <a16:creationId xmlns:a16="http://schemas.microsoft.com/office/drawing/2014/main" id="{9869FA83-CDD4-4EFC-95DF-CD00D3C60292}"/>
+              </a:ext>
+            </a:extLst>
+          </p:cNvPr>
+          <p:cNvCxnSpPr>
+            <a:cxnSpLocks/>
+            <a:stCxn id="43" idx="2"/>
+            <a:endCxn id="37" idx="3"/>
+          </p:cNvCxnSpPr>
+          <p:nvPr/>
+        </p:nvCxnSpPr>
+        <p:spPr>
+          <a:xfrm flipH="1" flipV="1">
+            <a:off x="3340013" y="4367588"/>
+            <a:ext cx="756930" cy="325993"/>
+          </a:xfrm>
+          <a:prstGeom prst="line">
+            <a:avLst/>
+          </a:prstGeom>
+        </p:spPr>
+        <p:style>
+          <a:lnRef idx="1">
+            <a:schemeClr val="accent1"/>
+          </a:lnRef>
+          <a:fillRef idx="2">
+            <a:schemeClr val="accent1"/>
+          </a:fillRef>
+          <a:effectRef idx="1">
+            <a:schemeClr val="accent1"/>
+          </a:effectRef>
+          <a:fontRef idx="minor">
+            <a:schemeClr val="dk1"/>
+          </a:fontRef>
+        </p:style>
+      </p:cxnSp>
+      <p:sp>
+        <p:nvSpPr>
+          <p:cNvPr id="45" name="Oval 44">
+            <a:extLst>
+              <a:ext uri="{FF2B5EF4-FFF2-40B4-BE49-F238E27FC236}">
+                <a16:creationId xmlns:a16="http://schemas.microsoft.com/office/drawing/2014/main" id="{FF908393-921E-4E9E-9729-FD507A8AC9AA}"/>
+              </a:ext>
+            </a:extLst>
+          </p:cNvPr>
+          <p:cNvSpPr/>
+          <p:nvPr/>
+        </p:nvSpPr>
+        <p:spPr>
+          <a:xfrm>
+            <a:off x="4657085" y="3467098"/>
+            <a:ext cx="1367671" cy="669302"/>
+          </a:xfrm>
+          <a:prstGeom prst="ellipse">
+            <a:avLst/>
+          </a:prstGeom>
+          <a:solidFill>
+            <a:srgbClr val="4472C4"/>
+          </a:solidFill>
+        </p:spPr>
+        <p:style>
+          <a:lnRef idx="1">
+            <a:schemeClr val="accent1"/>
+          </a:lnRef>
+          <a:fillRef idx="2">
+            <a:schemeClr val="accent1"/>
+          </a:fillRef>
+          <a:effectRef idx="1">
+            <a:schemeClr val="accent1"/>
+          </a:effectRef>
+          <a:fontRef idx="minor">
+            <a:schemeClr val="dk1"/>
+          </a:fontRef>
+        </p:style>
+        <p:txBody>
+          <a:bodyPr rtlCol="0" anchor="ctr"/>
+          <a:lstStyle/>
+          <a:p>
+            <a:pPr algn="ctr"/>
+            <a:r>
+              <a:rPr lang="en-GB" dirty="0">
+                <a:solidFill>
+                  <a:schemeClr val="bg1"/>
+                </a:solidFill>
+              </a:rPr>
+              <a:t>Free</a:t>
+            </a:r>
+          </a:p>
+          <a:p>
+            <a:pPr algn="ctr"/>
+            <a:r>
+              <a:rPr lang="en-GB" dirty="0">
+                <a:solidFill>
+                  <a:schemeClr val="bg1"/>
+                </a:solidFill>
+              </a:rPr>
+              <a:t>Unit</a:t>
+            </a:r>
+          </a:p>
+          <a:p>
+            <a:pPr algn="ctr"/>
+            <a:r>
+              <a:rPr lang="en-GB" dirty="0">
+                <a:solidFill>
+                  <a:schemeClr val="bg1"/>
+                </a:solidFill>
+              </a:rPr>
+              <a:t>Internet</a:t>
+            </a:r>
+          </a:p>
+        </p:txBody>
+      </p:sp>
+      <p:cxnSp>
+        <p:nvCxnSpPr>
+          <p:cNvPr id="46" name="Straight Connector 45">
+            <a:extLst>
+              <a:ext uri="{FF2B5EF4-FFF2-40B4-BE49-F238E27FC236}">
+                <a16:creationId xmlns:a16="http://schemas.microsoft.com/office/drawing/2014/main" id="{CE45672F-C6FB-43C0-96FD-8546C2E97E85}"/>
+              </a:ext>
+            </a:extLst>
+          </p:cNvPr>
+          <p:cNvCxnSpPr>
+            <a:cxnSpLocks/>
+            <a:stCxn id="45" idx="2"/>
+          </p:cNvCxnSpPr>
+          <p:nvPr/>
+        </p:nvCxnSpPr>
+        <p:spPr>
+          <a:xfrm flipH="1">
+            <a:off x="3340013" y="3801749"/>
+            <a:ext cx="1317072" cy="282285"/>
+          </a:xfrm>
+          <a:prstGeom prst="line">
+            <a:avLst/>
+          </a:prstGeom>
+        </p:spPr>
+        <p:style>
+          <a:lnRef idx="1">
+            <a:schemeClr val="accent1"/>
+          </a:lnRef>
+          <a:fillRef idx="2">
+            <a:schemeClr val="accent1"/>
+          </a:fillRef>
+          <a:effectRef idx="1">
+            <a:schemeClr val="accent1"/>
+          </a:effectRef>
+          <a:fontRef idx="minor">
+            <a:schemeClr val="dk1"/>
+          </a:fontRef>
+        </p:style>
+      </p:cxnSp>
+      <p:sp>
+        <p:nvSpPr>
+          <p:cNvPr id="47" name="TextBox 46">
+            <a:extLst>
+              <a:ext uri="{FF2B5EF4-FFF2-40B4-BE49-F238E27FC236}">
+                <a16:creationId xmlns:a16="http://schemas.microsoft.com/office/drawing/2014/main" id="{8BE9032B-96DD-42F4-BD8E-B1191FA2EC59}"/>
+              </a:ext>
+            </a:extLst>
+          </p:cNvPr>
+          <p:cNvSpPr txBox="1"/>
+          <p:nvPr/>
+        </p:nvSpPr>
+        <p:spPr>
+          <a:xfrm>
+            <a:off x="2554152" y="1829956"/>
+            <a:ext cx="384141" cy="461665"/>
+          </a:xfrm>
+          <a:prstGeom prst="rect">
+            <a:avLst/>
+          </a:prstGeom>
+          <a:noFill/>
+        </p:spPr>
+        <p:txBody>
+          <a:bodyPr wrap="square" rtlCol="0">
+            <a:spAutoFit/>
+          </a:bodyPr>
+          <a:lstStyle/>
+          <a:p>
+            <a:r>
+              <a:rPr lang="en-GB" sz="2400" dirty="0">
+                <a:solidFill>
+                  <a:srgbClr val="0070C0"/>
+                </a:solidFill>
+                <a:effectLst>
+                  <a:outerShdw blurRad="38100" dist="38100" dir="2700000" algn="tl">
+                    <a:srgbClr val="000000">
+                      <a:alpha val="43137"/>
+                    </a:srgbClr>
+                  </a:outerShdw>
+                </a:effectLst>
+              </a:rPr>
+              <a:t>1</a:t>
+            </a:r>
+          </a:p>
+        </p:txBody>
+      </p:sp>
+      <p:sp>
+        <p:nvSpPr>
+          <p:cNvPr id="48" name="TextBox 47">
+            <a:extLst>
+              <a:ext uri="{FF2B5EF4-FFF2-40B4-BE49-F238E27FC236}">
+                <a16:creationId xmlns:a16="http://schemas.microsoft.com/office/drawing/2014/main" id="{B0583F5F-04E3-42BD-8315-CDF62F9EB03D}"/>
+              </a:ext>
+            </a:extLst>
+          </p:cNvPr>
+          <p:cNvSpPr txBox="1"/>
+          <p:nvPr/>
+        </p:nvSpPr>
+        <p:spPr>
+          <a:xfrm>
+            <a:off x="2722967" y="3630794"/>
+            <a:ext cx="384141" cy="461665"/>
+          </a:xfrm>
+          <a:prstGeom prst="rect">
+            <a:avLst/>
+          </a:prstGeom>
+          <a:noFill/>
+        </p:spPr>
+        <p:txBody>
+          <a:bodyPr wrap="square" rtlCol="0">
+            <a:spAutoFit/>
+          </a:bodyPr>
+          <a:lstStyle/>
+          <a:p>
+            <a:r>
+              <a:rPr lang="en-GB" sz="2400" dirty="0">
+                <a:ln>
+                  <a:solidFill>
+                    <a:srgbClr val="8DA2D8"/>
+                  </a:solidFill>
+                </a:ln>
+                <a:solidFill>
+                  <a:srgbClr val="90A4D8"/>
+                </a:solidFill>
+                <a:effectLst>
+                  <a:outerShdw blurRad="38100" dist="38100" dir="2700000" algn="tl">
+                    <a:srgbClr val="000000">
+                      <a:alpha val="43137"/>
+                    </a:srgbClr>
+                  </a:outerShdw>
+                </a:effectLst>
+              </a:rPr>
+              <a:t>1</a:t>
+            </a:r>
+          </a:p>
+        </p:txBody>
+      </p:sp>
+      <p:cxnSp>
+        <p:nvCxnSpPr>
+          <p:cNvPr id="49" name="Straight Connector 48">
+            <a:extLst>
+              <a:ext uri="{FF2B5EF4-FFF2-40B4-BE49-F238E27FC236}">
+                <a16:creationId xmlns:a16="http://schemas.microsoft.com/office/drawing/2014/main" id="{A4D8E97F-7779-415C-B8CF-9A132FB673BE}"/>
+              </a:ext>
+            </a:extLst>
+          </p:cNvPr>
+          <p:cNvCxnSpPr>
+            <a:cxnSpLocks/>
+            <a:endCxn id="42" idx="0"/>
+          </p:cNvCxnSpPr>
+          <p:nvPr/>
+        </p:nvCxnSpPr>
+        <p:spPr>
+          <a:xfrm>
+            <a:off x="2009509" y="1589476"/>
+            <a:ext cx="329851" cy="695396"/>
+          </a:xfrm>
+          <a:prstGeom prst="line">
+            <a:avLst/>
+          </a:prstGeom>
+          <a:ln w="76200">
+            <a:solidFill>
+              <a:schemeClr val="accent1"/>
+            </a:solidFill>
+          </a:ln>
+        </p:spPr>
+        <p:style>
+          <a:lnRef idx="2">
+            <a:schemeClr val="accent6"/>
+          </a:lnRef>
+          <a:fillRef idx="0">
+            <a:schemeClr val="accent6"/>
+          </a:fillRef>
+          <a:effectRef idx="1">
+            <a:schemeClr val="accent6"/>
+          </a:effectRef>
+          <a:fontRef idx="minor">
+            <a:schemeClr val="tx1"/>
+          </a:fontRef>
+        </p:style>
+      </p:cxnSp>
     </p:spTree>
     <p:extLst>
       <p:ext uri="{BB962C8B-B14F-4D97-AF65-F5344CB8AC3E}">
@@ -5030,84 +5847,6 @@
           <a:chExt cx="0" cy="0"/>
         </a:xfrm>
       </p:grpSpPr>
-      <p:cxnSp>
-        <p:nvCxnSpPr>
-          <p:cNvPr id="45" name="Straight Connector 44">
-            <a:extLst>
-              <a:ext uri="{FF2B5EF4-FFF2-40B4-BE49-F238E27FC236}">
-                <a16:creationId xmlns:a16="http://schemas.microsoft.com/office/drawing/2014/main" id="{48F8E2B7-9837-4BC7-8AED-04FB586DEF3D}"/>
-              </a:ext>
-            </a:extLst>
-          </p:cNvPr>
-          <p:cNvCxnSpPr>
-            <a:cxnSpLocks/>
-          </p:cNvCxnSpPr>
-          <p:nvPr/>
-        </p:nvCxnSpPr>
-        <p:spPr>
-          <a:xfrm>
-            <a:off x="2791820" y="5121680"/>
-            <a:ext cx="1234" cy="731967"/>
-          </a:xfrm>
-          <a:prstGeom prst="line">
-            <a:avLst/>
-          </a:prstGeom>
-          <a:ln w="76200"/>
-        </p:spPr>
-        <p:style>
-          <a:lnRef idx="3">
-            <a:schemeClr val="accent1"/>
-          </a:lnRef>
-          <a:fillRef idx="0">
-            <a:schemeClr val="accent1"/>
-          </a:fillRef>
-          <a:effectRef idx="2">
-            <a:schemeClr val="accent1"/>
-          </a:effectRef>
-          <a:fontRef idx="minor">
-            <a:schemeClr val="tx1"/>
-          </a:fontRef>
-        </p:style>
-      </p:cxnSp>
-      <p:cxnSp>
-        <p:nvCxnSpPr>
-          <p:cNvPr id="78" name="Straight Connector 77">
-            <a:extLst>
-              <a:ext uri="{FF2B5EF4-FFF2-40B4-BE49-F238E27FC236}">
-                <a16:creationId xmlns:a16="http://schemas.microsoft.com/office/drawing/2014/main" id="{412981BF-CC1A-45AF-A32A-D64980C50D10}"/>
-              </a:ext>
-            </a:extLst>
-          </p:cNvPr>
-          <p:cNvCxnSpPr>
-            <a:cxnSpLocks/>
-          </p:cNvCxnSpPr>
-          <p:nvPr/>
-        </p:nvCxnSpPr>
-        <p:spPr>
-          <a:xfrm>
-            <a:off x="2500423" y="5157886"/>
-            <a:ext cx="1" cy="685892"/>
-          </a:xfrm>
-          <a:prstGeom prst="line">
-            <a:avLst/>
-          </a:prstGeom>
-          <a:ln w="76200"/>
-        </p:spPr>
-        <p:style>
-          <a:lnRef idx="3">
-            <a:schemeClr val="accent1"/>
-          </a:lnRef>
-          <a:fillRef idx="0">
-            <a:schemeClr val="accent1"/>
-          </a:fillRef>
-          <a:effectRef idx="2">
-            <a:schemeClr val="accent1"/>
-          </a:effectRef>
-          <a:fontRef idx="minor">
-            <a:schemeClr val="tx1"/>
-          </a:fontRef>
-        </p:style>
-      </p:cxnSp>
       <p:sp>
         <p:nvSpPr>
           <p:cNvPr id="3" name="Rectangle 2">
@@ -6447,636 +7186,6 @@
             <a:r>
               <a:rPr lang="en-GB" dirty="0"/>
               <a:t>ERD Diagram</a:t>
-            </a:r>
-          </a:p>
-        </p:txBody>
-      </p:sp>
-      <p:sp>
-        <p:nvSpPr>
-          <p:cNvPr id="2" name="Rectangle 1">
-            <a:extLst>
-              <a:ext uri="{FF2B5EF4-FFF2-40B4-BE49-F238E27FC236}">
-                <a16:creationId xmlns:a16="http://schemas.microsoft.com/office/drawing/2014/main" id="{3C0153C2-F2CD-4C18-B89A-D3E6E968147F}"/>
-              </a:ext>
-            </a:extLst>
-          </p:cNvPr>
-          <p:cNvSpPr/>
-          <p:nvPr/>
-        </p:nvSpPr>
-        <p:spPr>
-          <a:xfrm>
-            <a:off x="1848000" y="5830807"/>
-            <a:ext cx="1606881" cy="669302"/>
-          </a:xfrm>
-          <a:prstGeom prst="rect">
-            <a:avLst/>
-          </a:prstGeom>
-        </p:spPr>
-        <p:style>
-          <a:lnRef idx="2">
-            <a:schemeClr val="accent1">
-              <a:shade val="50000"/>
-            </a:schemeClr>
-          </a:lnRef>
-          <a:fillRef idx="1">
-            <a:schemeClr val="accent1"/>
-          </a:fillRef>
-          <a:effectRef idx="0">
-            <a:schemeClr val="accent1"/>
-          </a:effectRef>
-          <a:fontRef idx="minor">
-            <a:schemeClr val="lt1"/>
-          </a:fontRef>
-        </p:style>
-        <p:txBody>
-          <a:bodyPr rtlCol="0" anchor="ctr"/>
-          <a:lstStyle/>
-          <a:p>
-            <a:pPr algn="ctr"/>
-            <a:r>
-              <a:rPr lang="en-GB" dirty="0"/>
-              <a:t>Free Units</a:t>
-            </a:r>
-          </a:p>
-        </p:txBody>
-      </p:sp>
-      <p:sp>
-        <p:nvSpPr>
-          <p:cNvPr id="48" name="Oval 47">
-            <a:extLst>
-              <a:ext uri="{FF2B5EF4-FFF2-40B4-BE49-F238E27FC236}">
-                <a16:creationId xmlns:a16="http://schemas.microsoft.com/office/drawing/2014/main" id="{A4135DBC-BCB2-460C-8724-DD690E21A905}"/>
-              </a:ext>
-            </a:extLst>
-          </p:cNvPr>
-          <p:cNvSpPr/>
-          <p:nvPr/>
-        </p:nvSpPr>
-        <p:spPr>
-          <a:xfrm>
-            <a:off x="162363" y="5555678"/>
-            <a:ext cx="1178350" cy="669302"/>
-          </a:xfrm>
-          <a:prstGeom prst="ellipse">
-            <a:avLst/>
-          </a:prstGeom>
-        </p:spPr>
-        <p:style>
-          <a:lnRef idx="1">
-            <a:schemeClr val="accent1"/>
-          </a:lnRef>
-          <a:fillRef idx="2">
-            <a:schemeClr val="accent1"/>
-          </a:fillRef>
-          <a:effectRef idx="1">
-            <a:schemeClr val="accent1"/>
-          </a:effectRef>
-          <a:fontRef idx="minor">
-            <a:schemeClr val="dk1"/>
-          </a:fontRef>
-        </p:style>
-        <p:txBody>
-          <a:bodyPr rtlCol="0" anchor="ctr"/>
-          <a:lstStyle/>
-          <a:p>
-            <a:pPr algn="ctr"/>
-            <a:r>
-              <a:rPr lang="en-GB" dirty="0"/>
-              <a:t>Free</a:t>
-            </a:r>
-          </a:p>
-          <a:p>
-            <a:pPr algn="ctr"/>
-            <a:r>
-              <a:rPr lang="en-GB" dirty="0"/>
-              <a:t>Unit</a:t>
-            </a:r>
-          </a:p>
-          <a:p>
-            <a:pPr algn="ctr"/>
-            <a:r>
-              <a:rPr lang="en-GB" dirty="0"/>
-              <a:t>ID</a:t>
-            </a:r>
-          </a:p>
-        </p:txBody>
-      </p:sp>
-      <p:cxnSp>
-        <p:nvCxnSpPr>
-          <p:cNvPr id="49" name="Straight Connector 48">
-            <a:extLst>
-              <a:ext uri="{FF2B5EF4-FFF2-40B4-BE49-F238E27FC236}">
-                <a16:creationId xmlns:a16="http://schemas.microsoft.com/office/drawing/2014/main" id="{5E3D13AE-9B15-461F-9C29-936BE5EF4657}"/>
-              </a:ext>
-            </a:extLst>
-          </p:cNvPr>
-          <p:cNvCxnSpPr>
-            <a:cxnSpLocks/>
-            <a:endCxn id="2" idx="1"/>
-          </p:cNvCxnSpPr>
-          <p:nvPr/>
-        </p:nvCxnSpPr>
-        <p:spPr>
-          <a:xfrm>
-            <a:off x="1255872" y="5890329"/>
-            <a:ext cx="592128" cy="275129"/>
-          </a:xfrm>
-          <a:prstGeom prst="line">
-            <a:avLst/>
-          </a:prstGeom>
-        </p:spPr>
-        <p:style>
-          <a:lnRef idx="1">
-            <a:schemeClr val="accent1"/>
-          </a:lnRef>
-          <a:fillRef idx="2">
-            <a:schemeClr val="accent1"/>
-          </a:fillRef>
-          <a:effectRef idx="1">
-            <a:schemeClr val="accent1"/>
-          </a:effectRef>
-          <a:fontRef idx="minor">
-            <a:schemeClr val="dk1"/>
-          </a:fontRef>
-        </p:style>
-      </p:cxnSp>
-      <p:sp>
-        <p:nvSpPr>
-          <p:cNvPr id="51" name="Oval 50">
-            <a:extLst>
-              <a:ext uri="{FF2B5EF4-FFF2-40B4-BE49-F238E27FC236}">
-                <a16:creationId xmlns:a16="http://schemas.microsoft.com/office/drawing/2014/main" id="{81274C04-CD5D-4C65-AA02-981365BACB54}"/>
-              </a:ext>
-            </a:extLst>
-          </p:cNvPr>
-          <p:cNvSpPr/>
-          <p:nvPr/>
-        </p:nvSpPr>
-        <p:spPr>
-          <a:xfrm>
-            <a:off x="3487522" y="4704546"/>
-            <a:ext cx="1367671" cy="669302"/>
-          </a:xfrm>
-          <a:prstGeom prst="ellipse">
-            <a:avLst/>
-          </a:prstGeom>
-        </p:spPr>
-        <p:style>
-          <a:lnRef idx="1">
-            <a:schemeClr val="accent1"/>
-          </a:lnRef>
-          <a:fillRef idx="2">
-            <a:schemeClr val="accent1"/>
-          </a:fillRef>
-          <a:effectRef idx="1">
-            <a:schemeClr val="accent1"/>
-          </a:effectRef>
-          <a:fontRef idx="minor">
-            <a:schemeClr val="dk1"/>
-          </a:fontRef>
-        </p:style>
-        <p:txBody>
-          <a:bodyPr rtlCol="0" anchor="ctr"/>
-          <a:lstStyle/>
-          <a:p>
-            <a:pPr algn="ctr"/>
-            <a:r>
-              <a:rPr lang="en-GB" dirty="0"/>
-              <a:t>Free</a:t>
-            </a:r>
-          </a:p>
-          <a:p>
-            <a:pPr algn="ctr"/>
-            <a:r>
-              <a:rPr lang="en-GB" dirty="0"/>
-              <a:t>Unit</a:t>
-            </a:r>
-          </a:p>
-          <a:p>
-            <a:pPr algn="ctr"/>
-            <a:r>
-              <a:rPr lang="en-GB" dirty="0"/>
-              <a:t>Voice</a:t>
-            </a:r>
-          </a:p>
-        </p:txBody>
-      </p:sp>
-      <p:cxnSp>
-        <p:nvCxnSpPr>
-          <p:cNvPr id="56" name="Straight Connector 55">
-            <a:extLst>
-              <a:ext uri="{FF2B5EF4-FFF2-40B4-BE49-F238E27FC236}">
-                <a16:creationId xmlns:a16="http://schemas.microsoft.com/office/drawing/2014/main" id="{DDA2234B-D001-4C9E-926A-B2E2C6C233E5}"/>
-              </a:ext>
-            </a:extLst>
-          </p:cNvPr>
-          <p:cNvCxnSpPr>
-            <a:cxnSpLocks/>
-            <a:stCxn id="51" idx="2"/>
-          </p:cNvCxnSpPr>
-          <p:nvPr/>
-        </p:nvCxnSpPr>
-        <p:spPr>
-          <a:xfrm flipH="1">
-            <a:off x="3123371" y="5039197"/>
-            <a:ext cx="364151" cy="791610"/>
-          </a:xfrm>
-          <a:prstGeom prst="line">
-            <a:avLst/>
-          </a:prstGeom>
-        </p:spPr>
-        <p:style>
-          <a:lnRef idx="1">
-            <a:schemeClr val="accent1"/>
-          </a:lnRef>
-          <a:fillRef idx="2">
-            <a:schemeClr val="accent1"/>
-          </a:fillRef>
-          <a:effectRef idx="1">
-            <a:schemeClr val="accent1"/>
-          </a:effectRef>
-          <a:fontRef idx="minor">
-            <a:schemeClr val="dk1"/>
-          </a:fontRef>
-        </p:style>
-      </p:cxnSp>
-      <p:sp>
-        <p:nvSpPr>
-          <p:cNvPr id="57" name="Diamond 56">
-            <a:extLst>
-              <a:ext uri="{FF2B5EF4-FFF2-40B4-BE49-F238E27FC236}">
-                <a16:creationId xmlns:a16="http://schemas.microsoft.com/office/drawing/2014/main" id="{B4A9095C-BE43-4832-B4EE-3A94DFB1F121}"/>
-              </a:ext>
-            </a:extLst>
-          </p:cNvPr>
-          <p:cNvSpPr/>
-          <p:nvPr/>
-        </p:nvSpPr>
-        <p:spPr>
-          <a:xfrm>
-            <a:off x="1963661" y="4073729"/>
-            <a:ext cx="1357460" cy="1249022"/>
-          </a:xfrm>
-          <a:prstGeom prst="diamond">
-            <a:avLst/>
-          </a:prstGeom>
-        </p:spPr>
-        <p:style>
-          <a:lnRef idx="1">
-            <a:schemeClr val="dk1"/>
-          </a:lnRef>
-          <a:fillRef idx="2">
-            <a:schemeClr val="dk1"/>
-          </a:fillRef>
-          <a:effectRef idx="1">
-            <a:schemeClr val="dk1"/>
-          </a:effectRef>
-          <a:fontRef idx="minor">
-            <a:schemeClr val="dk1"/>
-          </a:fontRef>
-        </p:style>
-        <p:txBody>
-          <a:bodyPr rtlCol="0" anchor="ctr"/>
-          <a:lstStyle/>
-          <a:p>
-            <a:pPr algn="ctr"/>
-            <a:r>
-              <a:rPr lang="en-GB" dirty="0"/>
-              <a:t>Have</a:t>
-            </a:r>
-          </a:p>
-        </p:txBody>
-      </p:sp>
-      <p:cxnSp>
-        <p:nvCxnSpPr>
-          <p:cNvPr id="58" name="Straight Connector 57">
-            <a:extLst>
-              <a:ext uri="{FF2B5EF4-FFF2-40B4-BE49-F238E27FC236}">
-                <a16:creationId xmlns:a16="http://schemas.microsoft.com/office/drawing/2014/main" id="{3A170BAC-12DF-4446-828D-A1A43714F874}"/>
-              </a:ext>
-            </a:extLst>
-          </p:cNvPr>
-          <p:cNvCxnSpPr>
-            <a:cxnSpLocks/>
-            <a:stCxn id="3" idx="2"/>
-            <a:endCxn id="57" idx="0"/>
-          </p:cNvCxnSpPr>
-          <p:nvPr/>
-        </p:nvCxnSpPr>
-        <p:spPr>
-          <a:xfrm>
-            <a:off x="2634790" y="3670315"/>
-            <a:ext cx="7601" cy="403414"/>
-          </a:xfrm>
-          <a:prstGeom prst="line">
-            <a:avLst/>
-          </a:prstGeom>
-          <a:ln w="76200"/>
-        </p:spPr>
-        <p:style>
-          <a:lnRef idx="2">
-            <a:schemeClr val="accent6"/>
-          </a:lnRef>
-          <a:fillRef idx="0">
-            <a:schemeClr val="accent6"/>
-          </a:fillRef>
-          <a:effectRef idx="1">
-            <a:schemeClr val="accent6"/>
-          </a:effectRef>
-          <a:fontRef idx="minor">
-            <a:schemeClr val="tx1"/>
-          </a:fontRef>
-        </p:style>
-      </p:cxnSp>
-      <p:sp>
-        <p:nvSpPr>
-          <p:cNvPr id="63" name="Oval 62">
-            <a:extLst>
-              <a:ext uri="{FF2B5EF4-FFF2-40B4-BE49-F238E27FC236}">
-                <a16:creationId xmlns:a16="http://schemas.microsoft.com/office/drawing/2014/main" id="{DD7D1A95-1BA7-4F98-B833-94BFAEB67124}"/>
-              </a:ext>
-            </a:extLst>
-          </p:cNvPr>
-          <p:cNvSpPr/>
-          <p:nvPr/>
-        </p:nvSpPr>
-        <p:spPr>
-          <a:xfrm>
-            <a:off x="4211811" y="6156800"/>
-            <a:ext cx="1367671" cy="669302"/>
-          </a:xfrm>
-          <a:prstGeom prst="ellipse">
-            <a:avLst/>
-          </a:prstGeom>
-        </p:spPr>
-        <p:style>
-          <a:lnRef idx="1">
-            <a:schemeClr val="accent1"/>
-          </a:lnRef>
-          <a:fillRef idx="2">
-            <a:schemeClr val="accent1"/>
-          </a:fillRef>
-          <a:effectRef idx="1">
-            <a:schemeClr val="accent1"/>
-          </a:effectRef>
-          <a:fontRef idx="minor">
-            <a:schemeClr val="dk1"/>
-          </a:fontRef>
-        </p:style>
-        <p:txBody>
-          <a:bodyPr rtlCol="0" anchor="ctr"/>
-          <a:lstStyle/>
-          <a:p>
-            <a:pPr algn="ctr"/>
-            <a:r>
-              <a:rPr lang="en-GB" dirty="0"/>
-              <a:t>Free</a:t>
-            </a:r>
-          </a:p>
-          <a:p>
-            <a:pPr algn="ctr"/>
-            <a:r>
-              <a:rPr lang="en-GB" dirty="0"/>
-              <a:t>Unit</a:t>
-            </a:r>
-          </a:p>
-          <a:p>
-            <a:pPr algn="ctr"/>
-            <a:r>
-              <a:rPr lang="en-GB" dirty="0"/>
-              <a:t>SMS</a:t>
-            </a:r>
-          </a:p>
-        </p:txBody>
-      </p:sp>
-      <p:cxnSp>
-        <p:nvCxnSpPr>
-          <p:cNvPr id="64" name="Straight Connector 63">
-            <a:extLst>
-              <a:ext uri="{FF2B5EF4-FFF2-40B4-BE49-F238E27FC236}">
-                <a16:creationId xmlns:a16="http://schemas.microsoft.com/office/drawing/2014/main" id="{986F594A-5962-40B2-87FB-9B33A79BF5DC}"/>
-              </a:ext>
-            </a:extLst>
-          </p:cNvPr>
-          <p:cNvCxnSpPr>
-            <a:cxnSpLocks/>
-            <a:stCxn id="63" idx="2"/>
-            <a:endCxn id="2" idx="3"/>
-          </p:cNvCxnSpPr>
-          <p:nvPr/>
-        </p:nvCxnSpPr>
-        <p:spPr>
-          <a:xfrm flipH="1" flipV="1">
-            <a:off x="3454881" y="6165458"/>
-            <a:ext cx="756930" cy="325993"/>
-          </a:xfrm>
-          <a:prstGeom prst="line">
-            <a:avLst/>
-          </a:prstGeom>
-        </p:spPr>
-        <p:style>
-          <a:lnRef idx="1">
-            <a:schemeClr val="accent1"/>
-          </a:lnRef>
-          <a:fillRef idx="2">
-            <a:schemeClr val="accent1"/>
-          </a:fillRef>
-          <a:effectRef idx="1">
-            <a:schemeClr val="accent1"/>
-          </a:effectRef>
-          <a:fontRef idx="minor">
-            <a:schemeClr val="dk1"/>
-          </a:fontRef>
-        </p:style>
-      </p:cxnSp>
-      <p:sp>
-        <p:nvSpPr>
-          <p:cNvPr id="67" name="Oval 66">
-            <a:extLst>
-              <a:ext uri="{FF2B5EF4-FFF2-40B4-BE49-F238E27FC236}">
-                <a16:creationId xmlns:a16="http://schemas.microsoft.com/office/drawing/2014/main" id="{7E7C26F3-54E8-4888-A46A-443A9DF483FA}"/>
-              </a:ext>
-            </a:extLst>
-          </p:cNvPr>
-          <p:cNvSpPr/>
-          <p:nvPr/>
-        </p:nvSpPr>
-        <p:spPr>
-          <a:xfrm>
-            <a:off x="4771953" y="5264968"/>
-            <a:ext cx="1367671" cy="669302"/>
-          </a:xfrm>
-          <a:prstGeom prst="ellipse">
-            <a:avLst/>
-          </a:prstGeom>
-        </p:spPr>
-        <p:style>
-          <a:lnRef idx="1">
-            <a:schemeClr val="accent1"/>
-          </a:lnRef>
-          <a:fillRef idx="2">
-            <a:schemeClr val="accent1"/>
-          </a:fillRef>
-          <a:effectRef idx="1">
-            <a:schemeClr val="accent1"/>
-          </a:effectRef>
-          <a:fontRef idx="minor">
-            <a:schemeClr val="dk1"/>
-          </a:fontRef>
-        </p:style>
-        <p:txBody>
-          <a:bodyPr rtlCol="0" anchor="ctr"/>
-          <a:lstStyle/>
-          <a:p>
-            <a:pPr algn="ctr"/>
-            <a:r>
-              <a:rPr lang="en-GB" dirty="0"/>
-              <a:t>Free</a:t>
-            </a:r>
-          </a:p>
-          <a:p>
-            <a:pPr algn="ctr"/>
-            <a:r>
-              <a:rPr lang="en-GB" dirty="0"/>
-              <a:t>Unit</a:t>
-            </a:r>
-          </a:p>
-          <a:p>
-            <a:pPr algn="ctr"/>
-            <a:r>
-              <a:rPr lang="en-GB" dirty="0"/>
-              <a:t>Internet</a:t>
-            </a:r>
-          </a:p>
-        </p:txBody>
-      </p:sp>
-      <p:cxnSp>
-        <p:nvCxnSpPr>
-          <p:cNvPr id="69" name="Straight Connector 68">
-            <a:extLst>
-              <a:ext uri="{FF2B5EF4-FFF2-40B4-BE49-F238E27FC236}">
-                <a16:creationId xmlns:a16="http://schemas.microsoft.com/office/drawing/2014/main" id="{56B80F62-25AB-4FE7-BD50-AC68663358FB}"/>
-              </a:ext>
-            </a:extLst>
-          </p:cNvPr>
-          <p:cNvCxnSpPr>
-            <a:cxnSpLocks/>
-            <a:stCxn id="67" idx="2"/>
-          </p:cNvCxnSpPr>
-          <p:nvPr/>
-        </p:nvCxnSpPr>
-        <p:spPr>
-          <a:xfrm flipH="1">
-            <a:off x="3454881" y="5599619"/>
-            <a:ext cx="1317072" cy="282285"/>
-          </a:xfrm>
-          <a:prstGeom prst="line">
-            <a:avLst/>
-          </a:prstGeom>
-        </p:spPr>
-        <p:style>
-          <a:lnRef idx="1">
-            <a:schemeClr val="accent1"/>
-          </a:lnRef>
-          <a:fillRef idx="2">
-            <a:schemeClr val="accent1"/>
-          </a:fillRef>
-          <a:effectRef idx="1">
-            <a:schemeClr val="accent1"/>
-          </a:effectRef>
-          <a:fontRef idx="minor">
-            <a:schemeClr val="dk1"/>
-          </a:fontRef>
-        </p:style>
-      </p:cxnSp>
-      <p:sp>
-        <p:nvSpPr>
-          <p:cNvPr id="76" name="TextBox 75">
-            <a:extLst>
-              <a:ext uri="{FF2B5EF4-FFF2-40B4-BE49-F238E27FC236}">
-                <a16:creationId xmlns:a16="http://schemas.microsoft.com/office/drawing/2014/main" id="{48947A94-53ED-4ED4-A864-EF957F435384}"/>
-              </a:ext>
-            </a:extLst>
-          </p:cNvPr>
-          <p:cNvSpPr txBox="1"/>
-          <p:nvPr/>
-        </p:nvSpPr>
-        <p:spPr>
-          <a:xfrm>
-            <a:off x="2669020" y="3627826"/>
-            <a:ext cx="384141" cy="461665"/>
-          </a:xfrm>
-          <a:prstGeom prst="rect">
-            <a:avLst/>
-          </a:prstGeom>
-          <a:noFill/>
-        </p:spPr>
-        <p:txBody>
-          <a:bodyPr wrap="square" rtlCol="0">
-            <a:spAutoFit/>
-          </a:bodyPr>
-          <a:lstStyle/>
-          <a:p>
-            <a:r>
-              <a:rPr lang="en-GB" sz="2400" dirty="0">
-                <a:solidFill>
-                  <a:srgbClr val="0070C0"/>
-                </a:solidFill>
-                <a:effectLst>
-                  <a:outerShdw blurRad="38100" dist="38100" dir="2700000" algn="tl">
-                    <a:srgbClr val="000000">
-                      <a:alpha val="43137"/>
-                    </a:srgbClr>
-                  </a:outerShdw>
-                </a:effectLst>
-              </a:rPr>
-              <a:t>1</a:t>
-            </a:r>
-          </a:p>
-        </p:txBody>
-      </p:sp>
-      <p:sp>
-        <p:nvSpPr>
-          <p:cNvPr id="77" name="TextBox 76">
-            <a:extLst>
-              <a:ext uri="{FF2B5EF4-FFF2-40B4-BE49-F238E27FC236}">
-                <a16:creationId xmlns:a16="http://schemas.microsoft.com/office/drawing/2014/main" id="{870439BD-2937-40AC-B49F-50A0117247F3}"/>
-              </a:ext>
-            </a:extLst>
-          </p:cNvPr>
-          <p:cNvSpPr txBox="1"/>
-          <p:nvPr/>
-        </p:nvSpPr>
-        <p:spPr>
-          <a:xfrm>
-            <a:off x="2837835" y="5428664"/>
-            <a:ext cx="384141" cy="461665"/>
-          </a:xfrm>
-          <a:prstGeom prst="rect">
-            <a:avLst/>
-          </a:prstGeom>
-          <a:noFill/>
-        </p:spPr>
-        <p:txBody>
-          <a:bodyPr wrap="square" rtlCol="0">
-            <a:spAutoFit/>
-          </a:bodyPr>
-          <a:lstStyle/>
-          <a:p>
-            <a:r>
-              <a:rPr lang="en-GB" sz="2400" dirty="0">
-                <a:solidFill>
-                  <a:srgbClr val="92D050"/>
-                </a:solidFill>
-                <a:effectLst>
-                  <a:outerShdw blurRad="38100" dist="38100" dir="2700000" algn="tl">
-                    <a:srgbClr val="000000">
-                      <a:alpha val="43137"/>
-                    </a:srgbClr>
-                  </a:outerShdw>
-                </a:effectLst>
-              </a:rPr>
-              <a:t>1</a:t>
             </a:r>
           </a:p>
         </p:txBody>
@@ -7986,14 +8095,14 @@
           <p:nvPr>
             <p:extLst>
               <p:ext uri="{D42A27DB-BD31-4B8C-83A1-F6EECF244321}">
-                <p14:modId xmlns:p14="http://schemas.microsoft.com/office/powerpoint/2010/main" val="2877622858"/>
+                <p14:modId xmlns:p14="http://schemas.microsoft.com/office/powerpoint/2010/main" val="4214181991"/>
               </p:ext>
             </p:extLst>
           </p:nvPr>
         </p:nvGraphicFramePr>
         <p:xfrm>
-          <a:off x="296550" y="2500625"/>
-          <a:ext cx="8753184" cy="640080"/>
+          <a:off x="296548" y="2318387"/>
+          <a:ext cx="11684924" cy="914400"/>
         </p:xfrm>
         <a:graphic>
           <a:graphicData uri="http://schemas.openxmlformats.org/drawingml/2006/table">
@@ -8002,59 +8111,80 @@
                 <a:tableStyleId>{7DF18680-E054-41AD-8BC1-D1AEF772440D}</a:tableStyleId>
               </a:tblPr>
               <a:tblGrid>
-                <a:gridCol w="1094148">
+                <a:gridCol w="1075964">
                   <a:extLst>
                     <a:ext uri="{9D8B030D-6E8A-4147-A177-3AD203B41FA5}">
                       <a16:colId xmlns:a16="http://schemas.microsoft.com/office/drawing/2014/main" val="201513916"/>
                     </a:ext>
                   </a:extLst>
                 </a:gridCol>
-                <a:gridCol w="1094148">
+                <a:gridCol w="1075964">
                   <a:extLst>
                     <a:ext uri="{9D8B030D-6E8A-4147-A177-3AD203B41FA5}">
                       <a16:colId xmlns:a16="http://schemas.microsoft.com/office/drawing/2014/main" val="4160908569"/>
                     </a:ext>
                   </a:extLst>
                 </a:gridCol>
-                <a:gridCol w="1094148">
+                <a:gridCol w="1075964">
                   <a:extLst>
                     <a:ext uri="{9D8B030D-6E8A-4147-A177-3AD203B41FA5}">
                       <a16:colId xmlns:a16="http://schemas.microsoft.com/office/drawing/2014/main" val="3835503643"/>
                     </a:ext>
                   </a:extLst>
                 </a:gridCol>
-                <a:gridCol w="1094148">
+                <a:gridCol w="1075964">
                   <a:extLst>
                     <a:ext uri="{9D8B030D-6E8A-4147-A177-3AD203B41FA5}">
                       <a16:colId xmlns:a16="http://schemas.microsoft.com/office/drawing/2014/main" val="1590507565"/>
                     </a:ext>
                   </a:extLst>
                 </a:gridCol>
-                <a:gridCol w="1094148">
+                <a:gridCol w="1075964">
                   <a:extLst>
                     <a:ext uri="{9D8B030D-6E8A-4147-A177-3AD203B41FA5}">
                       <a16:colId xmlns:a16="http://schemas.microsoft.com/office/drawing/2014/main" val="1851729959"/>
                     </a:ext>
                   </a:extLst>
                 </a:gridCol>
-                <a:gridCol w="1094148">
+                <a:gridCol w="1075964">
                   <a:extLst>
                     <a:ext uri="{9D8B030D-6E8A-4147-A177-3AD203B41FA5}">
-                      <a16:colId xmlns:a16="http://schemas.microsoft.com/office/drawing/2014/main" val="469733988"/>
+                      <a16:colId xmlns:a16="http://schemas.microsoft.com/office/drawing/2014/main" val="923522584"/>
                     </a:ext>
                   </a:extLst>
                 </a:gridCol>
-                <a:gridCol w="1094148">
+                <a:gridCol w="1075964">
                   <a:extLst>
                     <a:ext uri="{9D8B030D-6E8A-4147-A177-3AD203B41FA5}">
-                      <a16:colId xmlns:a16="http://schemas.microsoft.com/office/drawing/2014/main" val="976838896"/>
+                      <a16:colId xmlns:a16="http://schemas.microsoft.com/office/drawing/2014/main" val="3417585095"/>
                     </a:ext>
                   </a:extLst>
                 </a:gridCol>
-                <a:gridCol w="1094148">
+                <a:gridCol w="1075964">
                   <a:extLst>
                     <a:ext uri="{9D8B030D-6E8A-4147-A177-3AD203B41FA5}">
-                      <a16:colId xmlns:a16="http://schemas.microsoft.com/office/drawing/2014/main" val="923522584"/>
+                      <a16:colId xmlns:a16="http://schemas.microsoft.com/office/drawing/2014/main" val="2557095657"/>
+                    </a:ext>
+                  </a:extLst>
+                </a:gridCol>
+                <a:gridCol w="925284">
+                  <a:extLst>
+                    <a:ext uri="{9D8B030D-6E8A-4147-A177-3AD203B41FA5}">
+                      <a16:colId xmlns:a16="http://schemas.microsoft.com/office/drawing/2014/main" val="2967440029"/>
+                    </a:ext>
+                  </a:extLst>
+                </a:gridCol>
+                <a:gridCol w="1075964">
+                  <a:extLst>
+                    <a:ext uri="{9D8B030D-6E8A-4147-A177-3AD203B41FA5}">
+                      <a16:colId xmlns:a16="http://schemas.microsoft.com/office/drawing/2014/main" val="1327699478"/>
+                    </a:ext>
+                  </a:extLst>
+                </a:gridCol>
+                <a:gridCol w="1075964">
+                  <a:extLst>
+                    <a:ext uri="{9D8B030D-6E8A-4147-A177-3AD203B41FA5}">
+                      <a16:colId xmlns:a16="http://schemas.microsoft.com/office/drawing/2014/main" val="2835791411"/>
                     </a:ext>
                   </a:extLst>
                 </a:gridCol>
@@ -8093,6 +8223,13 @@
                         <a:t>MSISDN</a:t>
                       </a:r>
                     </a:p>
+                    <a:p>
+                      <a:pPr algn="ctr"/>
+                      <a:r>
+                        <a:rPr lang="en-GB" dirty="0"/>
+                        <a:t>(PK)</a:t>
+                      </a:r>
+                    </a:p>
                   </a:txBody>
                   <a:tcPr anchor="ctr"/>
                 </a:tc>
@@ -8107,6 +8244,13 @@
                         <a:t>PROFILE ID</a:t>
                       </a:r>
                     </a:p>
+                    <a:p>
+                      <a:pPr algn="ctr"/>
+                      <a:r>
+                        <a:rPr lang="en-GB" dirty="0"/>
+                        <a:t>(PK)</a:t>
+                      </a:r>
+                    </a:p>
                   </a:txBody>
                   <a:tcPr anchor="ctr"/>
                 </a:tc>
@@ -8145,17 +8289,16 @@
                     <a:p>
                       <a:pPr algn="ctr"/>
                       <a:r>
-                        <a:rPr lang="en-US" sz="1800" dirty="0"/>
-                        <a:t>Total</a:t>
-                      </a:r>
-                    </a:p>
-                    <a:p>
-                      <a:pPr algn="ctr"/>
-                      <a:r>
-                        <a:rPr lang="en-US" sz="1800" dirty="0"/>
-                        <a:t>Points</a:t>
-                      </a:r>
-                      <a:endParaRPr lang="en-GB" sz="1800" dirty="0"/>
+                        <a:rPr lang="en-GB" dirty="0"/>
+                        <a:t>Blocked</a:t>
+                      </a:r>
+                    </a:p>
+                    <a:p>
+                      <a:pPr algn="ctr"/>
+                      <a:r>
+                        <a:rPr lang="en-GB" dirty="0"/>
+                        <a:t>Services</a:t>
+                      </a:r>
                     </a:p>
                   </a:txBody>
                   <a:tcPr anchor="ctr"/>
@@ -8167,8 +8310,29 @@
                     <a:p>
                       <a:pPr algn="ctr"/>
                       <a:r>
-                        <a:rPr lang="en-GB" dirty="0"/>
-                        <a:t>Recurring Services</a:t>
+                        <a:rPr lang="en-GB" sz="1200" dirty="0"/>
+                        <a:t>Free</a:t>
+                      </a:r>
+                    </a:p>
+                    <a:p>
+                      <a:pPr algn="ctr"/>
+                      <a:r>
+                        <a:rPr lang="en-GB" sz="1200" dirty="0"/>
+                        <a:t>Unit</a:t>
+                      </a:r>
+                    </a:p>
+                    <a:p>
+                      <a:pPr algn="ctr"/>
+                      <a:r>
+                        <a:rPr lang="en-GB" sz="1200" dirty="0"/>
+                        <a:t>Voice</a:t>
+                      </a:r>
+                    </a:p>
+                    <a:p>
+                      <a:pPr algn="ctr"/>
+                      <a:r>
+                        <a:rPr lang="en-GB" sz="1200" dirty="0"/>
+                        <a:t>On Net</a:t>
                       </a:r>
                     </a:p>
                   </a:txBody>
@@ -8181,15 +8345,127 @@
                     <a:p>
                       <a:pPr algn="ctr"/>
                       <a:r>
-                        <a:rPr lang="en-GB" dirty="0"/>
-                        <a:t>Blocked</a:t>
-                      </a:r>
-                    </a:p>
-                    <a:p>
-                      <a:pPr algn="ctr"/>
-                      <a:r>
-                        <a:rPr lang="en-GB" dirty="0"/>
-                        <a:t>Services</a:t>
+                        <a:rPr lang="en-GB" sz="1200" dirty="0"/>
+                        <a:t>Free</a:t>
+                      </a:r>
+                    </a:p>
+                    <a:p>
+                      <a:pPr algn="ctr"/>
+                      <a:r>
+                        <a:rPr lang="en-GB" sz="1200" dirty="0"/>
+                        <a:t>Unit</a:t>
+                      </a:r>
+                    </a:p>
+                    <a:p>
+                      <a:pPr algn="ctr"/>
+                      <a:r>
+                        <a:rPr lang="en-GB" sz="1200" dirty="0"/>
+                        <a:t>Voice</a:t>
+                      </a:r>
+                    </a:p>
+                    <a:p>
+                      <a:pPr algn="ctr"/>
+                      <a:r>
+                        <a:rPr lang="en-GB" sz="1200" dirty="0"/>
+                        <a:t>Cross  Net</a:t>
+                      </a:r>
+                    </a:p>
+                  </a:txBody>
+                  <a:tcPr anchor="ctr"/>
+                </a:tc>
+                <a:tc>
+                  <a:txBody>
+                    <a:bodyPr/>
+                    <a:lstStyle/>
+                    <a:p>
+                      <a:pPr algn="ctr"/>
+                      <a:r>
+                        <a:rPr lang="en-GB" sz="1200" dirty="0"/>
+                        <a:t>Free</a:t>
+                      </a:r>
+                    </a:p>
+                    <a:p>
+                      <a:pPr algn="ctr"/>
+                      <a:r>
+                        <a:rPr lang="en-GB" sz="1200" dirty="0"/>
+                        <a:t>Unit</a:t>
+                      </a:r>
+                    </a:p>
+                    <a:p>
+                      <a:pPr algn="ctr"/>
+                      <a:r>
+                        <a:rPr lang="en-GB" sz="1200" dirty="0"/>
+                        <a:t>SMS</a:t>
+                      </a:r>
+                    </a:p>
+                    <a:p>
+                      <a:pPr algn="ctr"/>
+                      <a:r>
+                        <a:rPr lang="en-GB" sz="1200" dirty="0"/>
+                        <a:t>On Net</a:t>
+                      </a:r>
+                    </a:p>
+                  </a:txBody>
+                  <a:tcPr anchor="ctr"/>
+                </a:tc>
+                <a:tc>
+                  <a:txBody>
+                    <a:bodyPr/>
+                    <a:lstStyle/>
+                    <a:p>
+                      <a:pPr algn="ctr"/>
+                      <a:r>
+                        <a:rPr lang="en-GB" sz="1200" dirty="0"/>
+                        <a:t>Free</a:t>
+                      </a:r>
+                    </a:p>
+                    <a:p>
+                      <a:pPr algn="ctr"/>
+                      <a:r>
+                        <a:rPr lang="en-GB" sz="1200" dirty="0"/>
+                        <a:t>Unit</a:t>
+                      </a:r>
+                    </a:p>
+                    <a:p>
+                      <a:pPr algn="ctr"/>
+                      <a:r>
+                        <a:rPr lang="en-GB" sz="1200" dirty="0"/>
+                        <a:t>SMS</a:t>
+                      </a:r>
+                    </a:p>
+                    <a:p>
+                      <a:pPr algn="ctr"/>
+                      <a:r>
+                        <a:rPr lang="en-GB" sz="1200" dirty="0"/>
+                        <a:t>Cross Net</a:t>
+                      </a:r>
+                    </a:p>
+                  </a:txBody>
+                  <a:tcPr anchor="ctr"/>
+                </a:tc>
+                <a:tc>
+                  <a:txBody>
+                    <a:bodyPr/>
+                    <a:lstStyle/>
+                    <a:p>
+                      <a:pPr algn="ctr"/>
+                      <a:r>
+                        <a:rPr lang="en-GB" sz="1200" dirty="0"/>
+                        <a:t>Free</a:t>
+                      </a:r>
+                    </a:p>
+                    <a:p>
+                      <a:pPr algn="ctr"/>
+                      <a:r>
+                        <a:rPr lang="en-GB" sz="1200" dirty="0"/>
+                        <a:t>Unit</a:t>
+                      </a:r>
+                    </a:p>
+                    <a:p>
+                      <a:pPr algn="ctr"/>
+                      <a:r>
+                        <a:rPr lang="en-GB" sz="1200" dirty="0"/>
+                        <a:t>Internet</a:t>
                       </a:r>
                     </a:p>
                   </a:txBody>
@@ -8220,7 +8496,7 @@
           <p:nvPr>
             <p:extLst>
               <p:ext uri="{D42A27DB-BD31-4B8C-83A1-F6EECF244321}">
-                <p14:modId xmlns:p14="http://schemas.microsoft.com/office/powerpoint/2010/main" val="2154260910"/>
+                <p14:modId xmlns:p14="http://schemas.microsoft.com/office/powerpoint/2010/main" val="2325058551"/>
               </p:ext>
             </p:extLst>
           </p:nvPr>
@@ -8317,7 +8593,7 @@
                       <a:pPr algn="ctr"/>
                       <a:r>
                         <a:rPr lang="en-GB" sz="1800" dirty="0"/>
-                        <a:t>PK</a:t>
+                        <a:t>(PK)</a:t>
                       </a:r>
                     </a:p>
                   </a:txBody>
@@ -8405,14 +8681,14 @@
           <p:nvPr>
             <p:extLst>
               <p:ext uri="{D42A27DB-BD31-4B8C-83A1-F6EECF244321}">
-                <p14:modId xmlns:p14="http://schemas.microsoft.com/office/powerpoint/2010/main" val="342287743"/>
+                <p14:modId xmlns:p14="http://schemas.microsoft.com/office/powerpoint/2010/main" val="2423187898"/>
               </p:ext>
             </p:extLst>
           </p:nvPr>
         </p:nvGraphicFramePr>
         <p:xfrm>
-          <a:off x="296552" y="3506148"/>
-          <a:ext cx="7118028" cy="640080"/>
+          <a:off x="296549" y="3456267"/>
+          <a:ext cx="9394208" cy="640080"/>
         </p:xfrm>
         <a:graphic>
           <a:graphicData uri="http://schemas.openxmlformats.org/drawingml/2006/table">
@@ -8421,45 +8697,59 @@
                 <a:tableStyleId>{93296810-A885-4BE3-A3E7-6D5BEEA58F35}</a:tableStyleId>
               </a:tblPr>
               <a:tblGrid>
-                <a:gridCol w="1186338">
+                <a:gridCol w="1174276">
                   <a:extLst>
                     <a:ext uri="{9D8B030D-6E8A-4147-A177-3AD203B41FA5}">
                       <a16:colId xmlns:a16="http://schemas.microsoft.com/office/drawing/2014/main" val="201513916"/>
                     </a:ext>
                   </a:extLst>
                 </a:gridCol>
-                <a:gridCol w="1186338">
+                <a:gridCol w="1174276">
                   <a:extLst>
                     <a:ext uri="{9D8B030D-6E8A-4147-A177-3AD203B41FA5}">
                       <a16:colId xmlns:a16="http://schemas.microsoft.com/office/drawing/2014/main" val="4160908569"/>
                     </a:ext>
                   </a:extLst>
                 </a:gridCol>
-                <a:gridCol w="1186338">
+                <a:gridCol w="1174276">
                   <a:extLst>
                     <a:ext uri="{9D8B030D-6E8A-4147-A177-3AD203B41FA5}">
                       <a16:colId xmlns:a16="http://schemas.microsoft.com/office/drawing/2014/main" val="3835503643"/>
                     </a:ext>
                   </a:extLst>
                 </a:gridCol>
-                <a:gridCol w="1186338">
+                <a:gridCol w="1174276">
                   <a:extLst>
                     <a:ext uri="{9D8B030D-6E8A-4147-A177-3AD203B41FA5}">
                       <a16:colId xmlns:a16="http://schemas.microsoft.com/office/drawing/2014/main" val="1590507565"/>
                     </a:ext>
                   </a:extLst>
                 </a:gridCol>
-                <a:gridCol w="1186338">
+                <a:gridCol w="1174276">
                   <a:extLst>
                     <a:ext uri="{9D8B030D-6E8A-4147-A177-3AD203B41FA5}">
                       <a16:colId xmlns:a16="http://schemas.microsoft.com/office/drawing/2014/main" val="1851729959"/>
                     </a:ext>
                   </a:extLst>
                 </a:gridCol>
-                <a:gridCol w="1186338">
+                <a:gridCol w="1174276">
                   <a:extLst>
                     <a:ext uri="{9D8B030D-6E8A-4147-A177-3AD203B41FA5}">
                       <a16:colId xmlns:a16="http://schemas.microsoft.com/office/drawing/2014/main" val="976838896"/>
+                    </a:ext>
+                  </a:extLst>
+                </a:gridCol>
+                <a:gridCol w="1174276">
+                  <a:extLst>
+                    <a:ext uri="{9D8B030D-6E8A-4147-A177-3AD203B41FA5}">
+                      <a16:colId xmlns:a16="http://schemas.microsoft.com/office/drawing/2014/main" val="3915712042"/>
+                    </a:ext>
+                  </a:extLst>
+                </a:gridCol>
+                <a:gridCol w="1174276">
+                  <a:extLst>
+                    <a:ext uri="{9D8B030D-6E8A-4147-A177-3AD203B41FA5}">
+                      <a16:colId xmlns:a16="http://schemas.microsoft.com/office/drawing/2014/main" val="2078855655"/>
                     </a:ext>
                   </a:extLst>
                 </a:gridCol>
@@ -8514,305 +8804,6 @@
                         <a:t>Profile ID</a:t>
                       </a:r>
                     </a:p>
-                  </a:txBody>
-                  <a:tcPr anchor="ctr"/>
-                </a:tc>
-                <a:tc>
-                  <a:txBody>
-                    <a:bodyPr/>
-                    <a:lstStyle/>
-                    <a:p>
-                      <a:pPr algn="ctr"/>
-                      <a:r>
-                        <a:rPr lang="en-GB" dirty="0"/>
-                        <a:t>Profile Name</a:t>
-                      </a:r>
-                    </a:p>
-                  </a:txBody>
-                  <a:tcPr anchor="ctr"/>
-                </a:tc>
-                <a:tc>
-                  <a:txBody>
-                    <a:bodyPr/>
-                    <a:lstStyle/>
-                    <a:p>
-                      <a:pPr algn="ctr"/>
-                      <a:r>
-                        <a:rPr lang="en-US" altLang="en-US" sz="1800" dirty="0"/>
-                        <a:t>One Time Fee </a:t>
-                      </a:r>
-                      <a:endParaRPr lang="en-GB" dirty="0"/>
-                    </a:p>
-                  </a:txBody>
-                  <a:tcPr anchor="ctr"/>
-                </a:tc>
-                <a:tc>
-                  <a:txBody>
-                    <a:bodyPr/>
-                    <a:lstStyle/>
-                    <a:p>
-                      <a:pPr algn="ctr"/>
-                      <a:r>
-                        <a:rPr lang="en-GB" sz="1800" dirty="0"/>
-                        <a:t>Renew Duration</a:t>
-                      </a:r>
-                    </a:p>
-                  </a:txBody>
-                  <a:tcPr anchor="ctr"/>
-                </a:tc>
-                <a:tc>
-                  <a:txBody>
-                    <a:bodyPr/>
-                    <a:lstStyle/>
-                    <a:p>
-                      <a:pPr algn="ctr"/>
-                      <a:r>
-                        <a:rPr lang="en-GB" dirty="0"/>
-                        <a:t>Profile Fees</a:t>
-                      </a:r>
-                    </a:p>
-                  </a:txBody>
-                  <a:tcPr anchor="ctr"/>
-                </a:tc>
-                <a:extLst>
-                  <a:ext uri="{0D108BD9-81ED-4DB2-BD59-A6C34878D82A}">
-                    <a16:rowId xmlns:a16="http://schemas.microsoft.com/office/drawing/2014/main" val="3577827613"/>
-                  </a:ext>
-                </a:extLst>
-              </a:tr>
-            </a:tbl>
-          </a:graphicData>
-        </a:graphic>
-      </p:graphicFrame>
-      <p:graphicFrame>
-        <p:nvGraphicFramePr>
-          <p:cNvPr id="7" name="Table 9">
-            <a:extLst>
-              <a:ext uri="{FF2B5EF4-FFF2-40B4-BE49-F238E27FC236}">
-                <a16:creationId xmlns:a16="http://schemas.microsoft.com/office/drawing/2014/main" id="{125BFBE6-DAA4-436C-A64D-CD580F198F48}"/>
-              </a:ext>
-            </a:extLst>
-          </p:cNvPr>
-          <p:cNvGraphicFramePr>
-            <a:graphicFrameLocks noGrp="1"/>
-          </p:cNvGraphicFramePr>
-          <p:nvPr>
-            <p:extLst>
-              <p:ext uri="{D42A27DB-BD31-4B8C-83A1-F6EECF244321}">
-                <p14:modId xmlns:p14="http://schemas.microsoft.com/office/powerpoint/2010/main" val="1134334290"/>
-              </p:ext>
-            </p:extLst>
-          </p:nvPr>
-        </p:nvGraphicFramePr>
-        <p:xfrm>
-          <a:off x="296550" y="4511671"/>
-          <a:ext cx="7118022" cy="914400"/>
-        </p:xfrm>
-        <a:graphic>
-          <a:graphicData uri="http://schemas.openxmlformats.org/drawingml/2006/table">
-            <a:tbl>
-              <a:tblPr firstRow="1" bandRow="1">
-                <a:tableStyleId>{93296810-A885-4BE3-A3E7-6D5BEEA58F35}</a:tableStyleId>
-              </a:tblPr>
-              <a:tblGrid>
-                <a:gridCol w="1186337">
-                  <a:extLst>
-                    <a:ext uri="{9D8B030D-6E8A-4147-A177-3AD203B41FA5}">
-                      <a16:colId xmlns:a16="http://schemas.microsoft.com/office/drawing/2014/main" val="201513916"/>
-                    </a:ext>
-                  </a:extLst>
-                </a:gridCol>
-                <a:gridCol w="1186337">
-                  <a:extLst>
-                    <a:ext uri="{9D8B030D-6E8A-4147-A177-3AD203B41FA5}">
-                      <a16:colId xmlns:a16="http://schemas.microsoft.com/office/drawing/2014/main" val="4160908569"/>
-                    </a:ext>
-                  </a:extLst>
-                </a:gridCol>
-                <a:gridCol w="1186337">
-                  <a:extLst>
-                    <a:ext uri="{9D8B030D-6E8A-4147-A177-3AD203B41FA5}">
-                      <a16:colId xmlns:a16="http://schemas.microsoft.com/office/drawing/2014/main" val="3835503643"/>
-                    </a:ext>
-                  </a:extLst>
-                </a:gridCol>
-                <a:gridCol w="1186337">
-                  <a:extLst>
-                    <a:ext uri="{9D8B030D-6E8A-4147-A177-3AD203B41FA5}">
-                      <a16:colId xmlns:a16="http://schemas.microsoft.com/office/drawing/2014/main" val="1590507565"/>
-                    </a:ext>
-                  </a:extLst>
-                </a:gridCol>
-                <a:gridCol w="1186337">
-                  <a:extLst>
-                    <a:ext uri="{9D8B030D-6E8A-4147-A177-3AD203B41FA5}">
-                      <a16:colId xmlns:a16="http://schemas.microsoft.com/office/drawing/2014/main" val="1851729959"/>
-                    </a:ext>
-                  </a:extLst>
-                </a:gridCol>
-                <a:gridCol w="1186337">
-                  <a:extLst>
-                    <a:ext uri="{9D8B030D-6E8A-4147-A177-3AD203B41FA5}">
-                      <a16:colId xmlns:a16="http://schemas.microsoft.com/office/drawing/2014/main" val="4047012724"/>
-                    </a:ext>
-                  </a:extLst>
-                </a:gridCol>
-              </a:tblGrid>
-              <a:tr h="374469">
-                <a:tc>
-                  <a:txBody>
-                    <a:bodyPr/>
-                    <a:lstStyle/>
-                    <a:p>
-                      <a:pPr algn="ctr"/>
-                      <a:r>
-                        <a:rPr lang="en-GB" dirty="0">
-                          <a:solidFill>
-                            <a:sysClr val="windowText" lastClr="000000"/>
-                          </a:solidFill>
-                        </a:rPr>
-                        <a:t>Free Units</a:t>
-                      </a:r>
-                    </a:p>
-                  </a:txBody>
-                  <a:tcPr anchor="ctr">
-                    <a:solidFill>
-                      <a:schemeClr val="bg2"/>
-                    </a:solidFill>
-                  </a:tcPr>
-                </a:tc>
-                <a:tc>
-                  <a:txBody>
-                    <a:bodyPr/>
-                    <a:lstStyle/>
-                    <a:p>
-                      <a:pPr algn="ctr"/>
-                      <a:r>
-                        <a:rPr lang="en-GB" dirty="0"/>
-                        <a:t>Free</a:t>
-                      </a:r>
-                    </a:p>
-                    <a:p>
-                      <a:pPr algn="ctr"/>
-                      <a:r>
-                        <a:rPr lang="en-GB" dirty="0"/>
-                        <a:t>Unit</a:t>
-                      </a:r>
-                    </a:p>
-                    <a:p>
-                      <a:pPr algn="ctr"/>
-                      <a:r>
-                        <a:rPr lang="en-GB" dirty="0"/>
-                        <a:t>ID</a:t>
-                      </a:r>
-                    </a:p>
-                  </a:txBody>
-                  <a:tcPr anchor="ctr">
-                    <a:solidFill>
-                      <a:srgbClr val="92D050"/>
-                    </a:solidFill>
-                  </a:tcPr>
-                </a:tc>
-                <a:tc>
-                  <a:txBody>
-                    <a:bodyPr/>
-                    <a:lstStyle/>
-                    <a:p>
-                      <a:pPr algn="ctr"/>
-                      <a:r>
-                        <a:rPr lang="en-GB" dirty="0"/>
-                        <a:t>Free</a:t>
-                      </a:r>
-                    </a:p>
-                    <a:p>
-                      <a:pPr algn="ctr"/>
-                      <a:r>
-                        <a:rPr lang="en-GB" dirty="0"/>
-                        <a:t>Unit</a:t>
-                      </a:r>
-                    </a:p>
-                    <a:p>
-                      <a:pPr algn="ctr"/>
-                      <a:r>
-                        <a:rPr lang="en-GB" dirty="0"/>
-                        <a:t>Voice</a:t>
-                      </a:r>
-                    </a:p>
-                  </a:txBody>
-                  <a:tcPr anchor="ctr">
-                    <a:solidFill>
-                      <a:srgbClr val="92D050"/>
-                    </a:solidFill>
-                  </a:tcPr>
-                </a:tc>
-                <a:tc>
-                  <a:txBody>
-                    <a:bodyPr/>
-                    <a:lstStyle/>
-                    <a:p>
-                      <a:pPr algn="ctr"/>
-                      <a:r>
-                        <a:rPr lang="en-GB" dirty="0"/>
-                        <a:t>Free</a:t>
-                      </a:r>
-                    </a:p>
-                    <a:p>
-                      <a:pPr algn="ctr"/>
-                      <a:r>
-                        <a:rPr lang="en-GB" dirty="0"/>
-                        <a:t>Unit</a:t>
-                      </a:r>
-                    </a:p>
-                    <a:p>
-                      <a:pPr algn="ctr"/>
-                      <a:r>
-                        <a:rPr lang="en-GB" dirty="0"/>
-                        <a:t>SMS</a:t>
-                      </a:r>
-                    </a:p>
-                  </a:txBody>
-                  <a:tcPr anchor="ctr">
-                    <a:solidFill>
-                      <a:srgbClr val="92D050"/>
-                    </a:solidFill>
-                  </a:tcPr>
-                </a:tc>
-                <a:tc>
-                  <a:txBody>
-                    <a:bodyPr/>
-                    <a:lstStyle/>
-                    <a:p>
-                      <a:pPr algn="ctr"/>
-                      <a:r>
-                        <a:rPr lang="en-GB" dirty="0"/>
-                        <a:t>Free</a:t>
-                      </a:r>
-                    </a:p>
-                    <a:p>
-                      <a:pPr algn="ctr"/>
-                      <a:r>
-                        <a:rPr lang="en-GB" dirty="0"/>
-                        <a:t>Unit</a:t>
-                      </a:r>
-                    </a:p>
-                    <a:p>
-                      <a:pPr algn="ctr"/>
-                      <a:r>
-                        <a:rPr lang="en-GB" dirty="0"/>
-                        <a:t>Internet</a:t>
-                      </a:r>
-                    </a:p>
-                  </a:txBody>
-                  <a:tcPr anchor="ctr">
-                    <a:solidFill>
-                      <a:srgbClr val="92D050"/>
-                    </a:solidFill>
-                  </a:tcPr>
-                </a:tc>
-                <a:tc>
-                  <a:txBody>
-                    <a:bodyPr/>
-                    <a:lstStyle/>
                     <a:p>
                       <a:pPr marL="0" marR="0" lvl="0" indent="0" algn="ctr" defTabSz="914400" rtl="0" eaLnBrk="1" fontAlgn="auto" latinLnBrk="0" hangingPunct="1">
                         <a:lnSpc>
@@ -8833,14 +8824,422 @@
                       </a:pPr>
                       <a:r>
                         <a:rPr lang="en-GB" dirty="0"/>
-                        <a:t>Free Unit ID</a:t>
-                      </a:r>
-                    </a:p>
+                        <a:t>(PK)</a:t>
+                      </a:r>
+                    </a:p>
+                  </a:txBody>
+                  <a:tcPr anchor="ctr"/>
+                </a:tc>
+                <a:tc>
+                  <a:txBody>
+                    <a:bodyPr/>
+                    <a:lstStyle/>
                     <a:p>
                       <a:pPr algn="ctr"/>
                       <a:r>
                         <a:rPr lang="en-GB" dirty="0"/>
-                        <a:t>(FK)</a:t>
+                        <a:t>Profile Name</a:t>
+                      </a:r>
+                    </a:p>
+                  </a:txBody>
+                  <a:tcPr anchor="ctr"/>
+                </a:tc>
+                <a:tc>
+                  <a:txBody>
+                    <a:bodyPr/>
+                    <a:lstStyle/>
+                    <a:p>
+                      <a:pPr algn="ctr"/>
+                      <a:r>
+                        <a:rPr lang="en-US" altLang="en-US" sz="1800" dirty="0"/>
+                        <a:t>One Time Fee </a:t>
+                      </a:r>
+                      <a:endParaRPr lang="en-GB" dirty="0"/>
+                    </a:p>
+                  </a:txBody>
+                  <a:tcPr anchor="ctr"/>
+                </a:tc>
+                <a:tc>
+                  <a:txBody>
+                    <a:bodyPr/>
+                    <a:lstStyle/>
+                    <a:p>
+                      <a:pPr algn="ctr"/>
+                      <a:r>
+                        <a:rPr lang="en-GB" sz="1800" dirty="0"/>
+                        <a:t>Renew Duration</a:t>
+                      </a:r>
+                    </a:p>
+                  </a:txBody>
+                  <a:tcPr anchor="ctr"/>
+                </a:tc>
+                <a:tc>
+                  <a:txBody>
+                    <a:bodyPr/>
+                    <a:lstStyle/>
+                    <a:p>
+                      <a:pPr algn="ctr"/>
+                      <a:r>
+                        <a:rPr lang="en-GB" dirty="0"/>
+                        <a:t>Profile Fees</a:t>
+                      </a:r>
+                    </a:p>
+                  </a:txBody>
+                  <a:tcPr anchor="ctr"/>
+                </a:tc>
+                <a:tc>
+                  <a:txBody>
+                    <a:bodyPr/>
+                    <a:lstStyle/>
+                    <a:p>
+                      <a:pPr algn="ctr"/>
+                      <a:r>
+                        <a:rPr lang="en-GB" dirty="0"/>
+                        <a:t>Recurring Services</a:t>
+                      </a:r>
+                    </a:p>
+                  </a:txBody>
+                  <a:tcPr anchor="ctr"/>
+                </a:tc>
+                <a:tc>
+                  <a:txBody>
+                    <a:bodyPr/>
+                    <a:lstStyle/>
+                    <a:p>
+                      <a:pPr algn="ctr"/>
+                      <a:r>
+                        <a:rPr lang="en-GB" dirty="0"/>
+                        <a:t>Free Unit ID (FK)</a:t>
+                      </a:r>
+                    </a:p>
+                  </a:txBody>
+                  <a:tcPr anchor="ctr"/>
+                </a:tc>
+                <a:extLst>
+                  <a:ext uri="{0D108BD9-81ED-4DB2-BD59-A6C34878D82A}">
+                    <a16:rowId xmlns:a16="http://schemas.microsoft.com/office/drawing/2014/main" val="3577827613"/>
+                  </a:ext>
+                </a:extLst>
+              </a:tr>
+            </a:tbl>
+          </a:graphicData>
+        </a:graphic>
+      </p:graphicFrame>
+      <p:graphicFrame>
+        <p:nvGraphicFramePr>
+          <p:cNvPr id="7" name="Table 9">
+            <a:extLst>
+              <a:ext uri="{FF2B5EF4-FFF2-40B4-BE49-F238E27FC236}">
+                <a16:creationId xmlns:a16="http://schemas.microsoft.com/office/drawing/2014/main" id="{125BFBE6-DAA4-436C-A64D-CD580F198F48}"/>
+              </a:ext>
+            </a:extLst>
+          </p:cNvPr>
+          <p:cNvGraphicFramePr>
+            <a:graphicFrameLocks noGrp="1"/>
+          </p:cNvGraphicFramePr>
+          <p:nvPr>
+            <p:extLst>
+              <p:ext uri="{D42A27DB-BD31-4B8C-83A1-F6EECF244321}">
+                <p14:modId xmlns:p14="http://schemas.microsoft.com/office/powerpoint/2010/main" val="3403288415"/>
+              </p:ext>
+            </p:extLst>
+          </p:nvPr>
+        </p:nvGraphicFramePr>
+        <p:xfrm>
+          <a:off x="296548" y="4380211"/>
+          <a:ext cx="10008810" cy="914400"/>
+        </p:xfrm>
+        <a:graphic>
+          <a:graphicData uri="http://schemas.openxmlformats.org/drawingml/2006/table">
+            <a:tbl>
+              <a:tblPr firstRow="1" bandRow="1">
+                <a:tableStyleId>{93296810-A885-4BE3-A3E7-6D5BEEA58F35}</a:tableStyleId>
+              </a:tblPr>
+              <a:tblGrid>
+                <a:gridCol w="1429830">
+                  <a:extLst>
+                    <a:ext uri="{9D8B030D-6E8A-4147-A177-3AD203B41FA5}">
+                      <a16:colId xmlns:a16="http://schemas.microsoft.com/office/drawing/2014/main" val="201513916"/>
+                    </a:ext>
+                  </a:extLst>
+                </a:gridCol>
+                <a:gridCol w="1429830">
+                  <a:extLst>
+                    <a:ext uri="{9D8B030D-6E8A-4147-A177-3AD203B41FA5}">
+                      <a16:colId xmlns:a16="http://schemas.microsoft.com/office/drawing/2014/main" val="4160908569"/>
+                    </a:ext>
+                  </a:extLst>
+                </a:gridCol>
+                <a:gridCol w="1429830">
+                  <a:extLst>
+                    <a:ext uri="{9D8B030D-6E8A-4147-A177-3AD203B41FA5}">
+                      <a16:colId xmlns:a16="http://schemas.microsoft.com/office/drawing/2014/main" val="3835503643"/>
+                    </a:ext>
+                  </a:extLst>
+                </a:gridCol>
+                <a:gridCol w="1429830">
+                  <a:extLst>
+                    <a:ext uri="{9D8B030D-6E8A-4147-A177-3AD203B41FA5}">
+                      <a16:colId xmlns:a16="http://schemas.microsoft.com/office/drawing/2014/main" val="507816282"/>
+                    </a:ext>
+                  </a:extLst>
+                </a:gridCol>
+                <a:gridCol w="1429830">
+                  <a:extLst>
+                    <a:ext uri="{9D8B030D-6E8A-4147-A177-3AD203B41FA5}">
+                      <a16:colId xmlns:a16="http://schemas.microsoft.com/office/drawing/2014/main" val="1590507565"/>
+                    </a:ext>
+                  </a:extLst>
+                </a:gridCol>
+                <a:gridCol w="1429830">
+                  <a:extLst>
+                    <a:ext uri="{9D8B030D-6E8A-4147-A177-3AD203B41FA5}">
+                      <a16:colId xmlns:a16="http://schemas.microsoft.com/office/drawing/2014/main" val="1513730855"/>
+                    </a:ext>
+                  </a:extLst>
+                </a:gridCol>
+                <a:gridCol w="1429830">
+                  <a:extLst>
+                    <a:ext uri="{9D8B030D-6E8A-4147-A177-3AD203B41FA5}">
+                      <a16:colId xmlns:a16="http://schemas.microsoft.com/office/drawing/2014/main" val="1851729959"/>
+                    </a:ext>
+                  </a:extLst>
+                </a:gridCol>
+              </a:tblGrid>
+              <a:tr h="374469">
+                <a:tc>
+                  <a:txBody>
+                    <a:bodyPr/>
+                    <a:lstStyle/>
+                    <a:p>
+                      <a:pPr algn="ctr"/>
+                      <a:r>
+                        <a:rPr lang="en-GB" dirty="0">
+                          <a:solidFill>
+                            <a:sysClr val="windowText" lastClr="000000"/>
+                          </a:solidFill>
+                        </a:rPr>
+                        <a:t>Free Units</a:t>
+                      </a:r>
+                    </a:p>
+                  </a:txBody>
+                  <a:tcPr anchor="ctr">
+                    <a:solidFill>
+                      <a:schemeClr val="bg2"/>
+                    </a:solidFill>
+                  </a:tcPr>
+                </a:tc>
+                <a:tc>
+                  <a:txBody>
+                    <a:bodyPr/>
+                    <a:lstStyle/>
+                    <a:p>
+                      <a:pPr algn="ctr"/>
+                      <a:r>
+                        <a:rPr lang="en-GB" dirty="0"/>
+                        <a:t>Free</a:t>
+                      </a:r>
+                    </a:p>
+                    <a:p>
+                      <a:pPr algn="ctr"/>
+                      <a:r>
+                        <a:rPr lang="en-GB" dirty="0"/>
+                        <a:t>Unit</a:t>
+                      </a:r>
+                    </a:p>
+                    <a:p>
+                      <a:pPr algn="ctr"/>
+                      <a:r>
+                        <a:rPr lang="en-GB" dirty="0"/>
+                        <a:t>ID (PK)</a:t>
+                      </a:r>
+                    </a:p>
+                  </a:txBody>
+                  <a:tcPr anchor="ctr">
+                    <a:solidFill>
+                      <a:srgbClr val="92D050"/>
+                    </a:solidFill>
+                  </a:tcPr>
+                </a:tc>
+                <a:tc>
+                  <a:txBody>
+                    <a:bodyPr/>
+                    <a:lstStyle/>
+                    <a:p>
+                      <a:pPr algn="ctr"/>
+                      <a:r>
+                        <a:rPr lang="en-GB" sz="1200" dirty="0"/>
+                        <a:t>Free</a:t>
+                      </a:r>
+                    </a:p>
+                    <a:p>
+                      <a:pPr algn="ctr"/>
+                      <a:r>
+                        <a:rPr lang="en-GB" sz="1200" dirty="0"/>
+                        <a:t>Unit</a:t>
+                      </a:r>
+                    </a:p>
+                    <a:p>
+                      <a:pPr algn="ctr"/>
+                      <a:r>
+                        <a:rPr lang="en-GB" sz="1200" dirty="0"/>
+                        <a:t>Voice</a:t>
+                      </a:r>
+                    </a:p>
+                    <a:p>
+                      <a:pPr algn="ctr"/>
+                      <a:r>
+                        <a:rPr lang="en-GB" sz="1200" dirty="0"/>
+                        <a:t>On Net</a:t>
+                      </a:r>
+                    </a:p>
+                  </a:txBody>
+                  <a:tcPr anchor="ctr">
+                    <a:solidFill>
+                      <a:srgbClr val="92D050"/>
+                    </a:solidFill>
+                  </a:tcPr>
+                </a:tc>
+                <a:tc>
+                  <a:txBody>
+                    <a:bodyPr/>
+                    <a:lstStyle/>
+                    <a:p>
+                      <a:pPr algn="ctr"/>
+                      <a:r>
+                        <a:rPr lang="en-GB" sz="1200" dirty="0"/>
+                        <a:t>Free</a:t>
+                      </a:r>
+                    </a:p>
+                    <a:p>
+                      <a:pPr algn="ctr"/>
+                      <a:r>
+                        <a:rPr lang="en-GB" sz="1200" dirty="0"/>
+                        <a:t>Unit</a:t>
+                      </a:r>
+                    </a:p>
+                    <a:p>
+                      <a:pPr algn="ctr"/>
+                      <a:r>
+                        <a:rPr lang="en-GB" sz="1200" dirty="0"/>
+                        <a:t>Voice</a:t>
+                      </a:r>
+                    </a:p>
+                    <a:p>
+                      <a:pPr algn="ctr"/>
+                      <a:r>
+                        <a:rPr lang="en-GB" sz="1200" dirty="0"/>
+                        <a:t>Cross  Net</a:t>
+                      </a:r>
+                    </a:p>
+                  </a:txBody>
+                  <a:tcPr anchor="ctr">
+                    <a:solidFill>
+                      <a:srgbClr val="92D050"/>
+                    </a:solidFill>
+                  </a:tcPr>
+                </a:tc>
+                <a:tc>
+                  <a:txBody>
+                    <a:bodyPr/>
+                    <a:lstStyle/>
+                    <a:p>
+                      <a:pPr algn="ctr"/>
+                      <a:r>
+                        <a:rPr lang="en-GB" sz="1200" dirty="0"/>
+                        <a:t>Free</a:t>
+                      </a:r>
+                    </a:p>
+                    <a:p>
+                      <a:pPr algn="ctr"/>
+                      <a:r>
+                        <a:rPr lang="en-GB" sz="1200" dirty="0"/>
+                        <a:t>Unit</a:t>
+                      </a:r>
+                    </a:p>
+                    <a:p>
+                      <a:pPr algn="ctr"/>
+                      <a:r>
+                        <a:rPr lang="en-GB" sz="1200" dirty="0"/>
+                        <a:t>SMS</a:t>
+                      </a:r>
+                    </a:p>
+                    <a:p>
+                      <a:pPr algn="ctr"/>
+                      <a:r>
+                        <a:rPr lang="en-GB" sz="1200" dirty="0"/>
+                        <a:t>On Net</a:t>
+                      </a:r>
+                    </a:p>
+                  </a:txBody>
+                  <a:tcPr anchor="ctr">
+                    <a:solidFill>
+                      <a:srgbClr val="92D050"/>
+                    </a:solidFill>
+                  </a:tcPr>
+                </a:tc>
+                <a:tc>
+                  <a:txBody>
+                    <a:bodyPr/>
+                    <a:lstStyle/>
+                    <a:p>
+                      <a:pPr algn="ctr"/>
+                      <a:r>
+                        <a:rPr lang="en-GB" sz="1200" dirty="0"/>
+                        <a:t>Free</a:t>
+                      </a:r>
+                    </a:p>
+                    <a:p>
+                      <a:pPr algn="ctr"/>
+                      <a:r>
+                        <a:rPr lang="en-GB" sz="1200" dirty="0"/>
+                        <a:t>Unit</a:t>
+                      </a:r>
+                    </a:p>
+                    <a:p>
+                      <a:pPr algn="ctr"/>
+                      <a:r>
+                        <a:rPr lang="en-GB" sz="1200" dirty="0"/>
+                        <a:t>SMS</a:t>
+                      </a:r>
+                    </a:p>
+                    <a:p>
+                      <a:pPr algn="ctr"/>
+                      <a:r>
+                        <a:rPr lang="en-GB" sz="1200" dirty="0"/>
+                        <a:t>Cross Net</a:t>
+                      </a:r>
+                    </a:p>
+                  </a:txBody>
+                  <a:tcPr anchor="ctr">
+                    <a:solidFill>
+                      <a:srgbClr val="92D050"/>
+                    </a:solidFill>
+                  </a:tcPr>
+                </a:tc>
+                <a:tc>
+                  <a:txBody>
+                    <a:bodyPr/>
+                    <a:lstStyle/>
+                    <a:p>
+                      <a:pPr algn="ctr"/>
+                      <a:r>
+                        <a:rPr lang="en-GB" sz="1200" dirty="0"/>
+                        <a:t>Free</a:t>
+                      </a:r>
+                    </a:p>
+                    <a:p>
+                      <a:pPr algn="ctr"/>
+                      <a:r>
+                        <a:rPr lang="en-GB" sz="1200" dirty="0"/>
+                        <a:t>Unit</a:t>
+                      </a:r>
+                    </a:p>
+                    <a:p>
+                      <a:pPr algn="ctr"/>
+                      <a:r>
+                        <a:rPr lang="en-GB" sz="1200" dirty="0"/>
+                        <a:t>Internet</a:t>
                       </a:r>
                     </a:p>
                   </a:txBody>
@@ -8875,14 +9274,14 @@
           <p:nvPr>
             <p:extLst>
               <p:ext uri="{D42A27DB-BD31-4B8C-83A1-F6EECF244321}">
-                <p14:modId xmlns:p14="http://schemas.microsoft.com/office/powerpoint/2010/main" val="4195687127"/>
+                <p14:modId xmlns:p14="http://schemas.microsoft.com/office/powerpoint/2010/main" val="3695870878"/>
               </p:ext>
             </p:extLst>
           </p:nvPr>
         </p:nvGraphicFramePr>
         <p:xfrm>
-          <a:off x="296550" y="5791514"/>
-          <a:ext cx="11713194" cy="914400"/>
+          <a:off x="296548" y="5578475"/>
+          <a:ext cx="10008810" cy="770213"/>
         </p:xfrm>
         <a:graphic>
           <a:graphicData uri="http://schemas.openxmlformats.org/drawingml/2006/table">
@@ -8891,66 +9290,52 @@
                 <a:tableStyleId>{21E4AEA4-8DFA-4A89-87EB-49C32662AFE0}</a:tableStyleId>
               </a:tblPr>
               <a:tblGrid>
-                <a:gridCol w="1301466">
+                <a:gridCol w="1429830">
                   <a:extLst>
                     <a:ext uri="{9D8B030D-6E8A-4147-A177-3AD203B41FA5}">
                       <a16:colId xmlns:a16="http://schemas.microsoft.com/office/drawing/2014/main" val="2544850993"/>
                     </a:ext>
                   </a:extLst>
                 </a:gridCol>
-                <a:gridCol w="1301466">
+                <a:gridCol w="1429830">
                   <a:extLst>
                     <a:ext uri="{9D8B030D-6E8A-4147-A177-3AD203B41FA5}">
                       <a16:colId xmlns:a16="http://schemas.microsoft.com/office/drawing/2014/main" val="4160908569"/>
                     </a:ext>
                   </a:extLst>
                 </a:gridCol>
-                <a:gridCol w="1301466">
+                <a:gridCol w="1429830">
                   <a:extLst>
                     <a:ext uri="{9D8B030D-6E8A-4147-A177-3AD203B41FA5}">
                       <a16:colId xmlns:a16="http://schemas.microsoft.com/office/drawing/2014/main" val="3835503643"/>
                     </a:ext>
                   </a:extLst>
                 </a:gridCol>
-                <a:gridCol w="1301466">
+                <a:gridCol w="1429830">
                   <a:extLst>
                     <a:ext uri="{9D8B030D-6E8A-4147-A177-3AD203B41FA5}">
                       <a16:colId xmlns:a16="http://schemas.microsoft.com/office/drawing/2014/main" val="1590507565"/>
                     </a:ext>
                   </a:extLst>
                 </a:gridCol>
-                <a:gridCol w="1301466">
-                  <a:extLst>
-                    <a:ext uri="{9D8B030D-6E8A-4147-A177-3AD203B41FA5}">
-                      <a16:colId xmlns:a16="http://schemas.microsoft.com/office/drawing/2014/main" val="3395348303"/>
-                    </a:ext>
-                  </a:extLst>
-                </a:gridCol>
-                <a:gridCol w="1301466">
+                <a:gridCol w="1429830">
                   <a:extLst>
                     <a:ext uri="{9D8B030D-6E8A-4147-A177-3AD203B41FA5}">
                       <a16:colId xmlns:a16="http://schemas.microsoft.com/office/drawing/2014/main" val="1851729959"/>
                     </a:ext>
                   </a:extLst>
                 </a:gridCol>
-                <a:gridCol w="1301466">
+                <a:gridCol w="1429830">
                   <a:extLst>
                     <a:ext uri="{9D8B030D-6E8A-4147-A177-3AD203B41FA5}">
                       <a16:colId xmlns:a16="http://schemas.microsoft.com/office/drawing/2014/main" val="976838896"/>
                     </a:ext>
                   </a:extLst>
                 </a:gridCol>
-                <a:gridCol w="1301466">
+                <a:gridCol w="1429830">
                   <a:extLst>
                     <a:ext uri="{9D8B030D-6E8A-4147-A177-3AD203B41FA5}">
                       <a16:colId xmlns:a16="http://schemas.microsoft.com/office/drawing/2014/main" val="593576195"/>
-                    </a:ext>
-                  </a:extLst>
-                </a:gridCol>
-                <a:gridCol w="1301466">
-                  <a:extLst>
-                    <a:ext uri="{9D8B030D-6E8A-4147-A177-3AD203B41FA5}">
-                      <a16:colId xmlns:a16="http://schemas.microsoft.com/office/drawing/2014/main" val="1376094664"/>
                     </a:ext>
                   </a:extLst>
                 </a:gridCol>
@@ -9036,7 +9421,7 @@
                       </a:pPr>
                       <a:r>
                         <a:rPr lang="en-GB" dirty="0"/>
-                        <a:t>ID</a:t>
+                        <a:t>ID (PK)</a:t>
                       </a:r>
                     </a:p>
                   </a:txBody>
@@ -9057,7 +9442,7 @@
                       <a:pPr algn="ctr"/>
                       <a:r>
                         <a:rPr lang="en-GB" dirty="0"/>
-                        <a:t>ID</a:t>
+                        <a:t>ID (PK)</a:t>
                       </a:r>
                     </a:p>
                   </a:txBody>
@@ -9091,17 +9476,23 @@
                     <a:p>
                       <a:pPr algn="ctr"/>
                       <a:r>
-                        <a:rPr lang="en-US" altLang="en-US" sz="1600" dirty="0"/>
-                        <a:t>Rate</a:t>
-                      </a:r>
-                    </a:p>
-                    <a:p>
-                      <a:pPr algn="ctr"/>
-                      <a:r>
-                        <a:rPr lang="en-US" sz="1600" dirty="0"/>
-                        <a:t>Points</a:t>
-                      </a:r>
-                      <a:endParaRPr lang="en-GB" sz="1600" dirty="0"/>
+                        <a:rPr lang="en-GB" sz="1400" dirty="0"/>
+                        <a:t>Fees</a:t>
+                      </a:r>
+                    </a:p>
+                    <a:p>
+                      <a:pPr algn="ctr"/>
+                      <a:r>
+                        <a:rPr lang="en-GB" sz="1400" dirty="0"/>
+                        <a:t>Local</a:t>
+                      </a:r>
+                    </a:p>
+                    <a:p>
+                      <a:pPr algn="ctr"/>
+                      <a:r>
+                        <a:rPr lang="en-GB" sz="1400" dirty="0"/>
+                        <a:t>Same Operator</a:t>
+                      </a:r>
                     </a:p>
                   </a:txBody>
                   <a:tcPr anchor="ctr"/>
@@ -9128,7 +9519,7 @@
                       <a:pPr algn="ctr"/>
                       <a:r>
                         <a:rPr lang="en-GB" sz="1100" dirty="0"/>
-                        <a:t>Same Operator</a:t>
+                        <a:t>Another Operator</a:t>
                       </a:r>
                     </a:p>
                   </a:txBody>
@@ -9141,34 +9532,6 @@
                     <a:p>
                       <a:pPr algn="ctr"/>
                       <a:r>
-                        <a:rPr lang="en-GB" sz="1100" dirty="0"/>
-                        <a:t>Fees</a:t>
-                      </a:r>
-                    </a:p>
-                    <a:p>
-                      <a:pPr algn="ctr"/>
-                      <a:r>
-                        <a:rPr lang="en-GB" sz="1100" dirty="0"/>
-                        <a:t>Local</a:t>
-                      </a:r>
-                    </a:p>
-                    <a:p>
-                      <a:pPr algn="ctr"/>
-                      <a:r>
-                        <a:rPr lang="en-GB" sz="1100" dirty="0"/>
-                        <a:t>Another Operator</a:t>
-                      </a:r>
-                    </a:p>
-                  </a:txBody>
-                  <a:tcPr anchor="ctr"/>
-                </a:tc>
-                <a:tc>
-                  <a:txBody>
-                    <a:bodyPr/>
-                    <a:lstStyle/>
-                    <a:p>
-                      <a:pPr algn="ctr"/>
-                      <a:r>
                         <a:rPr lang="en-GB" sz="1800" dirty="0"/>
                         <a:t>Fees</a:t>
                       </a:r>
@@ -9178,41 +9541,6 @@
                       <a:r>
                         <a:rPr lang="en-GB" sz="1800" dirty="0"/>
                         <a:t>International</a:t>
-                      </a:r>
-                    </a:p>
-                  </a:txBody>
-                  <a:tcPr anchor="ctr"/>
-                </a:tc>
-                <a:tc>
-                  <a:txBody>
-                    <a:bodyPr/>
-                    <a:lstStyle/>
-                    <a:p>
-                      <a:pPr algn="ctr"/>
-                      <a:r>
-                        <a:rPr lang="en-GB" sz="1100" dirty="0"/>
-                        <a:t>Additional</a:t>
-                      </a:r>
-                    </a:p>
-                    <a:p>
-                      <a:pPr algn="ctr"/>
-                      <a:r>
-                        <a:rPr lang="en-GB" sz="1100" dirty="0"/>
-                        <a:t>Quota</a:t>
-                      </a:r>
-                    </a:p>
-                    <a:p>
-                      <a:pPr algn="ctr"/>
-                      <a:r>
-                        <a:rPr lang="en-GB" sz="1100" dirty="0"/>
-                        <a:t>Size</a:t>
-                      </a:r>
-                    </a:p>
-                    <a:p>
-                      <a:pPr algn="ctr"/>
-                      <a:r>
-                        <a:rPr lang="en-GB" sz="1100" dirty="0"/>
-                        <a:t>(LE/MB/COUNT)</a:t>
                       </a:r>
                     </a:p>
                   </a:txBody>
@@ -9243,13 +9571,13 @@
           <p:nvPr>
             <p:extLst>
               <p:ext uri="{D42A27DB-BD31-4B8C-83A1-F6EECF244321}">
-                <p14:modId xmlns:p14="http://schemas.microsoft.com/office/powerpoint/2010/main" val="2036670688"/>
+                <p14:modId xmlns:p14="http://schemas.microsoft.com/office/powerpoint/2010/main" val="1514673097"/>
               </p:ext>
             </p:extLst>
           </p:nvPr>
         </p:nvGraphicFramePr>
         <p:xfrm>
-          <a:off x="8493111" y="4128316"/>
+          <a:off x="8105345" y="1443106"/>
           <a:ext cx="2941494" cy="640080"/>
         </p:xfrm>
         <a:graphic>
@@ -9328,7 +9656,7 @@
                       </a:pPr>
                       <a:r>
                         <a:rPr lang="en-GB" dirty="0"/>
-                        <a:t>Service ID</a:t>
+                        <a:t>Service ID (PK)</a:t>
                       </a:r>
                     </a:p>
                   </a:txBody>
@@ -9372,6 +9700,271 @@
 </file>
 
 <file path=ppt/slides/slide6.xml><?xml version="1.0" encoding="utf-8"?>
+<p:sld xmlns:a="http://schemas.openxmlformats.org/drawingml/2006/main" xmlns:r="http://schemas.openxmlformats.org/officeDocument/2006/relationships" xmlns:p="http://schemas.openxmlformats.org/presentationml/2006/main">
+  <p:cSld>
+    <p:spTree>
+      <p:nvGrpSpPr>
+        <p:cNvPr id="1" name=""/>
+        <p:cNvGrpSpPr/>
+        <p:nvPr/>
+      </p:nvGrpSpPr>
+      <p:grpSpPr>
+        <a:xfrm>
+          <a:off x="0" y="0"/>
+          <a:ext cx="0" cy="0"/>
+          <a:chOff x="0" y="0"/>
+          <a:chExt cx="0" cy="0"/>
+        </a:xfrm>
+      </p:grpSpPr>
+      <p:sp>
+        <p:nvSpPr>
+          <p:cNvPr id="2" name="Title 1">
+            <a:extLst>
+              <a:ext uri="{FF2B5EF4-FFF2-40B4-BE49-F238E27FC236}">
+                <a16:creationId xmlns:a16="http://schemas.microsoft.com/office/drawing/2014/main" id="{572CE229-F282-4FDB-B503-48F89461E125}"/>
+              </a:ext>
+            </a:extLst>
+          </p:cNvPr>
+          <p:cNvSpPr>
+            <a:spLocks noGrp="1"/>
+          </p:cNvSpPr>
+          <p:nvPr>
+            <p:ph type="title"/>
+          </p:nvPr>
+        </p:nvSpPr>
+        <p:spPr/>
+        <p:txBody>
+          <a:bodyPr/>
+          <a:lstStyle/>
+          <a:p>
+            <a:pPr algn="ctr"/>
+            <a:r>
+              <a:rPr lang="en-GB" dirty="0"/>
+              <a:t>Tables 2</a:t>
+            </a:r>
+          </a:p>
+        </p:txBody>
+      </p:sp>
+      <p:graphicFrame>
+        <p:nvGraphicFramePr>
+          <p:cNvPr id="3" name="Table 9">
+            <a:extLst>
+              <a:ext uri="{FF2B5EF4-FFF2-40B4-BE49-F238E27FC236}">
+                <a16:creationId xmlns:a16="http://schemas.microsoft.com/office/drawing/2014/main" id="{9D1E50DD-A0A6-406D-8B9C-1C41C027B4E9}"/>
+              </a:ext>
+            </a:extLst>
+          </p:cNvPr>
+          <p:cNvGraphicFramePr>
+            <a:graphicFrameLocks noGrp="1"/>
+          </p:cNvGraphicFramePr>
+          <p:nvPr>
+            <p:extLst>
+              <p:ext uri="{D42A27DB-BD31-4B8C-83A1-F6EECF244321}">
+                <p14:modId xmlns:p14="http://schemas.microsoft.com/office/powerpoint/2010/main" val="3624569069"/>
+              </p:ext>
+            </p:extLst>
+          </p:nvPr>
+        </p:nvGraphicFramePr>
+        <p:xfrm>
+          <a:off x="296550" y="1690688"/>
+          <a:ext cx="9431910" cy="914400"/>
+        </p:xfrm>
+        <a:graphic>
+          <a:graphicData uri="http://schemas.openxmlformats.org/drawingml/2006/table">
+            <a:tbl>
+              <a:tblPr firstRow="1" bandRow="1">
+                <a:tableStyleId>{7DF18680-E054-41AD-8BC1-D1AEF772440D}</a:tableStyleId>
+              </a:tblPr>
+              <a:tblGrid>
+                <a:gridCol w="1571985">
+                  <a:extLst>
+                    <a:ext uri="{9D8B030D-6E8A-4147-A177-3AD203B41FA5}">
+                      <a16:colId xmlns:a16="http://schemas.microsoft.com/office/drawing/2014/main" val="201513916"/>
+                    </a:ext>
+                  </a:extLst>
+                </a:gridCol>
+                <a:gridCol w="1571985">
+                  <a:extLst>
+                    <a:ext uri="{9D8B030D-6E8A-4147-A177-3AD203B41FA5}">
+                      <a16:colId xmlns:a16="http://schemas.microsoft.com/office/drawing/2014/main" val="4160908569"/>
+                    </a:ext>
+                  </a:extLst>
+                </a:gridCol>
+                <a:gridCol w="1571985">
+                  <a:extLst>
+                    <a:ext uri="{9D8B030D-6E8A-4147-A177-3AD203B41FA5}">
+                      <a16:colId xmlns:a16="http://schemas.microsoft.com/office/drawing/2014/main" val="3835503643"/>
+                    </a:ext>
+                  </a:extLst>
+                </a:gridCol>
+                <a:gridCol w="1571985">
+                  <a:extLst>
+                    <a:ext uri="{9D8B030D-6E8A-4147-A177-3AD203B41FA5}">
+                      <a16:colId xmlns:a16="http://schemas.microsoft.com/office/drawing/2014/main" val="1590507565"/>
+                    </a:ext>
+                  </a:extLst>
+                </a:gridCol>
+                <a:gridCol w="1571985">
+                  <a:extLst>
+                    <a:ext uri="{9D8B030D-6E8A-4147-A177-3AD203B41FA5}">
+                      <a16:colId xmlns:a16="http://schemas.microsoft.com/office/drawing/2014/main" val="943213032"/>
+                    </a:ext>
+                  </a:extLst>
+                </a:gridCol>
+                <a:gridCol w="1571985">
+                  <a:extLst>
+                    <a:ext uri="{9D8B030D-6E8A-4147-A177-3AD203B41FA5}">
+                      <a16:colId xmlns:a16="http://schemas.microsoft.com/office/drawing/2014/main" val="1851729959"/>
+                    </a:ext>
+                  </a:extLst>
+                </a:gridCol>
+              </a:tblGrid>
+              <a:tr h="374469">
+                <a:tc>
+                  <a:txBody>
+                    <a:bodyPr/>
+                    <a:lstStyle/>
+                    <a:p>
+                      <a:pPr algn="ctr"/>
+                      <a:r>
+                        <a:rPr lang="en-GB" dirty="0">
+                          <a:solidFill>
+                            <a:sysClr val="windowText" lastClr="000000"/>
+                          </a:solidFill>
+                        </a:rPr>
+                        <a:t>UDR</a:t>
+                      </a:r>
+                    </a:p>
+                  </a:txBody>
+                  <a:tcPr anchor="ctr">
+                    <a:solidFill>
+                      <a:schemeClr val="bg2"/>
+                    </a:solidFill>
+                  </a:tcPr>
+                </a:tc>
+                <a:tc>
+                  <a:txBody>
+                    <a:bodyPr/>
+                    <a:lstStyle/>
+                    <a:p>
+                      <a:pPr algn="ctr"/>
+                      <a:r>
+                        <a:rPr lang="en-GB" dirty="0"/>
+                        <a:t>UDR ID</a:t>
+                      </a:r>
+                    </a:p>
+                    <a:p>
+                      <a:pPr algn="ctr"/>
+                      <a:r>
+                        <a:rPr lang="en-GB" dirty="0"/>
+                        <a:t>(PK)</a:t>
+                      </a:r>
+                    </a:p>
+                  </a:txBody>
+                  <a:tcPr anchor="ctr"/>
+                </a:tc>
+                <a:tc>
+                  <a:txBody>
+                    <a:bodyPr/>
+                    <a:lstStyle/>
+                    <a:p>
+                      <a:pPr algn="ctr"/>
+                      <a:r>
+                        <a:rPr lang="en-GB" dirty="0"/>
+                        <a:t>CDR</a:t>
+                      </a:r>
+                    </a:p>
+                    <a:p>
+                      <a:pPr algn="ctr"/>
+                      <a:r>
+                        <a:rPr lang="en-GB" dirty="0"/>
+                        <a:t>Number</a:t>
+                      </a:r>
+                    </a:p>
+                    <a:p>
+                      <a:pPr algn="ctr"/>
+                      <a:r>
+                        <a:rPr lang="en-GB" dirty="0"/>
+                        <a:t>(PK)</a:t>
+                      </a:r>
+                    </a:p>
+                  </a:txBody>
+                  <a:tcPr anchor="ctr"/>
+                </a:tc>
+                <a:tc>
+                  <a:txBody>
+                    <a:bodyPr/>
+                    <a:lstStyle/>
+                    <a:p>
+                      <a:pPr algn="ctr"/>
+                      <a:r>
+                        <a:rPr lang="en-GB" dirty="0"/>
+                        <a:t>Profile</a:t>
+                      </a:r>
+                    </a:p>
+                    <a:p>
+                      <a:pPr algn="ctr"/>
+                      <a:r>
+                        <a:rPr lang="en-GB" dirty="0"/>
+                        <a:t>ID</a:t>
+                      </a:r>
+                    </a:p>
+                  </a:txBody>
+                  <a:tcPr anchor="ctr"/>
+                </a:tc>
+                <a:tc>
+                  <a:txBody>
+                    <a:bodyPr/>
+                    <a:lstStyle/>
+                    <a:p>
+                      <a:pPr algn="ctr"/>
+                      <a:r>
+                        <a:rPr lang="en-GB" dirty="0" err="1"/>
+                        <a:t>Has_FreeUnit</a:t>
+                      </a:r>
+                      <a:endParaRPr lang="en-GB" dirty="0"/>
+                    </a:p>
+                  </a:txBody>
+                  <a:tcPr anchor="ctr"/>
+                </a:tc>
+                <a:tc>
+                  <a:txBody>
+                    <a:bodyPr/>
+                    <a:lstStyle/>
+                    <a:p>
+                      <a:pPr algn="ctr"/>
+                      <a:r>
+                        <a:rPr lang="en-GB" dirty="0"/>
+                        <a:t>Cost</a:t>
+                      </a:r>
+                    </a:p>
+                  </a:txBody>
+                  <a:tcPr anchor="ctr"/>
+                </a:tc>
+                <a:extLst>
+                  <a:ext uri="{0D108BD9-81ED-4DB2-BD59-A6C34878D82A}">
+                    <a16:rowId xmlns:a16="http://schemas.microsoft.com/office/drawing/2014/main" val="3577827613"/>
+                  </a:ext>
+                </a:extLst>
+              </a:tr>
+            </a:tbl>
+          </a:graphicData>
+        </a:graphic>
+      </p:graphicFrame>
+    </p:spTree>
+    <p:extLst>
+      <p:ext uri="{BB962C8B-B14F-4D97-AF65-F5344CB8AC3E}">
+        <p14:creationId xmlns:p14="http://schemas.microsoft.com/office/powerpoint/2010/main" val="378067406"/>
+      </p:ext>
+    </p:extLst>
+  </p:cSld>
+  <p:clrMapOvr>
+    <a:masterClrMapping/>
+  </p:clrMapOvr>
+</p:sld>
+</file>
+
+<file path=ppt/slides/slide7.xml><?xml version="1.0" encoding="utf-8"?>
 <p:sld xmlns:a="http://schemas.openxmlformats.org/drawingml/2006/main" xmlns:r="http://schemas.openxmlformats.org/officeDocument/2006/relationships" xmlns:p="http://schemas.openxmlformats.org/presentationml/2006/main">
   <p:cSld>
     <p:spTree>

--- a/Database Documentation/Database Documentation.pptx
+++ b/Database Documentation/Database Documentation.pptx
@@ -267,7 +267,7 @@
           <a:p>
             <a:fld id="{80FB5BE9-7F13-4564-9415-A50ADEB12BD1}" type="datetimeFigureOut">
               <a:rPr lang="en-GB" smtClean="0"/>
-              <a:t>22/04/2020</a:t>
+              <a:t>25/04/2020</a:t>
             </a:fld>
             <a:endParaRPr lang="en-GB" dirty="0"/>
           </a:p>
@@ -467,7 +467,7 @@
           <a:p>
             <a:fld id="{80FB5BE9-7F13-4564-9415-A50ADEB12BD1}" type="datetimeFigureOut">
               <a:rPr lang="en-GB" smtClean="0"/>
-              <a:t>22/04/2020</a:t>
+              <a:t>25/04/2020</a:t>
             </a:fld>
             <a:endParaRPr lang="en-GB" dirty="0"/>
           </a:p>
@@ -677,7 +677,7 @@
           <a:p>
             <a:fld id="{80FB5BE9-7F13-4564-9415-A50ADEB12BD1}" type="datetimeFigureOut">
               <a:rPr lang="en-GB" smtClean="0"/>
-              <a:t>22/04/2020</a:t>
+              <a:t>25/04/2020</a:t>
             </a:fld>
             <a:endParaRPr lang="en-GB" dirty="0"/>
           </a:p>
@@ -877,7 +877,7 @@
           <a:p>
             <a:fld id="{80FB5BE9-7F13-4564-9415-A50ADEB12BD1}" type="datetimeFigureOut">
               <a:rPr lang="en-GB" smtClean="0"/>
-              <a:t>22/04/2020</a:t>
+              <a:t>25/04/2020</a:t>
             </a:fld>
             <a:endParaRPr lang="en-GB" dirty="0"/>
           </a:p>
@@ -1153,7 +1153,7 @@
           <a:p>
             <a:fld id="{80FB5BE9-7F13-4564-9415-A50ADEB12BD1}" type="datetimeFigureOut">
               <a:rPr lang="en-GB" smtClean="0"/>
-              <a:t>22/04/2020</a:t>
+              <a:t>25/04/2020</a:t>
             </a:fld>
             <a:endParaRPr lang="en-GB" dirty="0"/>
           </a:p>
@@ -1421,7 +1421,7 @@
           <a:p>
             <a:fld id="{80FB5BE9-7F13-4564-9415-A50ADEB12BD1}" type="datetimeFigureOut">
               <a:rPr lang="en-GB" smtClean="0"/>
-              <a:t>22/04/2020</a:t>
+              <a:t>25/04/2020</a:t>
             </a:fld>
             <a:endParaRPr lang="en-GB" dirty="0"/>
           </a:p>
@@ -1836,7 +1836,7 @@
           <a:p>
             <a:fld id="{80FB5BE9-7F13-4564-9415-A50ADEB12BD1}" type="datetimeFigureOut">
               <a:rPr lang="en-GB" smtClean="0"/>
-              <a:t>22/04/2020</a:t>
+              <a:t>25/04/2020</a:t>
             </a:fld>
             <a:endParaRPr lang="en-GB" dirty="0"/>
           </a:p>
@@ -1978,7 +1978,7 @@
           <a:p>
             <a:fld id="{80FB5BE9-7F13-4564-9415-A50ADEB12BD1}" type="datetimeFigureOut">
               <a:rPr lang="en-GB" smtClean="0"/>
-              <a:t>22/04/2020</a:t>
+              <a:t>25/04/2020</a:t>
             </a:fld>
             <a:endParaRPr lang="en-GB" dirty="0"/>
           </a:p>
@@ -2091,7 +2091,7 @@
           <a:p>
             <a:fld id="{80FB5BE9-7F13-4564-9415-A50ADEB12BD1}" type="datetimeFigureOut">
               <a:rPr lang="en-GB" smtClean="0"/>
-              <a:t>22/04/2020</a:t>
+              <a:t>25/04/2020</a:t>
             </a:fld>
             <a:endParaRPr lang="en-GB" dirty="0"/>
           </a:p>
@@ -2404,7 +2404,7 @@
           <a:p>
             <a:fld id="{80FB5BE9-7F13-4564-9415-A50ADEB12BD1}" type="datetimeFigureOut">
               <a:rPr lang="en-GB" smtClean="0"/>
-              <a:t>22/04/2020</a:t>
+              <a:t>25/04/2020</a:t>
             </a:fld>
             <a:endParaRPr lang="en-GB" dirty="0"/>
           </a:p>
@@ -2693,7 +2693,7 @@
           <a:p>
             <a:fld id="{80FB5BE9-7F13-4564-9415-A50ADEB12BD1}" type="datetimeFigureOut">
               <a:rPr lang="en-GB" smtClean="0"/>
-              <a:t>22/04/2020</a:t>
+              <a:t>25/04/2020</a:t>
             </a:fld>
             <a:endParaRPr lang="en-GB" dirty="0"/>
           </a:p>
@@ -2936,7 +2936,7 @@
           <a:p>
             <a:fld id="{80FB5BE9-7F13-4564-9415-A50ADEB12BD1}" type="datetimeFigureOut">
               <a:rPr lang="en-GB" smtClean="0"/>
-              <a:t>22/04/2020</a:t>
+              <a:t>25/04/2020</a:t>
             </a:fld>
             <a:endParaRPr lang="en-GB" dirty="0"/>
           </a:p>
@@ -8095,7 +8095,7 @@
           <p:nvPr>
             <p:extLst>
               <p:ext uri="{D42A27DB-BD31-4B8C-83A1-F6EECF244321}">
-                <p14:modId xmlns:p14="http://schemas.microsoft.com/office/powerpoint/2010/main" val="4214181991"/>
+                <p14:modId xmlns:p14="http://schemas.microsoft.com/office/powerpoint/2010/main" val="2279121783"/>
               </p:ext>
             </p:extLst>
           </p:nvPr>
@@ -8681,14 +8681,14 @@
           <p:nvPr>
             <p:extLst>
               <p:ext uri="{D42A27DB-BD31-4B8C-83A1-F6EECF244321}">
-                <p14:modId xmlns:p14="http://schemas.microsoft.com/office/powerpoint/2010/main" val="2423187898"/>
+                <p14:modId xmlns:p14="http://schemas.microsoft.com/office/powerpoint/2010/main" val="4119309427"/>
               </p:ext>
             </p:extLst>
           </p:nvPr>
         </p:nvGraphicFramePr>
         <p:xfrm>
           <a:off x="296549" y="3456267"/>
-          <a:ext cx="9394208" cy="640080"/>
+          <a:ext cx="7045656" cy="640080"/>
         </p:xfrm>
         <a:graphic>
           <a:graphicData uri="http://schemas.openxmlformats.org/drawingml/2006/table">
@@ -8721,13 +8721,6 @@
                 <a:gridCol w="1174276">
                   <a:extLst>
                     <a:ext uri="{9D8B030D-6E8A-4147-A177-3AD203B41FA5}">
-                      <a16:colId xmlns:a16="http://schemas.microsoft.com/office/drawing/2014/main" val="1590507565"/>
-                    </a:ext>
-                  </a:extLst>
-                </a:gridCol>
-                <a:gridCol w="1174276">
-                  <a:extLst>
-                    <a:ext uri="{9D8B030D-6E8A-4147-A177-3AD203B41FA5}">
                       <a16:colId xmlns:a16="http://schemas.microsoft.com/office/drawing/2014/main" val="1851729959"/>
                     </a:ext>
                   </a:extLst>
@@ -8736,13 +8729,6 @@
                   <a:extLst>
                     <a:ext uri="{9D8B030D-6E8A-4147-A177-3AD203B41FA5}">
                       <a16:colId xmlns:a16="http://schemas.microsoft.com/office/drawing/2014/main" val="976838896"/>
-                    </a:ext>
-                  </a:extLst>
-                </a:gridCol>
-                <a:gridCol w="1174276">
-                  <a:extLst>
-                    <a:ext uri="{9D8B030D-6E8A-4147-A177-3AD203B41FA5}">
-                      <a16:colId xmlns:a16="http://schemas.microsoft.com/office/drawing/2014/main" val="3915712042"/>
                     </a:ext>
                   </a:extLst>
                 </a:gridCol>
@@ -8851,21 +8837,6 @@
                     <a:p>
                       <a:pPr algn="ctr"/>
                       <a:r>
-                        <a:rPr lang="en-US" altLang="en-US" sz="1800" dirty="0"/>
-                        <a:t>One Time Fee </a:t>
-                      </a:r>
-                      <a:endParaRPr lang="en-GB" dirty="0"/>
-                    </a:p>
-                  </a:txBody>
-                  <a:tcPr anchor="ctr"/>
-                </a:tc>
-                <a:tc>
-                  <a:txBody>
-                    <a:bodyPr/>
-                    <a:lstStyle/>
-                    <a:p>
-                      <a:pPr algn="ctr"/>
-                      <a:r>
                         <a:rPr lang="en-GB" sz="1800" dirty="0"/>
                         <a:t>Renew Duration</a:t>
                       </a:r>
@@ -8882,20 +8853,6 @@
                       <a:r>
                         <a:rPr lang="en-GB" dirty="0"/>
                         <a:t>Profile Fees</a:t>
-                      </a:r>
-                    </a:p>
-                  </a:txBody>
-                  <a:tcPr anchor="ctr"/>
-                </a:tc>
-                <a:tc>
-                  <a:txBody>
-                    <a:bodyPr/>
-                    <a:lstStyle/>
-                    <a:p>
-                      <a:pPr algn="ctr"/>
-                      <a:r>
-                        <a:rPr lang="en-GB" dirty="0"/>
-                        <a:t>Recurring Services</a:t>
                       </a:r>
                     </a:p>
                   </a:txBody>
@@ -9274,14 +9231,14 @@
           <p:nvPr>
             <p:extLst>
               <p:ext uri="{D42A27DB-BD31-4B8C-83A1-F6EECF244321}">
-                <p14:modId xmlns:p14="http://schemas.microsoft.com/office/powerpoint/2010/main" val="3695870878"/>
+                <p14:modId xmlns:p14="http://schemas.microsoft.com/office/powerpoint/2010/main" val="205739633"/>
               </p:ext>
             </p:extLst>
           </p:nvPr>
         </p:nvGraphicFramePr>
         <p:xfrm>
           <a:off x="296548" y="5578475"/>
-          <a:ext cx="10008810" cy="770213"/>
+          <a:ext cx="11684920" cy="944880"/>
         </p:xfrm>
         <a:graphic>
           <a:graphicData uri="http://schemas.openxmlformats.org/drawingml/2006/table">
@@ -9290,52 +9247,73 @@
                 <a:tableStyleId>{21E4AEA4-8DFA-4A89-87EB-49C32662AFE0}</a:tableStyleId>
               </a:tblPr>
               <a:tblGrid>
-                <a:gridCol w="1429830">
+                <a:gridCol w="1168492">
                   <a:extLst>
                     <a:ext uri="{9D8B030D-6E8A-4147-A177-3AD203B41FA5}">
                       <a16:colId xmlns:a16="http://schemas.microsoft.com/office/drawing/2014/main" val="2544850993"/>
                     </a:ext>
                   </a:extLst>
                 </a:gridCol>
-                <a:gridCol w="1429830">
+                <a:gridCol w="1168492">
+                  <a:extLst>
+                    <a:ext uri="{9D8B030D-6E8A-4147-A177-3AD203B41FA5}">
+                      <a16:colId xmlns:a16="http://schemas.microsoft.com/office/drawing/2014/main" val="1162217233"/>
+                    </a:ext>
+                  </a:extLst>
+                </a:gridCol>
+                <a:gridCol w="1168492">
                   <a:extLst>
                     <a:ext uri="{9D8B030D-6E8A-4147-A177-3AD203B41FA5}">
                       <a16:colId xmlns:a16="http://schemas.microsoft.com/office/drawing/2014/main" val="4160908569"/>
                     </a:ext>
                   </a:extLst>
                 </a:gridCol>
-                <a:gridCol w="1429830">
+                <a:gridCol w="1168492">
                   <a:extLst>
                     <a:ext uri="{9D8B030D-6E8A-4147-A177-3AD203B41FA5}">
                       <a16:colId xmlns:a16="http://schemas.microsoft.com/office/drawing/2014/main" val="3835503643"/>
                     </a:ext>
                   </a:extLst>
                 </a:gridCol>
-                <a:gridCol w="1429830">
+                <a:gridCol w="1168492">
                   <a:extLst>
                     <a:ext uri="{9D8B030D-6E8A-4147-A177-3AD203B41FA5}">
                       <a16:colId xmlns:a16="http://schemas.microsoft.com/office/drawing/2014/main" val="1590507565"/>
                     </a:ext>
                   </a:extLst>
                 </a:gridCol>
-                <a:gridCol w="1429830">
+                <a:gridCol w="1168492">
                   <a:extLst>
                     <a:ext uri="{9D8B030D-6E8A-4147-A177-3AD203B41FA5}">
                       <a16:colId xmlns:a16="http://schemas.microsoft.com/office/drawing/2014/main" val="1851729959"/>
                     </a:ext>
                   </a:extLst>
                 </a:gridCol>
-                <a:gridCol w="1429830">
+                <a:gridCol w="1168492">
                   <a:extLst>
                     <a:ext uri="{9D8B030D-6E8A-4147-A177-3AD203B41FA5}">
                       <a16:colId xmlns:a16="http://schemas.microsoft.com/office/drawing/2014/main" val="976838896"/>
                     </a:ext>
                   </a:extLst>
                 </a:gridCol>
-                <a:gridCol w="1429830">
+                <a:gridCol w="1168492">
                   <a:extLst>
                     <a:ext uri="{9D8B030D-6E8A-4147-A177-3AD203B41FA5}">
                       <a16:colId xmlns:a16="http://schemas.microsoft.com/office/drawing/2014/main" val="593576195"/>
+                    </a:ext>
+                  </a:extLst>
+                </a:gridCol>
+                <a:gridCol w="1168492">
+                  <a:extLst>
+                    <a:ext uri="{9D8B030D-6E8A-4147-A177-3AD203B41FA5}">
+                      <a16:colId xmlns:a16="http://schemas.microsoft.com/office/drawing/2014/main" val="740313113"/>
+                    </a:ext>
+                  </a:extLst>
+                </a:gridCol>
+                <a:gridCol w="1168492">
+                  <a:extLst>
+                    <a:ext uri="{9D8B030D-6E8A-4147-A177-3AD203B41FA5}">
+                      <a16:colId xmlns:a16="http://schemas.microsoft.com/office/drawing/2014/main" val="207279214"/>
                     </a:ext>
                   </a:extLst>
                 </a:gridCol>
@@ -9397,9 +9375,10 @@
                         <a:defRPr/>
                       </a:pPr>
                       <a:r>
-                        <a:rPr lang="en-GB" dirty="0"/>
-                        <a:t>Profile</a:t>
-                      </a:r>
+                        <a:rPr lang="en-GB" dirty="0" err="1"/>
+                        <a:t>Profile_Services</a:t>
+                      </a:r>
+                      <a:endParaRPr lang="en-GB" dirty="0"/>
                     </a:p>
                     <a:p>
                       <a:pPr marL="0" marR="0" lvl="0" indent="0" algn="ctr" defTabSz="914400" rtl="0" eaLnBrk="1" fontAlgn="auto" latinLnBrk="0" hangingPunct="1">
@@ -9432,211 +9411,6 @@
                     <a:bodyPr/>
                     <a:lstStyle/>
                     <a:p>
-                      <a:pPr algn="ctr"/>
-                      <a:r>
-                        <a:rPr lang="en-GB" dirty="0"/>
-                        <a:t>Service</a:t>
-                      </a:r>
-                    </a:p>
-                    <a:p>
-                      <a:pPr algn="ctr"/>
-                      <a:r>
-                        <a:rPr lang="en-GB" dirty="0"/>
-                        <a:t>ID (PK)</a:t>
-                      </a:r>
-                    </a:p>
-                  </a:txBody>
-                  <a:tcPr anchor="ctr"/>
-                </a:tc>
-                <a:tc>
-                  <a:txBody>
-                    <a:bodyPr/>
-                    <a:lstStyle/>
-                    <a:p>
-                      <a:pPr algn="ctr"/>
-                      <a:r>
-                        <a:rPr lang="en-GB" sz="1600" dirty="0"/>
-                        <a:t>Round</a:t>
-                      </a:r>
-                    </a:p>
-                    <a:p>
-                      <a:pPr algn="ctr"/>
-                      <a:r>
-                        <a:rPr lang="en-GB" sz="1600" dirty="0"/>
-                        <a:t>Amount</a:t>
-                      </a:r>
-                    </a:p>
-                  </a:txBody>
-                  <a:tcPr anchor="ctr"/>
-                </a:tc>
-                <a:tc>
-                  <a:txBody>
-                    <a:bodyPr/>
-                    <a:lstStyle/>
-                    <a:p>
-                      <a:pPr algn="ctr"/>
-                      <a:r>
-                        <a:rPr lang="en-GB" sz="1400" dirty="0"/>
-                        <a:t>Fees</a:t>
-                      </a:r>
-                    </a:p>
-                    <a:p>
-                      <a:pPr algn="ctr"/>
-                      <a:r>
-                        <a:rPr lang="en-GB" sz="1400" dirty="0"/>
-                        <a:t>Local</a:t>
-                      </a:r>
-                    </a:p>
-                    <a:p>
-                      <a:pPr algn="ctr"/>
-                      <a:r>
-                        <a:rPr lang="en-GB" sz="1400" dirty="0"/>
-                        <a:t>Same Operator</a:t>
-                      </a:r>
-                    </a:p>
-                  </a:txBody>
-                  <a:tcPr anchor="ctr"/>
-                </a:tc>
-                <a:tc>
-                  <a:txBody>
-                    <a:bodyPr/>
-                    <a:lstStyle/>
-                    <a:p>
-                      <a:pPr algn="ctr"/>
-                      <a:r>
-                        <a:rPr lang="en-GB" sz="1100" dirty="0"/>
-                        <a:t>Fees</a:t>
-                      </a:r>
-                    </a:p>
-                    <a:p>
-                      <a:pPr algn="ctr"/>
-                      <a:r>
-                        <a:rPr lang="en-GB" sz="1100" dirty="0"/>
-                        <a:t>Local</a:t>
-                      </a:r>
-                    </a:p>
-                    <a:p>
-                      <a:pPr algn="ctr"/>
-                      <a:r>
-                        <a:rPr lang="en-GB" sz="1100" dirty="0"/>
-                        <a:t>Another Operator</a:t>
-                      </a:r>
-                    </a:p>
-                  </a:txBody>
-                  <a:tcPr anchor="ctr"/>
-                </a:tc>
-                <a:tc>
-                  <a:txBody>
-                    <a:bodyPr/>
-                    <a:lstStyle/>
-                    <a:p>
-                      <a:pPr algn="ctr"/>
-                      <a:r>
-                        <a:rPr lang="en-GB" sz="1800" dirty="0"/>
-                        <a:t>Fees</a:t>
-                      </a:r>
-                    </a:p>
-                    <a:p>
-                      <a:pPr algn="ctr"/>
-                      <a:r>
-                        <a:rPr lang="en-GB" sz="1800" dirty="0"/>
-                        <a:t>International</a:t>
-                      </a:r>
-                    </a:p>
-                  </a:txBody>
-                  <a:tcPr anchor="ctr"/>
-                </a:tc>
-                <a:extLst>
-                  <a:ext uri="{0D108BD9-81ED-4DB2-BD59-A6C34878D82A}">
-                    <a16:rowId xmlns:a16="http://schemas.microsoft.com/office/drawing/2014/main" val="3577827613"/>
-                  </a:ext>
-                </a:extLst>
-              </a:tr>
-            </a:tbl>
-          </a:graphicData>
-        </a:graphic>
-      </p:graphicFrame>
-      <p:graphicFrame>
-        <p:nvGraphicFramePr>
-          <p:cNvPr id="9" name="Table 8">
-            <a:extLst>
-              <a:ext uri="{FF2B5EF4-FFF2-40B4-BE49-F238E27FC236}">
-                <a16:creationId xmlns:a16="http://schemas.microsoft.com/office/drawing/2014/main" id="{072447E5-7ED2-4BA7-A1E9-77259EEADE86}"/>
-              </a:ext>
-            </a:extLst>
-          </p:cNvPr>
-          <p:cNvGraphicFramePr>
-            <a:graphicFrameLocks noGrp="1"/>
-          </p:cNvGraphicFramePr>
-          <p:nvPr>
-            <p:extLst>
-              <p:ext uri="{D42A27DB-BD31-4B8C-83A1-F6EECF244321}">
-                <p14:modId xmlns:p14="http://schemas.microsoft.com/office/powerpoint/2010/main" val="1514673097"/>
-              </p:ext>
-            </p:extLst>
-          </p:nvPr>
-        </p:nvGraphicFramePr>
-        <p:xfrm>
-          <a:off x="8105345" y="1443106"/>
-          <a:ext cx="2941494" cy="640080"/>
-        </p:xfrm>
-        <a:graphic>
-          <a:graphicData uri="http://schemas.openxmlformats.org/drawingml/2006/table">
-            <a:tbl>
-              <a:tblPr firstRow="1" bandRow="1">
-                <a:tableStyleId>{00A15C55-8517-42AA-B614-E9B94910E393}</a:tableStyleId>
-              </a:tblPr>
-              <a:tblGrid>
-                <a:gridCol w="980498">
-                  <a:extLst>
-                    <a:ext uri="{9D8B030D-6E8A-4147-A177-3AD203B41FA5}">
-                      <a16:colId xmlns:a16="http://schemas.microsoft.com/office/drawing/2014/main" val="2059838879"/>
-                    </a:ext>
-                  </a:extLst>
-                </a:gridCol>
-                <a:gridCol w="980498">
-                  <a:extLst>
-                    <a:ext uri="{9D8B030D-6E8A-4147-A177-3AD203B41FA5}">
-                      <a16:colId xmlns:a16="http://schemas.microsoft.com/office/drawing/2014/main" val="3077536117"/>
-                    </a:ext>
-                  </a:extLst>
-                </a:gridCol>
-                <a:gridCol w="980498">
-                  <a:extLst>
-                    <a:ext uri="{9D8B030D-6E8A-4147-A177-3AD203B41FA5}">
-                      <a16:colId xmlns:a16="http://schemas.microsoft.com/office/drawing/2014/main" val="2412225613"/>
-                    </a:ext>
-                  </a:extLst>
-                </a:gridCol>
-              </a:tblGrid>
-              <a:tr h="374469">
-                <a:tc>
-                  <a:txBody>
-                    <a:bodyPr/>
-                    <a:lstStyle/>
-                    <a:p>
-                      <a:pPr algn="ctr"/>
-                      <a:r>
-                        <a:rPr lang="en-GB" dirty="0">
-                          <a:solidFill>
-                            <a:sysClr val="windowText" lastClr="000000"/>
-                          </a:solidFill>
-                        </a:rPr>
-                        <a:t>Services</a:t>
-                      </a:r>
-                    </a:p>
-                  </a:txBody>
-                  <a:tcPr anchor="ctr">
-                    <a:solidFill>
-                      <a:schemeClr val="bg2"/>
-                    </a:solidFill>
-                  </a:tcPr>
-                </a:tc>
-                <a:tc>
-                  <a:txBody>
-                    <a:bodyPr/>
-                    <a:lstStyle/>
-                    <a:p>
                       <a:pPr marL="0" marR="0" lvl="0" indent="0" algn="ctr" defTabSz="914400" rtl="0" eaLnBrk="1" fontAlgn="auto" latinLnBrk="0" hangingPunct="1">
                         <a:lnSpc>
                           <a:spcPct val="100000"/>
@@ -9656,6 +9430,300 @@
                       </a:pPr>
                       <a:r>
                         <a:rPr lang="en-GB" dirty="0"/>
+                        <a:t>Profile</a:t>
+                      </a:r>
+                    </a:p>
+                    <a:p>
+                      <a:pPr marL="0" marR="0" lvl="0" indent="0" algn="ctr" defTabSz="914400" rtl="0" eaLnBrk="1" fontAlgn="auto" latinLnBrk="0" hangingPunct="1">
+                        <a:lnSpc>
+                          <a:spcPct val="100000"/>
+                        </a:lnSpc>
+                        <a:spcBef>
+                          <a:spcPts val="0"/>
+                        </a:spcBef>
+                        <a:spcAft>
+                          <a:spcPts val="0"/>
+                        </a:spcAft>
+                        <a:buClrTx/>
+                        <a:buSzTx/>
+                        <a:buFontTx/>
+                        <a:buNone/>
+                        <a:tabLst/>
+                        <a:defRPr/>
+                      </a:pPr>
+                      <a:r>
+                        <a:rPr lang="en-GB" dirty="0"/>
+                        <a:t>ID (PK)</a:t>
+                      </a:r>
+                    </a:p>
+                  </a:txBody>
+                  <a:tcPr anchor="ctr"/>
+                </a:tc>
+                <a:tc>
+                  <a:txBody>
+                    <a:bodyPr/>
+                    <a:lstStyle/>
+                    <a:p>
+                      <a:pPr algn="ctr"/>
+                      <a:r>
+                        <a:rPr lang="en-GB" dirty="0"/>
+                        <a:t>Service</a:t>
+                      </a:r>
+                    </a:p>
+                    <a:p>
+                      <a:pPr algn="ctr"/>
+                      <a:r>
+                        <a:rPr lang="en-GB" dirty="0"/>
+                        <a:t>ID (PK)</a:t>
+                      </a:r>
+                    </a:p>
+                  </a:txBody>
+                  <a:tcPr anchor="ctr"/>
+                </a:tc>
+                <a:tc>
+                  <a:txBody>
+                    <a:bodyPr/>
+                    <a:lstStyle/>
+                    <a:p>
+                      <a:pPr algn="ctr"/>
+                      <a:r>
+                        <a:rPr lang="en-GB" sz="1600" dirty="0"/>
+                        <a:t>Round</a:t>
+                      </a:r>
+                    </a:p>
+                    <a:p>
+                      <a:pPr algn="ctr"/>
+                      <a:r>
+                        <a:rPr lang="en-GB" sz="1600" dirty="0"/>
+                        <a:t>Amount</a:t>
+                      </a:r>
+                    </a:p>
+                  </a:txBody>
+                  <a:tcPr anchor="ctr"/>
+                </a:tc>
+                <a:tc>
+                  <a:txBody>
+                    <a:bodyPr/>
+                    <a:lstStyle/>
+                    <a:p>
+                      <a:pPr algn="ctr"/>
+                      <a:r>
+                        <a:rPr lang="en-GB" sz="1400" dirty="0"/>
+                        <a:t>Fees</a:t>
+                      </a:r>
+                    </a:p>
+                    <a:p>
+                      <a:pPr algn="ctr"/>
+                      <a:r>
+                        <a:rPr lang="en-GB" sz="1400" dirty="0"/>
+                        <a:t>Local</a:t>
+                      </a:r>
+                    </a:p>
+                    <a:p>
+                      <a:pPr algn="ctr"/>
+                      <a:r>
+                        <a:rPr lang="en-GB" sz="1400" dirty="0"/>
+                        <a:t>Same Operator</a:t>
+                      </a:r>
+                    </a:p>
+                  </a:txBody>
+                  <a:tcPr anchor="ctr"/>
+                </a:tc>
+                <a:tc>
+                  <a:txBody>
+                    <a:bodyPr/>
+                    <a:lstStyle/>
+                    <a:p>
+                      <a:pPr algn="ctr"/>
+                      <a:r>
+                        <a:rPr lang="en-GB" sz="1100" dirty="0"/>
+                        <a:t>Fees</a:t>
+                      </a:r>
+                    </a:p>
+                    <a:p>
+                      <a:pPr algn="ctr"/>
+                      <a:r>
+                        <a:rPr lang="en-GB" sz="1100" dirty="0"/>
+                        <a:t>Local</a:t>
+                      </a:r>
+                    </a:p>
+                    <a:p>
+                      <a:pPr algn="ctr"/>
+                      <a:r>
+                        <a:rPr lang="en-GB" sz="1100" dirty="0"/>
+                        <a:t>Another Operator</a:t>
+                      </a:r>
+                    </a:p>
+                  </a:txBody>
+                  <a:tcPr anchor="ctr"/>
+                </a:tc>
+                <a:tc>
+                  <a:txBody>
+                    <a:bodyPr/>
+                    <a:lstStyle/>
+                    <a:p>
+                      <a:pPr algn="ctr"/>
+                      <a:r>
+                        <a:rPr lang="en-GB" sz="1800" dirty="0"/>
+                        <a:t>Fees</a:t>
+                      </a:r>
+                    </a:p>
+                    <a:p>
+                      <a:pPr algn="ctr"/>
+                      <a:r>
+                        <a:rPr lang="en-GB" sz="1800" dirty="0"/>
+                        <a:t>International</a:t>
+                      </a:r>
+                    </a:p>
+                  </a:txBody>
+                  <a:tcPr anchor="ctr"/>
+                </a:tc>
+                <a:tc>
+                  <a:txBody>
+                    <a:bodyPr/>
+                    <a:lstStyle/>
+                    <a:p>
+                      <a:pPr algn="ctr"/>
+                      <a:r>
+                        <a:rPr lang="en-GB" sz="1800" dirty="0" err="1"/>
+                        <a:t>Is_Recurring</a:t>
+                      </a:r>
+                      <a:endParaRPr lang="en-GB" sz="1800" dirty="0"/>
+                    </a:p>
+                  </a:txBody>
+                  <a:tcPr anchor="ctr"/>
+                </a:tc>
+                <a:tc>
+                  <a:txBody>
+                    <a:bodyPr/>
+                    <a:lstStyle/>
+                    <a:p>
+                      <a:pPr algn="ctr"/>
+                      <a:r>
+                        <a:rPr lang="en-GB" sz="1800" dirty="0"/>
+                        <a:t>Recurring Fees</a:t>
+                      </a:r>
+                    </a:p>
+                  </a:txBody>
+                  <a:tcPr anchor="ctr"/>
+                </a:tc>
+                <a:extLst>
+                  <a:ext uri="{0D108BD9-81ED-4DB2-BD59-A6C34878D82A}">
+                    <a16:rowId xmlns:a16="http://schemas.microsoft.com/office/drawing/2014/main" val="3577827613"/>
+                  </a:ext>
+                </a:extLst>
+              </a:tr>
+            </a:tbl>
+          </a:graphicData>
+        </a:graphic>
+      </p:graphicFrame>
+      <p:graphicFrame>
+        <p:nvGraphicFramePr>
+          <p:cNvPr id="9" name="Table 8">
+            <a:extLst>
+              <a:ext uri="{FF2B5EF4-FFF2-40B4-BE49-F238E27FC236}">
+                <a16:creationId xmlns:a16="http://schemas.microsoft.com/office/drawing/2014/main" id="{072447E5-7ED2-4BA7-A1E9-77259EEADE86}"/>
+              </a:ext>
+            </a:extLst>
+          </p:cNvPr>
+          <p:cNvGraphicFramePr>
+            <a:graphicFrameLocks noGrp="1"/>
+          </p:cNvGraphicFramePr>
+          <p:nvPr>
+            <p:extLst>
+              <p:ext uri="{D42A27DB-BD31-4B8C-83A1-F6EECF244321}">
+                <p14:modId xmlns:p14="http://schemas.microsoft.com/office/powerpoint/2010/main" val="3092718262"/>
+              </p:ext>
+            </p:extLst>
+          </p:nvPr>
+        </p:nvGraphicFramePr>
+        <p:xfrm>
+          <a:off x="7777112" y="1443106"/>
+          <a:ext cx="4118336" cy="640080"/>
+        </p:xfrm>
+        <a:graphic>
+          <a:graphicData uri="http://schemas.openxmlformats.org/drawingml/2006/table">
+            <a:tbl>
+              <a:tblPr firstRow="1" bandRow="1">
+                <a:tableStyleId>{00A15C55-8517-42AA-B614-E9B94910E393}</a:tableStyleId>
+              </a:tblPr>
+              <a:tblGrid>
+                <a:gridCol w="1029584">
+                  <a:extLst>
+                    <a:ext uri="{9D8B030D-6E8A-4147-A177-3AD203B41FA5}">
+                      <a16:colId xmlns:a16="http://schemas.microsoft.com/office/drawing/2014/main" val="2059838879"/>
+                    </a:ext>
+                  </a:extLst>
+                </a:gridCol>
+                <a:gridCol w="1029584">
+                  <a:extLst>
+                    <a:ext uri="{9D8B030D-6E8A-4147-A177-3AD203B41FA5}">
+                      <a16:colId xmlns:a16="http://schemas.microsoft.com/office/drawing/2014/main" val="3077536117"/>
+                    </a:ext>
+                  </a:extLst>
+                </a:gridCol>
+                <a:gridCol w="1029584">
+                  <a:extLst>
+                    <a:ext uri="{9D8B030D-6E8A-4147-A177-3AD203B41FA5}">
+                      <a16:colId xmlns:a16="http://schemas.microsoft.com/office/drawing/2014/main" val="2412225613"/>
+                    </a:ext>
+                  </a:extLst>
+                </a:gridCol>
+                <a:gridCol w="1029584">
+                  <a:extLst>
+                    <a:ext uri="{9D8B030D-6E8A-4147-A177-3AD203B41FA5}">
+                      <a16:colId xmlns:a16="http://schemas.microsoft.com/office/drawing/2014/main" val="2405177763"/>
+                    </a:ext>
+                  </a:extLst>
+                </a:gridCol>
+              </a:tblGrid>
+              <a:tr h="374469">
+                <a:tc>
+                  <a:txBody>
+                    <a:bodyPr/>
+                    <a:lstStyle/>
+                    <a:p>
+                      <a:pPr algn="ctr"/>
+                      <a:r>
+                        <a:rPr lang="en-GB" dirty="0">
+                          <a:solidFill>
+                            <a:sysClr val="windowText" lastClr="000000"/>
+                          </a:solidFill>
+                        </a:rPr>
+                        <a:t>Services</a:t>
+                      </a:r>
+                    </a:p>
+                  </a:txBody>
+                  <a:tcPr anchor="ctr">
+                    <a:solidFill>
+                      <a:schemeClr val="bg2"/>
+                    </a:solidFill>
+                  </a:tcPr>
+                </a:tc>
+                <a:tc>
+                  <a:txBody>
+                    <a:bodyPr/>
+                    <a:lstStyle/>
+                    <a:p>
+                      <a:pPr marL="0" marR="0" lvl="0" indent="0" algn="ctr" defTabSz="914400" rtl="0" eaLnBrk="1" fontAlgn="auto" latinLnBrk="0" hangingPunct="1">
+                        <a:lnSpc>
+                          <a:spcPct val="100000"/>
+                        </a:lnSpc>
+                        <a:spcBef>
+                          <a:spcPts val="0"/>
+                        </a:spcBef>
+                        <a:spcAft>
+                          <a:spcPts val="0"/>
+                        </a:spcAft>
+                        <a:buClrTx/>
+                        <a:buSzTx/>
+                        <a:buFontTx/>
+                        <a:buNone/>
+                        <a:tabLst/>
+                        <a:defRPr/>
+                      </a:pPr>
+                      <a:r>
+                        <a:rPr lang="en-GB" dirty="0"/>
                         <a:t>Service ID (PK)</a:t>
                       </a:r>
                     </a:p>
@@ -9671,6 +9739,227 @@
                       <a:r>
                         <a:rPr lang="en-GB" sz="1800" dirty="0"/>
                         <a:t>Service Name</a:t>
+                      </a:r>
+                    </a:p>
+                  </a:txBody>
+                  <a:tcPr anchor="ctr"/>
+                </a:tc>
+                <a:tc>
+                  <a:txBody>
+                    <a:bodyPr/>
+                    <a:lstStyle/>
+                    <a:p>
+                      <a:pPr marL="0" marR="0" lvl="0" indent="0" algn="ctr" defTabSz="914400" rtl="0" eaLnBrk="1" fontAlgn="auto" latinLnBrk="0" hangingPunct="1">
+                        <a:lnSpc>
+                          <a:spcPct val="100000"/>
+                        </a:lnSpc>
+                        <a:spcBef>
+                          <a:spcPts val="0"/>
+                        </a:spcBef>
+                        <a:spcAft>
+                          <a:spcPts val="0"/>
+                        </a:spcAft>
+                        <a:buClrTx/>
+                        <a:buSzTx/>
+                        <a:buFontTx/>
+                        <a:buNone/>
+                        <a:tabLst/>
+                        <a:defRPr/>
+                      </a:pPr>
+                      <a:r>
+                        <a:rPr lang="en-GB" sz="1800" dirty="0" err="1"/>
+                        <a:t>Is_Recurring</a:t>
+                      </a:r>
+                      <a:endParaRPr lang="en-GB" sz="1800" dirty="0"/>
+                    </a:p>
+                  </a:txBody>
+                  <a:tcPr anchor="ctr"/>
+                </a:tc>
+                <a:extLst>
+                  <a:ext uri="{0D108BD9-81ED-4DB2-BD59-A6C34878D82A}">
+                    <a16:rowId xmlns:a16="http://schemas.microsoft.com/office/drawing/2014/main" val="1505324408"/>
+                  </a:ext>
+                </a:extLst>
+              </a:tr>
+            </a:tbl>
+          </a:graphicData>
+        </a:graphic>
+      </p:graphicFrame>
+      <p:graphicFrame>
+        <p:nvGraphicFramePr>
+          <p:cNvPr id="10" name="Table 9">
+            <a:extLst>
+              <a:ext uri="{FF2B5EF4-FFF2-40B4-BE49-F238E27FC236}">
+                <a16:creationId xmlns:a16="http://schemas.microsoft.com/office/drawing/2014/main" id="{51CDC825-A04A-4A49-8760-E446C7877C26}"/>
+              </a:ext>
+            </a:extLst>
+          </p:cNvPr>
+          <p:cNvGraphicFramePr>
+            <a:graphicFrameLocks noGrp="1"/>
+          </p:cNvGraphicFramePr>
+          <p:nvPr>
+            <p:extLst>
+              <p:ext uri="{D42A27DB-BD31-4B8C-83A1-F6EECF244321}">
+                <p14:modId xmlns:p14="http://schemas.microsoft.com/office/powerpoint/2010/main" val="917846419"/>
+              </p:ext>
+            </p:extLst>
+          </p:nvPr>
+        </p:nvGraphicFramePr>
+        <p:xfrm>
+          <a:off x="7550870" y="3349299"/>
+          <a:ext cx="4430604" cy="914400"/>
+        </p:xfrm>
+        <a:graphic>
+          <a:graphicData uri="http://schemas.openxmlformats.org/drawingml/2006/table">
+            <a:tbl>
+              <a:tblPr firstRow="1" bandRow="1">
+                <a:tableStyleId>{00A15C55-8517-42AA-B614-E9B94910E393}</a:tableStyleId>
+              </a:tblPr>
+              <a:tblGrid>
+                <a:gridCol w="1107651">
+                  <a:extLst>
+                    <a:ext uri="{9D8B030D-6E8A-4147-A177-3AD203B41FA5}">
+                      <a16:colId xmlns:a16="http://schemas.microsoft.com/office/drawing/2014/main" val="2059838879"/>
+                    </a:ext>
+                  </a:extLst>
+                </a:gridCol>
+                <a:gridCol w="1107651">
+                  <a:extLst>
+                    <a:ext uri="{9D8B030D-6E8A-4147-A177-3AD203B41FA5}">
+                      <a16:colId xmlns:a16="http://schemas.microsoft.com/office/drawing/2014/main" val="3077536117"/>
+                    </a:ext>
+                  </a:extLst>
+                </a:gridCol>
+                <a:gridCol w="1107651">
+                  <a:extLst>
+                    <a:ext uri="{9D8B030D-6E8A-4147-A177-3AD203B41FA5}">
+                      <a16:colId xmlns:a16="http://schemas.microsoft.com/office/drawing/2014/main" val="2412225613"/>
+                    </a:ext>
+                  </a:extLst>
+                </a:gridCol>
+                <a:gridCol w="1107651">
+                  <a:extLst>
+                    <a:ext uri="{9D8B030D-6E8A-4147-A177-3AD203B41FA5}">
+                      <a16:colId xmlns:a16="http://schemas.microsoft.com/office/drawing/2014/main" val="492678564"/>
+                    </a:ext>
+                  </a:extLst>
+                </a:gridCol>
+              </a:tblGrid>
+              <a:tr h="747048">
+                <a:tc>
+                  <a:txBody>
+                    <a:bodyPr/>
+                    <a:lstStyle/>
+                    <a:p>
+                      <a:pPr algn="ctr"/>
+                      <a:r>
+                        <a:rPr lang="en-GB" dirty="0">
+                          <a:solidFill>
+                            <a:sysClr val="windowText" lastClr="000000"/>
+                          </a:solidFill>
+                        </a:rPr>
+                        <a:t>One Time Service</a:t>
+                      </a:r>
+                    </a:p>
+                  </a:txBody>
+                  <a:tcPr anchor="ctr">
+                    <a:solidFill>
+                      <a:schemeClr val="bg2"/>
+                    </a:solidFill>
+                  </a:tcPr>
+                </a:tc>
+                <a:tc>
+                  <a:txBody>
+                    <a:bodyPr/>
+                    <a:lstStyle/>
+                    <a:p>
+                      <a:pPr marL="0" marR="0" lvl="0" indent="0" algn="ctr" defTabSz="914400" rtl="0" eaLnBrk="1" fontAlgn="auto" latinLnBrk="0" hangingPunct="1">
+                        <a:lnSpc>
+                          <a:spcPct val="100000"/>
+                        </a:lnSpc>
+                        <a:spcBef>
+                          <a:spcPts val="0"/>
+                        </a:spcBef>
+                        <a:spcAft>
+                          <a:spcPts val="0"/>
+                        </a:spcAft>
+                        <a:buClrTx/>
+                        <a:buSzTx/>
+                        <a:buFontTx/>
+                        <a:buNone/>
+                        <a:tabLst/>
+                        <a:defRPr/>
+                      </a:pPr>
+                      <a:r>
+                        <a:rPr lang="en-GB" dirty="0">
+                          <a:solidFill>
+                            <a:schemeClr val="bg1"/>
+                          </a:solidFill>
+                        </a:rPr>
+                        <a:t>One Time Service</a:t>
+                      </a:r>
+                    </a:p>
+                    <a:p>
+                      <a:pPr marL="0" marR="0" lvl="0" indent="0" algn="ctr" defTabSz="914400" rtl="0" eaLnBrk="1" fontAlgn="auto" latinLnBrk="0" hangingPunct="1">
+                        <a:lnSpc>
+                          <a:spcPct val="100000"/>
+                        </a:lnSpc>
+                        <a:spcBef>
+                          <a:spcPts val="0"/>
+                        </a:spcBef>
+                        <a:spcAft>
+                          <a:spcPts val="0"/>
+                        </a:spcAft>
+                        <a:buClrTx/>
+                        <a:buSzTx/>
+                        <a:buFontTx/>
+                        <a:buNone/>
+                        <a:tabLst/>
+                        <a:defRPr/>
+                      </a:pPr>
+                      <a:r>
+                        <a:rPr lang="en-GB" dirty="0">
+                          <a:solidFill>
+                            <a:schemeClr val="bg1"/>
+                          </a:solidFill>
+                        </a:rPr>
+                        <a:t> ID (PK)</a:t>
+                      </a:r>
+                    </a:p>
+                  </a:txBody>
+                  <a:tcPr anchor="ctr"/>
+                </a:tc>
+                <a:tc>
+                  <a:txBody>
+                    <a:bodyPr/>
+                    <a:lstStyle/>
+                    <a:p>
+                      <a:pPr algn="ctr"/>
+                      <a:r>
+                        <a:rPr lang="en-GB" sz="1800" dirty="0">
+                          <a:solidFill>
+                            <a:schemeClr val="bg1"/>
+                          </a:solidFill>
+                        </a:rPr>
+                        <a:t>Service Name</a:t>
+                      </a:r>
+                    </a:p>
+                  </a:txBody>
+                  <a:tcPr anchor="ctr"/>
+                </a:tc>
+                <a:tc>
+                  <a:txBody>
+                    <a:bodyPr/>
+                    <a:lstStyle/>
+                    <a:p>
+                      <a:pPr algn="ctr"/>
+                      <a:r>
+                        <a:rPr lang="en-GB" sz="1800" dirty="0">
+                          <a:solidFill>
+                            <a:schemeClr val="bg1"/>
+                          </a:solidFill>
+                        </a:rPr>
+                        <a:t>Service Fee</a:t>
                       </a:r>
                     </a:p>
                   </a:txBody>
@@ -9760,7 +10049,7 @@
           <p:nvPr>
             <p:extLst>
               <p:ext uri="{D42A27DB-BD31-4B8C-83A1-F6EECF244321}">
-                <p14:modId xmlns:p14="http://schemas.microsoft.com/office/powerpoint/2010/main" val="3624569069"/>
+                <p14:modId xmlns:p14="http://schemas.microsoft.com/office/powerpoint/2010/main" val="863486022"/>
               </p:ext>
             </p:extLst>
           </p:nvPr>
@@ -9909,6 +10198,13 @@
                         <a:t>ID</a:t>
                       </a:r>
                     </a:p>
+                    <a:p>
+                      <a:pPr algn="ctr"/>
+                      <a:r>
+                        <a:rPr lang="en-GB" dirty="0"/>
+                        <a:t>(PK)</a:t>
+                      </a:r>
+                    </a:p>
                   </a:txBody>
                   <a:tcPr anchor="ctr"/>
                 </a:tc>
@@ -9937,6 +10233,556 @@
                         <a:rPr lang="en-GB" dirty="0"/>
                         <a:t>Cost</a:t>
                       </a:r>
+                    </a:p>
+                  </a:txBody>
+                  <a:tcPr anchor="ctr"/>
+                </a:tc>
+                <a:extLst>
+                  <a:ext uri="{0D108BD9-81ED-4DB2-BD59-A6C34878D82A}">
+                    <a16:rowId xmlns:a16="http://schemas.microsoft.com/office/drawing/2014/main" val="3577827613"/>
+                  </a:ext>
+                </a:extLst>
+              </a:tr>
+            </a:tbl>
+          </a:graphicData>
+        </a:graphic>
+      </p:graphicFrame>
+      <p:graphicFrame>
+        <p:nvGraphicFramePr>
+          <p:cNvPr id="4" name="Table 9">
+            <a:extLst>
+              <a:ext uri="{FF2B5EF4-FFF2-40B4-BE49-F238E27FC236}">
+                <a16:creationId xmlns:a16="http://schemas.microsoft.com/office/drawing/2014/main" id="{ED8C13D1-758A-4F38-9DD8-F6813BEA4BF9}"/>
+              </a:ext>
+            </a:extLst>
+          </p:cNvPr>
+          <p:cNvGraphicFramePr>
+            <a:graphicFrameLocks noGrp="1"/>
+          </p:cNvGraphicFramePr>
+          <p:nvPr>
+            <p:extLst>
+              <p:ext uri="{D42A27DB-BD31-4B8C-83A1-F6EECF244321}">
+                <p14:modId xmlns:p14="http://schemas.microsoft.com/office/powerpoint/2010/main" val="2960720624"/>
+              </p:ext>
+            </p:extLst>
+          </p:nvPr>
+        </p:nvGraphicFramePr>
+        <p:xfrm>
+          <a:off x="296548" y="3108960"/>
+          <a:ext cx="7584260" cy="914400"/>
+        </p:xfrm>
+        <a:graphic>
+          <a:graphicData uri="http://schemas.openxmlformats.org/drawingml/2006/table">
+            <a:tbl>
+              <a:tblPr firstRow="1" bandRow="1">
+                <a:tableStyleId>{7DF18680-E054-41AD-8BC1-D1AEF772440D}</a:tableStyleId>
+              </a:tblPr>
+              <a:tblGrid>
+                <a:gridCol w="1896065">
+                  <a:extLst>
+                    <a:ext uri="{9D8B030D-6E8A-4147-A177-3AD203B41FA5}">
+                      <a16:colId xmlns:a16="http://schemas.microsoft.com/office/drawing/2014/main" val="201513916"/>
+                    </a:ext>
+                  </a:extLst>
+                </a:gridCol>
+                <a:gridCol w="1896065">
+                  <a:extLst>
+                    <a:ext uri="{9D8B030D-6E8A-4147-A177-3AD203B41FA5}">
+                      <a16:colId xmlns:a16="http://schemas.microsoft.com/office/drawing/2014/main" val="4160908569"/>
+                    </a:ext>
+                  </a:extLst>
+                </a:gridCol>
+                <a:gridCol w="1896065">
+                  <a:extLst>
+                    <a:ext uri="{9D8B030D-6E8A-4147-A177-3AD203B41FA5}">
+                      <a16:colId xmlns:a16="http://schemas.microsoft.com/office/drawing/2014/main" val="3835503643"/>
+                    </a:ext>
+                  </a:extLst>
+                </a:gridCol>
+                <a:gridCol w="1896065">
+                  <a:extLst>
+                    <a:ext uri="{9D8B030D-6E8A-4147-A177-3AD203B41FA5}">
+                      <a16:colId xmlns:a16="http://schemas.microsoft.com/office/drawing/2014/main" val="1590507565"/>
+                    </a:ext>
+                  </a:extLst>
+                </a:gridCol>
+              </a:tblGrid>
+              <a:tr h="374469">
+                <a:tc>
+                  <a:txBody>
+                    <a:bodyPr/>
+                    <a:lstStyle/>
+                    <a:p>
+                      <a:pPr algn="ctr"/>
+                      <a:r>
+                        <a:rPr lang="en-GB" dirty="0" err="1">
+                          <a:solidFill>
+                            <a:sysClr val="windowText" lastClr="000000"/>
+                          </a:solidFill>
+                        </a:rPr>
+                        <a:t>Customer_Profile_Services</a:t>
+                      </a:r>
+                      <a:endParaRPr lang="en-GB" dirty="0">
+                        <a:solidFill>
+                          <a:sysClr val="windowText" lastClr="000000"/>
+                        </a:solidFill>
+                      </a:endParaRPr>
+                    </a:p>
+                  </a:txBody>
+                  <a:tcPr anchor="ctr">
+                    <a:solidFill>
+                      <a:schemeClr val="bg2"/>
+                    </a:solidFill>
+                  </a:tcPr>
+                </a:tc>
+                <a:tc>
+                  <a:txBody>
+                    <a:bodyPr/>
+                    <a:lstStyle/>
+                    <a:p>
+                      <a:pPr algn="ctr"/>
+                      <a:r>
+                        <a:rPr lang="en-GB" dirty="0">
+                          <a:solidFill>
+                            <a:schemeClr val="bg1"/>
+                          </a:solidFill>
+                        </a:rPr>
+                        <a:t>MSISDN</a:t>
+                      </a:r>
+                    </a:p>
+                    <a:p>
+                      <a:pPr algn="ctr"/>
+                      <a:r>
+                        <a:rPr lang="en-GB" dirty="0">
+                          <a:solidFill>
+                            <a:schemeClr val="bg1"/>
+                          </a:solidFill>
+                        </a:rPr>
+                        <a:t>(PK)</a:t>
+                      </a:r>
+                    </a:p>
+                  </a:txBody>
+                  <a:tcPr anchor="ctr"/>
+                </a:tc>
+                <a:tc>
+                  <a:txBody>
+                    <a:bodyPr/>
+                    <a:lstStyle/>
+                    <a:p>
+                      <a:pPr marL="0" marR="0" lvl="0" indent="0" algn="ctr" defTabSz="914400" rtl="0" eaLnBrk="1" fontAlgn="auto" latinLnBrk="0" hangingPunct="1">
+                        <a:lnSpc>
+                          <a:spcPct val="100000"/>
+                        </a:lnSpc>
+                        <a:spcBef>
+                          <a:spcPts val="0"/>
+                        </a:spcBef>
+                        <a:spcAft>
+                          <a:spcPts val="0"/>
+                        </a:spcAft>
+                        <a:buClrTx/>
+                        <a:buSzTx/>
+                        <a:buFontTx/>
+                        <a:buNone/>
+                        <a:tabLst/>
+                        <a:defRPr/>
+                      </a:pPr>
+                      <a:r>
+                        <a:rPr lang="en-GB" dirty="0" err="1">
+                          <a:solidFill>
+                            <a:schemeClr val="bg1"/>
+                          </a:solidFill>
+                        </a:rPr>
+                        <a:t>Profile_Services</a:t>
+                      </a:r>
+                      <a:endParaRPr lang="en-GB" dirty="0">
+                        <a:solidFill>
+                          <a:schemeClr val="bg1"/>
+                        </a:solidFill>
+                      </a:endParaRPr>
+                    </a:p>
+                    <a:p>
+                      <a:pPr marL="0" marR="0" lvl="0" indent="0" algn="ctr" defTabSz="914400" rtl="0" eaLnBrk="1" fontAlgn="auto" latinLnBrk="0" hangingPunct="1">
+                        <a:lnSpc>
+                          <a:spcPct val="100000"/>
+                        </a:lnSpc>
+                        <a:spcBef>
+                          <a:spcPts val="0"/>
+                        </a:spcBef>
+                        <a:spcAft>
+                          <a:spcPts val="0"/>
+                        </a:spcAft>
+                        <a:buClrTx/>
+                        <a:buSzTx/>
+                        <a:buFontTx/>
+                        <a:buNone/>
+                        <a:tabLst/>
+                        <a:defRPr/>
+                      </a:pPr>
+                      <a:r>
+                        <a:rPr lang="en-GB" dirty="0">
+                          <a:solidFill>
+                            <a:schemeClr val="bg1"/>
+                          </a:solidFill>
+                        </a:rPr>
+                        <a:t>ID (PK)</a:t>
+                      </a:r>
+                    </a:p>
+                  </a:txBody>
+                  <a:tcPr anchor="ctr"/>
+                </a:tc>
+                <a:tc>
+                  <a:txBody>
+                    <a:bodyPr/>
+                    <a:lstStyle/>
+                    <a:p>
+                      <a:pPr marL="0" marR="0" lvl="0" indent="0" algn="ctr" defTabSz="914400" rtl="0" eaLnBrk="1" fontAlgn="auto" latinLnBrk="0" hangingPunct="1">
+                        <a:lnSpc>
+                          <a:spcPct val="100000"/>
+                        </a:lnSpc>
+                        <a:spcBef>
+                          <a:spcPts val="0"/>
+                        </a:spcBef>
+                        <a:spcAft>
+                          <a:spcPts val="0"/>
+                        </a:spcAft>
+                        <a:buClrTx/>
+                        <a:buSzTx/>
+                        <a:buFontTx/>
+                        <a:buNone/>
+                        <a:tabLst/>
+                        <a:defRPr/>
+                      </a:pPr>
+                      <a:r>
+                        <a:rPr lang="en-GB" dirty="0">
+                          <a:solidFill>
+                            <a:schemeClr val="bg1"/>
+                          </a:solidFill>
+                        </a:rPr>
+                        <a:t>OCC</a:t>
+                      </a:r>
+                    </a:p>
+                    <a:p>
+                      <a:pPr algn="ctr"/>
+                      <a:r>
+                        <a:rPr lang="en-GB" dirty="0">
+                          <a:solidFill>
+                            <a:schemeClr val="bg1"/>
+                          </a:solidFill>
+                        </a:rPr>
+                        <a:t>ID</a:t>
+                      </a:r>
+                    </a:p>
+                    <a:p>
+                      <a:pPr algn="ctr"/>
+                      <a:r>
+                        <a:rPr lang="en-GB">
+                          <a:solidFill>
+                            <a:schemeClr val="bg1"/>
+                          </a:solidFill>
+                        </a:rPr>
+                        <a:t>(PK)</a:t>
+                      </a:r>
+                      <a:endParaRPr lang="en-GB" dirty="0">
+                        <a:solidFill>
+                          <a:schemeClr val="bg1"/>
+                        </a:solidFill>
+                      </a:endParaRPr>
+                    </a:p>
+                  </a:txBody>
+                  <a:tcPr anchor="ctr"/>
+                </a:tc>
+                <a:extLst>
+                  <a:ext uri="{0D108BD9-81ED-4DB2-BD59-A6C34878D82A}">
+                    <a16:rowId xmlns:a16="http://schemas.microsoft.com/office/drawing/2014/main" val="3577827613"/>
+                  </a:ext>
+                </a:extLst>
+              </a:tr>
+            </a:tbl>
+          </a:graphicData>
+        </a:graphic>
+      </p:graphicFrame>
+      <p:graphicFrame>
+        <p:nvGraphicFramePr>
+          <p:cNvPr id="5" name="Table 9">
+            <a:extLst>
+              <a:ext uri="{FF2B5EF4-FFF2-40B4-BE49-F238E27FC236}">
+                <a16:creationId xmlns:a16="http://schemas.microsoft.com/office/drawing/2014/main" id="{A71F2F7B-8F0F-4253-95BB-378DF4A0D6BA}"/>
+              </a:ext>
+            </a:extLst>
+          </p:cNvPr>
+          <p:cNvGraphicFramePr>
+            <a:graphicFrameLocks noGrp="1"/>
+          </p:cNvGraphicFramePr>
+          <p:nvPr>
+            <p:extLst>
+              <p:ext uri="{D42A27DB-BD31-4B8C-83A1-F6EECF244321}">
+                <p14:modId xmlns:p14="http://schemas.microsoft.com/office/powerpoint/2010/main" val="3563519996"/>
+              </p:ext>
+            </p:extLst>
+          </p:nvPr>
+        </p:nvGraphicFramePr>
+        <p:xfrm>
+          <a:off x="296550" y="4252912"/>
+          <a:ext cx="7112920" cy="914400"/>
+        </p:xfrm>
+        <a:graphic>
+          <a:graphicData uri="http://schemas.openxmlformats.org/drawingml/2006/table">
+            <a:tbl>
+              <a:tblPr firstRow="1" bandRow="1">
+                <a:tableStyleId>{7DF18680-E054-41AD-8BC1-D1AEF772440D}</a:tableStyleId>
+              </a:tblPr>
+              <a:tblGrid>
+                <a:gridCol w="1422584">
+                  <a:extLst>
+                    <a:ext uri="{9D8B030D-6E8A-4147-A177-3AD203B41FA5}">
+                      <a16:colId xmlns:a16="http://schemas.microsoft.com/office/drawing/2014/main" val="201513916"/>
+                    </a:ext>
+                  </a:extLst>
+                </a:gridCol>
+                <a:gridCol w="1422584">
+                  <a:extLst>
+                    <a:ext uri="{9D8B030D-6E8A-4147-A177-3AD203B41FA5}">
+                      <a16:colId xmlns:a16="http://schemas.microsoft.com/office/drawing/2014/main" val="1629275936"/>
+                    </a:ext>
+                  </a:extLst>
+                </a:gridCol>
+                <a:gridCol w="1422584">
+                  <a:extLst>
+                    <a:ext uri="{9D8B030D-6E8A-4147-A177-3AD203B41FA5}">
+                      <a16:colId xmlns:a16="http://schemas.microsoft.com/office/drawing/2014/main" val="4160908569"/>
+                    </a:ext>
+                  </a:extLst>
+                </a:gridCol>
+                <a:gridCol w="1422584">
+                  <a:extLst>
+                    <a:ext uri="{9D8B030D-6E8A-4147-A177-3AD203B41FA5}">
+                      <a16:colId xmlns:a16="http://schemas.microsoft.com/office/drawing/2014/main" val="3835503643"/>
+                    </a:ext>
+                  </a:extLst>
+                </a:gridCol>
+                <a:gridCol w="1422584">
+                  <a:extLst>
+                    <a:ext uri="{9D8B030D-6E8A-4147-A177-3AD203B41FA5}">
+                      <a16:colId xmlns:a16="http://schemas.microsoft.com/office/drawing/2014/main" val="1590507565"/>
+                    </a:ext>
+                  </a:extLst>
+                </a:gridCol>
+              </a:tblGrid>
+              <a:tr h="374469">
+                <a:tc>
+                  <a:txBody>
+                    <a:bodyPr/>
+                    <a:lstStyle/>
+                    <a:p>
+                      <a:pPr algn="ctr"/>
+                      <a:r>
+                        <a:rPr lang="en-GB" dirty="0">
+                          <a:solidFill>
+                            <a:sysClr val="windowText" lastClr="000000"/>
+                          </a:solidFill>
+                        </a:rPr>
+                        <a:t>OCC</a:t>
+                      </a:r>
+                    </a:p>
+                  </a:txBody>
+                  <a:tcPr anchor="ctr">
+                    <a:solidFill>
+                      <a:schemeClr val="bg2"/>
+                    </a:solidFill>
+                  </a:tcPr>
+                </a:tc>
+                <a:tc>
+                  <a:txBody>
+                    <a:bodyPr/>
+                    <a:lstStyle/>
+                    <a:p>
+                      <a:pPr marL="0" marR="0" lvl="0" indent="0" algn="ctr" defTabSz="914400" rtl="0" eaLnBrk="1" fontAlgn="auto" latinLnBrk="0" hangingPunct="1">
+                        <a:lnSpc>
+                          <a:spcPct val="100000"/>
+                        </a:lnSpc>
+                        <a:spcBef>
+                          <a:spcPts val="0"/>
+                        </a:spcBef>
+                        <a:spcAft>
+                          <a:spcPts val="0"/>
+                        </a:spcAft>
+                        <a:buClrTx/>
+                        <a:buSzTx/>
+                        <a:buFontTx/>
+                        <a:buNone/>
+                        <a:tabLst/>
+                        <a:defRPr/>
+                      </a:pPr>
+                      <a:r>
+                        <a:rPr lang="en-GB" dirty="0">
+                          <a:solidFill>
+                            <a:schemeClr val="bg1"/>
+                          </a:solidFill>
+                        </a:rPr>
+                        <a:t>OCC</a:t>
+                      </a:r>
+                    </a:p>
+                    <a:p>
+                      <a:pPr algn="ctr"/>
+                      <a:r>
+                        <a:rPr lang="en-GB" dirty="0">
+                          <a:solidFill>
+                            <a:schemeClr val="bg1"/>
+                          </a:solidFill>
+                        </a:rPr>
+                        <a:t>ID</a:t>
+                      </a:r>
+                    </a:p>
+                    <a:p>
+                      <a:pPr algn="ctr"/>
+                      <a:r>
+                        <a:rPr lang="en-GB" dirty="0">
+                          <a:solidFill>
+                            <a:schemeClr val="bg1"/>
+                          </a:solidFill>
+                        </a:rPr>
+                        <a:t>(PK)</a:t>
+                      </a:r>
+                    </a:p>
+                  </a:txBody>
+                  <a:tcPr anchor="ctr"/>
+                </a:tc>
+                <a:tc>
+                  <a:txBody>
+                    <a:bodyPr/>
+                    <a:lstStyle/>
+                    <a:p>
+                      <a:pPr algn="ctr"/>
+                      <a:r>
+                        <a:rPr lang="en-GB" dirty="0">
+                          <a:solidFill>
+                            <a:schemeClr val="bg1"/>
+                          </a:solidFill>
+                        </a:rPr>
+                        <a:t>MSISDN</a:t>
+                      </a:r>
+                    </a:p>
+                    <a:p>
+                      <a:pPr algn="ctr"/>
+                      <a:r>
+                        <a:rPr lang="en-GB" dirty="0">
+                          <a:solidFill>
+                            <a:schemeClr val="bg1"/>
+                          </a:solidFill>
+                        </a:rPr>
+                        <a:t>(PK)</a:t>
+                      </a:r>
+                    </a:p>
+                  </a:txBody>
+                  <a:tcPr anchor="ctr"/>
+                </a:tc>
+                <a:tc>
+                  <a:txBody>
+                    <a:bodyPr/>
+                    <a:lstStyle/>
+                    <a:p>
+                      <a:pPr marL="0" marR="0" lvl="0" indent="0" algn="ctr" defTabSz="914400" rtl="0" eaLnBrk="1" fontAlgn="auto" latinLnBrk="0" hangingPunct="1">
+                        <a:lnSpc>
+                          <a:spcPct val="100000"/>
+                        </a:lnSpc>
+                        <a:spcBef>
+                          <a:spcPts val="0"/>
+                        </a:spcBef>
+                        <a:spcAft>
+                          <a:spcPts val="0"/>
+                        </a:spcAft>
+                        <a:buClrTx/>
+                        <a:buSzTx/>
+                        <a:buFontTx/>
+                        <a:buNone/>
+                        <a:tabLst/>
+                        <a:defRPr/>
+                      </a:pPr>
+                      <a:r>
+                        <a:rPr lang="en-GB" dirty="0">
+                          <a:solidFill>
+                            <a:schemeClr val="bg1"/>
+                          </a:solidFill>
+                        </a:rPr>
+                        <a:t>One Time Service</a:t>
+                      </a:r>
+                    </a:p>
+                    <a:p>
+                      <a:pPr marL="0" marR="0" lvl="0" indent="0" algn="ctr" defTabSz="914400" rtl="0" eaLnBrk="1" fontAlgn="auto" latinLnBrk="0" hangingPunct="1">
+                        <a:lnSpc>
+                          <a:spcPct val="100000"/>
+                        </a:lnSpc>
+                        <a:spcBef>
+                          <a:spcPts val="0"/>
+                        </a:spcBef>
+                        <a:spcAft>
+                          <a:spcPts val="0"/>
+                        </a:spcAft>
+                        <a:buClrTx/>
+                        <a:buSzTx/>
+                        <a:buFontTx/>
+                        <a:buNone/>
+                        <a:tabLst/>
+                        <a:defRPr/>
+                      </a:pPr>
+                      <a:r>
+                        <a:rPr lang="en-GB" dirty="0">
+                          <a:solidFill>
+                            <a:schemeClr val="bg1"/>
+                          </a:solidFill>
+                        </a:rPr>
+                        <a:t>(PK)</a:t>
+                      </a:r>
+                    </a:p>
+                  </a:txBody>
+                  <a:tcPr anchor="ctr"/>
+                </a:tc>
+                <a:tc>
+                  <a:txBody>
+                    <a:bodyPr/>
+                    <a:lstStyle/>
+                    <a:p>
+                      <a:pPr marL="0" marR="0" lvl="0" indent="0" algn="ctr" defTabSz="914400" rtl="0" eaLnBrk="1" fontAlgn="auto" latinLnBrk="0" hangingPunct="1">
+                        <a:lnSpc>
+                          <a:spcPct val="100000"/>
+                        </a:lnSpc>
+                        <a:spcBef>
+                          <a:spcPts val="0"/>
+                        </a:spcBef>
+                        <a:spcAft>
+                          <a:spcPts val="0"/>
+                        </a:spcAft>
+                        <a:buClrTx/>
+                        <a:buSzTx/>
+                        <a:buFontTx/>
+                        <a:buNone/>
+                        <a:tabLst/>
+                        <a:defRPr/>
+                      </a:pPr>
+                      <a:r>
+                        <a:rPr lang="en-GB" dirty="0">
+                          <a:solidFill>
+                            <a:schemeClr val="bg1"/>
+                          </a:solidFill>
+                        </a:rPr>
+                        <a:t>One Time Service</a:t>
+                      </a:r>
+                    </a:p>
+                    <a:p>
+                      <a:pPr algn="ctr"/>
+                      <a:r>
+                        <a:rPr lang="en-GB" dirty="0" err="1">
+                          <a:solidFill>
+                            <a:schemeClr val="bg1"/>
+                          </a:solidFill>
+                        </a:rPr>
+                        <a:t>IS_Processed</a:t>
+                      </a:r>
+                      <a:endParaRPr lang="en-GB" dirty="0">
+                        <a:solidFill>
+                          <a:schemeClr val="bg1"/>
+                        </a:solidFill>
+                      </a:endParaRPr>
                     </a:p>
                   </a:txBody>
                   <a:tcPr anchor="ctr"/>

--- a/Database Documentation/Database Documentation.pptx
+++ b/Database Documentation/Database Documentation.pptx
@@ -9231,14 +9231,14 @@
           <p:nvPr>
             <p:extLst>
               <p:ext uri="{D42A27DB-BD31-4B8C-83A1-F6EECF244321}">
-                <p14:modId xmlns:p14="http://schemas.microsoft.com/office/powerpoint/2010/main" val="205739633"/>
+                <p14:modId xmlns:p14="http://schemas.microsoft.com/office/powerpoint/2010/main" val="341163213"/>
               </p:ext>
             </p:extLst>
           </p:nvPr>
         </p:nvGraphicFramePr>
         <p:xfrm>
           <a:off x="296548" y="5578475"/>
-          <a:ext cx="11684920" cy="944880"/>
+          <a:ext cx="9347936" cy="944880"/>
         </p:xfrm>
         <a:graphic>
           <a:graphicData uri="http://schemas.openxmlformats.org/drawingml/2006/table">
@@ -9303,20 +9303,6 @@
                     </a:ext>
                   </a:extLst>
                 </a:gridCol>
-                <a:gridCol w="1168492">
-                  <a:extLst>
-                    <a:ext uri="{9D8B030D-6E8A-4147-A177-3AD203B41FA5}">
-                      <a16:colId xmlns:a16="http://schemas.microsoft.com/office/drawing/2014/main" val="740313113"/>
-                    </a:ext>
-                  </a:extLst>
-                </a:gridCol>
-                <a:gridCol w="1168492">
-                  <a:extLst>
-                    <a:ext uri="{9D8B030D-6E8A-4147-A177-3AD203B41FA5}">
-                      <a16:colId xmlns:a16="http://schemas.microsoft.com/office/drawing/2014/main" val="207279214"/>
-                    </a:ext>
-                  </a:extLst>
-                </a:gridCol>
               </a:tblGrid>
               <a:tr h="770213">
                 <a:tc>
@@ -9578,35 +9564,6 @@
                   </a:txBody>
                   <a:tcPr anchor="ctr"/>
                 </a:tc>
-                <a:tc>
-                  <a:txBody>
-                    <a:bodyPr/>
-                    <a:lstStyle/>
-                    <a:p>
-                      <a:pPr algn="ctr"/>
-                      <a:r>
-                        <a:rPr lang="en-GB" sz="1800" dirty="0" err="1"/>
-                        <a:t>Is_Recurring</a:t>
-                      </a:r>
-                      <a:endParaRPr lang="en-GB" sz="1800" dirty="0"/>
-                    </a:p>
-                  </a:txBody>
-                  <a:tcPr anchor="ctr"/>
-                </a:tc>
-                <a:tc>
-                  <a:txBody>
-                    <a:bodyPr/>
-                    <a:lstStyle/>
-                    <a:p>
-                      <a:pPr algn="ctr"/>
-                      <a:r>
-                        <a:rPr lang="en-GB" sz="1800" dirty="0"/>
-                        <a:t>Recurring Fees</a:t>
-                      </a:r>
-                    </a:p>
-                  </a:txBody>
-                  <a:tcPr anchor="ctr"/>
-                </a:tc>
                 <a:extLst>
                   <a:ext uri="{0D108BD9-81ED-4DB2-BD59-A6C34878D82A}">
                     <a16:rowId xmlns:a16="http://schemas.microsoft.com/office/drawing/2014/main" val="3577827613"/>
@@ -9632,14 +9589,14 @@
           <p:nvPr>
             <p:extLst>
               <p:ext uri="{D42A27DB-BD31-4B8C-83A1-F6EECF244321}">
-                <p14:modId xmlns:p14="http://schemas.microsoft.com/office/powerpoint/2010/main" val="3092718262"/>
+                <p14:modId xmlns:p14="http://schemas.microsoft.com/office/powerpoint/2010/main" val="1489058218"/>
               </p:ext>
             </p:extLst>
           </p:nvPr>
         </p:nvGraphicFramePr>
         <p:xfrm>
-          <a:off x="7777112" y="1443106"/>
-          <a:ext cx="4118336" cy="640080"/>
+          <a:off x="7550871" y="1312385"/>
+          <a:ext cx="4430600" cy="914400"/>
         </p:xfrm>
         <a:graphic>
           <a:graphicData uri="http://schemas.openxmlformats.org/drawingml/2006/table">
@@ -9648,31 +9605,38 @@
                 <a:tableStyleId>{00A15C55-8517-42AA-B614-E9B94910E393}</a:tableStyleId>
               </a:tblPr>
               <a:tblGrid>
-                <a:gridCol w="1029584">
+                <a:gridCol w="886120">
                   <a:extLst>
                     <a:ext uri="{9D8B030D-6E8A-4147-A177-3AD203B41FA5}">
                       <a16:colId xmlns:a16="http://schemas.microsoft.com/office/drawing/2014/main" val="2059838879"/>
                     </a:ext>
                   </a:extLst>
                 </a:gridCol>
-                <a:gridCol w="1029584">
+                <a:gridCol w="886120">
                   <a:extLst>
                     <a:ext uri="{9D8B030D-6E8A-4147-A177-3AD203B41FA5}">
                       <a16:colId xmlns:a16="http://schemas.microsoft.com/office/drawing/2014/main" val="3077536117"/>
                     </a:ext>
                   </a:extLst>
                 </a:gridCol>
-                <a:gridCol w="1029584">
+                <a:gridCol w="886120">
                   <a:extLst>
                     <a:ext uri="{9D8B030D-6E8A-4147-A177-3AD203B41FA5}">
                       <a16:colId xmlns:a16="http://schemas.microsoft.com/office/drawing/2014/main" val="2412225613"/>
                     </a:ext>
                   </a:extLst>
                 </a:gridCol>
-                <a:gridCol w="1029584">
+                <a:gridCol w="886120">
                   <a:extLst>
                     <a:ext uri="{9D8B030D-6E8A-4147-A177-3AD203B41FA5}">
                       <a16:colId xmlns:a16="http://schemas.microsoft.com/office/drawing/2014/main" val="2405177763"/>
+                    </a:ext>
+                  </a:extLst>
+                </a:gridCol>
+                <a:gridCol w="886120">
+                  <a:extLst>
+                    <a:ext uri="{9D8B030D-6E8A-4147-A177-3AD203B41FA5}">
+                      <a16:colId xmlns:a16="http://schemas.microsoft.com/office/drawing/2014/main" val="2495853743"/>
                     </a:ext>
                   </a:extLst>
                 </a:gridCol>
@@ -9771,6 +9735,20 @@
                         <a:t>Is_Recurring</a:t>
                       </a:r>
                       <a:endParaRPr lang="en-GB" sz="1800" dirty="0"/>
+                    </a:p>
+                  </a:txBody>
+                  <a:tcPr anchor="ctr"/>
+                </a:tc>
+                <a:tc>
+                  <a:txBody>
+                    <a:bodyPr/>
+                    <a:lstStyle/>
+                    <a:p>
+                      <a:pPr algn="ctr"/>
+                      <a:r>
+                        <a:rPr lang="en-GB" sz="1800" dirty="0"/>
+                        <a:t>Recurring Fees</a:t>
+                      </a:r>
                     </a:p>
                   </a:txBody>
                   <a:tcPr anchor="ctr"/>

--- a/Database Documentation/Database Documentation.pptx
+++ b/Database Documentation/Database Documentation.pptx
@@ -4,6 +4,9 @@
   <p:sldMasterIdLst>
     <p:sldMasterId id="2147483648" r:id="rId1"/>
   </p:sldMasterIdLst>
+  <p:notesMasterIdLst>
+    <p:notesMasterId r:id="rId9"/>
+  </p:notesMasterIdLst>
   <p:sldIdLst>
     <p:sldId id="256" r:id="rId2"/>
     <p:sldId id="257" r:id="rId3"/>
@@ -118,6 +121,440 @@
 </p:presentation>
 </file>
 
+<file path=ppt/notesMasters/notesMaster1.xml><?xml version="1.0" encoding="utf-8"?>
+<p:notesMaster xmlns:a="http://schemas.openxmlformats.org/drawingml/2006/main" xmlns:r="http://schemas.openxmlformats.org/officeDocument/2006/relationships" xmlns:p="http://schemas.openxmlformats.org/presentationml/2006/main">
+  <p:cSld>
+    <p:bg>
+      <p:bgRef idx="1001">
+        <a:schemeClr val="bg1"/>
+      </p:bgRef>
+    </p:bg>
+    <p:spTree>
+      <p:nvGrpSpPr>
+        <p:cNvPr id="1" name=""/>
+        <p:cNvGrpSpPr/>
+        <p:nvPr/>
+      </p:nvGrpSpPr>
+      <p:grpSpPr>
+        <a:xfrm>
+          <a:off x="0" y="0"/>
+          <a:ext cx="0" cy="0"/>
+          <a:chOff x="0" y="0"/>
+          <a:chExt cx="0" cy="0"/>
+        </a:xfrm>
+      </p:grpSpPr>
+      <p:sp>
+        <p:nvSpPr>
+          <p:cNvPr id="2" name="Header Placeholder 1"/>
+          <p:cNvSpPr>
+            <a:spLocks noGrp="1"/>
+          </p:cNvSpPr>
+          <p:nvPr>
+            <p:ph type="hdr" sz="quarter"/>
+          </p:nvPr>
+        </p:nvSpPr>
+        <p:spPr>
+          <a:xfrm>
+            <a:off x="0" y="0"/>
+            <a:ext cx="2971800" cy="458788"/>
+          </a:xfrm>
+          <a:prstGeom prst="rect">
+            <a:avLst/>
+          </a:prstGeom>
+        </p:spPr>
+        <p:txBody>
+          <a:bodyPr vert="horz" lIns="91440" tIns="45720" rIns="91440" bIns="45720" rtlCol="0"/>
+          <a:lstStyle>
+            <a:lvl1pPr algn="l">
+              <a:defRPr sz="1200"/>
+            </a:lvl1pPr>
+          </a:lstStyle>
+          <a:p>
+            <a:endParaRPr lang="en-US"/>
+          </a:p>
+        </p:txBody>
+      </p:sp>
+      <p:sp>
+        <p:nvSpPr>
+          <p:cNvPr id="3" name="Date Placeholder 2"/>
+          <p:cNvSpPr>
+            <a:spLocks noGrp="1"/>
+          </p:cNvSpPr>
+          <p:nvPr>
+            <p:ph type="dt" idx="1"/>
+          </p:nvPr>
+        </p:nvSpPr>
+        <p:spPr>
+          <a:xfrm>
+            <a:off x="3884613" y="0"/>
+            <a:ext cx="2971800" cy="458788"/>
+          </a:xfrm>
+          <a:prstGeom prst="rect">
+            <a:avLst/>
+          </a:prstGeom>
+        </p:spPr>
+        <p:txBody>
+          <a:bodyPr vert="horz" lIns="91440" tIns="45720" rIns="91440" bIns="45720" rtlCol="0"/>
+          <a:lstStyle>
+            <a:lvl1pPr algn="r">
+              <a:defRPr sz="1200"/>
+            </a:lvl1pPr>
+          </a:lstStyle>
+          <a:p>
+            <a:fld id="{951D2AFC-B146-40C7-8E13-8C846E293EC8}" type="datetimeFigureOut">
+              <a:rPr lang="en-US" smtClean="0"/>
+              <a:t>4/26/2020</a:t>
+            </a:fld>
+            <a:endParaRPr lang="en-US"/>
+          </a:p>
+        </p:txBody>
+      </p:sp>
+      <p:sp>
+        <p:nvSpPr>
+          <p:cNvPr id="4" name="Slide Image Placeholder 3"/>
+          <p:cNvSpPr>
+            <a:spLocks noGrp="1" noRot="1" noChangeAspect="1"/>
+          </p:cNvSpPr>
+          <p:nvPr>
+            <p:ph type="sldImg" idx="2"/>
+          </p:nvPr>
+        </p:nvSpPr>
+        <p:spPr>
+          <a:xfrm>
+            <a:off x="685800" y="1143000"/>
+            <a:ext cx="5486400" cy="3086100"/>
+          </a:xfrm>
+          <a:prstGeom prst="rect">
+            <a:avLst/>
+          </a:prstGeom>
+          <a:noFill/>
+          <a:ln w="12700">
+            <a:solidFill>
+              <a:prstClr val="black"/>
+            </a:solidFill>
+          </a:ln>
+        </p:spPr>
+        <p:txBody>
+          <a:bodyPr vert="horz" lIns="91440" tIns="45720" rIns="91440" bIns="45720" rtlCol="0" anchor="ctr"/>
+          <a:lstStyle/>
+          <a:p>
+            <a:endParaRPr lang="en-US"/>
+          </a:p>
+        </p:txBody>
+      </p:sp>
+      <p:sp>
+        <p:nvSpPr>
+          <p:cNvPr id="5" name="Notes Placeholder 4"/>
+          <p:cNvSpPr>
+            <a:spLocks noGrp="1"/>
+          </p:cNvSpPr>
+          <p:nvPr>
+            <p:ph type="body" sz="quarter" idx="3"/>
+          </p:nvPr>
+        </p:nvSpPr>
+        <p:spPr>
+          <a:xfrm>
+            <a:off x="685800" y="4400550"/>
+            <a:ext cx="5486400" cy="3600450"/>
+          </a:xfrm>
+          <a:prstGeom prst="rect">
+            <a:avLst/>
+          </a:prstGeom>
+        </p:spPr>
+        <p:txBody>
+          <a:bodyPr vert="horz" lIns="91440" tIns="45720" rIns="91440" bIns="45720" rtlCol="0"/>
+          <a:lstStyle/>
+          <a:p>
+            <a:pPr lvl="0"/>
+            <a:r>
+              <a:rPr lang="en-US" smtClean="0"/>
+              <a:t>Edit Master text styles</a:t>
+            </a:r>
+          </a:p>
+          <a:p>
+            <a:pPr lvl="1"/>
+            <a:r>
+              <a:rPr lang="en-US" smtClean="0"/>
+              <a:t>Second level</a:t>
+            </a:r>
+          </a:p>
+          <a:p>
+            <a:pPr lvl="2"/>
+            <a:r>
+              <a:rPr lang="en-US" smtClean="0"/>
+              <a:t>Third level</a:t>
+            </a:r>
+          </a:p>
+          <a:p>
+            <a:pPr lvl="3"/>
+            <a:r>
+              <a:rPr lang="en-US" smtClean="0"/>
+              <a:t>Fourth level</a:t>
+            </a:r>
+          </a:p>
+          <a:p>
+            <a:pPr lvl="4"/>
+            <a:r>
+              <a:rPr lang="en-US" smtClean="0"/>
+              <a:t>Fifth level</a:t>
+            </a:r>
+            <a:endParaRPr lang="en-US"/>
+          </a:p>
+        </p:txBody>
+      </p:sp>
+      <p:sp>
+        <p:nvSpPr>
+          <p:cNvPr id="6" name="Footer Placeholder 5"/>
+          <p:cNvSpPr>
+            <a:spLocks noGrp="1"/>
+          </p:cNvSpPr>
+          <p:nvPr>
+            <p:ph type="ftr" sz="quarter" idx="4"/>
+          </p:nvPr>
+        </p:nvSpPr>
+        <p:spPr>
+          <a:xfrm>
+            <a:off x="0" y="8685213"/>
+            <a:ext cx="2971800" cy="458787"/>
+          </a:xfrm>
+          <a:prstGeom prst="rect">
+            <a:avLst/>
+          </a:prstGeom>
+        </p:spPr>
+        <p:txBody>
+          <a:bodyPr vert="horz" lIns="91440" tIns="45720" rIns="91440" bIns="45720" rtlCol="0" anchor="b"/>
+          <a:lstStyle>
+            <a:lvl1pPr algn="l">
+              <a:defRPr sz="1200"/>
+            </a:lvl1pPr>
+          </a:lstStyle>
+          <a:p>
+            <a:endParaRPr lang="en-US"/>
+          </a:p>
+        </p:txBody>
+      </p:sp>
+      <p:sp>
+        <p:nvSpPr>
+          <p:cNvPr id="7" name="Slide Number Placeholder 6"/>
+          <p:cNvSpPr>
+            <a:spLocks noGrp="1"/>
+          </p:cNvSpPr>
+          <p:nvPr>
+            <p:ph type="sldNum" sz="quarter" idx="5"/>
+          </p:nvPr>
+        </p:nvSpPr>
+        <p:spPr>
+          <a:xfrm>
+            <a:off x="3884613" y="8685213"/>
+            <a:ext cx="2971800" cy="458787"/>
+          </a:xfrm>
+          <a:prstGeom prst="rect">
+            <a:avLst/>
+          </a:prstGeom>
+        </p:spPr>
+        <p:txBody>
+          <a:bodyPr vert="horz" lIns="91440" tIns="45720" rIns="91440" bIns="45720" rtlCol="0" anchor="b"/>
+          <a:lstStyle>
+            <a:lvl1pPr algn="r">
+              <a:defRPr sz="1200"/>
+            </a:lvl1pPr>
+          </a:lstStyle>
+          <a:p>
+            <a:fld id="{68FD2EF9-7B9B-46AC-A885-338B1C581335}" type="slidenum">
+              <a:rPr lang="en-US" smtClean="0"/>
+              <a:t>‹#›</a:t>
+            </a:fld>
+            <a:endParaRPr lang="en-US"/>
+          </a:p>
+        </p:txBody>
+      </p:sp>
+    </p:spTree>
+    <p:extLst>
+      <p:ext uri="{BB962C8B-B14F-4D97-AF65-F5344CB8AC3E}">
+        <p14:creationId xmlns:p14="http://schemas.microsoft.com/office/powerpoint/2010/main" val="2366752429"/>
+      </p:ext>
+    </p:extLst>
+  </p:cSld>
+  <p:clrMap bg1="lt1" tx1="dk1" bg2="lt2" tx2="dk2" accent1="accent1" accent2="accent2" accent3="accent3" accent4="accent4" accent5="accent5" accent6="accent6" hlink="hlink" folHlink="folHlink"/>
+  <p:notesStyle>
+    <a:lvl1pPr marL="0" algn="l" defTabSz="914400" rtl="0" eaLnBrk="1" latinLnBrk="0" hangingPunct="1">
+      <a:defRPr sz="1200" kern="1200">
+        <a:solidFill>
+          <a:schemeClr val="tx1"/>
+        </a:solidFill>
+        <a:latin typeface="+mn-lt"/>
+        <a:ea typeface="+mn-ea"/>
+        <a:cs typeface="+mn-cs"/>
+      </a:defRPr>
+    </a:lvl1pPr>
+    <a:lvl2pPr marL="457200" algn="l" defTabSz="914400" rtl="0" eaLnBrk="1" latinLnBrk="0" hangingPunct="1">
+      <a:defRPr sz="1200" kern="1200">
+        <a:solidFill>
+          <a:schemeClr val="tx1"/>
+        </a:solidFill>
+        <a:latin typeface="+mn-lt"/>
+        <a:ea typeface="+mn-ea"/>
+        <a:cs typeface="+mn-cs"/>
+      </a:defRPr>
+    </a:lvl2pPr>
+    <a:lvl3pPr marL="914400" algn="l" defTabSz="914400" rtl="0" eaLnBrk="1" latinLnBrk="0" hangingPunct="1">
+      <a:defRPr sz="1200" kern="1200">
+        <a:solidFill>
+          <a:schemeClr val="tx1"/>
+        </a:solidFill>
+        <a:latin typeface="+mn-lt"/>
+        <a:ea typeface="+mn-ea"/>
+        <a:cs typeface="+mn-cs"/>
+      </a:defRPr>
+    </a:lvl3pPr>
+    <a:lvl4pPr marL="1371600" algn="l" defTabSz="914400" rtl="0" eaLnBrk="1" latinLnBrk="0" hangingPunct="1">
+      <a:defRPr sz="1200" kern="1200">
+        <a:solidFill>
+          <a:schemeClr val="tx1"/>
+        </a:solidFill>
+        <a:latin typeface="+mn-lt"/>
+        <a:ea typeface="+mn-ea"/>
+        <a:cs typeface="+mn-cs"/>
+      </a:defRPr>
+    </a:lvl4pPr>
+    <a:lvl5pPr marL="1828800" algn="l" defTabSz="914400" rtl="0" eaLnBrk="1" latinLnBrk="0" hangingPunct="1">
+      <a:defRPr sz="1200" kern="1200">
+        <a:solidFill>
+          <a:schemeClr val="tx1"/>
+        </a:solidFill>
+        <a:latin typeface="+mn-lt"/>
+        <a:ea typeface="+mn-ea"/>
+        <a:cs typeface="+mn-cs"/>
+      </a:defRPr>
+    </a:lvl5pPr>
+    <a:lvl6pPr marL="2286000" algn="l" defTabSz="914400" rtl="0" eaLnBrk="1" latinLnBrk="0" hangingPunct="1">
+      <a:defRPr sz="1200" kern="1200">
+        <a:solidFill>
+          <a:schemeClr val="tx1"/>
+        </a:solidFill>
+        <a:latin typeface="+mn-lt"/>
+        <a:ea typeface="+mn-ea"/>
+        <a:cs typeface="+mn-cs"/>
+      </a:defRPr>
+    </a:lvl6pPr>
+    <a:lvl7pPr marL="2743200" algn="l" defTabSz="914400" rtl="0" eaLnBrk="1" latinLnBrk="0" hangingPunct="1">
+      <a:defRPr sz="1200" kern="1200">
+        <a:solidFill>
+          <a:schemeClr val="tx1"/>
+        </a:solidFill>
+        <a:latin typeface="+mn-lt"/>
+        <a:ea typeface="+mn-ea"/>
+        <a:cs typeface="+mn-cs"/>
+      </a:defRPr>
+    </a:lvl7pPr>
+    <a:lvl8pPr marL="3200400" algn="l" defTabSz="914400" rtl="0" eaLnBrk="1" latinLnBrk="0" hangingPunct="1">
+      <a:defRPr sz="1200" kern="1200">
+        <a:solidFill>
+          <a:schemeClr val="tx1"/>
+        </a:solidFill>
+        <a:latin typeface="+mn-lt"/>
+        <a:ea typeface="+mn-ea"/>
+        <a:cs typeface="+mn-cs"/>
+      </a:defRPr>
+    </a:lvl8pPr>
+    <a:lvl9pPr marL="3657600" algn="l" defTabSz="914400" rtl="0" eaLnBrk="1" latinLnBrk="0" hangingPunct="1">
+      <a:defRPr sz="1200" kern="1200">
+        <a:solidFill>
+          <a:schemeClr val="tx1"/>
+        </a:solidFill>
+        <a:latin typeface="+mn-lt"/>
+        <a:ea typeface="+mn-ea"/>
+        <a:cs typeface="+mn-cs"/>
+      </a:defRPr>
+    </a:lvl9pPr>
+  </p:notesStyle>
+</p:notesMaster>
+</file>
+
+<file path=ppt/notesSlides/notesSlide1.xml><?xml version="1.0" encoding="utf-8"?>
+<p:notes xmlns:a="http://schemas.openxmlformats.org/drawingml/2006/main" xmlns:r="http://schemas.openxmlformats.org/officeDocument/2006/relationships" xmlns:p="http://schemas.openxmlformats.org/presentationml/2006/main">
+  <p:cSld>
+    <p:spTree>
+      <p:nvGrpSpPr>
+        <p:cNvPr id="1" name=""/>
+        <p:cNvGrpSpPr/>
+        <p:nvPr/>
+      </p:nvGrpSpPr>
+      <p:grpSpPr>
+        <a:xfrm>
+          <a:off x="0" y="0"/>
+          <a:ext cx="0" cy="0"/>
+          <a:chOff x="0" y="0"/>
+          <a:chExt cx="0" cy="0"/>
+        </a:xfrm>
+      </p:grpSpPr>
+      <p:sp>
+        <p:nvSpPr>
+          <p:cNvPr id="2" name="Slide Image Placeholder 1"/>
+          <p:cNvSpPr>
+            <a:spLocks noGrp="1" noRot="1" noChangeAspect="1"/>
+          </p:cNvSpPr>
+          <p:nvPr>
+            <p:ph type="sldImg"/>
+          </p:nvPr>
+        </p:nvSpPr>
+        <p:spPr/>
+      </p:sp>
+      <p:sp>
+        <p:nvSpPr>
+          <p:cNvPr id="3" name="Notes Placeholder 2"/>
+          <p:cNvSpPr>
+            <a:spLocks noGrp="1"/>
+          </p:cNvSpPr>
+          <p:nvPr>
+            <p:ph type="body" idx="1"/>
+          </p:nvPr>
+        </p:nvSpPr>
+        <p:spPr/>
+        <p:txBody>
+          <a:bodyPr/>
+          <a:lstStyle/>
+          <a:p>
+            <a:endParaRPr lang="en-US" dirty="0"/>
+          </a:p>
+        </p:txBody>
+      </p:sp>
+      <p:sp>
+        <p:nvSpPr>
+          <p:cNvPr id="4" name="Slide Number Placeholder 3"/>
+          <p:cNvSpPr>
+            <a:spLocks noGrp="1"/>
+          </p:cNvSpPr>
+          <p:nvPr>
+            <p:ph type="sldNum" sz="quarter" idx="10"/>
+          </p:nvPr>
+        </p:nvSpPr>
+        <p:spPr/>
+        <p:txBody>
+          <a:bodyPr/>
+          <a:lstStyle/>
+          <a:p>
+            <a:fld id="{68FD2EF9-7B9B-46AC-A885-338B1C581335}" type="slidenum">
+              <a:rPr lang="en-US" smtClean="0"/>
+              <a:t>5</a:t>
+            </a:fld>
+            <a:endParaRPr lang="en-US"/>
+          </a:p>
+        </p:txBody>
+      </p:sp>
+    </p:spTree>
+    <p:extLst>
+      <p:ext uri="{BB962C8B-B14F-4D97-AF65-F5344CB8AC3E}">
+        <p14:creationId xmlns:p14="http://schemas.microsoft.com/office/powerpoint/2010/main" val="3477981036"/>
+      </p:ext>
+    </p:extLst>
+  </p:cSld>
+  <p:clrMapOvr>
+    <a:masterClrMapping/>
+  </p:clrMapOvr>
+</p:notes>
+</file>
+
 <file path=ppt/slideLayouts/slideLayout1.xml><?xml version="1.0" encoding="utf-8"?>
 <p:sldLayout xmlns:a="http://schemas.openxmlformats.org/drawingml/2006/main" xmlns:r="http://schemas.openxmlformats.org/officeDocument/2006/relationships" xmlns:p="http://schemas.openxmlformats.org/presentationml/2006/main" type="title" preserve="1">
   <p:cSld name="Title Slide">
@@ -267,7 +704,7 @@
           <a:p>
             <a:fld id="{80FB5BE9-7F13-4564-9415-A50ADEB12BD1}" type="datetimeFigureOut">
               <a:rPr lang="en-GB" smtClean="0"/>
-              <a:t>25/04/2020</a:t>
+              <a:t>26/04/2020</a:t>
             </a:fld>
             <a:endParaRPr lang="en-GB" dirty="0"/>
           </a:p>
@@ -467,7 +904,7 @@
           <a:p>
             <a:fld id="{80FB5BE9-7F13-4564-9415-A50ADEB12BD1}" type="datetimeFigureOut">
               <a:rPr lang="en-GB" smtClean="0"/>
-              <a:t>25/04/2020</a:t>
+              <a:t>26/04/2020</a:t>
             </a:fld>
             <a:endParaRPr lang="en-GB" dirty="0"/>
           </a:p>
@@ -677,7 +1114,7 @@
           <a:p>
             <a:fld id="{80FB5BE9-7F13-4564-9415-A50ADEB12BD1}" type="datetimeFigureOut">
               <a:rPr lang="en-GB" smtClean="0"/>
-              <a:t>25/04/2020</a:t>
+              <a:t>26/04/2020</a:t>
             </a:fld>
             <a:endParaRPr lang="en-GB" dirty="0"/>
           </a:p>
@@ -877,7 +1314,7 @@
           <a:p>
             <a:fld id="{80FB5BE9-7F13-4564-9415-A50ADEB12BD1}" type="datetimeFigureOut">
               <a:rPr lang="en-GB" smtClean="0"/>
-              <a:t>25/04/2020</a:t>
+              <a:t>26/04/2020</a:t>
             </a:fld>
             <a:endParaRPr lang="en-GB" dirty="0"/>
           </a:p>
@@ -1153,7 +1590,7 @@
           <a:p>
             <a:fld id="{80FB5BE9-7F13-4564-9415-A50ADEB12BD1}" type="datetimeFigureOut">
               <a:rPr lang="en-GB" smtClean="0"/>
-              <a:t>25/04/2020</a:t>
+              <a:t>26/04/2020</a:t>
             </a:fld>
             <a:endParaRPr lang="en-GB" dirty="0"/>
           </a:p>
@@ -1421,7 +1858,7 @@
           <a:p>
             <a:fld id="{80FB5BE9-7F13-4564-9415-A50ADEB12BD1}" type="datetimeFigureOut">
               <a:rPr lang="en-GB" smtClean="0"/>
-              <a:t>25/04/2020</a:t>
+              <a:t>26/04/2020</a:t>
             </a:fld>
             <a:endParaRPr lang="en-GB" dirty="0"/>
           </a:p>
@@ -1836,7 +2273,7 @@
           <a:p>
             <a:fld id="{80FB5BE9-7F13-4564-9415-A50ADEB12BD1}" type="datetimeFigureOut">
               <a:rPr lang="en-GB" smtClean="0"/>
-              <a:t>25/04/2020</a:t>
+              <a:t>26/04/2020</a:t>
             </a:fld>
             <a:endParaRPr lang="en-GB" dirty="0"/>
           </a:p>
@@ -1978,7 +2415,7 @@
           <a:p>
             <a:fld id="{80FB5BE9-7F13-4564-9415-A50ADEB12BD1}" type="datetimeFigureOut">
               <a:rPr lang="en-GB" smtClean="0"/>
-              <a:t>25/04/2020</a:t>
+              <a:t>26/04/2020</a:t>
             </a:fld>
             <a:endParaRPr lang="en-GB" dirty="0"/>
           </a:p>
@@ -2091,7 +2528,7 @@
           <a:p>
             <a:fld id="{80FB5BE9-7F13-4564-9415-A50ADEB12BD1}" type="datetimeFigureOut">
               <a:rPr lang="en-GB" smtClean="0"/>
-              <a:t>25/04/2020</a:t>
+              <a:t>26/04/2020</a:t>
             </a:fld>
             <a:endParaRPr lang="en-GB" dirty="0"/>
           </a:p>
@@ -2404,7 +2841,7 @@
           <a:p>
             <a:fld id="{80FB5BE9-7F13-4564-9415-A50ADEB12BD1}" type="datetimeFigureOut">
               <a:rPr lang="en-GB" smtClean="0"/>
-              <a:t>25/04/2020</a:t>
+              <a:t>26/04/2020</a:t>
             </a:fld>
             <a:endParaRPr lang="en-GB" dirty="0"/>
           </a:p>
@@ -2693,7 +3130,7 @@
           <a:p>
             <a:fld id="{80FB5BE9-7F13-4564-9415-A50ADEB12BD1}" type="datetimeFigureOut">
               <a:rPr lang="en-GB" smtClean="0"/>
-              <a:t>25/04/2020</a:t>
+              <a:t>26/04/2020</a:t>
             </a:fld>
             <a:endParaRPr lang="en-GB" dirty="0"/>
           </a:p>
@@ -2936,7 +3373,7 @@
           <a:p>
             <a:fld id="{80FB5BE9-7F13-4564-9415-A50ADEB12BD1}" type="datetimeFigureOut">
               <a:rPr lang="en-GB" smtClean="0"/>
-              <a:t>25/04/2020</a:t>
+              <a:t>26/04/2020</a:t>
             </a:fld>
             <a:endParaRPr lang="en-GB" dirty="0"/>
           </a:p>
@@ -8067,9 +8504,16 @@
             <p:ph type="title"/>
           </p:nvPr>
         </p:nvSpPr>
-        <p:spPr/>
+        <p:spPr>
+          <a:xfrm>
+            <a:off x="838200" y="365126"/>
+            <a:ext cx="2057400" cy="339404"/>
+          </a:xfrm>
+        </p:spPr>
         <p:txBody>
-          <a:bodyPr/>
+          <a:bodyPr>
+            <a:normAutofit fontScale="90000"/>
+          </a:bodyPr>
           <a:lstStyle/>
           <a:p>
             <a:pPr algn="ctr"/>
@@ -8095,14 +8539,14 @@
           <p:nvPr>
             <p:extLst>
               <p:ext uri="{D42A27DB-BD31-4B8C-83A1-F6EECF244321}">
-                <p14:modId xmlns:p14="http://schemas.microsoft.com/office/powerpoint/2010/main" val="2279121783"/>
+                <p14:modId xmlns:p14="http://schemas.microsoft.com/office/powerpoint/2010/main" val="2197428018"/>
               </p:ext>
             </p:extLst>
           </p:nvPr>
         </p:nvGraphicFramePr>
         <p:xfrm>
-          <a:off x="296548" y="2318387"/>
-          <a:ext cx="11684924" cy="914400"/>
+          <a:off x="260366" y="5112430"/>
+          <a:ext cx="11308180" cy="929640"/>
         </p:xfrm>
         <a:graphic>
           <a:graphicData uri="http://schemas.openxmlformats.org/drawingml/2006/table">
@@ -8111,77 +8555,77 @@
                 <a:tableStyleId>{7DF18680-E054-41AD-8BC1-D1AEF772440D}</a:tableStyleId>
               </a:tblPr>
               <a:tblGrid>
-                <a:gridCol w="1075964">
+                <a:gridCol w="1005790">
                   <a:extLst>
                     <a:ext uri="{9D8B030D-6E8A-4147-A177-3AD203B41FA5}">
                       <a16:colId xmlns:a16="http://schemas.microsoft.com/office/drawing/2014/main" val="201513916"/>
                     </a:ext>
                   </a:extLst>
                 </a:gridCol>
-                <a:gridCol w="1075964">
+                <a:gridCol w="1005790">
+                  <a:extLst>
+                    <a:ext uri="{9D8B030D-6E8A-4147-A177-3AD203B41FA5}">
+                      <a16:colId xmlns:a16="http://schemas.microsoft.com/office/drawing/2014/main" val="3070872457"/>
+                    </a:ext>
+                  </a:extLst>
+                </a:gridCol>
+                <a:gridCol w="1005790">
                   <a:extLst>
                     <a:ext uri="{9D8B030D-6E8A-4147-A177-3AD203B41FA5}">
                       <a16:colId xmlns:a16="http://schemas.microsoft.com/office/drawing/2014/main" val="4160908569"/>
                     </a:ext>
                   </a:extLst>
                 </a:gridCol>
-                <a:gridCol w="1075964">
-                  <a:extLst>
-                    <a:ext uri="{9D8B030D-6E8A-4147-A177-3AD203B41FA5}">
-                      <a16:colId xmlns:a16="http://schemas.microsoft.com/office/drawing/2014/main" val="3835503643"/>
-                    </a:ext>
-                  </a:extLst>
-                </a:gridCol>
-                <a:gridCol w="1075964">
+                <a:gridCol w="1391133">
                   <a:extLst>
                     <a:ext uri="{9D8B030D-6E8A-4147-A177-3AD203B41FA5}">
                       <a16:colId xmlns:a16="http://schemas.microsoft.com/office/drawing/2014/main" val="1590507565"/>
                     </a:ext>
                   </a:extLst>
                 </a:gridCol>
-                <a:gridCol w="1075964">
+                <a:gridCol w="1005790">
                   <a:extLst>
                     <a:ext uri="{9D8B030D-6E8A-4147-A177-3AD203B41FA5}">
                       <a16:colId xmlns:a16="http://schemas.microsoft.com/office/drawing/2014/main" val="1851729959"/>
                     </a:ext>
                   </a:extLst>
                 </a:gridCol>
-                <a:gridCol w="1075964">
+                <a:gridCol w="1005790">
                   <a:extLst>
                     <a:ext uri="{9D8B030D-6E8A-4147-A177-3AD203B41FA5}">
                       <a16:colId xmlns:a16="http://schemas.microsoft.com/office/drawing/2014/main" val="923522584"/>
                     </a:ext>
                   </a:extLst>
                 </a:gridCol>
-                <a:gridCol w="1075964">
+                <a:gridCol w="1005790">
                   <a:extLst>
                     <a:ext uri="{9D8B030D-6E8A-4147-A177-3AD203B41FA5}">
                       <a16:colId xmlns:a16="http://schemas.microsoft.com/office/drawing/2014/main" val="3417585095"/>
                     </a:ext>
                   </a:extLst>
                 </a:gridCol>
-                <a:gridCol w="1075964">
+                <a:gridCol w="1005790">
                   <a:extLst>
                     <a:ext uri="{9D8B030D-6E8A-4147-A177-3AD203B41FA5}">
                       <a16:colId xmlns:a16="http://schemas.microsoft.com/office/drawing/2014/main" val="2557095657"/>
                     </a:ext>
                   </a:extLst>
                 </a:gridCol>
-                <a:gridCol w="925284">
+                <a:gridCol w="864937">
                   <a:extLst>
                     <a:ext uri="{9D8B030D-6E8A-4147-A177-3AD203B41FA5}">
                       <a16:colId xmlns:a16="http://schemas.microsoft.com/office/drawing/2014/main" val="2967440029"/>
                     </a:ext>
                   </a:extLst>
                 </a:gridCol>
-                <a:gridCol w="1075964">
+                <a:gridCol w="1005790">
                   <a:extLst>
                     <a:ext uri="{9D8B030D-6E8A-4147-A177-3AD203B41FA5}">
                       <a16:colId xmlns:a16="http://schemas.microsoft.com/office/drawing/2014/main" val="1327699478"/>
                     </a:ext>
                   </a:extLst>
                 </a:gridCol>
-                <a:gridCol w="1075964">
+                <a:gridCol w="1005790">
                   <a:extLst>
                     <a:ext uri="{9D8B030D-6E8A-4147-A177-3AD203B41FA5}">
                       <a16:colId xmlns:a16="http://schemas.microsoft.com/office/drawing/2014/main" val="2835791411"/>
@@ -8189,21 +8633,26 @@
                   </a:extLst>
                 </a:gridCol>
               </a:tblGrid>
-              <a:tr h="374469">
-                <a:tc>
-                  <a:txBody>
-                    <a:bodyPr/>
-                    <a:lstStyle/>
-                    <a:p>
-                      <a:pPr algn="ctr"/>
-                      <a:r>
-                        <a:rPr lang="en-GB" dirty="0">
+              <a:tr h="929640">
+                <a:tc>
+                  <a:txBody>
+                    <a:bodyPr/>
+                    <a:lstStyle/>
+                    <a:p>
+                      <a:pPr algn="ctr"/>
+                      <a:r>
+                        <a:rPr lang="en-GB" dirty="0" err="1" smtClean="0">
                           <a:solidFill>
                             <a:sysClr val="windowText" lastClr="000000"/>
                           </a:solidFill>
                         </a:rPr>
                         <a:t>Customer_Profile</a:t>
                       </a:r>
+                      <a:endParaRPr lang="en-GB" dirty="0">
+                        <a:solidFill>
+                          <a:sysClr val="windowText" lastClr="000000"/>
+                        </a:solidFill>
+                      </a:endParaRPr>
                     </a:p>
                   </a:txBody>
                   <a:tcPr anchor="ctr">
@@ -8219,6 +8668,32 @@
                     <a:p>
                       <a:pPr algn="ctr"/>
                       <a:r>
+                        <a:rPr lang="en-GB" dirty="0" smtClean="0"/>
+                        <a:t>Profile Id</a:t>
+                      </a:r>
+                    </a:p>
+                    <a:p>
+                      <a:pPr algn="ctr"/>
+                      <a:r>
+                        <a:rPr lang="en-GB" dirty="0" smtClean="0"/>
+                        <a:t>(FK) </a:t>
+                      </a:r>
+                      <a:endParaRPr lang="en-GB" dirty="0"/>
+                    </a:p>
+                  </a:txBody>
+                  <a:tcPr anchor="ctr">
+                    <a:solidFill>
+                      <a:srgbClr val="FF0000"/>
+                    </a:solidFill>
+                  </a:tcPr>
+                </a:tc>
+                <a:tc>
+                  <a:txBody>
+                    <a:bodyPr/>
+                    <a:lstStyle/>
+                    <a:p>
+                      <a:pPr algn="ctr"/>
+                      <a:r>
                         <a:rPr lang="en-GB" dirty="0"/>
                         <a:t>MSISDN</a:t>
                       </a:r>
@@ -8226,8 +8701,12 @@
                     <a:p>
                       <a:pPr algn="ctr"/>
                       <a:r>
+                        <a:rPr lang="en-GB" dirty="0" smtClean="0"/>
+                        <a:t>(FK</a:t>
+                      </a:r>
+                      <a:r>
                         <a:rPr lang="en-GB" dirty="0"/>
-                        <a:t>(PK)</a:t>
+                        <a:t>)</a:t>
                       </a:r>
                     </a:p>
                   </a:txBody>
@@ -8241,43 +8720,46 @@
                       <a:pPr algn="ctr"/>
                       <a:r>
                         <a:rPr lang="en-GB" dirty="0"/>
-                        <a:t>PROFILE ID</a:t>
-                      </a:r>
-                    </a:p>
+                        <a:t>Date Of </a:t>
+                      </a:r>
+                      <a:r>
+                        <a:rPr lang="en-GB" dirty="0" smtClean="0"/>
+                        <a:t>Starting</a:t>
+                      </a:r>
+                    </a:p>
+                    <a:p>
+                      <a:pPr algn="ctr"/>
+                      <a:r>
+                        <a:rPr lang="en-GB" dirty="0" smtClean="0"/>
+                        <a:t>Contract </a:t>
+                      </a:r>
+                      <a:endParaRPr lang="en-GB" dirty="0"/>
+                    </a:p>
+                  </a:txBody>
+                  <a:tcPr anchor="ctr"/>
+                </a:tc>
+                <a:tc>
+                  <a:txBody>
+                    <a:bodyPr/>
+                    <a:lstStyle/>
                     <a:p>
                       <a:pPr algn="ctr"/>
                       <a:r>
                         <a:rPr lang="en-GB" dirty="0"/>
-                        <a:t>(PK)</a:t>
-                      </a:r>
-                    </a:p>
-                  </a:txBody>
-                  <a:tcPr anchor="ctr"/>
-                </a:tc>
-                <a:tc>
-                  <a:txBody>
-                    <a:bodyPr/>
-                    <a:lstStyle/>
-                    <a:p>
-                      <a:pPr algn="ctr"/>
-                      <a:r>
-                        <a:rPr lang="en-GB" dirty="0"/>
-                        <a:t>Date Of Starting </a:t>
-                      </a:r>
-                    </a:p>
-                  </a:txBody>
-                  <a:tcPr anchor="ctr"/>
-                </a:tc>
-                <a:tc>
-                  <a:txBody>
-                    <a:bodyPr/>
-                    <a:lstStyle/>
-                    <a:p>
-                      <a:pPr algn="ctr"/>
-                      <a:r>
-                        <a:rPr lang="en-GB" dirty="0"/>
-                        <a:t>Date Of Ending</a:t>
-                      </a:r>
+                        <a:t>Date Of </a:t>
+                      </a:r>
+                      <a:r>
+                        <a:rPr lang="en-GB" dirty="0" smtClean="0"/>
+                        <a:t>Ending</a:t>
+                      </a:r>
+                    </a:p>
+                    <a:p>
+                      <a:pPr algn="ctr"/>
+                      <a:r>
+                        <a:rPr lang="en-GB" dirty="0" smtClean="0"/>
+                        <a:t>Contract</a:t>
+                      </a:r>
+                      <a:endParaRPr lang="en-GB" dirty="0"/>
                     </a:p>
                   </a:txBody>
                   <a:tcPr anchor="ctr"/>
@@ -8296,9 +8778,25 @@
                     <a:p>
                       <a:pPr algn="ctr"/>
                       <a:r>
-                        <a:rPr lang="en-GB" dirty="0"/>
+                        <a:rPr lang="en-GB" dirty="0" smtClean="0"/>
                         <a:t>Services</a:t>
                       </a:r>
+                    </a:p>
+                    <a:p>
+                      <a:pPr algn="ctr"/>
+                      <a:r>
+                        <a:rPr lang="en-GB" dirty="0" smtClean="0">
+                          <a:solidFill>
+                            <a:srgbClr val="FF0000"/>
+                          </a:solidFill>
+                        </a:rPr>
+                        <a:t>(text)</a:t>
+                      </a:r>
+                      <a:endParaRPr lang="en-GB" dirty="0">
+                        <a:solidFill>
+                          <a:srgbClr val="FF0000"/>
+                        </a:solidFill>
+                      </a:endParaRPr>
                     </a:p>
                   </a:txBody>
                   <a:tcPr anchor="ctr"/>
@@ -8496,13 +8994,13 @@
           <p:nvPr>
             <p:extLst>
               <p:ext uri="{D42A27DB-BD31-4B8C-83A1-F6EECF244321}">
-                <p14:modId xmlns:p14="http://schemas.microsoft.com/office/powerpoint/2010/main" val="2325058551"/>
+                <p14:modId xmlns:p14="http://schemas.microsoft.com/office/powerpoint/2010/main" val="3339611842"/>
               </p:ext>
             </p:extLst>
           </p:nvPr>
         </p:nvGraphicFramePr>
         <p:xfrm>
-          <a:off x="296552" y="1495102"/>
+          <a:off x="224183" y="704530"/>
           <a:ext cx="7118022" cy="640080"/>
         </p:xfrm>
         <a:graphic>
@@ -8681,13 +9179,13 @@
           <p:nvPr>
             <p:extLst>
               <p:ext uri="{D42A27DB-BD31-4B8C-83A1-F6EECF244321}">
-                <p14:modId xmlns:p14="http://schemas.microsoft.com/office/powerpoint/2010/main" val="4119309427"/>
+                <p14:modId xmlns:p14="http://schemas.microsoft.com/office/powerpoint/2010/main" val="3165212263"/>
               </p:ext>
             </p:extLst>
           </p:nvPr>
         </p:nvGraphicFramePr>
         <p:xfrm>
-          <a:off x="296549" y="3456267"/>
+          <a:off x="260366" y="1441467"/>
           <a:ext cx="7045656" cy="640080"/>
         </p:xfrm>
         <a:graphic>
@@ -8870,7 +9368,11 @@
                       </a:r>
                     </a:p>
                   </a:txBody>
-                  <a:tcPr anchor="ctr"/>
+                  <a:tcPr anchor="ctr">
+                    <a:solidFill>
+                      <a:srgbClr val="FF0000"/>
+                    </a:solidFill>
+                  </a:tcPr>
                 </a:tc>
                 <a:extLst>
                   <a:ext uri="{0D108BD9-81ED-4DB2-BD59-A6C34878D82A}">
@@ -8897,14 +9399,14 @@
           <p:nvPr>
             <p:extLst>
               <p:ext uri="{D42A27DB-BD31-4B8C-83A1-F6EECF244321}">
-                <p14:modId xmlns:p14="http://schemas.microsoft.com/office/powerpoint/2010/main" val="3403288415"/>
+                <p14:modId xmlns:p14="http://schemas.microsoft.com/office/powerpoint/2010/main" val="2402260837"/>
               </p:ext>
             </p:extLst>
           </p:nvPr>
         </p:nvGraphicFramePr>
         <p:xfrm>
-          <a:off x="296548" y="4380211"/>
-          <a:ext cx="10008810" cy="914400"/>
+          <a:off x="260366" y="2183800"/>
+          <a:ext cx="11648744" cy="807641"/>
         </p:xfrm>
         <a:graphic>
           <a:graphicData uri="http://schemas.openxmlformats.org/drawingml/2006/table">
@@ -8913,57 +9415,64 @@
                 <a:tableStyleId>{93296810-A885-4BE3-A3E7-6D5BEEA58F35}</a:tableStyleId>
               </a:tblPr>
               <a:tblGrid>
-                <a:gridCol w="1429830">
+                <a:gridCol w="1456093">
                   <a:extLst>
                     <a:ext uri="{9D8B030D-6E8A-4147-A177-3AD203B41FA5}">
                       <a16:colId xmlns:a16="http://schemas.microsoft.com/office/drawing/2014/main" val="201513916"/>
                     </a:ext>
                   </a:extLst>
                 </a:gridCol>
-                <a:gridCol w="1429830">
+                <a:gridCol w="1456093">
                   <a:extLst>
                     <a:ext uri="{9D8B030D-6E8A-4147-A177-3AD203B41FA5}">
                       <a16:colId xmlns:a16="http://schemas.microsoft.com/office/drawing/2014/main" val="4160908569"/>
                     </a:ext>
                   </a:extLst>
                 </a:gridCol>
-                <a:gridCol w="1429830">
+                <a:gridCol w="1456093">
                   <a:extLst>
                     <a:ext uri="{9D8B030D-6E8A-4147-A177-3AD203B41FA5}">
                       <a16:colId xmlns:a16="http://schemas.microsoft.com/office/drawing/2014/main" val="3835503643"/>
                     </a:ext>
                   </a:extLst>
                 </a:gridCol>
-                <a:gridCol w="1429830">
+                <a:gridCol w="1456093">
                   <a:extLst>
                     <a:ext uri="{9D8B030D-6E8A-4147-A177-3AD203B41FA5}">
                       <a16:colId xmlns:a16="http://schemas.microsoft.com/office/drawing/2014/main" val="507816282"/>
                     </a:ext>
                   </a:extLst>
                 </a:gridCol>
-                <a:gridCol w="1429830">
+                <a:gridCol w="1456093">
                   <a:extLst>
                     <a:ext uri="{9D8B030D-6E8A-4147-A177-3AD203B41FA5}">
                       <a16:colId xmlns:a16="http://schemas.microsoft.com/office/drawing/2014/main" val="1590507565"/>
                     </a:ext>
                   </a:extLst>
                 </a:gridCol>
-                <a:gridCol w="1429830">
+                <a:gridCol w="1456093">
                   <a:extLst>
                     <a:ext uri="{9D8B030D-6E8A-4147-A177-3AD203B41FA5}">
                       <a16:colId xmlns:a16="http://schemas.microsoft.com/office/drawing/2014/main" val="1513730855"/>
                     </a:ext>
                   </a:extLst>
                 </a:gridCol>
-                <a:gridCol w="1429830">
+                <a:gridCol w="1456093">
                   <a:extLst>
                     <a:ext uri="{9D8B030D-6E8A-4147-A177-3AD203B41FA5}">
                       <a16:colId xmlns:a16="http://schemas.microsoft.com/office/drawing/2014/main" val="1851729959"/>
                     </a:ext>
                   </a:extLst>
                 </a:gridCol>
+                <a:gridCol w="1456093">
+                  <a:extLst>
+                    <a:ext uri="{9D8B030D-6E8A-4147-A177-3AD203B41FA5}">
+                      <a16:colId xmlns:a16="http://schemas.microsoft.com/office/drawing/2014/main" val="3652036494"/>
+                    </a:ext>
+                  </a:extLst>
+                </a:gridCol>
               </a:tblGrid>
-              <a:tr h="374469">
+              <a:tr h="807641">
                 <a:tc>
                   <a:txBody>
                     <a:bodyPr/>
@@ -8993,16 +9502,10 @@
                     <a:p>
                       <a:pPr algn="ctr"/>
                       <a:r>
-                        <a:rPr lang="en-GB" dirty="0"/>
-                        <a:t>Free</a:t>
-                      </a:r>
-                    </a:p>
-                    <a:p>
-                      <a:pPr algn="ctr"/>
-                      <a:r>
-                        <a:rPr lang="en-GB" dirty="0"/>
-                        <a:t>Unit</a:t>
-                      </a:r>
+                        <a:rPr lang="en-GB" dirty="0" err="1" smtClean="0"/>
+                        <a:t>FreeUnit</a:t>
+                      </a:r>
+                      <a:endParaRPr lang="en-GB" dirty="0"/>
                     </a:p>
                     <a:p>
                       <a:pPr algn="ctr"/>
@@ -9025,28 +9528,22 @@
                     <a:p>
                       <a:pPr algn="ctr"/>
                       <a:r>
-                        <a:rPr lang="en-GB" sz="1200" dirty="0"/>
-                        <a:t>Free</a:t>
-                      </a:r>
-                    </a:p>
-                    <a:p>
-                      <a:pPr algn="ctr"/>
-                      <a:r>
-                        <a:rPr lang="en-GB" sz="1200" dirty="0"/>
-                        <a:t>Unit</a:t>
-                      </a:r>
-                    </a:p>
-                    <a:p>
-                      <a:pPr algn="ctr"/>
-                      <a:r>
-                        <a:rPr lang="en-GB" sz="1200" dirty="0"/>
+                        <a:rPr lang="en-GB" sz="1400" dirty="0" err="1" smtClean="0"/>
+                        <a:t>FreeUnit</a:t>
+                      </a:r>
+                      <a:endParaRPr lang="en-GB" sz="1400" dirty="0"/>
+                    </a:p>
+                    <a:p>
+                      <a:pPr algn="ctr"/>
+                      <a:r>
+                        <a:rPr lang="en-GB" sz="1400" dirty="0"/>
                         <a:t>Voice</a:t>
                       </a:r>
                     </a:p>
                     <a:p>
                       <a:pPr algn="ctr"/>
                       <a:r>
-                        <a:rPr lang="en-GB" sz="1200" dirty="0"/>
+                        <a:rPr lang="en-GB" sz="1400" dirty="0"/>
                         <a:t>On Net</a:t>
                       </a:r>
                     </a:p>
@@ -9064,28 +9561,22 @@
                     <a:p>
                       <a:pPr algn="ctr"/>
                       <a:r>
-                        <a:rPr lang="en-GB" sz="1200" dirty="0"/>
-                        <a:t>Free</a:t>
-                      </a:r>
-                    </a:p>
-                    <a:p>
-                      <a:pPr algn="ctr"/>
-                      <a:r>
-                        <a:rPr lang="en-GB" sz="1200" dirty="0"/>
-                        <a:t>Unit</a:t>
-                      </a:r>
-                    </a:p>
-                    <a:p>
-                      <a:pPr algn="ctr"/>
-                      <a:r>
-                        <a:rPr lang="en-GB" sz="1200" dirty="0"/>
+                        <a:rPr lang="en-GB" sz="1400" dirty="0" err="1" smtClean="0"/>
+                        <a:t>FreeUnit</a:t>
+                      </a:r>
+                      <a:endParaRPr lang="en-GB" sz="1400" dirty="0"/>
+                    </a:p>
+                    <a:p>
+                      <a:pPr algn="ctr"/>
+                      <a:r>
+                        <a:rPr lang="en-GB" sz="1400" dirty="0"/>
                         <a:t>Voice</a:t>
                       </a:r>
                     </a:p>
                     <a:p>
                       <a:pPr algn="ctr"/>
                       <a:r>
-                        <a:rPr lang="en-GB" sz="1200" dirty="0"/>
+                        <a:rPr lang="en-GB" sz="1400" dirty="0"/>
                         <a:t>Cross  Net</a:t>
                       </a:r>
                     </a:p>
@@ -9103,28 +9594,22 @@
                     <a:p>
                       <a:pPr algn="ctr"/>
                       <a:r>
-                        <a:rPr lang="en-GB" sz="1200" dirty="0"/>
-                        <a:t>Free</a:t>
-                      </a:r>
-                    </a:p>
-                    <a:p>
-                      <a:pPr algn="ctr"/>
-                      <a:r>
-                        <a:rPr lang="en-GB" sz="1200" dirty="0"/>
-                        <a:t>Unit</a:t>
-                      </a:r>
-                    </a:p>
-                    <a:p>
-                      <a:pPr algn="ctr"/>
-                      <a:r>
-                        <a:rPr lang="en-GB" sz="1200" dirty="0"/>
+                        <a:rPr lang="en-GB" sz="1400" dirty="0" err="1" smtClean="0"/>
+                        <a:t>FreeUnit</a:t>
+                      </a:r>
+                      <a:endParaRPr lang="en-GB" sz="1400" dirty="0"/>
+                    </a:p>
+                    <a:p>
+                      <a:pPr algn="ctr"/>
+                      <a:r>
+                        <a:rPr lang="en-GB" sz="1400" dirty="0"/>
                         <a:t>SMS</a:t>
                       </a:r>
                     </a:p>
                     <a:p>
                       <a:pPr algn="ctr"/>
                       <a:r>
-                        <a:rPr lang="en-GB" sz="1200" dirty="0"/>
+                        <a:rPr lang="en-GB" sz="1400" dirty="0"/>
                         <a:t>On Net</a:t>
                       </a:r>
                     </a:p>
@@ -9142,28 +9627,22 @@
                     <a:p>
                       <a:pPr algn="ctr"/>
                       <a:r>
-                        <a:rPr lang="en-GB" sz="1200" dirty="0"/>
-                        <a:t>Free</a:t>
-                      </a:r>
-                    </a:p>
-                    <a:p>
-                      <a:pPr algn="ctr"/>
-                      <a:r>
-                        <a:rPr lang="en-GB" sz="1200" dirty="0"/>
-                        <a:t>Unit</a:t>
-                      </a:r>
-                    </a:p>
-                    <a:p>
-                      <a:pPr algn="ctr"/>
-                      <a:r>
-                        <a:rPr lang="en-GB" sz="1200" dirty="0"/>
+                        <a:rPr lang="en-GB" sz="1400" dirty="0" err="1" smtClean="0"/>
+                        <a:t>FreeUnit</a:t>
+                      </a:r>
+                      <a:endParaRPr lang="en-GB" sz="1400" dirty="0"/>
+                    </a:p>
+                    <a:p>
+                      <a:pPr algn="ctr"/>
+                      <a:r>
+                        <a:rPr lang="en-GB" sz="1400" dirty="0"/>
                         <a:t>SMS</a:t>
                       </a:r>
                     </a:p>
                     <a:p>
                       <a:pPr algn="ctr"/>
                       <a:r>
-                        <a:rPr lang="en-GB" sz="1200" dirty="0"/>
+                        <a:rPr lang="en-GB" sz="1400" dirty="0"/>
                         <a:t>Cross Net</a:t>
                       </a:r>
                     </a:p>
@@ -9181,23 +9660,47 @@
                     <a:p>
                       <a:pPr algn="ctr"/>
                       <a:r>
-                        <a:rPr lang="en-GB" sz="1200" dirty="0"/>
-                        <a:t>Free</a:t>
-                      </a:r>
-                    </a:p>
-                    <a:p>
-                      <a:pPr algn="ctr"/>
-                      <a:r>
-                        <a:rPr lang="en-GB" sz="1200" dirty="0"/>
-                        <a:t>Unit</a:t>
-                      </a:r>
-                    </a:p>
-                    <a:p>
-                      <a:pPr algn="ctr"/>
-                      <a:r>
-                        <a:rPr lang="en-GB" sz="1200" dirty="0"/>
+                        <a:rPr lang="en-GB" sz="1600" dirty="0" err="1" smtClean="0"/>
+                        <a:t>FreeUnit</a:t>
+                      </a:r>
+                      <a:endParaRPr lang="en-GB" sz="1600" dirty="0"/>
+                    </a:p>
+                    <a:p>
+                      <a:pPr algn="ctr"/>
+                      <a:r>
+                        <a:rPr lang="en-GB" sz="1600" dirty="0"/>
                         <a:t>Internet</a:t>
                       </a:r>
+                    </a:p>
+                  </a:txBody>
+                  <a:tcPr anchor="ctr">
+                    <a:solidFill>
+                      <a:srgbClr val="92D050"/>
+                    </a:solidFill>
+                  </a:tcPr>
+                </a:tc>
+                <a:tc>
+                  <a:txBody>
+                    <a:bodyPr/>
+                    <a:lstStyle/>
+                    <a:p>
+                      <a:pPr algn="ctr"/>
+                      <a:r>
+                        <a:rPr lang="en-GB" sz="1600" dirty="0" err="1" smtClean="0"/>
+                        <a:t>ProfileID</a:t>
+                      </a:r>
+                      <a:r>
+                        <a:rPr lang="en-GB" sz="1600" dirty="0" smtClean="0"/>
+                        <a:t> </a:t>
+                      </a:r>
+                    </a:p>
+                    <a:p>
+                      <a:pPr algn="ctr"/>
+                      <a:r>
+                        <a:rPr lang="en-GB" sz="1600" dirty="0" smtClean="0"/>
+                        <a:t>(FK)</a:t>
+                      </a:r>
+                      <a:endParaRPr lang="en-GB" sz="1600" dirty="0"/>
                     </a:p>
                   </a:txBody>
                   <a:tcPr anchor="ctr">
@@ -9231,14 +9734,14 @@
           <p:nvPr>
             <p:extLst>
               <p:ext uri="{D42A27DB-BD31-4B8C-83A1-F6EECF244321}">
-                <p14:modId xmlns:p14="http://schemas.microsoft.com/office/powerpoint/2010/main" val="341163213"/>
+                <p14:modId xmlns:p14="http://schemas.microsoft.com/office/powerpoint/2010/main" val="40435006"/>
               </p:ext>
             </p:extLst>
           </p:nvPr>
         </p:nvGraphicFramePr>
         <p:xfrm>
-          <a:off x="296548" y="5578475"/>
-          <a:ext cx="9347936" cy="944880"/>
+          <a:off x="260366" y="3099471"/>
+          <a:ext cx="9855128" cy="944880"/>
         </p:xfrm>
         <a:graphic>
           <a:graphicData uri="http://schemas.openxmlformats.org/drawingml/2006/table">
@@ -9247,56 +9750,56 @@
                 <a:tableStyleId>{21E4AEA4-8DFA-4A89-87EB-49C32662AFE0}</a:tableStyleId>
               </a:tblPr>
               <a:tblGrid>
-                <a:gridCol w="1168492">
+                <a:gridCol w="1231891">
                   <a:extLst>
                     <a:ext uri="{9D8B030D-6E8A-4147-A177-3AD203B41FA5}">
                       <a16:colId xmlns:a16="http://schemas.microsoft.com/office/drawing/2014/main" val="2544850993"/>
                     </a:ext>
                   </a:extLst>
                 </a:gridCol>
-                <a:gridCol w="1168492">
+                <a:gridCol w="1231891">
                   <a:extLst>
                     <a:ext uri="{9D8B030D-6E8A-4147-A177-3AD203B41FA5}">
                       <a16:colId xmlns:a16="http://schemas.microsoft.com/office/drawing/2014/main" val="1162217233"/>
                     </a:ext>
                   </a:extLst>
                 </a:gridCol>
-                <a:gridCol w="1168492">
+                <a:gridCol w="1231891">
                   <a:extLst>
                     <a:ext uri="{9D8B030D-6E8A-4147-A177-3AD203B41FA5}">
                       <a16:colId xmlns:a16="http://schemas.microsoft.com/office/drawing/2014/main" val="4160908569"/>
                     </a:ext>
                   </a:extLst>
                 </a:gridCol>
-                <a:gridCol w="1168492">
+                <a:gridCol w="1231891">
                   <a:extLst>
                     <a:ext uri="{9D8B030D-6E8A-4147-A177-3AD203B41FA5}">
                       <a16:colId xmlns:a16="http://schemas.microsoft.com/office/drawing/2014/main" val="3835503643"/>
                     </a:ext>
                   </a:extLst>
                 </a:gridCol>
-                <a:gridCol w="1168492">
+                <a:gridCol w="1231891">
                   <a:extLst>
                     <a:ext uri="{9D8B030D-6E8A-4147-A177-3AD203B41FA5}">
                       <a16:colId xmlns:a16="http://schemas.microsoft.com/office/drawing/2014/main" val="1590507565"/>
                     </a:ext>
                   </a:extLst>
                 </a:gridCol>
-                <a:gridCol w="1168492">
+                <a:gridCol w="1231891">
                   <a:extLst>
                     <a:ext uri="{9D8B030D-6E8A-4147-A177-3AD203B41FA5}">
                       <a16:colId xmlns:a16="http://schemas.microsoft.com/office/drawing/2014/main" val="1851729959"/>
                     </a:ext>
                   </a:extLst>
                 </a:gridCol>
-                <a:gridCol w="1168492">
+                <a:gridCol w="1231891">
                   <a:extLst>
                     <a:ext uri="{9D8B030D-6E8A-4147-A177-3AD203B41FA5}">
                       <a16:colId xmlns:a16="http://schemas.microsoft.com/office/drawing/2014/main" val="976838896"/>
                     </a:ext>
                   </a:extLst>
                 </a:gridCol>
-                <a:gridCol w="1168492">
+                <a:gridCol w="1231891">
                   <a:extLst>
                     <a:ext uri="{9D8B030D-6E8A-4147-A177-3AD203B41FA5}">
                       <a16:colId xmlns:a16="http://schemas.microsoft.com/office/drawing/2014/main" val="593576195"/>
@@ -9304,7 +9807,7 @@
                   </a:extLst>
                 </a:gridCol>
               </a:tblGrid>
-              <a:tr h="770213">
+              <a:tr h="760219">
                 <a:tc>
                   <a:txBody>
                     <a:bodyPr/>
@@ -9439,7 +9942,15 @@
                       </a:pPr>
                       <a:r>
                         <a:rPr lang="en-GB" dirty="0"/>
-                        <a:t>ID (PK)</a:t>
+                        <a:t>ID </a:t>
+                      </a:r>
+                      <a:r>
+                        <a:rPr lang="en-GB" dirty="0" smtClean="0"/>
+                        <a:t>(FK</a:t>
+                      </a:r>
+                      <a:r>
+                        <a:rPr lang="en-GB" dirty="0"/>
+                        <a:t>)</a:t>
                       </a:r>
                     </a:p>
                   </a:txBody>
@@ -9460,7 +9971,15 @@
                       <a:pPr algn="ctr"/>
                       <a:r>
                         <a:rPr lang="en-GB" dirty="0"/>
-                        <a:t>ID (PK)</a:t>
+                        <a:t>ID </a:t>
+                      </a:r>
+                      <a:r>
+                        <a:rPr lang="en-GB" dirty="0" smtClean="0"/>
+                        <a:t>(FK</a:t>
+                      </a:r>
+                      <a:r>
+                        <a:rPr lang="en-GB" dirty="0"/>
+                        <a:t>)</a:t>
                       </a:r>
                     </a:p>
                   </a:txBody>
@@ -9494,6 +10013,98 @@
                     <a:p>
                       <a:pPr algn="ctr"/>
                       <a:r>
+                        <a:rPr lang="en-GB" sz="1400" dirty="0" smtClean="0"/>
+                        <a:t>Fees</a:t>
+                      </a:r>
+                      <a:r>
+                        <a:rPr lang="en-GB" sz="1400" baseline="0" dirty="0" smtClean="0"/>
+                        <a:t> </a:t>
+                      </a:r>
+                      <a:r>
+                        <a:rPr lang="en-GB" sz="1400" dirty="0" smtClean="0"/>
+                        <a:t>Local</a:t>
+                      </a:r>
+                      <a:endParaRPr lang="en-GB" sz="1400" dirty="0"/>
+                    </a:p>
+                    <a:p>
+                      <a:pPr algn="ctr"/>
+                      <a:r>
+                        <a:rPr lang="en-GB" sz="1400" dirty="0" smtClean="0"/>
+                        <a:t>Same</a:t>
+                      </a:r>
+                      <a:r>
+                        <a:rPr lang="en-GB" sz="1400" baseline="0" dirty="0" smtClean="0"/>
+                        <a:t> </a:t>
+                      </a:r>
+                      <a:r>
+                        <a:rPr lang="en-GB" sz="1400" dirty="0" smtClean="0"/>
+                        <a:t>Operator</a:t>
+                      </a:r>
+                    </a:p>
+                    <a:p>
+                      <a:pPr algn="ctr"/>
+                      <a:r>
+                        <a:rPr lang="en-GB" sz="1400" dirty="0" smtClean="0"/>
+                        <a:t>(</a:t>
+                      </a:r>
+                      <a:r>
+                        <a:rPr lang="en-GB" sz="1400" dirty="0" err="1" smtClean="0"/>
+                        <a:t>FloatValues</a:t>
+                      </a:r>
+                      <a:r>
+                        <a:rPr lang="en-GB" sz="1400" dirty="0" smtClean="0"/>
+                        <a:t>)</a:t>
+                      </a:r>
+                      <a:endParaRPr lang="en-GB" sz="1400" dirty="0"/>
+                    </a:p>
+                  </a:txBody>
+                  <a:tcPr anchor="ctr">
+                    <a:solidFill>
+                      <a:srgbClr val="FF0000"/>
+                    </a:solidFill>
+                  </a:tcPr>
+                </a:tc>
+                <a:tc>
+                  <a:txBody>
+                    <a:bodyPr/>
+                    <a:lstStyle/>
+                    <a:p>
+                      <a:pPr algn="ctr"/>
+                      <a:r>
+                        <a:rPr lang="en-GB" sz="1100" dirty="0" smtClean="0"/>
+                        <a:t>Fees</a:t>
+                      </a:r>
+                      <a:r>
+                        <a:rPr lang="en-GB" sz="1100" baseline="0" dirty="0" smtClean="0"/>
+                        <a:t> </a:t>
+                      </a:r>
+                      <a:r>
+                        <a:rPr lang="en-GB" sz="1100" dirty="0" smtClean="0"/>
+                        <a:t>Local</a:t>
+                      </a:r>
+                      <a:endParaRPr lang="en-GB" sz="1100" dirty="0"/>
+                    </a:p>
+                    <a:p>
+                      <a:pPr algn="ctr"/>
+                      <a:r>
+                        <a:rPr lang="en-GB" sz="1100" dirty="0"/>
+                        <a:t>Another Operator</a:t>
+                      </a:r>
+                    </a:p>
+                  </a:txBody>
+                  <a:tcPr anchor="ctr">
+                    <a:solidFill>
+                      <a:srgbClr val="FF0000"/>
+                    </a:solidFill>
+                  </a:tcPr>
+                </a:tc>
+                <a:tc>
+                  <a:txBody>
+                    <a:bodyPr/>
+                    <a:lstStyle/>
+                    <a:p>
+                      <a:pPr algn="ctr"/>
+                      <a:r>
                         <a:rPr lang="en-GB" sz="1400" dirty="0"/>
                         <a:t>Fees</a:t>
                       </a:r>
@@ -9502,67 +10113,15 @@
                       <a:pPr algn="ctr"/>
                       <a:r>
                         <a:rPr lang="en-GB" sz="1400" dirty="0"/>
-                        <a:t>Local</a:t>
-                      </a:r>
-                    </a:p>
-                    <a:p>
-                      <a:pPr algn="ctr"/>
-                      <a:r>
-                        <a:rPr lang="en-GB" sz="1400" dirty="0"/>
-                        <a:t>Same Operator</a:t>
-                      </a:r>
-                    </a:p>
-                  </a:txBody>
-                  <a:tcPr anchor="ctr"/>
-                </a:tc>
-                <a:tc>
-                  <a:txBody>
-                    <a:bodyPr/>
-                    <a:lstStyle/>
-                    <a:p>
-                      <a:pPr algn="ctr"/>
-                      <a:r>
-                        <a:rPr lang="en-GB" sz="1100" dirty="0"/>
-                        <a:t>Fees</a:t>
-                      </a:r>
-                    </a:p>
-                    <a:p>
-                      <a:pPr algn="ctr"/>
-                      <a:r>
-                        <a:rPr lang="en-GB" sz="1100" dirty="0"/>
-                        <a:t>Local</a:t>
-                      </a:r>
-                    </a:p>
-                    <a:p>
-                      <a:pPr algn="ctr"/>
-                      <a:r>
-                        <a:rPr lang="en-GB" sz="1100" dirty="0"/>
-                        <a:t>Another Operator</a:t>
-                      </a:r>
-                    </a:p>
-                  </a:txBody>
-                  <a:tcPr anchor="ctr"/>
-                </a:tc>
-                <a:tc>
-                  <a:txBody>
-                    <a:bodyPr/>
-                    <a:lstStyle/>
-                    <a:p>
-                      <a:pPr algn="ctr"/>
-                      <a:r>
-                        <a:rPr lang="en-GB" sz="1800" dirty="0"/>
-                        <a:t>Fees</a:t>
-                      </a:r>
-                    </a:p>
-                    <a:p>
-                      <a:pPr algn="ctr"/>
-                      <a:r>
-                        <a:rPr lang="en-GB" sz="1800" dirty="0"/>
                         <a:t>International</a:t>
                       </a:r>
                     </a:p>
                   </a:txBody>
-                  <a:tcPr anchor="ctr"/>
+                  <a:tcPr anchor="ctr">
+                    <a:solidFill>
+                      <a:srgbClr val="FF0000"/>
+                    </a:solidFill>
+                  </a:tcPr>
                 </a:tc>
                 <a:extLst>
                   <a:ext uri="{0D108BD9-81ED-4DB2-BD59-A6C34878D82A}">
@@ -9589,14 +10148,14 @@
           <p:nvPr>
             <p:extLst>
               <p:ext uri="{D42A27DB-BD31-4B8C-83A1-F6EECF244321}">
-                <p14:modId xmlns:p14="http://schemas.microsoft.com/office/powerpoint/2010/main" val="1489058218"/>
+                <p14:modId xmlns:p14="http://schemas.microsoft.com/office/powerpoint/2010/main" val="423372696"/>
               </p:ext>
             </p:extLst>
           </p:nvPr>
         </p:nvGraphicFramePr>
         <p:xfrm>
-          <a:off x="7550871" y="1312385"/>
-          <a:ext cx="4430600" cy="914400"/>
+          <a:off x="7492250" y="444434"/>
+          <a:ext cx="4588915" cy="914400"/>
         </p:xfrm>
         <a:graphic>
           <a:graphicData uri="http://schemas.openxmlformats.org/drawingml/2006/table">
@@ -9605,43 +10164,43 @@
                 <a:tableStyleId>{00A15C55-8517-42AA-B614-E9B94910E393}</a:tableStyleId>
               </a:tblPr>
               <a:tblGrid>
-                <a:gridCol w="886120">
+                <a:gridCol w="917783">
                   <a:extLst>
                     <a:ext uri="{9D8B030D-6E8A-4147-A177-3AD203B41FA5}">
                       <a16:colId xmlns:a16="http://schemas.microsoft.com/office/drawing/2014/main" val="2059838879"/>
                     </a:ext>
                   </a:extLst>
                 </a:gridCol>
-                <a:gridCol w="886120">
+                <a:gridCol w="917783">
                   <a:extLst>
                     <a:ext uri="{9D8B030D-6E8A-4147-A177-3AD203B41FA5}">
                       <a16:colId xmlns:a16="http://schemas.microsoft.com/office/drawing/2014/main" val="3077536117"/>
                     </a:ext>
                   </a:extLst>
                 </a:gridCol>
-                <a:gridCol w="886120">
+                <a:gridCol w="917783">
                   <a:extLst>
                     <a:ext uri="{9D8B030D-6E8A-4147-A177-3AD203B41FA5}">
                       <a16:colId xmlns:a16="http://schemas.microsoft.com/office/drawing/2014/main" val="2412225613"/>
                     </a:ext>
                   </a:extLst>
                 </a:gridCol>
-                <a:gridCol w="886120">
+                <a:gridCol w="917783">
+                  <a:extLst>
+                    <a:ext uri="{9D8B030D-6E8A-4147-A177-3AD203B41FA5}">
+                      <a16:colId xmlns:a16="http://schemas.microsoft.com/office/drawing/2014/main" val="2530083841"/>
+                    </a:ext>
+                  </a:extLst>
+                </a:gridCol>
+                <a:gridCol w="917783">
                   <a:extLst>
                     <a:ext uri="{9D8B030D-6E8A-4147-A177-3AD203B41FA5}">
                       <a16:colId xmlns:a16="http://schemas.microsoft.com/office/drawing/2014/main" val="2405177763"/>
                     </a:ext>
                   </a:extLst>
                 </a:gridCol>
-                <a:gridCol w="886120">
-                  <a:extLst>
-                    <a:ext uri="{9D8B030D-6E8A-4147-A177-3AD203B41FA5}">
-                      <a16:colId xmlns:a16="http://schemas.microsoft.com/office/drawing/2014/main" val="2495853743"/>
-                    </a:ext>
-                  </a:extLst>
-                </a:gridCol>
               </a:tblGrid>
-              <a:tr h="374469">
+              <a:tr h="800784">
                 <a:tc>
                   <a:txBody>
                     <a:bodyPr/>
@@ -9731,120 +10290,17 @@
                         <a:defRPr/>
                       </a:pPr>
                       <a:r>
-                        <a:rPr lang="en-GB" sz="1800" dirty="0" err="1"/>
+                        <a:rPr lang="en-GB" sz="1800" dirty="0" err="1" smtClean="0"/>
                         <a:t>Is_Recurring</a:t>
                       </a:r>
+                      <a:endParaRPr lang="en-GB" sz="1800" dirty="0" smtClean="0"/>
+                    </a:p>
+                    <a:p>
+                      <a:pPr algn="ctr"/>
                       <a:endParaRPr lang="en-GB" sz="1800" dirty="0"/>
                     </a:p>
                   </a:txBody>
                   <a:tcPr anchor="ctr"/>
-                </a:tc>
-                <a:tc>
-                  <a:txBody>
-                    <a:bodyPr/>
-                    <a:lstStyle/>
-                    <a:p>
-                      <a:pPr algn="ctr"/>
-                      <a:r>
-                        <a:rPr lang="en-GB" sz="1800" dirty="0"/>
-                        <a:t>Recurring Fees</a:t>
-                      </a:r>
-                    </a:p>
-                  </a:txBody>
-                  <a:tcPr anchor="ctr"/>
-                </a:tc>
-                <a:extLst>
-                  <a:ext uri="{0D108BD9-81ED-4DB2-BD59-A6C34878D82A}">
-                    <a16:rowId xmlns:a16="http://schemas.microsoft.com/office/drawing/2014/main" val="1505324408"/>
-                  </a:ext>
-                </a:extLst>
-              </a:tr>
-            </a:tbl>
-          </a:graphicData>
-        </a:graphic>
-      </p:graphicFrame>
-      <p:graphicFrame>
-        <p:nvGraphicFramePr>
-          <p:cNvPr id="10" name="Table 9">
-            <a:extLst>
-              <a:ext uri="{FF2B5EF4-FFF2-40B4-BE49-F238E27FC236}">
-                <a16:creationId xmlns:a16="http://schemas.microsoft.com/office/drawing/2014/main" id="{51CDC825-A04A-4A49-8760-E446C7877C26}"/>
-              </a:ext>
-            </a:extLst>
-          </p:cNvPr>
-          <p:cNvGraphicFramePr>
-            <a:graphicFrameLocks noGrp="1"/>
-          </p:cNvGraphicFramePr>
-          <p:nvPr>
-            <p:extLst>
-              <p:ext uri="{D42A27DB-BD31-4B8C-83A1-F6EECF244321}">
-                <p14:modId xmlns:p14="http://schemas.microsoft.com/office/powerpoint/2010/main" val="917846419"/>
-              </p:ext>
-            </p:extLst>
-          </p:nvPr>
-        </p:nvGraphicFramePr>
-        <p:xfrm>
-          <a:off x="7550870" y="3349299"/>
-          <a:ext cx="4430604" cy="914400"/>
-        </p:xfrm>
-        <a:graphic>
-          <a:graphicData uri="http://schemas.openxmlformats.org/drawingml/2006/table">
-            <a:tbl>
-              <a:tblPr firstRow="1" bandRow="1">
-                <a:tableStyleId>{00A15C55-8517-42AA-B614-E9B94910E393}</a:tableStyleId>
-              </a:tblPr>
-              <a:tblGrid>
-                <a:gridCol w="1107651">
-                  <a:extLst>
-                    <a:ext uri="{9D8B030D-6E8A-4147-A177-3AD203B41FA5}">
-                      <a16:colId xmlns:a16="http://schemas.microsoft.com/office/drawing/2014/main" val="2059838879"/>
-                    </a:ext>
-                  </a:extLst>
-                </a:gridCol>
-                <a:gridCol w="1107651">
-                  <a:extLst>
-                    <a:ext uri="{9D8B030D-6E8A-4147-A177-3AD203B41FA5}">
-                      <a16:colId xmlns:a16="http://schemas.microsoft.com/office/drawing/2014/main" val="3077536117"/>
-                    </a:ext>
-                  </a:extLst>
-                </a:gridCol>
-                <a:gridCol w="1107651">
-                  <a:extLst>
-                    <a:ext uri="{9D8B030D-6E8A-4147-A177-3AD203B41FA5}">
-                      <a16:colId xmlns:a16="http://schemas.microsoft.com/office/drawing/2014/main" val="2412225613"/>
-                    </a:ext>
-                  </a:extLst>
-                </a:gridCol>
-                <a:gridCol w="1107651">
-                  <a:extLst>
-                    <a:ext uri="{9D8B030D-6E8A-4147-A177-3AD203B41FA5}">
-                      <a16:colId xmlns:a16="http://schemas.microsoft.com/office/drawing/2014/main" val="492678564"/>
-                    </a:ext>
-                  </a:extLst>
-                </a:gridCol>
-              </a:tblGrid>
-              <a:tr h="747048">
-                <a:tc>
-                  <a:txBody>
-                    <a:bodyPr/>
-                    <a:lstStyle/>
-                    <a:p>
-                      <a:pPr algn="ctr"/>
-                      <a:r>
-                        <a:rPr lang="en-GB" dirty="0">
-                          <a:solidFill>
-                            <a:sysClr val="windowText" lastClr="000000"/>
-                          </a:solidFill>
-                        </a:rPr>
-                        <a:t>One Time Service</a:t>
-                      </a:r>
-                    </a:p>
-                  </a:txBody>
-                  <a:tcPr anchor="ctr">
-                    <a:solidFill>
-                      <a:schemeClr val="bg2"/>
-                    </a:solidFill>
-                  </a:tcPr>
                 </a:tc>
                 <a:tc>
                   <a:txBody>
@@ -9869,14 +10325,115 @@
                         <a:defRPr/>
                       </a:pPr>
                       <a:r>
+                        <a:rPr lang="en-GB" sz="1800" dirty="0" err="1" smtClean="0"/>
+                        <a:t>Reccuring</a:t>
+                      </a:r>
+                      <a:r>
+                        <a:rPr lang="en-GB" sz="1800" dirty="0" smtClean="0"/>
+                        <a:t> fees</a:t>
+                      </a:r>
+                      <a:endParaRPr lang="en-GB" sz="1800" dirty="0"/>
+                    </a:p>
+                  </a:txBody>
+                  <a:tcPr anchor="ctr"/>
+                </a:tc>
+                <a:extLst>
+                  <a:ext uri="{0D108BD9-81ED-4DB2-BD59-A6C34878D82A}">
+                    <a16:rowId xmlns:a16="http://schemas.microsoft.com/office/drawing/2014/main" val="1505324408"/>
+                  </a:ext>
+                </a:extLst>
+              </a:tr>
+            </a:tbl>
+          </a:graphicData>
+        </a:graphic>
+      </p:graphicFrame>
+      <p:graphicFrame>
+        <p:nvGraphicFramePr>
+          <p:cNvPr id="10" name="Table 9">
+            <a:extLst>
+              <a:ext uri="{FF2B5EF4-FFF2-40B4-BE49-F238E27FC236}">
+                <a16:creationId xmlns:a16="http://schemas.microsoft.com/office/drawing/2014/main" id="{51CDC825-A04A-4A49-8760-E446C7877C26}"/>
+              </a:ext>
+            </a:extLst>
+          </p:cNvPr>
+          <p:cNvGraphicFramePr>
+            <a:graphicFrameLocks noGrp="1"/>
+          </p:cNvGraphicFramePr>
+          <p:nvPr>
+            <p:extLst>
+              <p:ext uri="{D42A27DB-BD31-4B8C-83A1-F6EECF244321}">
+                <p14:modId xmlns:p14="http://schemas.microsoft.com/office/powerpoint/2010/main" val="765382133"/>
+              </p:ext>
+            </p:extLst>
+          </p:nvPr>
+        </p:nvGraphicFramePr>
+        <p:xfrm>
+          <a:off x="7492250" y="1382307"/>
+          <a:ext cx="4416860" cy="747048"/>
+        </p:xfrm>
+        <a:graphic>
+          <a:graphicData uri="http://schemas.openxmlformats.org/drawingml/2006/table">
+            <a:tbl>
+              <a:tblPr firstRow="1" bandRow="1">
+                <a:tableStyleId>{00A15C55-8517-42AA-B614-E9B94910E393}</a:tableStyleId>
+              </a:tblPr>
+              <a:tblGrid>
+                <a:gridCol w="1104215">
+                  <a:extLst>
+                    <a:ext uri="{9D8B030D-6E8A-4147-A177-3AD203B41FA5}">
+                      <a16:colId xmlns:a16="http://schemas.microsoft.com/office/drawing/2014/main" val="2059838879"/>
+                    </a:ext>
+                  </a:extLst>
+                </a:gridCol>
+                <a:gridCol w="1104215">
+                  <a:extLst>
+                    <a:ext uri="{9D8B030D-6E8A-4147-A177-3AD203B41FA5}">
+                      <a16:colId xmlns:a16="http://schemas.microsoft.com/office/drawing/2014/main" val="3077536117"/>
+                    </a:ext>
+                  </a:extLst>
+                </a:gridCol>
+                <a:gridCol w="1104215">
+                  <a:extLst>
+                    <a:ext uri="{9D8B030D-6E8A-4147-A177-3AD203B41FA5}">
+                      <a16:colId xmlns:a16="http://schemas.microsoft.com/office/drawing/2014/main" val="2412225613"/>
+                    </a:ext>
+                  </a:extLst>
+                </a:gridCol>
+                <a:gridCol w="1104215">
+                  <a:extLst>
+                    <a:ext uri="{9D8B030D-6E8A-4147-A177-3AD203B41FA5}">
+                      <a16:colId xmlns:a16="http://schemas.microsoft.com/office/drawing/2014/main" val="492678564"/>
+                    </a:ext>
+                  </a:extLst>
+                </a:gridCol>
+              </a:tblGrid>
+              <a:tr h="747048">
+                <a:tc>
+                  <a:txBody>
+                    <a:bodyPr/>
+                    <a:lstStyle/>
+                    <a:p>
+                      <a:pPr algn="ctr"/>
+                      <a:r>
                         <a:rPr lang="en-GB" dirty="0">
                           <a:solidFill>
-                            <a:schemeClr val="bg1"/>
+                            <a:sysClr val="windowText" lastClr="000000"/>
                           </a:solidFill>
                         </a:rPr>
                         <a:t>One Time Service</a:t>
                       </a:r>
                     </a:p>
+                  </a:txBody>
+                  <a:tcPr anchor="ctr">
+                    <a:solidFill>
+                      <a:schemeClr val="bg2"/>
+                    </a:solidFill>
+                  </a:tcPr>
+                </a:tc>
+                <a:tc>
+                  <a:txBody>
+                    <a:bodyPr/>
+                    <a:lstStyle/>
                     <a:p>
                       <a:pPr marL="0" marR="0" lvl="0" indent="0" algn="ctr" defTabSz="914400" rtl="0" eaLnBrk="1" fontAlgn="auto" latinLnBrk="0" hangingPunct="1">
                         <a:lnSpc>
@@ -9896,9 +10453,36 @@
                         <a:defRPr/>
                       </a:pPr>
                       <a:r>
-                        <a:rPr lang="en-GB" dirty="0">
+                        <a:rPr lang="en-GB" sz="1200" dirty="0">
                           <a:solidFill>
-                            <a:schemeClr val="bg1"/>
+                            <a:srgbClr val="FF0000"/>
+                          </a:solidFill>
+                        </a:rPr>
+                        <a:t>One Time Service</a:t>
+                      </a:r>
+                    </a:p>
+                    <a:p>
+                      <a:pPr marL="0" marR="0" lvl="0" indent="0" algn="ctr" defTabSz="914400" rtl="0" eaLnBrk="1" fontAlgn="auto" latinLnBrk="0" hangingPunct="1">
+                        <a:lnSpc>
+                          <a:spcPct val="100000"/>
+                        </a:lnSpc>
+                        <a:spcBef>
+                          <a:spcPts val="0"/>
+                        </a:spcBef>
+                        <a:spcAft>
+                          <a:spcPts val="0"/>
+                        </a:spcAft>
+                        <a:buClrTx/>
+                        <a:buSzTx/>
+                        <a:buFontTx/>
+                        <a:buNone/>
+                        <a:tabLst/>
+                        <a:defRPr/>
+                      </a:pPr>
+                      <a:r>
+                        <a:rPr lang="en-GB" sz="1200" dirty="0">
+                          <a:solidFill>
+                            <a:srgbClr val="FF0000"/>
                           </a:solidFill>
                         </a:rPr>
                         <a:t> ID (PK)</a:t>
@@ -9946,6 +10530,729 @@
                 <a:extLst>
                   <a:ext uri="{0D108BD9-81ED-4DB2-BD59-A6C34878D82A}">
                     <a16:rowId xmlns:a16="http://schemas.microsoft.com/office/drawing/2014/main" val="1505324408"/>
+                  </a:ext>
+                </a:extLst>
+              </a:tr>
+            </a:tbl>
+          </a:graphicData>
+        </a:graphic>
+      </p:graphicFrame>
+      <p:graphicFrame>
+        <p:nvGraphicFramePr>
+          <p:cNvPr id="12" name="Table 9">
+            <a:extLst>
+              <a:ext uri="{FF2B5EF4-FFF2-40B4-BE49-F238E27FC236}">
+                <a16:creationId xmlns:a16="http://schemas.microsoft.com/office/drawing/2014/main" id="{A71F2F7B-8F0F-4253-95BB-378DF4A0D6BA}"/>
+              </a:ext>
+            </a:extLst>
+          </p:cNvPr>
+          <p:cNvGraphicFramePr>
+            <a:graphicFrameLocks noGrp="1"/>
+          </p:cNvGraphicFramePr>
+          <p:nvPr>
+            <p:extLst>
+              <p:ext uri="{D42A27DB-BD31-4B8C-83A1-F6EECF244321}">
+                <p14:modId xmlns:p14="http://schemas.microsoft.com/office/powerpoint/2010/main" val="2277102868"/>
+              </p:ext>
+            </p:extLst>
+          </p:nvPr>
+        </p:nvGraphicFramePr>
+        <p:xfrm>
+          <a:off x="260366" y="4152381"/>
+          <a:ext cx="9157955" cy="822960"/>
+        </p:xfrm>
+        <a:graphic>
+          <a:graphicData uri="http://schemas.openxmlformats.org/drawingml/2006/table">
+            <a:tbl>
+              <a:tblPr firstRow="1" bandRow="1">
+                <a:tableStyleId>{7DF18680-E054-41AD-8BC1-D1AEF772440D}</a:tableStyleId>
+              </a:tblPr>
+              <a:tblGrid>
+                <a:gridCol w="1831591">
+                  <a:extLst>
+                    <a:ext uri="{9D8B030D-6E8A-4147-A177-3AD203B41FA5}">
+                      <a16:colId xmlns:a16="http://schemas.microsoft.com/office/drawing/2014/main" val="201513916"/>
+                    </a:ext>
+                  </a:extLst>
+                </a:gridCol>
+                <a:gridCol w="1831591">
+                  <a:extLst>
+                    <a:ext uri="{9D8B030D-6E8A-4147-A177-3AD203B41FA5}">
+                      <a16:colId xmlns:a16="http://schemas.microsoft.com/office/drawing/2014/main" val="1629275936"/>
+                    </a:ext>
+                  </a:extLst>
+                </a:gridCol>
+                <a:gridCol w="1831591">
+                  <a:extLst>
+                    <a:ext uri="{9D8B030D-6E8A-4147-A177-3AD203B41FA5}">
+                      <a16:colId xmlns:a16="http://schemas.microsoft.com/office/drawing/2014/main" val="4160908569"/>
+                    </a:ext>
+                  </a:extLst>
+                </a:gridCol>
+                <a:gridCol w="1831591">
+                  <a:extLst>
+                    <a:ext uri="{9D8B030D-6E8A-4147-A177-3AD203B41FA5}">
+                      <a16:colId xmlns:a16="http://schemas.microsoft.com/office/drawing/2014/main" val="3835503643"/>
+                    </a:ext>
+                  </a:extLst>
+                </a:gridCol>
+                <a:gridCol w="1831591">
+                  <a:extLst>
+                    <a:ext uri="{9D8B030D-6E8A-4147-A177-3AD203B41FA5}">
+                      <a16:colId xmlns:a16="http://schemas.microsoft.com/office/drawing/2014/main" val="1590507565"/>
+                    </a:ext>
+                  </a:extLst>
+                </a:gridCol>
+              </a:tblGrid>
+              <a:tr h="714686">
+                <a:tc>
+                  <a:txBody>
+                    <a:bodyPr/>
+                    <a:lstStyle/>
+                    <a:p>
+                      <a:pPr algn="ctr"/>
+                      <a:r>
+                        <a:rPr lang="en-GB" dirty="0">
+                          <a:solidFill>
+                            <a:sysClr val="windowText" lastClr="000000"/>
+                          </a:solidFill>
+                        </a:rPr>
+                        <a:t>OCC</a:t>
+                      </a:r>
+                    </a:p>
+                  </a:txBody>
+                  <a:tcPr anchor="ctr">
+                    <a:solidFill>
+                      <a:schemeClr val="bg2"/>
+                    </a:solidFill>
+                  </a:tcPr>
+                </a:tc>
+                <a:tc>
+                  <a:txBody>
+                    <a:bodyPr/>
+                    <a:lstStyle/>
+                    <a:p>
+                      <a:pPr marL="0" marR="0" lvl="0" indent="0" algn="ctr" defTabSz="914400" rtl="0" eaLnBrk="1" fontAlgn="auto" latinLnBrk="0" hangingPunct="1">
+                        <a:lnSpc>
+                          <a:spcPct val="100000"/>
+                        </a:lnSpc>
+                        <a:spcBef>
+                          <a:spcPts val="0"/>
+                        </a:spcBef>
+                        <a:spcAft>
+                          <a:spcPts val="0"/>
+                        </a:spcAft>
+                        <a:buClrTx/>
+                        <a:buSzTx/>
+                        <a:buFontTx/>
+                        <a:buNone/>
+                        <a:tabLst/>
+                        <a:defRPr/>
+                      </a:pPr>
+                      <a:r>
+                        <a:rPr lang="en-GB" sz="1600" dirty="0" smtClean="0">
+                          <a:solidFill>
+                            <a:schemeClr val="bg1"/>
+                          </a:solidFill>
+                        </a:rPr>
+                        <a:t>OCC</a:t>
+                      </a:r>
+                      <a:r>
+                        <a:rPr lang="en-GB" sz="1600" baseline="0" dirty="0" smtClean="0">
+                          <a:solidFill>
+                            <a:schemeClr val="bg1"/>
+                          </a:solidFill>
+                        </a:rPr>
+                        <a:t> </a:t>
+                      </a:r>
+                      <a:r>
+                        <a:rPr lang="en-GB" sz="1600" dirty="0" smtClean="0">
+                          <a:solidFill>
+                            <a:schemeClr val="bg1"/>
+                          </a:solidFill>
+                        </a:rPr>
+                        <a:t>ID</a:t>
+                      </a:r>
+                      <a:endParaRPr lang="en-GB" sz="1600" dirty="0">
+                        <a:solidFill>
+                          <a:schemeClr val="bg1"/>
+                        </a:solidFill>
+                      </a:endParaRPr>
+                    </a:p>
+                    <a:p>
+                      <a:pPr algn="ctr"/>
+                      <a:r>
+                        <a:rPr lang="en-GB" sz="1600" dirty="0">
+                          <a:solidFill>
+                            <a:schemeClr val="bg1"/>
+                          </a:solidFill>
+                        </a:rPr>
+                        <a:t>(PK)</a:t>
+                      </a:r>
+                    </a:p>
+                  </a:txBody>
+                  <a:tcPr anchor="ctr"/>
+                </a:tc>
+                <a:tc>
+                  <a:txBody>
+                    <a:bodyPr/>
+                    <a:lstStyle/>
+                    <a:p>
+                      <a:pPr algn="ctr"/>
+                      <a:r>
+                        <a:rPr lang="en-GB" sz="1600" dirty="0">
+                          <a:solidFill>
+                            <a:schemeClr val="bg1"/>
+                          </a:solidFill>
+                        </a:rPr>
+                        <a:t>MSISDN</a:t>
+                      </a:r>
+                    </a:p>
+                    <a:p>
+                      <a:pPr algn="ctr"/>
+                      <a:r>
+                        <a:rPr lang="en-GB" sz="1600" dirty="0" smtClean="0">
+                          <a:solidFill>
+                            <a:schemeClr val="bg1"/>
+                          </a:solidFill>
+                        </a:rPr>
+                        <a:t>(FK</a:t>
+                      </a:r>
+                      <a:r>
+                        <a:rPr lang="en-GB" sz="1600" dirty="0">
+                          <a:solidFill>
+                            <a:schemeClr val="bg1"/>
+                          </a:solidFill>
+                        </a:rPr>
+                        <a:t>)</a:t>
+                      </a:r>
+                    </a:p>
+                  </a:txBody>
+                  <a:tcPr anchor="ctr"/>
+                </a:tc>
+                <a:tc>
+                  <a:txBody>
+                    <a:bodyPr/>
+                    <a:lstStyle/>
+                    <a:p>
+                      <a:pPr marL="0" marR="0" lvl="0" indent="0" algn="ctr" defTabSz="914400" rtl="0" eaLnBrk="1" fontAlgn="auto" latinLnBrk="0" hangingPunct="1">
+                        <a:lnSpc>
+                          <a:spcPct val="100000"/>
+                        </a:lnSpc>
+                        <a:spcBef>
+                          <a:spcPts val="0"/>
+                        </a:spcBef>
+                        <a:spcAft>
+                          <a:spcPts val="0"/>
+                        </a:spcAft>
+                        <a:buClrTx/>
+                        <a:buSzTx/>
+                        <a:buFontTx/>
+                        <a:buNone/>
+                        <a:tabLst/>
+                        <a:defRPr/>
+                      </a:pPr>
+                      <a:r>
+                        <a:rPr lang="en-GB" sz="1600" dirty="0">
+                          <a:solidFill>
+                            <a:schemeClr val="bg1"/>
+                          </a:solidFill>
+                        </a:rPr>
+                        <a:t>One Time Service</a:t>
+                      </a:r>
+                    </a:p>
+                    <a:p>
+                      <a:pPr marL="0" marR="0" lvl="0" indent="0" algn="ctr" defTabSz="914400" rtl="0" eaLnBrk="1" fontAlgn="auto" latinLnBrk="0" hangingPunct="1">
+                        <a:lnSpc>
+                          <a:spcPct val="100000"/>
+                        </a:lnSpc>
+                        <a:spcBef>
+                          <a:spcPts val="0"/>
+                        </a:spcBef>
+                        <a:spcAft>
+                          <a:spcPts val="0"/>
+                        </a:spcAft>
+                        <a:buClrTx/>
+                        <a:buSzTx/>
+                        <a:buFontTx/>
+                        <a:buNone/>
+                        <a:tabLst/>
+                        <a:defRPr/>
+                      </a:pPr>
+                      <a:r>
+                        <a:rPr lang="en-GB" sz="1600" dirty="0" smtClean="0">
+                          <a:solidFill>
+                            <a:schemeClr val="bg1"/>
+                          </a:solidFill>
+                        </a:rPr>
+                        <a:t>ID(FK</a:t>
+                      </a:r>
+                      <a:r>
+                        <a:rPr lang="en-GB" sz="1600" dirty="0">
+                          <a:solidFill>
+                            <a:schemeClr val="bg1"/>
+                          </a:solidFill>
+                        </a:rPr>
+                        <a:t>)</a:t>
+                      </a:r>
+                    </a:p>
+                  </a:txBody>
+                  <a:tcPr anchor="ctr"/>
+                </a:tc>
+                <a:tc>
+                  <a:txBody>
+                    <a:bodyPr/>
+                    <a:lstStyle/>
+                    <a:p>
+                      <a:pPr marL="0" marR="0" lvl="0" indent="0" algn="ctr" defTabSz="914400" rtl="0" eaLnBrk="1" fontAlgn="auto" latinLnBrk="0" hangingPunct="1">
+                        <a:lnSpc>
+                          <a:spcPct val="100000"/>
+                        </a:lnSpc>
+                        <a:spcBef>
+                          <a:spcPts val="0"/>
+                        </a:spcBef>
+                        <a:spcAft>
+                          <a:spcPts val="0"/>
+                        </a:spcAft>
+                        <a:buClrTx/>
+                        <a:buSzTx/>
+                        <a:buFontTx/>
+                        <a:buNone/>
+                        <a:tabLst/>
+                        <a:defRPr/>
+                      </a:pPr>
+                      <a:r>
+                        <a:rPr lang="en-GB" sz="1600" dirty="0">
+                          <a:solidFill>
+                            <a:schemeClr val="bg1"/>
+                          </a:solidFill>
+                        </a:rPr>
+                        <a:t>One Time Service</a:t>
+                      </a:r>
+                    </a:p>
+                    <a:p>
+                      <a:pPr algn="ctr"/>
+                      <a:r>
+                        <a:rPr lang="en-GB" sz="1600" dirty="0" err="1" smtClean="0">
+                          <a:solidFill>
+                            <a:schemeClr val="bg1"/>
+                          </a:solidFill>
+                        </a:rPr>
+                        <a:t>IS_Processed</a:t>
+                      </a:r>
+                      <a:r>
+                        <a:rPr lang="en-GB" sz="1600" dirty="0" smtClean="0">
+                          <a:solidFill>
+                            <a:schemeClr val="bg1"/>
+                          </a:solidFill>
+                        </a:rPr>
+                        <a:t>(Boolean)</a:t>
+                      </a:r>
+                      <a:endParaRPr lang="en-GB" sz="1600" dirty="0">
+                        <a:solidFill>
+                          <a:schemeClr val="bg1"/>
+                        </a:solidFill>
+                      </a:endParaRPr>
+                    </a:p>
+                  </a:txBody>
+                  <a:tcPr anchor="ctr">
+                    <a:solidFill>
+                      <a:srgbClr val="FF0000"/>
+                    </a:solidFill>
+                  </a:tcPr>
+                </a:tc>
+                <a:extLst>
+                  <a:ext uri="{0D108BD9-81ED-4DB2-BD59-A6C34878D82A}">
+                    <a16:rowId xmlns:a16="http://schemas.microsoft.com/office/drawing/2014/main" val="3577827613"/>
+                  </a:ext>
+                </a:extLst>
+              </a:tr>
+            </a:tbl>
+          </a:graphicData>
+        </a:graphic>
+      </p:graphicFrame>
+      <p:sp>
+        <p:nvSpPr>
+          <p:cNvPr id="6" name="TextBox 5"/>
+          <p:cNvSpPr txBox="1"/>
+          <p:nvPr/>
+        </p:nvSpPr>
+        <p:spPr>
+          <a:xfrm>
+            <a:off x="4282860" y="70276"/>
+            <a:ext cx="5429176" cy="646331"/>
+          </a:xfrm>
+          <a:prstGeom prst="rect">
+            <a:avLst/>
+          </a:prstGeom>
+          <a:noFill/>
+        </p:spPr>
+        <p:txBody>
+          <a:bodyPr wrap="square" rtlCol="0">
+            <a:spAutoFit/>
+          </a:bodyPr>
+          <a:lstStyle/>
+          <a:p>
+            <a:r>
+              <a:rPr lang="en-US" dirty="0" smtClean="0"/>
+              <a:t>All Fees</a:t>
+            </a:r>
+            <a:r>
+              <a:rPr lang="en-US" dirty="0" smtClean="0">
+                <a:sym typeface="Wingdings" panose="05000000000000000000" pitchFamily="2" charset="2"/>
+              </a:rPr>
+              <a:t> float                                   All Date text</a:t>
+            </a:r>
+          </a:p>
+          <a:p>
+            <a:endParaRPr lang="en-US" dirty="0"/>
+          </a:p>
+        </p:txBody>
+      </p:sp>
+      <p:cxnSp>
+        <p:nvCxnSpPr>
+          <p:cNvPr id="14" name="Straight Connector 13"/>
+          <p:cNvCxnSpPr/>
+          <p:nvPr/>
+        </p:nvCxnSpPr>
+        <p:spPr>
+          <a:xfrm>
+            <a:off x="6332220" y="1344610"/>
+            <a:ext cx="659550" cy="839190"/>
+          </a:xfrm>
+          <a:prstGeom prst="line">
+            <a:avLst/>
+          </a:prstGeom>
+        </p:spPr>
+        <p:style>
+          <a:lnRef idx="1">
+            <a:schemeClr val="dk1"/>
+          </a:lnRef>
+          <a:fillRef idx="0">
+            <a:schemeClr val="dk1"/>
+          </a:fillRef>
+          <a:effectRef idx="0">
+            <a:schemeClr val="dk1"/>
+          </a:effectRef>
+          <a:fontRef idx="minor">
+            <a:schemeClr val="tx1"/>
+          </a:fontRef>
+        </p:style>
+      </p:cxnSp>
+      <p:cxnSp>
+        <p:nvCxnSpPr>
+          <p:cNvPr id="16" name="Straight Connector 15"/>
+          <p:cNvCxnSpPr/>
+          <p:nvPr/>
+        </p:nvCxnSpPr>
+        <p:spPr>
+          <a:xfrm flipH="1">
+            <a:off x="6332220" y="1315794"/>
+            <a:ext cx="659550" cy="1005095"/>
+          </a:xfrm>
+          <a:prstGeom prst="line">
+            <a:avLst/>
+          </a:prstGeom>
+        </p:spPr>
+        <p:style>
+          <a:lnRef idx="1">
+            <a:schemeClr val="accent1"/>
+          </a:lnRef>
+          <a:fillRef idx="0">
+            <a:schemeClr val="accent1"/>
+          </a:fillRef>
+          <a:effectRef idx="0">
+            <a:schemeClr val="accent1"/>
+          </a:effectRef>
+          <a:fontRef idx="minor">
+            <a:schemeClr val="tx1"/>
+          </a:fontRef>
+        </p:style>
+      </p:cxnSp>
+      <p:graphicFrame>
+        <p:nvGraphicFramePr>
+          <p:cNvPr id="17" name="Table 9">
+            <a:extLst>
+              <a:ext uri="{FF2B5EF4-FFF2-40B4-BE49-F238E27FC236}">
+                <a16:creationId xmlns:a16="http://schemas.microsoft.com/office/drawing/2014/main" id="{ED8C13D1-758A-4F38-9DD8-F6813BEA4BF9}"/>
+              </a:ext>
+            </a:extLst>
+          </p:cNvPr>
+          <p:cNvGraphicFramePr>
+            <a:graphicFrameLocks noGrp="1"/>
+          </p:cNvGraphicFramePr>
+          <p:nvPr>
+            <p:extLst>
+              <p:ext uri="{D42A27DB-BD31-4B8C-83A1-F6EECF244321}">
+                <p14:modId xmlns:p14="http://schemas.microsoft.com/office/powerpoint/2010/main" val="3145403644"/>
+              </p:ext>
+            </p:extLst>
+          </p:nvPr>
+        </p:nvGraphicFramePr>
+        <p:xfrm>
+          <a:off x="260366" y="6138844"/>
+          <a:ext cx="9776704" cy="640080"/>
+        </p:xfrm>
+        <a:graphic>
+          <a:graphicData uri="http://schemas.openxmlformats.org/drawingml/2006/table">
+            <a:tbl>
+              <a:tblPr firstRow="1" bandRow="1">
+                <a:tableStyleId>{7DF18680-E054-41AD-8BC1-D1AEF772440D}</a:tableStyleId>
+              </a:tblPr>
+              <a:tblGrid>
+                <a:gridCol w="2444176">
+                  <a:extLst>
+                    <a:ext uri="{9D8B030D-6E8A-4147-A177-3AD203B41FA5}">
+                      <a16:colId xmlns:a16="http://schemas.microsoft.com/office/drawing/2014/main" val="201513916"/>
+                    </a:ext>
+                  </a:extLst>
+                </a:gridCol>
+                <a:gridCol w="2444176">
+                  <a:extLst>
+                    <a:ext uri="{9D8B030D-6E8A-4147-A177-3AD203B41FA5}">
+                      <a16:colId xmlns:a16="http://schemas.microsoft.com/office/drawing/2014/main" val="4160908569"/>
+                    </a:ext>
+                  </a:extLst>
+                </a:gridCol>
+                <a:gridCol w="2444176">
+                  <a:extLst>
+                    <a:ext uri="{9D8B030D-6E8A-4147-A177-3AD203B41FA5}">
+                      <a16:colId xmlns:a16="http://schemas.microsoft.com/office/drawing/2014/main" val="3835503643"/>
+                    </a:ext>
+                  </a:extLst>
+                </a:gridCol>
+                <a:gridCol w="2444176">
+                  <a:extLst>
+                    <a:ext uri="{9D8B030D-6E8A-4147-A177-3AD203B41FA5}">
+                      <a16:colId xmlns:a16="http://schemas.microsoft.com/office/drawing/2014/main" val="1590507565"/>
+                    </a:ext>
+                  </a:extLst>
+                </a:gridCol>
+              </a:tblGrid>
+              <a:tr h="527893">
+                <a:tc>
+                  <a:txBody>
+                    <a:bodyPr/>
+                    <a:lstStyle/>
+                    <a:p>
+                      <a:pPr algn="ctr"/>
+                      <a:r>
+                        <a:rPr lang="en-GB" dirty="0" err="1">
+                          <a:solidFill>
+                            <a:sysClr val="windowText" lastClr="000000"/>
+                          </a:solidFill>
+                        </a:rPr>
+                        <a:t>Customer_Profile_Services</a:t>
+                      </a:r>
+                      <a:endParaRPr lang="en-GB" dirty="0">
+                        <a:solidFill>
+                          <a:sysClr val="windowText" lastClr="000000"/>
+                        </a:solidFill>
+                      </a:endParaRPr>
+                    </a:p>
+                  </a:txBody>
+                  <a:tcPr anchor="ctr">
+                    <a:solidFill>
+                      <a:schemeClr val="bg2"/>
+                    </a:solidFill>
+                  </a:tcPr>
+                </a:tc>
+                <a:tc>
+                  <a:txBody>
+                    <a:bodyPr/>
+                    <a:lstStyle/>
+                    <a:p>
+                      <a:pPr algn="ctr"/>
+                      <a:r>
+                        <a:rPr lang="en-GB" dirty="0">
+                          <a:solidFill>
+                            <a:schemeClr val="bg1"/>
+                          </a:solidFill>
+                        </a:rPr>
+                        <a:t>MSISDN</a:t>
+                      </a:r>
+                    </a:p>
+                    <a:p>
+                      <a:pPr algn="ctr"/>
+                      <a:r>
+                        <a:rPr lang="en-GB" dirty="0" smtClean="0">
+                          <a:solidFill>
+                            <a:schemeClr val="bg1"/>
+                          </a:solidFill>
+                        </a:rPr>
+                        <a:t>(FK</a:t>
+                      </a:r>
+                      <a:r>
+                        <a:rPr lang="en-GB" dirty="0">
+                          <a:solidFill>
+                            <a:schemeClr val="bg1"/>
+                          </a:solidFill>
+                        </a:rPr>
+                        <a:t>)</a:t>
+                      </a:r>
+                    </a:p>
+                  </a:txBody>
+                  <a:tcPr anchor="ctr"/>
+                </a:tc>
+                <a:tc>
+                  <a:txBody>
+                    <a:bodyPr/>
+                    <a:lstStyle/>
+                    <a:p>
+                      <a:pPr marL="0" marR="0" lvl="0" indent="0" algn="ctr" defTabSz="914400" rtl="0" eaLnBrk="1" fontAlgn="auto" latinLnBrk="0" hangingPunct="1">
+                        <a:lnSpc>
+                          <a:spcPct val="100000"/>
+                        </a:lnSpc>
+                        <a:spcBef>
+                          <a:spcPts val="0"/>
+                        </a:spcBef>
+                        <a:spcAft>
+                          <a:spcPts val="0"/>
+                        </a:spcAft>
+                        <a:buClrTx/>
+                        <a:buSzTx/>
+                        <a:buFontTx/>
+                        <a:buNone/>
+                        <a:tabLst/>
+                        <a:defRPr/>
+                      </a:pPr>
+                      <a:r>
+                        <a:rPr lang="en-GB" dirty="0" smtClean="0">
+                          <a:solidFill>
+                            <a:schemeClr val="bg1"/>
+                          </a:solidFill>
+                        </a:rPr>
+                        <a:t>Profile</a:t>
+                      </a:r>
+                      <a:endParaRPr lang="en-GB" dirty="0">
+                        <a:solidFill>
+                          <a:schemeClr val="bg1"/>
+                        </a:solidFill>
+                      </a:endParaRPr>
+                    </a:p>
+                    <a:p>
+                      <a:pPr marL="0" marR="0" lvl="0" indent="0" algn="ctr" defTabSz="914400" rtl="0" eaLnBrk="1" fontAlgn="auto" latinLnBrk="0" hangingPunct="1">
+                        <a:lnSpc>
+                          <a:spcPct val="100000"/>
+                        </a:lnSpc>
+                        <a:spcBef>
+                          <a:spcPts val="0"/>
+                        </a:spcBef>
+                        <a:spcAft>
+                          <a:spcPts val="0"/>
+                        </a:spcAft>
+                        <a:buClrTx/>
+                        <a:buSzTx/>
+                        <a:buFontTx/>
+                        <a:buNone/>
+                        <a:tabLst/>
+                        <a:defRPr/>
+                      </a:pPr>
+                      <a:r>
+                        <a:rPr lang="en-GB" dirty="0">
+                          <a:solidFill>
+                            <a:schemeClr val="bg1"/>
+                          </a:solidFill>
+                        </a:rPr>
+                        <a:t>ID </a:t>
+                      </a:r>
+                      <a:r>
+                        <a:rPr lang="en-GB" dirty="0" smtClean="0">
+                          <a:solidFill>
+                            <a:schemeClr val="bg1"/>
+                          </a:solidFill>
+                        </a:rPr>
+                        <a:t>(FK</a:t>
+                      </a:r>
+                      <a:r>
+                        <a:rPr lang="en-GB" dirty="0">
+                          <a:solidFill>
+                            <a:schemeClr val="bg1"/>
+                          </a:solidFill>
+                        </a:rPr>
+                        <a:t>)</a:t>
+                      </a:r>
+                    </a:p>
+                  </a:txBody>
+                  <a:tcPr anchor="ctr"/>
+                </a:tc>
+                <a:tc>
+                  <a:txBody>
+                    <a:bodyPr/>
+                    <a:lstStyle/>
+                    <a:p>
+                      <a:pPr marL="0" marR="0" lvl="0" indent="0" algn="ctr" defTabSz="914400" rtl="0" eaLnBrk="1" fontAlgn="auto" latinLnBrk="0" hangingPunct="1">
+                        <a:lnSpc>
+                          <a:spcPct val="100000"/>
+                        </a:lnSpc>
+                        <a:spcBef>
+                          <a:spcPts val="0"/>
+                        </a:spcBef>
+                        <a:spcAft>
+                          <a:spcPts val="0"/>
+                        </a:spcAft>
+                        <a:buClrTx/>
+                        <a:buSzTx/>
+                        <a:buFontTx/>
+                        <a:buNone/>
+                        <a:tabLst/>
+                        <a:defRPr/>
+                      </a:pPr>
+                      <a:r>
+                        <a:rPr lang="en-GB" dirty="0" smtClean="0">
+                          <a:solidFill>
+                            <a:schemeClr val="bg1"/>
+                          </a:solidFill>
+                        </a:rPr>
+                        <a:t>OCC</a:t>
+                      </a:r>
+                      <a:r>
+                        <a:rPr lang="en-GB" baseline="0" dirty="0" smtClean="0">
+                          <a:solidFill>
+                            <a:schemeClr val="bg1"/>
+                          </a:solidFill>
+                        </a:rPr>
+                        <a:t> </a:t>
+                      </a:r>
+                      <a:r>
+                        <a:rPr lang="en-GB" dirty="0" smtClean="0">
+                          <a:solidFill>
+                            <a:schemeClr val="bg1"/>
+                          </a:solidFill>
+                        </a:rPr>
+                        <a:t>ID</a:t>
+                      </a:r>
+                      <a:endParaRPr lang="en-GB" dirty="0">
+                        <a:solidFill>
+                          <a:schemeClr val="bg1"/>
+                        </a:solidFill>
+                      </a:endParaRPr>
+                    </a:p>
+                    <a:p>
+                      <a:pPr algn="ctr"/>
+                      <a:r>
+                        <a:rPr lang="en-GB" dirty="0" smtClean="0">
+                          <a:solidFill>
+                            <a:schemeClr val="bg1"/>
+                          </a:solidFill>
+                        </a:rPr>
+                        <a:t>(FK</a:t>
+                      </a:r>
+                      <a:r>
+                        <a:rPr lang="en-GB" dirty="0">
+                          <a:solidFill>
+                            <a:schemeClr val="bg1"/>
+                          </a:solidFill>
+                        </a:rPr>
+                        <a:t>)</a:t>
+                      </a:r>
+                    </a:p>
+                  </a:txBody>
+                  <a:tcPr anchor="ctr"/>
+                </a:tc>
+                <a:extLst>
+                  <a:ext uri="{0D108BD9-81ED-4DB2-BD59-A6C34878D82A}">
+                    <a16:rowId xmlns:a16="http://schemas.microsoft.com/office/drawing/2014/main" val="3577827613"/>
                   </a:ext>
                 </a:extLst>
               </a:tr>
@@ -9999,9 +11306,16 @@
             <p:ph type="title"/>
           </p:nvPr>
         </p:nvSpPr>
-        <p:spPr/>
+        <p:spPr>
+          <a:xfrm>
+            <a:off x="838200" y="365125"/>
+            <a:ext cx="3359727" cy="452293"/>
+          </a:xfrm>
+        </p:spPr>
         <p:txBody>
-          <a:bodyPr/>
+          <a:bodyPr>
+            <a:normAutofit fontScale="90000"/>
+          </a:bodyPr>
           <a:lstStyle/>
           <a:p>
             <a:pPr algn="ctr"/>
@@ -10027,14 +11341,14 @@
           <p:nvPr>
             <p:extLst>
               <p:ext uri="{D42A27DB-BD31-4B8C-83A1-F6EECF244321}">
-                <p14:modId xmlns:p14="http://schemas.microsoft.com/office/powerpoint/2010/main" val="863486022"/>
+                <p14:modId xmlns:p14="http://schemas.microsoft.com/office/powerpoint/2010/main" val="1458794295"/>
               </p:ext>
             </p:extLst>
           </p:nvPr>
         </p:nvGraphicFramePr>
         <p:xfrm>
-          <a:off x="296550" y="1690688"/>
-          <a:ext cx="9431910" cy="914400"/>
+          <a:off x="296548" y="4513089"/>
+          <a:ext cx="9941961" cy="914400"/>
         </p:xfrm>
         <a:graphic>
           <a:graphicData uri="http://schemas.openxmlformats.org/drawingml/2006/table">
@@ -10043,48 +11357,62 @@
                 <a:tableStyleId>{7DF18680-E054-41AD-8BC1-D1AEF772440D}</a:tableStyleId>
               </a:tblPr>
               <a:tblGrid>
-                <a:gridCol w="1571985">
+                <a:gridCol w="1242745">
                   <a:extLst>
                     <a:ext uri="{9D8B030D-6E8A-4147-A177-3AD203B41FA5}">
                       <a16:colId xmlns:a16="http://schemas.microsoft.com/office/drawing/2014/main" val="201513916"/>
                     </a:ext>
                   </a:extLst>
                 </a:gridCol>
-                <a:gridCol w="1571985">
+                <a:gridCol w="1242745">
                   <a:extLst>
                     <a:ext uri="{9D8B030D-6E8A-4147-A177-3AD203B41FA5}">
                       <a16:colId xmlns:a16="http://schemas.microsoft.com/office/drawing/2014/main" val="4160908569"/>
                     </a:ext>
                   </a:extLst>
                 </a:gridCol>
-                <a:gridCol w="1571985">
+                <a:gridCol w="1242745">
                   <a:extLst>
                     <a:ext uri="{9D8B030D-6E8A-4147-A177-3AD203B41FA5}">
                       <a16:colId xmlns:a16="http://schemas.microsoft.com/office/drawing/2014/main" val="3835503643"/>
                     </a:ext>
                   </a:extLst>
                 </a:gridCol>
-                <a:gridCol w="1571985">
+                <a:gridCol w="1242745">
                   <a:extLst>
                     <a:ext uri="{9D8B030D-6E8A-4147-A177-3AD203B41FA5}">
                       <a16:colId xmlns:a16="http://schemas.microsoft.com/office/drawing/2014/main" val="1590507565"/>
                     </a:ext>
                   </a:extLst>
                 </a:gridCol>
-                <a:gridCol w="1571985">
+                <a:gridCol w="1242745">
+                  <a:extLst>
+                    <a:ext uri="{9D8B030D-6E8A-4147-A177-3AD203B41FA5}">
+                      <a16:colId xmlns:a16="http://schemas.microsoft.com/office/drawing/2014/main" val="3183350773"/>
+                    </a:ext>
+                  </a:extLst>
+                </a:gridCol>
+                <a:gridCol w="1242745">
                   <a:extLst>
                     <a:ext uri="{9D8B030D-6E8A-4147-A177-3AD203B41FA5}">
                       <a16:colId xmlns:a16="http://schemas.microsoft.com/office/drawing/2014/main" val="943213032"/>
                     </a:ext>
                   </a:extLst>
                 </a:gridCol>
-                <a:gridCol w="1571985">
+                <a:gridCol w="808154">
                   <a:extLst>
                     <a:ext uri="{9D8B030D-6E8A-4147-A177-3AD203B41FA5}">
                       <a16:colId xmlns:a16="http://schemas.microsoft.com/office/drawing/2014/main" val="1851729959"/>
                     </a:ext>
                   </a:extLst>
                 </a:gridCol>
+                <a:gridCol w="1677337">
+                  <a:extLst>
+                    <a:ext uri="{9D8B030D-6E8A-4147-A177-3AD203B41FA5}">
+                      <a16:colId xmlns:a16="http://schemas.microsoft.com/office/drawing/2014/main" val="3391271075"/>
+                    </a:ext>
+                  </a:extLst>
+                </a:gridCol>
               </a:tblGrid>
               <a:tr h="374469">
                 <a:tc>
@@ -10151,8 +11479,50 @@
                     <a:p>
                       <a:pPr algn="ctr"/>
                       <a:r>
+                        <a:rPr lang="en-GB" dirty="0" smtClean="0"/>
+                        <a:t>(FK</a:t>
+                      </a:r>
+                      <a:r>
                         <a:rPr lang="en-GB" dirty="0"/>
-                        <a:t>(PK)</a:t>
+                        <a:t>)</a:t>
+                      </a:r>
+                    </a:p>
+                  </a:txBody>
+                  <a:tcPr anchor="ctr">
+                    <a:solidFill>
+                      <a:srgbClr val="FF0000"/>
+                    </a:solidFill>
+                  </a:tcPr>
+                </a:tc>
+                <a:tc>
+                  <a:txBody>
+                    <a:bodyPr/>
+                    <a:lstStyle/>
+                    <a:p>
+                      <a:pPr algn="ctr"/>
+                      <a:r>
+                        <a:rPr lang="en-GB" dirty="0" smtClean="0"/>
+                        <a:t>Profile</a:t>
+                      </a:r>
+                      <a:r>
+                        <a:rPr lang="en-GB" baseline="0" dirty="0" smtClean="0"/>
+                        <a:t> </a:t>
+                      </a:r>
+                      <a:r>
+                        <a:rPr lang="en-GB" dirty="0" smtClean="0"/>
+                        <a:t>ID</a:t>
+                      </a:r>
+                      <a:endParaRPr lang="en-GB" dirty="0"/>
+                    </a:p>
+                    <a:p>
+                      <a:pPr algn="ctr"/>
+                      <a:r>
+                        <a:rPr lang="en-GB" dirty="0" smtClean="0"/>
+                        <a:t>(FK</a:t>
+                      </a:r>
+                      <a:r>
+                        <a:rPr lang="en-GB" dirty="0"/>
+                        <a:t>)</a:t>
                       </a:r>
                     </a:p>
                   </a:txBody>
@@ -10165,26 +11535,25 @@
                     <a:p>
                       <a:pPr algn="ctr"/>
                       <a:r>
-                        <a:rPr lang="en-GB" dirty="0"/>
-                        <a:t>Profile</a:t>
-                      </a:r>
-                    </a:p>
-                    <a:p>
-                      <a:pPr algn="ctr"/>
-                      <a:r>
-                        <a:rPr lang="en-GB" dirty="0"/>
-                        <a:t>ID</a:t>
-                      </a:r>
-                    </a:p>
-                    <a:p>
-                      <a:pPr algn="ctr"/>
-                      <a:r>
-                        <a:rPr lang="en-GB" dirty="0"/>
-                        <a:t>(PK)</a:t>
-                      </a:r>
-                    </a:p>
-                  </a:txBody>
-                  <a:tcPr anchor="ctr"/>
+                        <a:rPr lang="en-GB" dirty="0" err="1" smtClean="0"/>
+                        <a:t>DialA</a:t>
+                      </a:r>
+                      <a:endParaRPr lang="en-GB" dirty="0" smtClean="0"/>
+                    </a:p>
+                    <a:p>
+                      <a:pPr algn="ctr"/>
+                      <a:r>
+                        <a:rPr lang="en-GB" dirty="0" err="1" smtClean="0"/>
+                        <a:t>Fk</a:t>
+                      </a:r>
+                      <a:endParaRPr lang="en-GB" dirty="0"/>
+                    </a:p>
+                  </a:txBody>
+                  <a:tcPr anchor="ctr">
+                    <a:solidFill>
+                      <a:srgbClr val="FF0000"/>
+                    </a:solidFill>
+                  </a:tcPr>
                 </a:tc>
                 <a:tc>
                   <a:txBody>
@@ -10208,108 +11577,22 @@
                     <a:p>
                       <a:pPr algn="ctr"/>
                       <a:r>
-                        <a:rPr lang="en-GB" dirty="0"/>
+                        <a:rPr lang="en-GB" dirty="0" smtClean="0"/>
                         <a:t>Cost</a:t>
                       </a:r>
                     </a:p>
-                  </a:txBody>
-                  <a:tcPr anchor="ctr"/>
-                </a:tc>
-                <a:extLst>
-                  <a:ext uri="{0D108BD9-81ED-4DB2-BD59-A6C34878D82A}">
-                    <a16:rowId xmlns:a16="http://schemas.microsoft.com/office/drawing/2014/main" val="3577827613"/>
-                  </a:ext>
-                </a:extLst>
-              </a:tr>
-            </a:tbl>
-          </a:graphicData>
-        </a:graphic>
-      </p:graphicFrame>
-      <p:graphicFrame>
-        <p:nvGraphicFramePr>
-          <p:cNvPr id="4" name="Table 9">
-            <a:extLst>
-              <a:ext uri="{FF2B5EF4-FFF2-40B4-BE49-F238E27FC236}">
-                <a16:creationId xmlns:a16="http://schemas.microsoft.com/office/drawing/2014/main" id="{ED8C13D1-758A-4F38-9DD8-F6813BEA4BF9}"/>
-              </a:ext>
-            </a:extLst>
-          </p:cNvPr>
-          <p:cNvGraphicFramePr>
-            <a:graphicFrameLocks noGrp="1"/>
-          </p:cNvGraphicFramePr>
-          <p:nvPr>
-            <p:extLst>
-              <p:ext uri="{D42A27DB-BD31-4B8C-83A1-F6EECF244321}">
-                <p14:modId xmlns:p14="http://schemas.microsoft.com/office/powerpoint/2010/main" val="2960720624"/>
-              </p:ext>
-            </p:extLst>
-          </p:nvPr>
-        </p:nvGraphicFramePr>
-        <p:xfrm>
-          <a:off x="296548" y="3108960"/>
-          <a:ext cx="7584260" cy="914400"/>
-        </p:xfrm>
-        <a:graphic>
-          <a:graphicData uri="http://schemas.openxmlformats.org/drawingml/2006/table">
-            <a:tbl>
-              <a:tblPr firstRow="1" bandRow="1">
-                <a:tableStyleId>{7DF18680-E054-41AD-8BC1-D1AEF772440D}</a:tableStyleId>
-              </a:tblPr>
-              <a:tblGrid>
-                <a:gridCol w="1896065">
-                  <a:extLst>
-                    <a:ext uri="{9D8B030D-6E8A-4147-A177-3AD203B41FA5}">
-                      <a16:colId xmlns:a16="http://schemas.microsoft.com/office/drawing/2014/main" val="201513916"/>
-                    </a:ext>
-                  </a:extLst>
-                </a:gridCol>
-                <a:gridCol w="1896065">
-                  <a:extLst>
-                    <a:ext uri="{9D8B030D-6E8A-4147-A177-3AD203B41FA5}">
-                      <a16:colId xmlns:a16="http://schemas.microsoft.com/office/drawing/2014/main" val="4160908569"/>
-                    </a:ext>
-                  </a:extLst>
-                </a:gridCol>
-                <a:gridCol w="1896065">
-                  <a:extLst>
-                    <a:ext uri="{9D8B030D-6E8A-4147-A177-3AD203B41FA5}">
-                      <a16:colId xmlns:a16="http://schemas.microsoft.com/office/drawing/2014/main" val="3835503643"/>
-                    </a:ext>
-                  </a:extLst>
-                </a:gridCol>
-                <a:gridCol w="1896065">
-                  <a:extLst>
-                    <a:ext uri="{9D8B030D-6E8A-4147-A177-3AD203B41FA5}">
-                      <a16:colId xmlns:a16="http://schemas.microsoft.com/office/drawing/2014/main" val="1590507565"/>
-                    </a:ext>
-                  </a:extLst>
-                </a:gridCol>
-              </a:tblGrid>
-              <a:tr h="374469">
-                <a:tc>
-                  <a:txBody>
-                    <a:bodyPr/>
-                    <a:lstStyle/>
-                    <a:p>
-                      <a:pPr algn="ctr"/>
-                      <a:r>
-                        <a:rPr lang="en-GB" dirty="0" err="1">
-                          <a:solidFill>
-                            <a:sysClr val="windowText" lastClr="000000"/>
-                          </a:solidFill>
-                        </a:rPr>
-                        <a:t>Customer_Profile_Services</a:t>
-                      </a:r>
-                      <a:endParaRPr lang="en-GB" dirty="0">
-                        <a:solidFill>
-                          <a:sysClr val="windowText" lastClr="000000"/>
-                        </a:solidFill>
-                      </a:endParaRPr>
+                    <a:p>
+                      <a:pPr algn="ctr"/>
+                      <a:r>
+                        <a:rPr lang="en-GB" dirty="0" smtClean="0"/>
+                        <a:t>(float)</a:t>
+                      </a:r>
+                      <a:endParaRPr lang="en-GB" dirty="0"/>
                     </a:p>
                   </a:txBody>
                   <a:tcPr anchor="ctr">
                     <a:solidFill>
-                      <a:schemeClr val="bg2"/>
+                      <a:srgbClr val="FF0000"/>
                     </a:solidFill>
                   </a:tcPr>
                 </a:tc>
@@ -10320,151 +11603,10 @@
                     <a:p>
                       <a:pPr algn="ctr"/>
                       <a:r>
-                        <a:rPr lang="en-GB" dirty="0">
-                          <a:solidFill>
-                            <a:schemeClr val="bg1"/>
-                          </a:solidFill>
-                        </a:rPr>
-                        <a:t>MSISDN</a:t>
-                      </a:r>
-                    </a:p>
-                    <a:p>
-                      <a:pPr algn="ctr"/>
-                      <a:r>
-                        <a:rPr lang="en-GB" dirty="0">
-                          <a:solidFill>
-                            <a:schemeClr val="bg1"/>
-                          </a:solidFill>
-                        </a:rPr>
-                        <a:t>(PK)</a:t>
-                      </a:r>
-                    </a:p>
-                  </a:txBody>
-                  <a:tcPr anchor="ctr"/>
-                </a:tc>
-                <a:tc>
-                  <a:txBody>
-                    <a:bodyPr/>
-                    <a:lstStyle/>
-                    <a:p>
-                      <a:pPr marL="0" marR="0" lvl="0" indent="0" algn="ctr" defTabSz="914400" rtl="0" eaLnBrk="1" fontAlgn="auto" latinLnBrk="0" hangingPunct="1">
-                        <a:lnSpc>
-                          <a:spcPct val="100000"/>
-                        </a:lnSpc>
-                        <a:spcBef>
-                          <a:spcPts val="0"/>
-                        </a:spcBef>
-                        <a:spcAft>
-                          <a:spcPts val="0"/>
-                        </a:spcAft>
-                        <a:buClrTx/>
-                        <a:buSzTx/>
-                        <a:buFontTx/>
-                        <a:buNone/>
-                        <a:tabLst/>
-                        <a:defRPr/>
-                      </a:pPr>
-                      <a:r>
-                        <a:rPr lang="en-GB" dirty="0" err="1">
-                          <a:solidFill>
-                            <a:schemeClr val="bg1"/>
-                          </a:solidFill>
-                        </a:rPr>
-                        <a:t>Profile_Services</a:t>
-                      </a:r>
-                      <a:endParaRPr lang="en-GB" dirty="0">
-                        <a:solidFill>
-                          <a:schemeClr val="bg1"/>
-                        </a:solidFill>
-                      </a:endParaRPr>
-                    </a:p>
-                    <a:p>
-                      <a:pPr marL="0" marR="0" lvl="0" indent="0" algn="ctr" defTabSz="914400" rtl="0" eaLnBrk="1" fontAlgn="auto" latinLnBrk="0" hangingPunct="1">
-                        <a:lnSpc>
-                          <a:spcPct val="100000"/>
-                        </a:lnSpc>
-                        <a:spcBef>
-                          <a:spcPts val="0"/>
-                        </a:spcBef>
-                        <a:spcAft>
-                          <a:spcPts val="0"/>
-                        </a:spcAft>
-                        <a:buClrTx/>
-                        <a:buSzTx/>
-                        <a:buFontTx/>
-                        <a:buNone/>
-                        <a:tabLst/>
-                        <a:defRPr/>
-                      </a:pPr>
-                      <a:r>
-                        <a:rPr lang="en-GB" dirty="0">
-                          <a:solidFill>
-                            <a:schemeClr val="bg1"/>
-                          </a:solidFill>
-                        </a:rPr>
-                        <a:t>ID (PK)</a:t>
-                      </a:r>
-                    </a:p>
-                  </a:txBody>
-                  <a:tcPr anchor="ctr"/>
-                </a:tc>
-                <a:tc>
-                  <a:txBody>
-                    <a:bodyPr/>
-                    <a:lstStyle/>
-                    <a:p>
-                      <a:pPr marL="0" marR="0" lvl="0" indent="0" algn="ctr" defTabSz="914400" rtl="0" eaLnBrk="1" fontAlgn="auto" latinLnBrk="0" hangingPunct="1">
-                        <a:lnSpc>
-                          <a:spcPct val="100000"/>
-                        </a:lnSpc>
-                        <a:spcBef>
-                          <a:spcPts val="0"/>
-                        </a:spcBef>
-                        <a:spcAft>
-                          <a:spcPts val="0"/>
-                        </a:spcAft>
-                        <a:buClrTx/>
-                        <a:buSzTx/>
-                        <a:buFontTx/>
-                        <a:buNone/>
-                        <a:tabLst/>
-                        <a:defRPr/>
-                      </a:pPr>
-                      <a:r>
-                        <a:rPr lang="en-GB" dirty="0">
-                          <a:solidFill>
-                            <a:schemeClr val="bg1"/>
-                          </a:solidFill>
-                        </a:rPr>
-                        <a:t>OCC</a:t>
-                      </a:r>
-                    </a:p>
-                    <a:p>
-                      <a:pPr algn="ctr"/>
-                      <a:r>
-                        <a:rPr lang="en-GB" dirty="0">
-                          <a:solidFill>
-                            <a:schemeClr val="bg1"/>
-                          </a:solidFill>
-                        </a:rPr>
-                        <a:t>ID</a:t>
-                      </a:r>
-                    </a:p>
-                    <a:p>
-                      <a:pPr algn="ctr"/>
-                      <a:r>
-                        <a:rPr lang="en-GB">
-                          <a:solidFill>
-                            <a:schemeClr val="bg1"/>
-                          </a:solidFill>
-                        </a:rPr>
-                        <a:t>(PK)</a:t>
-                      </a:r>
-                      <a:endParaRPr lang="en-GB" dirty="0">
-                        <a:solidFill>
-                          <a:schemeClr val="bg1"/>
-                        </a:solidFill>
-                      </a:endParaRPr>
+                        <a:rPr lang="en-GB" dirty="0" err="1" smtClean="0"/>
+                        <a:t>StartDate</a:t>
+                      </a:r>
+                      <a:endParaRPr lang="en-GB" dirty="0"/>
                     </a:p>
                   </a:txBody>
                   <a:tcPr anchor="ctr"/>
@@ -10494,13 +11636,13 @@
           <p:nvPr>
             <p:extLst>
               <p:ext uri="{D42A27DB-BD31-4B8C-83A1-F6EECF244321}">
-                <p14:modId xmlns:p14="http://schemas.microsoft.com/office/powerpoint/2010/main" val="3563519996"/>
+                <p14:modId xmlns:p14="http://schemas.microsoft.com/office/powerpoint/2010/main" val="2296916357"/>
               </p:ext>
             </p:extLst>
           </p:nvPr>
         </p:nvGraphicFramePr>
         <p:xfrm>
-          <a:off x="296550" y="4252912"/>
+          <a:off x="296548" y="5647372"/>
           <a:ext cx="7112920" cy="914400"/>
         </p:xfrm>
         <a:graphic>
@@ -10761,6 +11903,856 @@
                           <a:schemeClr val="bg1"/>
                         </a:solidFill>
                       </a:endParaRPr>
+                    </a:p>
+                  </a:txBody>
+                  <a:tcPr anchor="ctr"/>
+                </a:tc>
+                <a:extLst>
+                  <a:ext uri="{0D108BD9-81ED-4DB2-BD59-A6C34878D82A}">
+                    <a16:rowId xmlns:a16="http://schemas.microsoft.com/office/drawing/2014/main" val="3577827613"/>
+                  </a:ext>
+                </a:extLst>
+              </a:tr>
+            </a:tbl>
+          </a:graphicData>
+        </a:graphic>
+      </p:graphicFrame>
+      <p:graphicFrame>
+        <p:nvGraphicFramePr>
+          <p:cNvPr id="6" name="Table 9">
+            <a:extLst>
+              <a:ext uri="{FF2B5EF4-FFF2-40B4-BE49-F238E27FC236}">
+                <a16:creationId xmlns:a16="http://schemas.microsoft.com/office/drawing/2014/main" id="{DBA841FE-D388-4A43-98F0-4290E75F604C}"/>
+              </a:ext>
+            </a:extLst>
+          </p:cNvPr>
+          <p:cNvGraphicFramePr>
+            <a:graphicFrameLocks noGrp="1"/>
+          </p:cNvGraphicFramePr>
+          <p:nvPr>
+            <p:extLst>
+              <p:ext uri="{D42A27DB-BD31-4B8C-83A1-F6EECF244321}">
+                <p14:modId xmlns:p14="http://schemas.microsoft.com/office/powerpoint/2010/main" val="4112999811"/>
+              </p:ext>
+            </p:extLst>
+          </p:nvPr>
+        </p:nvGraphicFramePr>
+        <p:xfrm>
+          <a:off x="296548" y="1872934"/>
+          <a:ext cx="11309420" cy="731520"/>
+        </p:xfrm>
+        <a:graphic>
+          <a:graphicData uri="http://schemas.openxmlformats.org/drawingml/2006/table">
+            <a:tbl>
+              <a:tblPr firstRow="1" bandRow="1">
+                <a:tableStyleId>{00A15C55-8517-42AA-B614-E9B94910E393}</a:tableStyleId>
+              </a:tblPr>
+              <a:tblGrid>
+                <a:gridCol w="1130942">
+                  <a:extLst>
+                    <a:ext uri="{9D8B030D-6E8A-4147-A177-3AD203B41FA5}">
+                      <a16:colId xmlns:a16="http://schemas.microsoft.com/office/drawing/2014/main" val="201513916"/>
+                    </a:ext>
+                  </a:extLst>
+                </a:gridCol>
+                <a:gridCol w="1130942">
+                  <a:extLst>
+                    <a:ext uri="{9D8B030D-6E8A-4147-A177-3AD203B41FA5}">
+                      <a16:colId xmlns:a16="http://schemas.microsoft.com/office/drawing/2014/main" val="2807766398"/>
+                    </a:ext>
+                  </a:extLst>
+                </a:gridCol>
+                <a:gridCol w="1130942">
+                  <a:extLst>
+                    <a:ext uri="{9D8B030D-6E8A-4147-A177-3AD203B41FA5}">
+                      <a16:colId xmlns:a16="http://schemas.microsoft.com/office/drawing/2014/main" val="4160908569"/>
+                    </a:ext>
+                  </a:extLst>
+                </a:gridCol>
+                <a:gridCol w="1130942">
+                  <a:extLst>
+                    <a:ext uri="{9D8B030D-6E8A-4147-A177-3AD203B41FA5}">
+                      <a16:colId xmlns:a16="http://schemas.microsoft.com/office/drawing/2014/main" val="3835503643"/>
+                    </a:ext>
+                  </a:extLst>
+                </a:gridCol>
+                <a:gridCol w="1130942">
+                  <a:extLst>
+                    <a:ext uri="{9D8B030D-6E8A-4147-A177-3AD203B41FA5}">
+                      <a16:colId xmlns:a16="http://schemas.microsoft.com/office/drawing/2014/main" val="1590507565"/>
+                    </a:ext>
+                  </a:extLst>
+                </a:gridCol>
+                <a:gridCol w="1130942">
+                  <a:extLst>
+                    <a:ext uri="{9D8B030D-6E8A-4147-A177-3AD203B41FA5}">
+                      <a16:colId xmlns:a16="http://schemas.microsoft.com/office/drawing/2014/main" val="1851729959"/>
+                    </a:ext>
+                  </a:extLst>
+                </a:gridCol>
+                <a:gridCol w="1130942">
+                  <a:extLst>
+                    <a:ext uri="{9D8B030D-6E8A-4147-A177-3AD203B41FA5}">
+                      <a16:colId xmlns:a16="http://schemas.microsoft.com/office/drawing/2014/main" val="976838896"/>
+                    </a:ext>
+                  </a:extLst>
+                </a:gridCol>
+                <a:gridCol w="1130942">
+                  <a:extLst>
+                    <a:ext uri="{9D8B030D-6E8A-4147-A177-3AD203B41FA5}">
+                      <a16:colId xmlns:a16="http://schemas.microsoft.com/office/drawing/2014/main" val="1295158081"/>
+                    </a:ext>
+                  </a:extLst>
+                </a:gridCol>
+                <a:gridCol w="1130942">
+                  <a:extLst>
+                    <a:ext uri="{9D8B030D-6E8A-4147-A177-3AD203B41FA5}">
+                      <a16:colId xmlns:a16="http://schemas.microsoft.com/office/drawing/2014/main" val="3012835852"/>
+                    </a:ext>
+                  </a:extLst>
+                </a:gridCol>
+                <a:gridCol w="1130942">
+                  <a:extLst>
+                    <a:ext uri="{9D8B030D-6E8A-4147-A177-3AD203B41FA5}">
+                      <a16:colId xmlns:a16="http://schemas.microsoft.com/office/drawing/2014/main" val="2548652607"/>
+                    </a:ext>
+                  </a:extLst>
+                </a:gridCol>
+              </a:tblGrid>
+              <a:tr h="374469">
+                <a:tc>
+                  <a:txBody>
+                    <a:bodyPr/>
+                    <a:lstStyle/>
+                    <a:p>
+                      <a:pPr algn="ctr"/>
+                      <a:r>
+                        <a:rPr lang="en-GB" dirty="0">
+                          <a:solidFill>
+                            <a:sysClr val="windowText" lastClr="000000"/>
+                          </a:solidFill>
+                        </a:rPr>
+                        <a:t>CDR</a:t>
+                      </a:r>
+                    </a:p>
+                  </a:txBody>
+                  <a:tcPr anchor="ctr">
+                    <a:solidFill>
+                      <a:schemeClr val="bg2"/>
+                    </a:solidFill>
+                  </a:tcPr>
+                </a:tc>
+                <a:tc>
+                  <a:txBody>
+                    <a:bodyPr/>
+                    <a:lstStyle/>
+                    <a:p>
+                      <a:pPr algn="ctr"/>
+                      <a:r>
+                        <a:rPr lang="en-GB" dirty="0">
+                          <a:solidFill>
+                            <a:schemeClr val="bg1"/>
+                          </a:solidFill>
+                        </a:rPr>
+                        <a:t>CDR</a:t>
+                      </a:r>
+                    </a:p>
+                    <a:p>
+                      <a:pPr algn="ctr"/>
+                      <a:r>
+                        <a:rPr lang="en-GB" dirty="0">
+                          <a:solidFill>
+                            <a:schemeClr val="bg1"/>
+                          </a:solidFill>
+                        </a:rPr>
+                        <a:t>ID (PK)</a:t>
+                      </a:r>
+                    </a:p>
+                  </a:txBody>
+                  <a:tcPr anchor="ctr">
+                    <a:solidFill>
+                      <a:srgbClr val="FFC000"/>
+                    </a:solidFill>
+                  </a:tcPr>
+                </a:tc>
+                <a:tc>
+                  <a:txBody>
+                    <a:bodyPr/>
+                    <a:lstStyle/>
+                    <a:p>
+                      <a:pPr algn="ctr"/>
+                      <a:r>
+                        <a:rPr lang="en-GB" sz="1800" dirty="0"/>
+                        <a:t>Dial A</a:t>
+                      </a:r>
+                    </a:p>
+                  </a:txBody>
+                  <a:tcPr anchor="ctr"/>
+                </a:tc>
+                <a:tc>
+                  <a:txBody>
+                    <a:bodyPr/>
+                    <a:lstStyle/>
+                    <a:p>
+                      <a:pPr algn="ctr"/>
+                      <a:r>
+                        <a:rPr lang="en-GB" sz="1800" dirty="0"/>
+                        <a:t>Dial B</a:t>
+                      </a:r>
+                    </a:p>
+                  </a:txBody>
+                  <a:tcPr anchor="ctr"/>
+                </a:tc>
+                <a:tc>
+                  <a:txBody>
+                    <a:bodyPr/>
+                    <a:lstStyle/>
+                    <a:p>
+                      <a:pPr algn="ctr"/>
+                      <a:r>
+                        <a:rPr lang="en-GB" sz="1800" dirty="0"/>
+                        <a:t>Service ID</a:t>
+                      </a:r>
+                    </a:p>
+                  </a:txBody>
+                  <a:tcPr anchor="ctr"/>
+                </a:tc>
+                <a:tc>
+                  <a:txBody>
+                    <a:bodyPr/>
+                    <a:lstStyle/>
+                    <a:p>
+                      <a:pPr algn="ctr"/>
+                      <a:r>
+                        <a:rPr lang="en-US" altLang="en-US" sz="1400" dirty="0"/>
+                        <a:t>Duration</a:t>
+                      </a:r>
+                    </a:p>
+                    <a:p>
+                      <a:pPr algn="ctr"/>
+                      <a:r>
+                        <a:rPr lang="en-US" altLang="en-US" sz="1400" dirty="0"/>
+                        <a:t>Message</a:t>
+                      </a:r>
+                    </a:p>
+                    <a:p>
+                      <a:pPr algn="ctr"/>
+                      <a:r>
+                        <a:rPr lang="en-US" altLang="en-US" sz="1400" dirty="0"/>
+                        <a:t>Volume</a:t>
+                      </a:r>
+                      <a:endParaRPr lang="en-GB" sz="1400" dirty="0"/>
+                    </a:p>
+                  </a:txBody>
+                  <a:tcPr anchor="ctr"/>
+                </a:tc>
+                <a:tc>
+                  <a:txBody>
+                    <a:bodyPr/>
+                    <a:lstStyle/>
+                    <a:p>
+                      <a:pPr algn="ctr"/>
+                      <a:r>
+                        <a:rPr lang="en-US" altLang="en-US" sz="1800" dirty="0"/>
+                        <a:t>Start date</a:t>
+                      </a:r>
+                      <a:endParaRPr lang="en-GB" sz="1800" dirty="0"/>
+                    </a:p>
+                  </a:txBody>
+                  <a:tcPr anchor="ctr"/>
+                </a:tc>
+                <a:tc>
+                  <a:txBody>
+                    <a:bodyPr/>
+                    <a:lstStyle/>
+                    <a:p>
+                      <a:pPr marL="0" marR="0" lvl="0" indent="0" algn="ctr" defTabSz="914400" rtl="0" eaLnBrk="1" fontAlgn="auto" latinLnBrk="0" hangingPunct="1">
+                        <a:lnSpc>
+                          <a:spcPct val="100000"/>
+                        </a:lnSpc>
+                        <a:spcBef>
+                          <a:spcPts val="0"/>
+                        </a:spcBef>
+                        <a:spcAft>
+                          <a:spcPts val="0"/>
+                        </a:spcAft>
+                        <a:buClrTx/>
+                        <a:buSzTx/>
+                        <a:buFontTx/>
+                        <a:buNone/>
+                        <a:tabLst/>
+                        <a:defRPr/>
+                      </a:pPr>
+                      <a:r>
+                        <a:rPr lang="en-US" altLang="en-US" sz="1800" dirty="0"/>
+                        <a:t>Start time</a:t>
+                      </a:r>
+                      <a:endParaRPr lang="en-GB" sz="1800" dirty="0"/>
+                    </a:p>
+                  </a:txBody>
+                  <a:tcPr anchor="ctr">
+                    <a:solidFill>
+                      <a:srgbClr val="FF0000"/>
+                    </a:solidFill>
+                  </a:tcPr>
+                </a:tc>
+                <a:tc>
+                  <a:txBody>
+                    <a:bodyPr/>
+                    <a:lstStyle/>
+                    <a:p>
+                      <a:pPr marL="0" marR="0" lvl="0" indent="0" algn="ctr" defTabSz="914400" rtl="0" eaLnBrk="1" fontAlgn="auto" latinLnBrk="0" hangingPunct="1">
+                        <a:lnSpc>
+                          <a:spcPct val="100000"/>
+                        </a:lnSpc>
+                        <a:spcBef>
+                          <a:spcPts val="0"/>
+                        </a:spcBef>
+                        <a:spcAft>
+                          <a:spcPts val="0"/>
+                        </a:spcAft>
+                        <a:buClrTx/>
+                        <a:buSzTx/>
+                        <a:buFontTx/>
+                        <a:buNone/>
+                        <a:tabLst/>
+                        <a:defRPr/>
+                      </a:pPr>
+                      <a:r>
+                        <a:rPr lang="en-US" altLang="en-US" sz="1800" dirty="0"/>
+                        <a:t>External charges</a:t>
+                      </a:r>
+                    </a:p>
+                  </a:txBody>
+                  <a:tcPr anchor="ctr"/>
+                </a:tc>
+                <a:tc>
+                  <a:txBody>
+                    <a:bodyPr/>
+                    <a:lstStyle/>
+                    <a:p>
+                      <a:pPr marL="0" marR="0" lvl="0" indent="0" algn="ctr" defTabSz="914400" rtl="0" eaLnBrk="1" fontAlgn="auto" latinLnBrk="0" hangingPunct="1">
+                        <a:lnSpc>
+                          <a:spcPct val="100000"/>
+                        </a:lnSpc>
+                        <a:spcBef>
+                          <a:spcPts val="0"/>
+                        </a:spcBef>
+                        <a:spcAft>
+                          <a:spcPts val="0"/>
+                        </a:spcAft>
+                        <a:buClrTx/>
+                        <a:buSzTx/>
+                        <a:buFontTx/>
+                        <a:buNone/>
+                        <a:tabLst/>
+                        <a:defRPr/>
+                      </a:pPr>
+                      <a:r>
+                        <a:rPr lang="en-US" altLang="en-US" sz="1800" dirty="0" err="1"/>
+                        <a:t>Is_Rating</a:t>
+                      </a:r>
+                      <a:endParaRPr lang="en-US" altLang="en-US" sz="1800" dirty="0"/>
+                    </a:p>
+                  </a:txBody>
+                  <a:tcPr anchor="ctr"/>
+                </a:tc>
+                <a:extLst>
+                  <a:ext uri="{0D108BD9-81ED-4DB2-BD59-A6C34878D82A}">
+                    <a16:rowId xmlns:a16="http://schemas.microsoft.com/office/drawing/2014/main" val="3577827613"/>
+                  </a:ext>
+                </a:extLst>
+              </a:tr>
+            </a:tbl>
+          </a:graphicData>
+        </a:graphic>
+      </p:graphicFrame>
+      <p:cxnSp>
+        <p:nvCxnSpPr>
+          <p:cNvPr id="8" name="Straight Connector 7"/>
+          <p:cNvCxnSpPr/>
+          <p:nvPr/>
+        </p:nvCxnSpPr>
+        <p:spPr>
+          <a:xfrm>
+            <a:off x="0" y="5554663"/>
+            <a:ext cx="12192000" cy="68580"/>
+          </a:xfrm>
+          <a:prstGeom prst="line">
+            <a:avLst/>
+          </a:prstGeom>
+        </p:spPr>
+        <p:style>
+          <a:lnRef idx="1">
+            <a:schemeClr val="accent1"/>
+          </a:lnRef>
+          <a:fillRef idx="0">
+            <a:schemeClr val="accent1"/>
+          </a:fillRef>
+          <a:effectRef idx="0">
+            <a:schemeClr val="accent1"/>
+          </a:effectRef>
+          <a:fontRef idx="minor">
+            <a:schemeClr val="tx1"/>
+          </a:fontRef>
+        </p:style>
+      </p:cxnSp>
+      <p:graphicFrame>
+        <p:nvGraphicFramePr>
+          <p:cNvPr id="9" name="Table 9">
+            <a:extLst>
+              <a:ext uri="{FF2B5EF4-FFF2-40B4-BE49-F238E27FC236}">
+                <a16:creationId xmlns:a16="http://schemas.microsoft.com/office/drawing/2014/main" id="{DBA841FE-D388-4A43-98F0-4290E75F604C}"/>
+              </a:ext>
+            </a:extLst>
+          </p:cNvPr>
+          <p:cNvGraphicFramePr>
+            <a:graphicFrameLocks noGrp="1"/>
+          </p:cNvGraphicFramePr>
+          <p:nvPr>
+            <p:extLst>
+              <p:ext uri="{D42A27DB-BD31-4B8C-83A1-F6EECF244321}">
+                <p14:modId xmlns:p14="http://schemas.microsoft.com/office/powerpoint/2010/main" val="2792032822"/>
+              </p:ext>
+            </p:extLst>
+          </p:nvPr>
+        </p:nvGraphicFramePr>
+        <p:xfrm>
+          <a:off x="296548" y="2839721"/>
+          <a:ext cx="11604502" cy="1188720"/>
+        </p:xfrm>
+        <a:graphic>
+          <a:graphicData uri="http://schemas.openxmlformats.org/drawingml/2006/table">
+            <a:tbl>
+              <a:tblPr firstRow="1" bandRow="1">
+                <a:tableStyleId>{00A15C55-8517-42AA-B614-E9B94910E393}</a:tableStyleId>
+              </a:tblPr>
+              <a:tblGrid>
+                <a:gridCol w="892654">
+                  <a:extLst>
+                    <a:ext uri="{9D8B030D-6E8A-4147-A177-3AD203B41FA5}">
+                      <a16:colId xmlns:a16="http://schemas.microsoft.com/office/drawing/2014/main" val="201513916"/>
+                    </a:ext>
+                  </a:extLst>
+                </a:gridCol>
+                <a:gridCol w="892654">
+                  <a:extLst>
+                    <a:ext uri="{9D8B030D-6E8A-4147-A177-3AD203B41FA5}">
+                      <a16:colId xmlns:a16="http://schemas.microsoft.com/office/drawing/2014/main" val="2807766398"/>
+                    </a:ext>
+                  </a:extLst>
+                </a:gridCol>
+                <a:gridCol w="892654">
+                  <a:extLst>
+                    <a:ext uri="{9D8B030D-6E8A-4147-A177-3AD203B41FA5}">
+                      <a16:colId xmlns:a16="http://schemas.microsoft.com/office/drawing/2014/main" val="3990853779"/>
+                    </a:ext>
+                  </a:extLst>
+                </a:gridCol>
+                <a:gridCol w="892654">
+                  <a:extLst>
+                    <a:ext uri="{9D8B030D-6E8A-4147-A177-3AD203B41FA5}">
+                      <a16:colId xmlns:a16="http://schemas.microsoft.com/office/drawing/2014/main" val="4160908569"/>
+                    </a:ext>
+                  </a:extLst>
+                </a:gridCol>
+                <a:gridCol w="892654">
+                  <a:extLst>
+                    <a:ext uri="{9D8B030D-6E8A-4147-A177-3AD203B41FA5}">
+                      <a16:colId xmlns:a16="http://schemas.microsoft.com/office/drawing/2014/main" val="3835503643"/>
+                    </a:ext>
+                  </a:extLst>
+                </a:gridCol>
+                <a:gridCol w="892654">
+                  <a:extLst>
+                    <a:ext uri="{9D8B030D-6E8A-4147-A177-3AD203B41FA5}">
+                      <a16:colId xmlns:a16="http://schemas.microsoft.com/office/drawing/2014/main" val="1590507565"/>
+                    </a:ext>
+                  </a:extLst>
+                </a:gridCol>
+                <a:gridCol w="892654">
+                  <a:extLst>
+                    <a:ext uri="{9D8B030D-6E8A-4147-A177-3AD203B41FA5}">
+                      <a16:colId xmlns:a16="http://schemas.microsoft.com/office/drawing/2014/main" val="1851729959"/>
+                    </a:ext>
+                  </a:extLst>
+                </a:gridCol>
+                <a:gridCol w="892654">
+                  <a:extLst>
+                    <a:ext uri="{9D8B030D-6E8A-4147-A177-3AD203B41FA5}">
+                      <a16:colId xmlns:a16="http://schemas.microsoft.com/office/drawing/2014/main" val="976838896"/>
+                    </a:ext>
+                  </a:extLst>
+                </a:gridCol>
+                <a:gridCol w="892654">
+                  <a:extLst>
+                    <a:ext uri="{9D8B030D-6E8A-4147-A177-3AD203B41FA5}">
+                      <a16:colId xmlns:a16="http://schemas.microsoft.com/office/drawing/2014/main" val="1295158081"/>
+                    </a:ext>
+                  </a:extLst>
+                </a:gridCol>
+                <a:gridCol w="892654">
+                  <a:extLst>
+                    <a:ext uri="{9D8B030D-6E8A-4147-A177-3AD203B41FA5}">
+                      <a16:colId xmlns:a16="http://schemas.microsoft.com/office/drawing/2014/main" val="3012835852"/>
+                    </a:ext>
+                  </a:extLst>
+                </a:gridCol>
+                <a:gridCol w="892654">
+                  <a:extLst>
+                    <a:ext uri="{9D8B030D-6E8A-4147-A177-3AD203B41FA5}">
+                      <a16:colId xmlns:a16="http://schemas.microsoft.com/office/drawing/2014/main" val="2548652607"/>
+                    </a:ext>
+                  </a:extLst>
+                </a:gridCol>
+                <a:gridCol w="967895">
+                  <a:extLst>
+                    <a:ext uri="{9D8B030D-6E8A-4147-A177-3AD203B41FA5}">
+                      <a16:colId xmlns:a16="http://schemas.microsoft.com/office/drawing/2014/main" val="2186093129"/>
+                    </a:ext>
+                  </a:extLst>
+                </a:gridCol>
+                <a:gridCol w="817413">
+                  <a:extLst>
+                    <a:ext uri="{9D8B030D-6E8A-4147-A177-3AD203B41FA5}">
+                      <a16:colId xmlns:a16="http://schemas.microsoft.com/office/drawing/2014/main" val="645062134"/>
+                    </a:ext>
+                  </a:extLst>
+                </a:gridCol>
+              </a:tblGrid>
+              <a:tr h="374469">
+                <a:tc>
+                  <a:txBody>
+                    <a:bodyPr/>
+                    <a:lstStyle/>
+                    <a:p>
+                      <a:pPr algn="ctr"/>
+                      <a:r>
+                        <a:rPr lang="en-GB" dirty="0" smtClean="0">
+                          <a:solidFill>
+                            <a:sysClr val="windowText" lastClr="000000"/>
+                          </a:solidFill>
+                        </a:rPr>
+                        <a:t>UDR</a:t>
+                      </a:r>
+                      <a:endParaRPr lang="en-GB" dirty="0">
+                        <a:solidFill>
+                          <a:sysClr val="windowText" lastClr="000000"/>
+                        </a:solidFill>
+                      </a:endParaRPr>
+                    </a:p>
+                  </a:txBody>
+                  <a:tcPr anchor="ctr">
+                    <a:solidFill>
+                      <a:schemeClr val="bg2"/>
+                    </a:solidFill>
+                  </a:tcPr>
+                </a:tc>
+                <a:tc>
+                  <a:txBody>
+                    <a:bodyPr/>
+                    <a:lstStyle/>
+                    <a:p>
+                      <a:pPr algn="ctr"/>
+                      <a:r>
+                        <a:rPr lang="en-GB" dirty="0" err="1" smtClean="0">
+                          <a:solidFill>
+                            <a:schemeClr val="bg1"/>
+                          </a:solidFill>
+                        </a:rPr>
+                        <a:t>udr</a:t>
+                      </a:r>
+                      <a:endParaRPr lang="en-GB" dirty="0">
+                        <a:solidFill>
+                          <a:schemeClr val="bg1"/>
+                        </a:solidFill>
+                      </a:endParaRPr>
+                    </a:p>
+                    <a:p>
+                      <a:pPr algn="ctr"/>
+                      <a:r>
+                        <a:rPr lang="en-GB" dirty="0">
+                          <a:solidFill>
+                            <a:schemeClr val="bg1"/>
+                          </a:solidFill>
+                        </a:rPr>
+                        <a:t>ID (PK)</a:t>
+                      </a:r>
+                    </a:p>
+                  </a:txBody>
+                  <a:tcPr anchor="ctr">
+                    <a:solidFill>
+                      <a:srgbClr val="FFC000"/>
+                    </a:solidFill>
+                  </a:tcPr>
+                </a:tc>
+                <a:tc>
+                  <a:txBody>
+                    <a:bodyPr/>
+                    <a:lstStyle/>
+                    <a:p>
+                      <a:pPr algn="ctr"/>
+                      <a:r>
+                        <a:rPr lang="en-GB" dirty="0" smtClean="0">
+                          <a:solidFill>
+                            <a:schemeClr val="bg1"/>
+                          </a:solidFill>
+                        </a:rPr>
+                        <a:t>Profile ID(FK)</a:t>
+                      </a:r>
+                      <a:endParaRPr lang="en-GB" dirty="0">
+                        <a:solidFill>
+                          <a:schemeClr val="bg1"/>
+                        </a:solidFill>
+                      </a:endParaRPr>
+                    </a:p>
+                  </a:txBody>
+                  <a:tcPr anchor="ctr">
+                    <a:solidFill>
+                      <a:srgbClr val="FFC000"/>
+                    </a:solidFill>
+                  </a:tcPr>
+                </a:tc>
+                <a:tc>
+                  <a:txBody>
+                    <a:bodyPr/>
+                    <a:lstStyle/>
+                    <a:p>
+                      <a:pPr algn="ctr"/>
+                      <a:r>
+                        <a:rPr lang="en-GB" sz="1800" dirty="0"/>
+                        <a:t>Dial A</a:t>
+                      </a:r>
+                    </a:p>
+                  </a:txBody>
+                  <a:tcPr anchor="ctr"/>
+                </a:tc>
+                <a:tc>
+                  <a:txBody>
+                    <a:bodyPr/>
+                    <a:lstStyle/>
+                    <a:p>
+                      <a:pPr algn="ctr"/>
+                      <a:r>
+                        <a:rPr lang="en-GB" sz="1800" dirty="0"/>
+                        <a:t>Dial B</a:t>
+                      </a:r>
+                    </a:p>
+                  </a:txBody>
+                  <a:tcPr anchor="ctr"/>
+                </a:tc>
+                <a:tc>
+                  <a:txBody>
+                    <a:bodyPr/>
+                    <a:lstStyle/>
+                    <a:p>
+                      <a:pPr algn="ctr"/>
+                      <a:r>
+                        <a:rPr lang="en-GB" sz="1800" dirty="0"/>
+                        <a:t>Service ID</a:t>
+                      </a:r>
+                    </a:p>
+                  </a:txBody>
+                  <a:tcPr anchor="ctr"/>
+                </a:tc>
+                <a:tc>
+                  <a:txBody>
+                    <a:bodyPr/>
+                    <a:lstStyle/>
+                    <a:p>
+                      <a:pPr algn="ctr"/>
+                      <a:r>
+                        <a:rPr lang="en-US" altLang="en-US" sz="1400" dirty="0"/>
+                        <a:t>Duration</a:t>
+                      </a:r>
+                    </a:p>
+                    <a:p>
+                      <a:pPr algn="ctr"/>
+                      <a:r>
+                        <a:rPr lang="en-US" altLang="en-US" sz="1400" dirty="0"/>
+                        <a:t>Message</a:t>
+                      </a:r>
+                    </a:p>
+                    <a:p>
+                      <a:pPr algn="ctr"/>
+                      <a:r>
+                        <a:rPr lang="en-US" altLang="en-US" sz="1400" dirty="0"/>
+                        <a:t>Volume</a:t>
+                      </a:r>
+                      <a:endParaRPr lang="en-GB" sz="1400" dirty="0"/>
+                    </a:p>
+                  </a:txBody>
+                  <a:tcPr anchor="ctr"/>
+                </a:tc>
+                <a:tc>
+                  <a:txBody>
+                    <a:bodyPr/>
+                    <a:lstStyle/>
+                    <a:p>
+                      <a:pPr algn="ctr"/>
+                      <a:r>
+                        <a:rPr lang="en-US" altLang="en-US" sz="1800" dirty="0"/>
+                        <a:t>Start date</a:t>
+                      </a:r>
+                      <a:endParaRPr lang="en-GB" sz="1800" dirty="0"/>
+                    </a:p>
+                  </a:txBody>
+                  <a:tcPr anchor="ctr"/>
+                </a:tc>
+                <a:tc>
+                  <a:txBody>
+                    <a:bodyPr/>
+                    <a:lstStyle/>
+                    <a:p>
+                      <a:pPr marL="0" marR="0" lvl="0" indent="0" algn="ctr" defTabSz="914400" rtl="0" eaLnBrk="1" fontAlgn="auto" latinLnBrk="0" hangingPunct="1">
+                        <a:lnSpc>
+                          <a:spcPct val="100000"/>
+                        </a:lnSpc>
+                        <a:spcBef>
+                          <a:spcPts val="0"/>
+                        </a:spcBef>
+                        <a:spcAft>
+                          <a:spcPts val="0"/>
+                        </a:spcAft>
+                        <a:buClrTx/>
+                        <a:buSzTx/>
+                        <a:buFontTx/>
+                        <a:buNone/>
+                        <a:tabLst/>
+                        <a:defRPr/>
+                      </a:pPr>
+                      <a:r>
+                        <a:rPr lang="en-US" altLang="en-US" sz="1800" dirty="0"/>
+                        <a:t>Start time</a:t>
+                      </a:r>
+                      <a:endParaRPr lang="en-GB" sz="1800" dirty="0"/>
+                    </a:p>
+                  </a:txBody>
+                  <a:tcPr anchor="ctr">
+                    <a:solidFill>
+                      <a:srgbClr val="FF0000"/>
+                    </a:solidFill>
+                  </a:tcPr>
+                </a:tc>
+                <a:tc>
+                  <a:txBody>
+                    <a:bodyPr/>
+                    <a:lstStyle/>
+                    <a:p>
+                      <a:pPr marL="0" marR="0" lvl="0" indent="0" algn="ctr" defTabSz="914400" rtl="0" eaLnBrk="1" fontAlgn="auto" latinLnBrk="0" hangingPunct="1">
+                        <a:lnSpc>
+                          <a:spcPct val="100000"/>
+                        </a:lnSpc>
+                        <a:spcBef>
+                          <a:spcPts val="0"/>
+                        </a:spcBef>
+                        <a:spcAft>
+                          <a:spcPts val="0"/>
+                        </a:spcAft>
+                        <a:buClrTx/>
+                        <a:buSzTx/>
+                        <a:buFontTx/>
+                        <a:buNone/>
+                        <a:tabLst/>
+                        <a:defRPr/>
+                      </a:pPr>
+                      <a:r>
+                        <a:rPr lang="en-US" altLang="en-US" sz="1800" dirty="0"/>
+                        <a:t>External charges</a:t>
+                      </a:r>
+                    </a:p>
+                  </a:txBody>
+                  <a:tcPr anchor="ctr"/>
+                </a:tc>
+                <a:tc>
+                  <a:txBody>
+                    <a:bodyPr/>
+                    <a:lstStyle/>
+                    <a:p>
+                      <a:pPr marL="0" marR="0" lvl="0" indent="0" algn="ctr" defTabSz="914400" rtl="0" eaLnBrk="1" fontAlgn="auto" latinLnBrk="0" hangingPunct="1">
+                        <a:lnSpc>
+                          <a:spcPct val="100000"/>
+                        </a:lnSpc>
+                        <a:spcBef>
+                          <a:spcPts val="0"/>
+                        </a:spcBef>
+                        <a:spcAft>
+                          <a:spcPts val="0"/>
+                        </a:spcAft>
+                        <a:buClrTx/>
+                        <a:buSzTx/>
+                        <a:buFontTx/>
+                        <a:buNone/>
+                        <a:tabLst/>
+                        <a:defRPr/>
+                      </a:pPr>
+                      <a:r>
+                        <a:rPr lang="en-US" altLang="en-US" sz="1800" dirty="0" err="1" smtClean="0"/>
+                        <a:t>isBilled</a:t>
+                      </a:r>
+                      <a:endParaRPr lang="en-US" altLang="en-US" sz="1800" dirty="0"/>
+                    </a:p>
+                  </a:txBody>
+                  <a:tcPr anchor="ctr"/>
+                </a:tc>
+                <a:tc>
+                  <a:txBody>
+                    <a:bodyPr/>
+                    <a:lstStyle/>
+                    <a:p>
+                      <a:pPr marL="0" marR="0" lvl="0" indent="0" algn="ctr" defTabSz="914400" rtl="0" eaLnBrk="1" fontAlgn="auto" latinLnBrk="0" hangingPunct="1">
+                        <a:lnSpc>
+                          <a:spcPct val="100000"/>
+                        </a:lnSpc>
+                        <a:spcBef>
+                          <a:spcPts val="0"/>
+                        </a:spcBef>
+                        <a:spcAft>
+                          <a:spcPts val="0"/>
+                        </a:spcAft>
+                        <a:buClrTx/>
+                        <a:buSzTx/>
+                        <a:buFontTx/>
+                        <a:buNone/>
+                        <a:tabLst/>
+                        <a:defRPr/>
+                      </a:pPr>
+                      <a:r>
+                        <a:rPr lang="en-US" altLang="en-US" sz="1800" dirty="0" smtClean="0"/>
+                        <a:t>Cost </a:t>
+                      </a:r>
+                      <a:endParaRPr lang="en-US" altLang="en-US" sz="1800" dirty="0"/>
+                    </a:p>
+                  </a:txBody>
+                  <a:tcPr anchor="ctr"/>
+                </a:tc>
+                <a:tc>
+                  <a:txBody>
+                    <a:bodyPr/>
+                    <a:lstStyle/>
+                    <a:p>
+                      <a:pPr marL="0" marR="0" lvl="0" indent="0" algn="ctr" defTabSz="914400" rtl="0" eaLnBrk="1" fontAlgn="auto" latinLnBrk="0" hangingPunct="1">
+                        <a:lnSpc>
+                          <a:spcPct val="100000"/>
+                        </a:lnSpc>
+                        <a:spcBef>
+                          <a:spcPts val="0"/>
+                        </a:spcBef>
+                        <a:spcAft>
+                          <a:spcPts val="0"/>
+                        </a:spcAft>
+                        <a:buClrTx/>
+                        <a:buSzTx/>
+                        <a:buFontTx/>
+                        <a:buNone/>
+                        <a:tabLst/>
+                        <a:defRPr/>
+                      </a:pPr>
+                      <a:r>
+                        <a:rPr lang="en-US" altLang="en-US" sz="1800" dirty="0" err="1" smtClean="0"/>
+                        <a:t>Has_freeUnits</a:t>
+                      </a:r>
+                      <a:endParaRPr lang="en-US" altLang="en-US" sz="1800" dirty="0"/>
                     </a:p>
                   </a:txBody>
                   <a:tcPr anchor="ctr"/>
@@ -11301,4 +13293,265 @@
     </a:ext>
   </a:extLst>
 </a:theme>
+</file>
+
+<file path=ppt/theme/theme2.xml><?xml version="1.0" encoding="utf-8"?>
+<a:theme xmlns:a="http://schemas.openxmlformats.org/drawingml/2006/main" name="Office Theme">
+  <a:themeElements>
+    <a:clrScheme name="Office">
+      <a:dk1>
+        <a:sysClr val="windowText" lastClr="000000"/>
+      </a:dk1>
+      <a:lt1>
+        <a:sysClr val="window" lastClr="FFFFFF"/>
+      </a:lt1>
+      <a:dk2>
+        <a:srgbClr val="44546A"/>
+      </a:dk2>
+      <a:lt2>
+        <a:srgbClr val="E7E6E6"/>
+      </a:lt2>
+      <a:accent1>
+        <a:srgbClr val="5B9BD5"/>
+      </a:accent1>
+      <a:accent2>
+        <a:srgbClr val="ED7D31"/>
+      </a:accent2>
+      <a:accent3>
+        <a:srgbClr val="A5A5A5"/>
+      </a:accent3>
+      <a:accent4>
+        <a:srgbClr val="FFC000"/>
+      </a:accent4>
+      <a:accent5>
+        <a:srgbClr val="4472C4"/>
+      </a:accent5>
+      <a:accent6>
+        <a:srgbClr val="70AD47"/>
+      </a:accent6>
+      <a:hlink>
+        <a:srgbClr val="0563C1"/>
+      </a:hlink>
+      <a:folHlink>
+        <a:srgbClr val="954F72"/>
+      </a:folHlink>
+    </a:clrScheme>
+    <a:fontScheme name="Office">
+      <a:majorFont>
+        <a:latin typeface="Calibri Light" panose="020F0302020204030204"/>
+        <a:ea typeface=""/>
+        <a:cs typeface=""/>
+        <a:font script="Jpan" typeface="游ゴシック Light"/>
+        <a:font script="Hang" typeface="맑은 고딕"/>
+        <a:font script="Hans" typeface="等线 Light"/>
+        <a:font script="Hant" typeface="新細明體"/>
+        <a:font script="Arab" typeface="Times New Roman"/>
+        <a:font script="Hebr" typeface="Times New Roman"/>
+        <a:font script="Thai" typeface="Angsana New"/>
+        <a:font script="Ethi" typeface="Nyala"/>
+        <a:font script="Beng" typeface="Vrinda"/>
+        <a:font script="Gujr" typeface="Shruti"/>
+        <a:font script="Khmr" typeface="MoolBoran"/>
+        <a:font script="Knda" typeface="Tunga"/>
+        <a:font script="Guru" typeface="Raavi"/>
+        <a:font script="Cans" typeface="Euphemia"/>
+        <a:font script="Cher" typeface="Plantagenet Cherokee"/>
+        <a:font script="Yiii" typeface="Microsoft Yi Baiti"/>
+        <a:font script="Tibt" typeface="Microsoft Himalaya"/>
+        <a:font script="Thaa" typeface="MV Boli"/>
+        <a:font script="Deva" typeface="Mangal"/>
+        <a:font script="Telu" typeface="Gautami"/>
+        <a:font script="Taml" typeface="Latha"/>
+        <a:font script="Syrc" typeface="Estrangelo Edessa"/>
+        <a:font script="Orya" typeface="Kalinga"/>
+        <a:font script="Mlym" typeface="Kartika"/>
+        <a:font script="Laoo" typeface="DokChampa"/>
+        <a:font script="Sinh" typeface="Iskoola Pota"/>
+        <a:font script="Mong" typeface="Mongolian Baiti"/>
+        <a:font script="Viet" typeface="Times New Roman"/>
+        <a:font script="Uigh" typeface="Microsoft Uighur"/>
+        <a:font script="Geor" typeface="Sylfaen"/>
+      </a:majorFont>
+      <a:minorFont>
+        <a:latin typeface="Calibri" panose="020F0502020204030204"/>
+        <a:ea typeface=""/>
+        <a:cs typeface=""/>
+        <a:font script="Jpan" typeface="游ゴシック"/>
+        <a:font script="Hang" typeface="맑은 고딕"/>
+        <a:font script="Hans" typeface="等线"/>
+        <a:font script="Hant" typeface="新細明體"/>
+        <a:font script="Arab" typeface="Arial"/>
+        <a:font script="Hebr" typeface="Arial"/>
+        <a:font script="Thai" typeface="Cordia New"/>
+        <a:font script="Ethi" typeface="Nyala"/>
+        <a:font script="Beng" typeface="Vrinda"/>
+        <a:font script="Gujr" typeface="Shruti"/>
+        <a:font script="Khmr" typeface="DaunPenh"/>
+        <a:font script="Knda" typeface="Tunga"/>
+        <a:font script="Guru" typeface="Raavi"/>
+        <a:font script="Cans" typeface="Euphemia"/>
+        <a:font script="Cher" typeface="Plantagenet Cherokee"/>
+        <a:font script="Yiii" typeface="Microsoft Yi Baiti"/>
+        <a:font script="Tibt" typeface="Microsoft Himalaya"/>
+        <a:font script="Thaa" typeface="MV Boli"/>
+        <a:font script="Deva" typeface="Mangal"/>
+        <a:font script="Telu" typeface="Gautami"/>
+        <a:font script="Taml" typeface="Latha"/>
+        <a:font script="Syrc" typeface="Estrangelo Edessa"/>
+        <a:font script="Orya" typeface="Kalinga"/>
+        <a:font script="Mlym" typeface="Kartika"/>
+        <a:font script="Laoo" typeface="DokChampa"/>
+        <a:font script="Sinh" typeface="Iskoola Pota"/>
+        <a:font script="Mong" typeface="Mongolian Baiti"/>
+        <a:font script="Viet" typeface="Arial"/>
+        <a:font script="Uigh" typeface="Microsoft Uighur"/>
+        <a:font script="Geor" typeface="Sylfaen"/>
+      </a:minorFont>
+    </a:fontScheme>
+    <a:fmtScheme name="Office">
+      <a:fillStyleLst>
+        <a:solidFill>
+          <a:schemeClr val="phClr"/>
+        </a:solidFill>
+        <a:gradFill rotWithShape="1">
+          <a:gsLst>
+            <a:gs pos="0">
+              <a:schemeClr val="phClr">
+                <a:lumMod val="110000"/>
+                <a:satMod val="105000"/>
+                <a:tint val="67000"/>
+              </a:schemeClr>
+            </a:gs>
+            <a:gs pos="50000">
+              <a:schemeClr val="phClr">
+                <a:lumMod val="105000"/>
+                <a:satMod val="103000"/>
+                <a:tint val="73000"/>
+              </a:schemeClr>
+            </a:gs>
+            <a:gs pos="100000">
+              <a:schemeClr val="phClr">
+                <a:lumMod val="105000"/>
+                <a:satMod val="109000"/>
+                <a:tint val="81000"/>
+              </a:schemeClr>
+            </a:gs>
+          </a:gsLst>
+          <a:lin ang="5400000" scaled="0"/>
+        </a:gradFill>
+        <a:gradFill rotWithShape="1">
+          <a:gsLst>
+            <a:gs pos="0">
+              <a:schemeClr val="phClr">
+                <a:satMod val="103000"/>
+                <a:lumMod val="102000"/>
+                <a:tint val="94000"/>
+              </a:schemeClr>
+            </a:gs>
+            <a:gs pos="50000">
+              <a:schemeClr val="phClr">
+                <a:satMod val="110000"/>
+                <a:lumMod val="100000"/>
+                <a:shade val="100000"/>
+              </a:schemeClr>
+            </a:gs>
+            <a:gs pos="100000">
+              <a:schemeClr val="phClr">
+                <a:lumMod val="99000"/>
+                <a:satMod val="120000"/>
+                <a:shade val="78000"/>
+              </a:schemeClr>
+            </a:gs>
+          </a:gsLst>
+          <a:lin ang="5400000" scaled="0"/>
+        </a:gradFill>
+      </a:fillStyleLst>
+      <a:lnStyleLst>
+        <a:ln w="6350" cap="flat" cmpd="sng" algn="ctr">
+          <a:solidFill>
+            <a:schemeClr val="phClr"/>
+          </a:solidFill>
+          <a:prstDash val="solid"/>
+          <a:miter lim="800000"/>
+        </a:ln>
+        <a:ln w="12700" cap="flat" cmpd="sng" algn="ctr">
+          <a:solidFill>
+            <a:schemeClr val="phClr"/>
+          </a:solidFill>
+          <a:prstDash val="solid"/>
+          <a:miter lim="800000"/>
+        </a:ln>
+        <a:ln w="19050" cap="flat" cmpd="sng" algn="ctr">
+          <a:solidFill>
+            <a:schemeClr val="phClr"/>
+          </a:solidFill>
+          <a:prstDash val="solid"/>
+          <a:miter lim="800000"/>
+        </a:ln>
+      </a:lnStyleLst>
+      <a:effectStyleLst>
+        <a:effectStyle>
+          <a:effectLst/>
+        </a:effectStyle>
+        <a:effectStyle>
+          <a:effectLst/>
+        </a:effectStyle>
+        <a:effectStyle>
+          <a:effectLst>
+            <a:outerShdw blurRad="57150" dist="19050" dir="5400000" algn="ctr" rotWithShape="0">
+              <a:srgbClr val="000000">
+                <a:alpha val="63000"/>
+              </a:srgbClr>
+            </a:outerShdw>
+          </a:effectLst>
+        </a:effectStyle>
+      </a:effectStyleLst>
+      <a:bgFillStyleLst>
+        <a:solidFill>
+          <a:schemeClr val="phClr"/>
+        </a:solidFill>
+        <a:solidFill>
+          <a:schemeClr val="phClr">
+            <a:tint val="95000"/>
+            <a:satMod val="170000"/>
+          </a:schemeClr>
+        </a:solidFill>
+        <a:gradFill rotWithShape="1">
+          <a:gsLst>
+            <a:gs pos="0">
+              <a:schemeClr val="phClr">
+                <a:tint val="93000"/>
+                <a:satMod val="150000"/>
+                <a:shade val="98000"/>
+                <a:lumMod val="102000"/>
+              </a:schemeClr>
+            </a:gs>
+            <a:gs pos="50000">
+              <a:schemeClr val="phClr">
+                <a:tint val="98000"/>
+                <a:satMod val="130000"/>
+                <a:shade val="90000"/>
+                <a:lumMod val="103000"/>
+              </a:schemeClr>
+            </a:gs>
+            <a:gs pos="100000">
+              <a:schemeClr val="phClr">
+                <a:shade val="63000"/>
+                <a:satMod val="120000"/>
+              </a:schemeClr>
+            </a:gs>
+          </a:gsLst>
+          <a:lin ang="5400000" scaled="0"/>
+        </a:gradFill>
+      </a:bgFillStyleLst>
+    </a:fmtScheme>
+  </a:themeElements>
+  <a:objectDefaults/>
+  <a:extraClrSchemeLst/>
+  <a:extLst>
+    <a:ext uri="{05A4C25C-085E-4340-85A3-A5531E510DB2}">
+      <thm15:themeFamily xmlns:thm15="http://schemas.microsoft.com/office/thememl/2012/main" name="Office Theme" id="{62F939B6-93AF-4DB8-9C6B-D6C7DFDC589F}" vid="{4A3C46E8-61CC-4603-A589-7422A47A8E4A}"/>
+    </a:ext>
+  </a:extLst>
+</a:theme>
 </file>
--- a/Database Documentation/Database Documentation.pptx
+++ b/Database Documentation/Database Documentation.pptx
@@ -5,7 +5,7 @@
     <p:sldMasterId id="2147483648" r:id="rId1"/>
   </p:sldMasterIdLst>
   <p:notesMasterIdLst>
-    <p:notesMasterId r:id="rId9"/>
+    <p:notesMasterId r:id="rId10"/>
   </p:notesMasterIdLst>
   <p:sldIdLst>
     <p:sldId id="256" r:id="rId2"/>
@@ -14,7 +14,8 @@
     <p:sldId id="260" r:id="rId5"/>
     <p:sldId id="261" r:id="rId6"/>
     <p:sldId id="263" r:id="rId7"/>
-    <p:sldId id="258" r:id="rId8"/>
+    <p:sldId id="264" r:id="rId8"/>
+    <p:sldId id="258" r:id="rId9"/>
   </p:sldIdLst>
   <p:sldSz cx="12192000" cy="6858000"/>
   <p:notesSz cx="6858000" cy="9144000"/>
@@ -203,7 +204,7 @@
           <a:p>
             <a:fld id="{951D2AFC-B146-40C7-8E13-8C846E293EC8}" type="datetimeFigureOut">
               <a:rPr lang="en-US" smtClean="0"/>
-              <a:t>4/26/2020</a:t>
+              <a:t>4/30/2020</a:t>
             </a:fld>
             <a:endParaRPr lang="en-US"/>
           </a:p>
@@ -555,6 +556,90 @@
 </p:notes>
 </file>
 
+<file path=ppt/notesSlides/notesSlide2.xml><?xml version="1.0" encoding="utf-8"?>
+<p:notes xmlns:a="http://schemas.openxmlformats.org/drawingml/2006/main" xmlns:r="http://schemas.openxmlformats.org/officeDocument/2006/relationships" xmlns:p="http://schemas.openxmlformats.org/presentationml/2006/main">
+  <p:cSld>
+    <p:spTree>
+      <p:nvGrpSpPr>
+        <p:cNvPr id="1" name=""/>
+        <p:cNvGrpSpPr/>
+        <p:nvPr/>
+      </p:nvGrpSpPr>
+      <p:grpSpPr>
+        <a:xfrm>
+          <a:off x="0" y="0"/>
+          <a:ext cx="0" cy="0"/>
+          <a:chOff x="0" y="0"/>
+          <a:chExt cx="0" cy="0"/>
+        </a:xfrm>
+      </p:grpSpPr>
+      <p:sp>
+        <p:nvSpPr>
+          <p:cNvPr id="2" name="Slide Image Placeholder 1"/>
+          <p:cNvSpPr>
+            <a:spLocks noGrp="1" noRot="1" noChangeAspect="1"/>
+          </p:cNvSpPr>
+          <p:nvPr>
+            <p:ph type="sldImg"/>
+          </p:nvPr>
+        </p:nvSpPr>
+        <p:spPr/>
+      </p:sp>
+      <p:sp>
+        <p:nvSpPr>
+          <p:cNvPr id="3" name="Notes Placeholder 2"/>
+          <p:cNvSpPr>
+            <a:spLocks noGrp="1"/>
+          </p:cNvSpPr>
+          <p:nvPr>
+            <p:ph type="body" idx="1"/>
+          </p:nvPr>
+        </p:nvSpPr>
+        <p:spPr/>
+        <p:txBody>
+          <a:bodyPr/>
+          <a:lstStyle/>
+          <a:p>
+            <a:endParaRPr lang="en-US" dirty="0"/>
+          </a:p>
+        </p:txBody>
+      </p:sp>
+      <p:sp>
+        <p:nvSpPr>
+          <p:cNvPr id="4" name="Slide Number Placeholder 3"/>
+          <p:cNvSpPr>
+            <a:spLocks noGrp="1"/>
+          </p:cNvSpPr>
+          <p:nvPr>
+            <p:ph type="sldNum" sz="quarter" idx="10"/>
+          </p:nvPr>
+        </p:nvSpPr>
+        <p:spPr/>
+        <p:txBody>
+          <a:bodyPr/>
+          <a:lstStyle/>
+          <a:p>
+            <a:fld id="{68FD2EF9-7B9B-46AC-A885-338B1C581335}" type="slidenum">
+              <a:rPr lang="en-US" smtClean="0"/>
+              <a:t>7</a:t>
+            </a:fld>
+            <a:endParaRPr lang="en-US"/>
+          </a:p>
+        </p:txBody>
+      </p:sp>
+    </p:spTree>
+    <p:extLst>
+      <p:ext uri="{BB962C8B-B14F-4D97-AF65-F5344CB8AC3E}">
+        <p14:creationId xmlns:p14="http://schemas.microsoft.com/office/powerpoint/2010/main" val="1046054999"/>
+      </p:ext>
+    </p:extLst>
+  </p:cSld>
+  <p:clrMapOvr>
+    <a:masterClrMapping/>
+  </p:clrMapOvr>
+</p:notes>
+</file>
+
 <file path=ppt/slideLayouts/slideLayout1.xml><?xml version="1.0" encoding="utf-8"?>
 <p:sldLayout xmlns:a="http://schemas.openxmlformats.org/drawingml/2006/main" xmlns:r="http://schemas.openxmlformats.org/officeDocument/2006/relationships" xmlns:p="http://schemas.openxmlformats.org/presentationml/2006/main" type="title" preserve="1">
   <p:cSld name="Title Slide">
@@ -704,7 +789,7 @@
           <a:p>
             <a:fld id="{80FB5BE9-7F13-4564-9415-A50ADEB12BD1}" type="datetimeFigureOut">
               <a:rPr lang="en-GB" smtClean="0"/>
-              <a:t>26/04/2020</a:t>
+              <a:t>30/04/2020</a:t>
             </a:fld>
             <a:endParaRPr lang="en-GB" dirty="0"/>
           </a:p>
@@ -904,7 +989,7 @@
           <a:p>
             <a:fld id="{80FB5BE9-7F13-4564-9415-A50ADEB12BD1}" type="datetimeFigureOut">
               <a:rPr lang="en-GB" smtClean="0"/>
-              <a:t>26/04/2020</a:t>
+              <a:t>30/04/2020</a:t>
             </a:fld>
             <a:endParaRPr lang="en-GB" dirty="0"/>
           </a:p>
@@ -1114,7 +1199,7 @@
           <a:p>
             <a:fld id="{80FB5BE9-7F13-4564-9415-A50ADEB12BD1}" type="datetimeFigureOut">
               <a:rPr lang="en-GB" smtClean="0"/>
-              <a:t>26/04/2020</a:t>
+              <a:t>30/04/2020</a:t>
             </a:fld>
             <a:endParaRPr lang="en-GB" dirty="0"/>
           </a:p>
@@ -1314,7 +1399,7 @@
           <a:p>
             <a:fld id="{80FB5BE9-7F13-4564-9415-A50ADEB12BD1}" type="datetimeFigureOut">
               <a:rPr lang="en-GB" smtClean="0"/>
-              <a:t>26/04/2020</a:t>
+              <a:t>30/04/2020</a:t>
             </a:fld>
             <a:endParaRPr lang="en-GB" dirty="0"/>
           </a:p>
@@ -1590,7 +1675,7 @@
           <a:p>
             <a:fld id="{80FB5BE9-7F13-4564-9415-A50ADEB12BD1}" type="datetimeFigureOut">
               <a:rPr lang="en-GB" smtClean="0"/>
-              <a:t>26/04/2020</a:t>
+              <a:t>30/04/2020</a:t>
             </a:fld>
             <a:endParaRPr lang="en-GB" dirty="0"/>
           </a:p>
@@ -1858,7 +1943,7 @@
           <a:p>
             <a:fld id="{80FB5BE9-7F13-4564-9415-A50ADEB12BD1}" type="datetimeFigureOut">
               <a:rPr lang="en-GB" smtClean="0"/>
-              <a:t>26/04/2020</a:t>
+              <a:t>30/04/2020</a:t>
             </a:fld>
             <a:endParaRPr lang="en-GB" dirty="0"/>
           </a:p>
@@ -2273,7 +2358,7 @@
           <a:p>
             <a:fld id="{80FB5BE9-7F13-4564-9415-A50ADEB12BD1}" type="datetimeFigureOut">
               <a:rPr lang="en-GB" smtClean="0"/>
-              <a:t>26/04/2020</a:t>
+              <a:t>30/04/2020</a:t>
             </a:fld>
             <a:endParaRPr lang="en-GB" dirty="0"/>
           </a:p>
@@ -2415,7 +2500,7 @@
           <a:p>
             <a:fld id="{80FB5BE9-7F13-4564-9415-A50ADEB12BD1}" type="datetimeFigureOut">
               <a:rPr lang="en-GB" smtClean="0"/>
-              <a:t>26/04/2020</a:t>
+              <a:t>30/04/2020</a:t>
             </a:fld>
             <a:endParaRPr lang="en-GB" dirty="0"/>
           </a:p>
@@ -2528,7 +2613,7 @@
           <a:p>
             <a:fld id="{80FB5BE9-7F13-4564-9415-A50ADEB12BD1}" type="datetimeFigureOut">
               <a:rPr lang="en-GB" smtClean="0"/>
-              <a:t>26/04/2020</a:t>
+              <a:t>30/04/2020</a:t>
             </a:fld>
             <a:endParaRPr lang="en-GB" dirty="0"/>
           </a:p>
@@ -2841,7 +2926,7 @@
           <a:p>
             <a:fld id="{80FB5BE9-7F13-4564-9415-A50ADEB12BD1}" type="datetimeFigureOut">
               <a:rPr lang="en-GB" smtClean="0"/>
-              <a:t>26/04/2020</a:t>
+              <a:t>30/04/2020</a:t>
             </a:fld>
             <a:endParaRPr lang="en-GB" dirty="0"/>
           </a:p>
@@ -3130,7 +3215,7 @@
           <a:p>
             <a:fld id="{80FB5BE9-7F13-4564-9415-A50ADEB12BD1}" type="datetimeFigureOut">
               <a:rPr lang="en-GB" smtClean="0"/>
-              <a:t>26/04/2020</a:t>
+              <a:t>30/04/2020</a:t>
             </a:fld>
             <a:endParaRPr lang="en-GB" dirty="0"/>
           </a:p>
@@ -3373,7 +3458,7 @@
           <a:p>
             <a:fld id="{80FB5BE9-7F13-4564-9415-A50ADEB12BD1}" type="datetimeFigureOut">
               <a:rPr lang="en-GB" smtClean="0"/>
-              <a:t>26/04/2020</a:t>
+              <a:t>30/04/2020</a:t>
             </a:fld>
             <a:endParaRPr lang="en-GB" dirty="0"/>
           </a:p>
@@ -8539,14 +8624,14 @@
           <p:nvPr>
             <p:extLst>
               <p:ext uri="{D42A27DB-BD31-4B8C-83A1-F6EECF244321}">
-                <p14:modId xmlns:p14="http://schemas.microsoft.com/office/powerpoint/2010/main" val="2197428018"/>
+                <p14:modId xmlns:p14="http://schemas.microsoft.com/office/powerpoint/2010/main" val="184603235"/>
               </p:ext>
             </p:extLst>
           </p:nvPr>
         </p:nvGraphicFramePr>
         <p:xfrm>
-          <a:off x="260366" y="5112430"/>
-          <a:ext cx="11308180" cy="929640"/>
+          <a:off x="499922" y="5092131"/>
+          <a:ext cx="11169632" cy="1005840"/>
         </p:xfrm>
         <a:graphic>
           <a:graphicData uri="http://schemas.openxmlformats.org/drawingml/2006/table">
@@ -8555,77 +8640,77 @@
                 <a:tableStyleId>{7DF18680-E054-41AD-8BC1-D1AEF772440D}</a:tableStyleId>
               </a:tblPr>
               <a:tblGrid>
-                <a:gridCol w="1005790">
+                <a:gridCol w="993467">
                   <a:extLst>
                     <a:ext uri="{9D8B030D-6E8A-4147-A177-3AD203B41FA5}">
                       <a16:colId xmlns:a16="http://schemas.microsoft.com/office/drawing/2014/main" val="201513916"/>
                     </a:ext>
                   </a:extLst>
                 </a:gridCol>
-                <a:gridCol w="1005790">
+                <a:gridCol w="993467">
                   <a:extLst>
                     <a:ext uri="{9D8B030D-6E8A-4147-A177-3AD203B41FA5}">
                       <a16:colId xmlns:a16="http://schemas.microsoft.com/office/drawing/2014/main" val="3070872457"/>
                     </a:ext>
                   </a:extLst>
                 </a:gridCol>
-                <a:gridCol w="1005790">
+                <a:gridCol w="993467">
                   <a:extLst>
                     <a:ext uri="{9D8B030D-6E8A-4147-A177-3AD203B41FA5}">
                       <a16:colId xmlns:a16="http://schemas.microsoft.com/office/drawing/2014/main" val="4160908569"/>
                     </a:ext>
                   </a:extLst>
                 </a:gridCol>
-                <a:gridCol w="1391133">
+                <a:gridCol w="1374089">
                   <a:extLst>
                     <a:ext uri="{9D8B030D-6E8A-4147-A177-3AD203B41FA5}">
                       <a16:colId xmlns:a16="http://schemas.microsoft.com/office/drawing/2014/main" val="1590507565"/>
                     </a:ext>
                   </a:extLst>
                 </a:gridCol>
-                <a:gridCol w="1005790">
+                <a:gridCol w="993467">
                   <a:extLst>
                     <a:ext uri="{9D8B030D-6E8A-4147-A177-3AD203B41FA5}">
                       <a16:colId xmlns:a16="http://schemas.microsoft.com/office/drawing/2014/main" val="1851729959"/>
                     </a:ext>
                   </a:extLst>
                 </a:gridCol>
-                <a:gridCol w="1005790">
+                <a:gridCol w="993467">
                   <a:extLst>
                     <a:ext uri="{9D8B030D-6E8A-4147-A177-3AD203B41FA5}">
                       <a16:colId xmlns:a16="http://schemas.microsoft.com/office/drawing/2014/main" val="923522584"/>
                     </a:ext>
                   </a:extLst>
                 </a:gridCol>
-                <a:gridCol w="1005790">
+                <a:gridCol w="993467">
                   <a:extLst>
                     <a:ext uri="{9D8B030D-6E8A-4147-A177-3AD203B41FA5}">
                       <a16:colId xmlns:a16="http://schemas.microsoft.com/office/drawing/2014/main" val="3417585095"/>
                     </a:ext>
                   </a:extLst>
                 </a:gridCol>
-                <a:gridCol w="1005790">
+                <a:gridCol w="993467">
                   <a:extLst>
                     <a:ext uri="{9D8B030D-6E8A-4147-A177-3AD203B41FA5}">
                       <a16:colId xmlns:a16="http://schemas.microsoft.com/office/drawing/2014/main" val="2557095657"/>
                     </a:ext>
                   </a:extLst>
                 </a:gridCol>
-                <a:gridCol w="864937">
+                <a:gridCol w="854340">
                   <a:extLst>
                     <a:ext uri="{9D8B030D-6E8A-4147-A177-3AD203B41FA5}">
                       <a16:colId xmlns:a16="http://schemas.microsoft.com/office/drawing/2014/main" val="2967440029"/>
                     </a:ext>
                   </a:extLst>
                 </a:gridCol>
-                <a:gridCol w="1005790">
+                <a:gridCol w="993467">
                   <a:extLst>
                     <a:ext uri="{9D8B030D-6E8A-4147-A177-3AD203B41FA5}">
                       <a16:colId xmlns:a16="http://schemas.microsoft.com/office/drawing/2014/main" val="1327699478"/>
                     </a:ext>
                   </a:extLst>
                 </a:gridCol>
-                <a:gridCol w="1005790">
+                <a:gridCol w="993467">
                   <a:extLst>
                     <a:ext uri="{9D8B030D-6E8A-4147-A177-3AD203B41FA5}">
                       <a16:colId xmlns:a16="http://schemas.microsoft.com/office/drawing/2014/main" val="2835791411"/>
@@ -8633,7 +8718,7 @@
                   </a:extLst>
                 </a:gridCol>
               </a:tblGrid>
-              <a:tr h="929640">
+              <a:tr h="721511">
                 <a:tc>
                   <a:txBody>
                     <a:bodyPr/>
@@ -8830,8 +8915,20 @@
                       <a:pPr algn="ctr"/>
                       <a:r>
                         <a:rPr lang="en-GB" sz="1200" dirty="0"/>
-                        <a:t>On Net</a:t>
-                      </a:r>
+                        <a:t>On </a:t>
+                      </a:r>
+                      <a:r>
+                        <a:rPr lang="en-GB" sz="1200" dirty="0" smtClean="0"/>
+                        <a:t>Net</a:t>
+                      </a:r>
+                    </a:p>
+                    <a:p>
+                      <a:pPr algn="ctr"/>
+                      <a:r>
+                        <a:rPr lang="en-GB" sz="1200" dirty="0" smtClean="0"/>
+                        <a:t>(sec)</a:t>
+                      </a:r>
+                      <a:endParaRPr lang="en-GB" sz="1200" dirty="0"/>
                     </a:p>
                   </a:txBody>
                   <a:tcPr anchor="ctr"/>
@@ -8865,8 +8962,13 @@
                       <a:pPr algn="ctr"/>
                       <a:r>
                         <a:rPr lang="en-GB" sz="1200" dirty="0"/>
-                        <a:t>Cross  Net</a:t>
-                      </a:r>
+                        <a:t>Cross  </a:t>
+                      </a:r>
+                      <a:r>
+                        <a:rPr lang="en-GB" sz="1200" dirty="0" smtClean="0"/>
+                        <a:t>Net(sec)</a:t>
+                      </a:r>
+                      <a:endParaRPr lang="en-GB" sz="1200" dirty="0"/>
                     </a:p>
                   </a:txBody>
                   <a:tcPr anchor="ctr"/>
@@ -8994,13 +9096,13 @@
           <p:nvPr>
             <p:extLst>
               <p:ext uri="{D42A27DB-BD31-4B8C-83A1-F6EECF244321}">
-                <p14:modId xmlns:p14="http://schemas.microsoft.com/office/powerpoint/2010/main" val="3339611842"/>
+                <p14:modId xmlns:p14="http://schemas.microsoft.com/office/powerpoint/2010/main" val="4054592951"/>
               </p:ext>
             </p:extLst>
           </p:nvPr>
         </p:nvGraphicFramePr>
         <p:xfrm>
-          <a:off x="224183" y="704530"/>
+          <a:off x="260366" y="731843"/>
           <a:ext cx="7118022" cy="640080"/>
         </p:xfrm>
         <a:graphic>
@@ -9399,7 +9501,7 @@
           <p:nvPr>
             <p:extLst>
               <p:ext uri="{D42A27DB-BD31-4B8C-83A1-F6EECF244321}">
-                <p14:modId xmlns:p14="http://schemas.microsoft.com/office/powerpoint/2010/main" val="2402260837"/>
+                <p14:modId xmlns:p14="http://schemas.microsoft.com/office/powerpoint/2010/main" val="2350178164"/>
               </p:ext>
             </p:extLst>
           </p:nvPr>
@@ -9668,9 +9770,10 @@
                     <a:p>
                       <a:pPr algn="ctr"/>
                       <a:r>
-                        <a:rPr lang="en-GB" sz="1600" dirty="0"/>
+                        <a:rPr lang="en-GB" sz="1600" dirty="0" smtClean="0"/>
                         <a:t>Internet</a:t>
                       </a:r>
+                      <a:endParaRPr lang="en-GB" sz="1600" dirty="0"/>
                     </a:p>
                   </a:txBody>
                   <a:tcPr anchor="ctr">
@@ -9734,7 +9837,7 @@
           <p:nvPr>
             <p:extLst>
               <p:ext uri="{D42A27DB-BD31-4B8C-83A1-F6EECF244321}">
-                <p14:modId xmlns:p14="http://schemas.microsoft.com/office/powerpoint/2010/main" val="40435006"/>
+                <p14:modId xmlns:p14="http://schemas.microsoft.com/office/powerpoint/2010/main" val="707272583"/>
               </p:ext>
             </p:extLst>
           </p:nvPr>
@@ -9999,9 +10102,10 @@
                     <a:p>
                       <a:pPr algn="ctr"/>
                       <a:r>
-                        <a:rPr lang="en-GB" sz="1600" dirty="0"/>
-                        <a:t>Amount</a:t>
-                      </a:r>
+                        <a:rPr lang="en-GB" sz="1600" dirty="0" smtClean="0"/>
+                        <a:t>Amount(sec)</a:t>
+                      </a:r>
+                      <a:endParaRPr lang="en-GB" sz="1600" dirty="0"/>
                     </a:p>
                   </a:txBody>
                   <a:tcPr anchor="ctr"/>
@@ -10362,13 +10466,13 @@
           <p:nvPr>
             <p:extLst>
               <p:ext uri="{D42A27DB-BD31-4B8C-83A1-F6EECF244321}">
-                <p14:modId xmlns:p14="http://schemas.microsoft.com/office/powerpoint/2010/main" val="765382133"/>
+                <p14:modId xmlns:p14="http://schemas.microsoft.com/office/powerpoint/2010/main" val="310829193"/>
               </p:ext>
             </p:extLst>
           </p:nvPr>
         </p:nvGraphicFramePr>
         <p:xfrm>
-          <a:off x="7492250" y="1382307"/>
+          <a:off x="8051585" y="4138631"/>
           <a:ext cx="4416860" cy="747048"/>
         </p:xfrm>
         <a:graphic>
@@ -10552,13 +10656,13 @@
           <p:nvPr>
             <p:extLst>
               <p:ext uri="{D42A27DB-BD31-4B8C-83A1-F6EECF244321}">
-                <p14:modId xmlns:p14="http://schemas.microsoft.com/office/powerpoint/2010/main" val="2277102868"/>
+                <p14:modId xmlns:p14="http://schemas.microsoft.com/office/powerpoint/2010/main" val="1943366788"/>
               </p:ext>
             </p:extLst>
           </p:nvPr>
         </p:nvGraphicFramePr>
         <p:xfrm>
-          <a:off x="260366" y="4152381"/>
+          <a:off x="-1182022" y="4187110"/>
           <a:ext cx="9157955" cy="822960"/>
         </p:xfrm>
         <a:graphic>
@@ -10879,8 +10983,8 @@
         </p:nvSpPr>
         <p:spPr>
           <a:xfrm>
-            <a:off x="4282860" y="70276"/>
-            <a:ext cx="5429176" cy="646331"/>
+            <a:off x="2895600" y="70276"/>
+            <a:ext cx="9013510" cy="646331"/>
           </a:xfrm>
           <a:prstGeom prst="rect">
             <a:avLst/>
@@ -10901,7 +11005,19 @@
               <a:rPr lang="en-US" dirty="0" smtClean="0">
                 <a:sym typeface="Wingdings" panose="05000000000000000000" pitchFamily="2" charset="2"/>
               </a:rPr>
-              <a:t> float                                   All Date text</a:t>
+              <a:t> float                                   All Date text                    1G---1.16LE (</a:t>
+            </a:r>
+            <a:r>
+              <a:rPr lang="en-US" dirty="0" err="1" smtClean="0">
+                <a:sym typeface="Wingdings" panose="05000000000000000000" pitchFamily="2" charset="2"/>
+              </a:rPr>
+              <a:t>exp</a:t>
+            </a:r>
+            <a:r>
+              <a:rPr lang="en-US" dirty="0" smtClean="0">
+                <a:sym typeface="Wingdings" panose="05000000000000000000" pitchFamily="2" charset="2"/>
+              </a:rPr>
+              <a:t>)</a:t>
             </a:r>
           </a:p>
           <a:p>
@@ -10984,14 +11100,14 @@
           <p:nvPr>
             <p:extLst>
               <p:ext uri="{D42A27DB-BD31-4B8C-83A1-F6EECF244321}">
-                <p14:modId xmlns:p14="http://schemas.microsoft.com/office/powerpoint/2010/main" val="3145403644"/>
+                <p14:modId xmlns:p14="http://schemas.microsoft.com/office/powerpoint/2010/main" val="2921790643"/>
               </p:ext>
             </p:extLst>
           </p:nvPr>
         </p:nvGraphicFramePr>
         <p:xfrm>
-          <a:off x="260366" y="6138844"/>
-          <a:ext cx="9776704" cy="640080"/>
+          <a:off x="838200" y="6182971"/>
+          <a:ext cx="9776705" cy="640080"/>
         </p:xfrm>
         <a:graphic>
           <a:graphicData uri="http://schemas.openxmlformats.org/drawingml/2006/table">
@@ -11000,31 +11116,38 @@
                 <a:tableStyleId>{7DF18680-E054-41AD-8BC1-D1AEF772440D}</a:tableStyleId>
               </a:tblPr>
               <a:tblGrid>
-                <a:gridCol w="2444176">
+                <a:gridCol w="1955341">
                   <a:extLst>
                     <a:ext uri="{9D8B030D-6E8A-4147-A177-3AD203B41FA5}">
                       <a16:colId xmlns:a16="http://schemas.microsoft.com/office/drawing/2014/main" val="201513916"/>
                     </a:ext>
                   </a:extLst>
                 </a:gridCol>
-                <a:gridCol w="2444176">
+                <a:gridCol w="1955341">
                   <a:extLst>
                     <a:ext uri="{9D8B030D-6E8A-4147-A177-3AD203B41FA5}">
                       <a16:colId xmlns:a16="http://schemas.microsoft.com/office/drawing/2014/main" val="4160908569"/>
                     </a:ext>
                   </a:extLst>
                 </a:gridCol>
-                <a:gridCol w="2444176">
+                <a:gridCol w="1955341">
                   <a:extLst>
                     <a:ext uri="{9D8B030D-6E8A-4147-A177-3AD203B41FA5}">
                       <a16:colId xmlns:a16="http://schemas.microsoft.com/office/drawing/2014/main" val="3835503643"/>
                     </a:ext>
                   </a:extLst>
                 </a:gridCol>
-                <a:gridCol w="2444176">
+                <a:gridCol w="1955341">
                   <a:extLst>
                     <a:ext uri="{9D8B030D-6E8A-4147-A177-3AD203B41FA5}">
                       <a16:colId xmlns:a16="http://schemas.microsoft.com/office/drawing/2014/main" val="1590507565"/>
+                    </a:ext>
+                  </a:extLst>
+                </a:gridCol>
+                <a:gridCol w="1955341">
+                  <a:extLst>
+                    <a:ext uri="{9D8B030D-6E8A-4147-A177-3AD203B41FA5}">
+                      <a16:colId xmlns:a16="http://schemas.microsoft.com/office/drawing/2014/main" val="451514499"/>
                     </a:ext>
                   </a:extLst>
                 </a:gridCol>
@@ -11249,6 +11372,33 @@
                     </a:p>
                   </a:txBody>
                   <a:tcPr anchor="ctr"/>
+                </a:tc>
+                <a:tc>
+                  <a:txBody>
+                    <a:bodyPr/>
+                    <a:lstStyle/>
+                    <a:p>
+                      <a:pPr algn="ctr"/>
+                      <a:r>
+                        <a:rPr lang="en-GB" dirty="0" smtClean="0">
+                          <a:solidFill>
+                            <a:schemeClr val="bg1"/>
+                          </a:solidFill>
+                        </a:rPr>
+                        <a:t>Ask for OTS(false/true)</a:t>
+                      </a:r>
+                      <a:endParaRPr lang="en-GB" dirty="0">
+                        <a:solidFill>
+                          <a:schemeClr val="bg1"/>
+                        </a:solidFill>
+                      </a:endParaRPr>
+                    </a:p>
+                  </a:txBody>
+                  <a:tcPr anchor="ctr">
+                    <a:solidFill>
+                      <a:schemeClr val="tx1"/>
+                    </a:solidFill>
+                  </a:tcPr>
                 </a:tc>
                 <a:extLst>
                   <a:ext uri="{0D108BD9-81ED-4DB2-BD59-A6C34878D82A}">
@@ -11326,301 +11476,6 @@
           </a:p>
         </p:txBody>
       </p:sp>
-      <p:graphicFrame>
-        <p:nvGraphicFramePr>
-          <p:cNvPr id="3" name="Table 9">
-            <a:extLst>
-              <a:ext uri="{FF2B5EF4-FFF2-40B4-BE49-F238E27FC236}">
-                <a16:creationId xmlns:a16="http://schemas.microsoft.com/office/drawing/2014/main" id="{9D1E50DD-A0A6-406D-8B9C-1C41C027B4E9}"/>
-              </a:ext>
-            </a:extLst>
-          </p:cNvPr>
-          <p:cNvGraphicFramePr>
-            <a:graphicFrameLocks noGrp="1"/>
-          </p:cNvGraphicFramePr>
-          <p:nvPr>
-            <p:extLst>
-              <p:ext uri="{D42A27DB-BD31-4B8C-83A1-F6EECF244321}">
-                <p14:modId xmlns:p14="http://schemas.microsoft.com/office/powerpoint/2010/main" val="1458794295"/>
-              </p:ext>
-            </p:extLst>
-          </p:nvPr>
-        </p:nvGraphicFramePr>
-        <p:xfrm>
-          <a:off x="296548" y="4513089"/>
-          <a:ext cx="9941961" cy="914400"/>
-        </p:xfrm>
-        <a:graphic>
-          <a:graphicData uri="http://schemas.openxmlformats.org/drawingml/2006/table">
-            <a:tbl>
-              <a:tblPr firstRow="1" bandRow="1">
-                <a:tableStyleId>{7DF18680-E054-41AD-8BC1-D1AEF772440D}</a:tableStyleId>
-              </a:tblPr>
-              <a:tblGrid>
-                <a:gridCol w="1242745">
-                  <a:extLst>
-                    <a:ext uri="{9D8B030D-6E8A-4147-A177-3AD203B41FA5}">
-                      <a16:colId xmlns:a16="http://schemas.microsoft.com/office/drawing/2014/main" val="201513916"/>
-                    </a:ext>
-                  </a:extLst>
-                </a:gridCol>
-                <a:gridCol w="1242745">
-                  <a:extLst>
-                    <a:ext uri="{9D8B030D-6E8A-4147-A177-3AD203B41FA5}">
-                      <a16:colId xmlns:a16="http://schemas.microsoft.com/office/drawing/2014/main" val="4160908569"/>
-                    </a:ext>
-                  </a:extLst>
-                </a:gridCol>
-                <a:gridCol w="1242745">
-                  <a:extLst>
-                    <a:ext uri="{9D8B030D-6E8A-4147-A177-3AD203B41FA5}">
-                      <a16:colId xmlns:a16="http://schemas.microsoft.com/office/drawing/2014/main" val="3835503643"/>
-                    </a:ext>
-                  </a:extLst>
-                </a:gridCol>
-                <a:gridCol w="1242745">
-                  <a:extLst>
-                    <a:ext uri="{9D8B030D-6E8A-4147-A177-3AD203B41FA5}">
-                      <a16:colId xmlns:a16="http://schemas.microsoft.com/office/drawing/2014/main" val="1590507565"/>
-                    </a:ext>
-                  </a:extLst>
-                </a:gridCol>
-                <a:gridCol w="1242745">
-                  <a:extLst>
-                    <a:ext uri="{9D8B030D-6E8A-4147-A177-3AD203B41FA5}">
-                      <a16:colId xmlns:a16="http://schemas.microsoft.com/office/drawing/2014/main" val="3183350773"/>
-                    </a:ext>
-                  </a:extLst>
-                </a:gridCol>
-                <a:gridCol w="1242745">
-                  <a:extLst>
-                    <a:ext uri="{9D8B030D-6E8A-4147-A177-3AD203B41FA5}">
-                      <a16:colId xmlns:a16="http://schemas.microsoft.com/office/drawing/2014/main" val="943213032"/>
-                    </a:ext>
-                  </a:extLst>
-                </a:gridCol>
-                <a:gridCol w="808154">
-                  <a:extLst>
-                    <a:ext uri="{9D8B030D-6E8A-4147-A177-3AD203B41FA5}">
-                      <a16:colId xmlns:a16="http://schemas.microsoft.com/office/drawing/2014/main" val="1851729959"/>
-                    </a:ext>
-                  </a:extLst>
-                </a:gridCol>
-                <a:gridCol w="1677337">
-                  <a:extLst>
-                    <a:ext uri="{9D8B030D-6E8A-4147-A177-3AD203B41FA5}">
-                      <a16:colId xmlns:a16="http://schemas.microsoft.com/office/drawing/2014/main" val="3391271075"/>
-                    </a:ext>
-                  </a:extLst>
-                </a:gridCol>
-              </a:tblGrid>
-              <a:tr h="374469">
-                <a:tc>
-                  <a:txBody>
-                    <a:bodyPr/>
-                    <a:lstStyle/>
-                    <a:p>
-                      <a:pPr algn="ctr"/>
-                      <a:r>
-                        <a:rPr lang="en-GB" dirty="0">
-                          <a:solidFill>
-                            <a:sysClr val="windowText" lastClr="000000"/>
-                          </a:solidFill>
-                        </a:rPr>
-                        <a:t>UDR</a:t>
-                      </a:r>
-                    </a:p>
-                  </a:txBody>
-                  <a:tcPr anchor="ctr">
-                    <a:solidFill>
-                      <a:schemeClr val="bg2"/>
-                    </a:solidFill>
-                  </a:tcPr>
-                </a:tc>
-                <a:tc>
-                  <a:txBody>
-                    <a:bodyPr/>
-                    <a:lstStyle/>
-                    <a:p>
-                      <a:pPr algn="ctr"/>
-                      <a:r>
-                        <a:rPr lang="en-GB" dirty="0"/>
-                        <a:t>UDR ID</a:t>
-                      </a:r>
-                    </a:p>
-                    <a:p>
-                      <a:pPr algn="ctr"/>
-                      <a:r>
-                        <a:rPr lang="en-GB" dirty="0"/>
-                        <a:t>(PK)</a:t>
-                      </a:r>
-                    </a:p>
-                  </a:txBody>
-                  <a:tcPr anchor="ctr"/>
-                </a:tc>
-                <a:tc>
-                  <a:txBody>
-                    <a:bodyPr/>
-                    <a:lstStyle/>
-                    <a:p>
-                      <a:pPr algn="ctr"/>
-                      <a:r>
-                        <a:rPr lang="en-GB" dirty="0"/>
-                        <a:t>CDR</a:t>
-                      </a:r>
-                    </a:p>
-                    <a:p>
-                      <a:pPr algn="ctr"/>
-                      <a:r>
-                        <a:rPr lang="en-GB" dirty="0"/>
-                        <a:t>Number</a:t>
-                      </a:r>
-                    </a:p>
-                    <a:p>
-                      <a:pPr algn="ctr"/>
-                      <a:r>
-                        <a:rPr lang="en-GB" dirty="0" smtClean="0"/>
-                        <a:t>(FK</a:t>
-                      </a:r>
-                      <a:r>
-                        <a:rPr lang="en-GB" dirty="0"/>
-                        <a:t>)</a:t>
-                      </a:r>
-                    </a:p>
-                  </a:txBody>
-                  <a:tcPr anchor="ctr">
-                    <a:solidFill>
-                      <a:srgbClr val="FF0000"/>
-                    </a:solidFill>
-                  </a:tcPr>
-                </a:tc>
-                <a:tc>
-                  <a:txBody>
-                    <a:bodyPr/>
-                    <a:lstStyle/>
-                    <a:p>
-                      <a:pPr algn="ctr"/>
-                      <a:r>
-                        <a:rPr lang="en-GB" dirty="0" smtClean="0"/>
-                        <a:t>Profile</a:t>
-                      </a:r>
-                      <a:r>
-                        <a:rPr lang="en-GB" baseline="0" dirty="0" smtClean="0"/>
-                        <a:t> </a:t>
-                      </a:r>
-                      <a:r>
-                        <a:rPr lang="en-GB" dirty="0" smtClean="0"/>
-                        <a:t>ID</a:t>
-                      </a:r>
-                      <a:endParaRPr lang="en-GB" dirty="0"/>
-                    </a:p>
-                    <a:p>
-                      <a:pPr algn="ctr"/>
-                      <a:r>
-                        <a:rPr lang="en-GB" dirty="0" smtClean="0"/>
-                        <a:t>(FK</a:t>
-                      </a:r>
-                      <a:r>
-                        <a:rPr lang="en-GB" dirty="0"/>
-                        <a:t>)</a:t>
-                      </a:r>
-                    </a:p>
-                  </a:txBody>
-                  <a:tcPr anchor="ctr"/>
-                </a:tc>
-                <a:tc>
-                  <a:txBody>
-                    <a:bodyPr/>
-                    <a:lstStyle/>
-                    <a:p>
-                      <a:pPr algn="ctr"/>
-                      <a:r>
-                        <a:rPr lang="en-GB" dirty="0" err="1" smtClean="0"/>
-                        <a:t>DialA</a:t>
-                      </a:r>
-                      <a:endParaRPr lang="en-GB" dirty="0" smtClean="0"/>
-                    </a:p>
-                    <a:p>
-                      <a:pPr algn="ctr"/>
-                      <a:r>
-                        <a:rPr lang="en-GB" dirty="0" err="1" smtClean="0"/>
-                        <a:t>Fk</a:t>
-                      </a:r>
-                      <a:endParaRPr lang="en-GB" dirty="0"/>
-                    </a:p>
-                  </a:txBody>
-                  <a:tcPr anchor="ctr">
-                    <a:solidFill>
-                      <a:srgbClr val="FF0000"/>
-                    </a:solidFill>
-                  </a:tcPr>
-                </a:tc>
-                <a:tc>
-                  <a:txBody>
-                    <a:bodyPr/>
-                    <a:lstStyle/>
-                    <a:p>
-                      <a:pPr algn="ctr"/>
-                      <a:r>
-                        <a:rPr lang="en-GB" dirty="0" err="1"/>
-                        <a:t>Has_FreeUnit</a:t>
-                      </a:r>
-                      <a:endParaRPr lang="en-GB" dirty="0"/>
-                    </a:p>
-                  </a:txBody>
-                  <a:tcPr anchor="ctr"/>
-                </a:tc>
-                <a:tc>
-                  <a:txBody>
-                    <a:bodyPr/>
-                    <a:lstStyle/>
-                    <a:p>
-                      <a:pPr algn="ctr"/>
-                      <a:r>
-                        <a:rPr lang="en-GB" dirty="0" smtClean="0"/>
-                        <a:t>Cost</a:t>
-                      </a:r>
-                    </a:p>
-                    <a:p>
-                      <a:pPr algn="ctr"/>
-                      <a:r>
-                        <a:rPr lang="en-GB" dirty="0" smtClean="0"/>
-                        <a:t>(float)</a:t>
-                      </a:r>
-                      <a:endParaRPr lang="en-GB" dirty="0"/>
-                    </a:p>
-                  </a:txBody>
-                  <a:tcPr anchor="ctr">
-                    <a:solidFill>
-                      <a:srgbClr val="FF0000"/>
-                    </a:solidFill>
-                  </a:tcPr>
-                </a:tc>
-                <a:tc>
-                  <a:txBody>
-                    <a:bodyPr/>
-                    <a:lstStyle/>
-                    <a:p>
-                      <a:pPr algn="ctr"/>
-                      <a:r>
-                        <a:rPr lang="en-GB" dirty="0" err="1" smtClean="0"/>
-                        <a:t>StartDate</a:t>
-                      </a:r>
-                      <a:endParaRPr lang="en-GB" dirty="0"/>
-                    </a:p>
-                  </a:txBody>
-                  <a:tcPr anchor="ctr"/>
-                </a:tc>
-                <a:extLst>
-                  <a:ext uri="{0D108BD9-81ED-4DB2-BD59-A6C34878D82A}">
-                    <a16:rowId xmlns:a16="http://schemas.microsoft.com/office/drawing/2014/main" val="3577827613"/>
-                  </a:ext>
-                </a:extLst>
-              </a:tr>
-            </a:tbl>
-          </a:graphicData>
-        </a:graphic>
-      </p:graphicFrame>
       <p:graphicFrame>
         <p:nvGraphicFramePr>
           <p:cNvPr id="5" name="Table 9">
@@ -11932,14 +11787,14 @@
           <p:nvPr>
             <p:extLst>
               <p:ext uri="{D42A27DB-BD31-4B8C-83A1-F6EECF244321}">
-                <p14:modId xmlns:p14="http://schemas.microsoft.com/office/powerpoint/2010/main" val="4112999811"/>
+                <p14:modId xmlns:p14="http://schemas.microsoft.com/office/powerpoint/2010/main" val="2092860283"/>
               </p:ext>
             </p:extLst>
           </p:nvPr>
         </p:nvGraphicFramePr>
         <p:xfrm>
-          <a:off x="296548" y="1872934"/>
-          <a:ext cx="11309420" cy="731520"/>
+          <a:off x="296548" y="944592"/>
+          <a:ext cx="11309420" cy="944880"/>
         </p:xfrm>
         <a:graphic>
           <a:graphicData uri="http://schemas.openxmlformats.org/drawingml/2006/table">
@@ -12124,9 +11979,17 @@
                     <a:p>
                       <a:pPr algn="ctr"/>
                       <a:r>
-                        <a:rPr lang="en-US" altLang="en-US" sz="1400" dirty="0"/>
+                        <a:rPr lang="en-US" altLang="en-US" sz="1400" dirty="0" smtClean="0"/>
                         <a:t>Duration</a:t>
                       </a:r>
+                    </a:p>
+                    <a:p>
+                      <a:pPr algn="ctr"/>
+                      <a:r>
+                        <a:rPr lang="en-US" altLang="en-US" sz="1400" dirty="0" smtClean="0"/>
+                        <a:t>(sec)</a:t>
+                      </a:r>
+                      <a:endParaRPr lang="en-US" altLang="en-US" sz="1400" dirty="0"/>
                     </a:p>
                     <a:p>
                       <a:pPr algn="ctr"/>
@@ -12312,14 +12175,14 @@
           <p:nvPr>
             <p:extLst>
               <p:ext uri="{D42A27DB-BD31-4B8C-83A1-F6EECF244321}">
-                <p14:modId xmlns:p14="http://schemas.microsoft.com/office/powerpoint/2010/main" val="2792032822"/>
+                <p14:modId xmlns:p14="http://schemas.microsoft.com/office/powerpoint/2010/main" val="1841071091"/>
               </p:ext>
             </p:extLst>
           </p:nvPr>
         </p:nvGraphicFramePr>
         <p:xfrm>
-          <a:off x="296548" y="2839721"/>
-          <a:ext cx="11604502" cy="1188720"/>
+          <a:off x="283511" y="2016646"/>
+          <a:ext cx="11624978" cy="1265729"/>
         </p:xfrm>
         <a:graphic>
           <a:graphicData uri="http://schemas.openxmlformats.org/drawingml/2006/table">
@@ -12342,14 +12205,14 @@
                     </a:ext>
                   </a:extLst>
                 </a:gridCol>
-                <a:gridCol w="892654">
+                <a:gridCol w="910726">
                   <a:extLst>
                     <a:ext uri="{9D8B030D-6E8A-4147-A177-3AD203B41FA5}">
                       <a16:colId xmlns:a16="http://schemas.microsoft.com/office/drawing/2014/main" val="3990853779"/>
                     </a:ext>
                   </a:extLst>
                 </a:gridCol>
-                <a:gridCol w="892654">
+                <a:gridCol w="874582">
                   <a:extLst>
                     <a:ext uri="{9D8B030D-6E8A-4147-A177-3AD203B41FA5}">
                       <a16:colId xmlns:a16="http://schemas.microsoft.com/office/drawing/2014/main" val="4160908569"/>
@@ -12398,7 +12261,7 @@
                     </a:ext>
                   </a:extLst>
                 </a:gridCol>
-                <a:gridCol w="892654">
+                <a:gridCol w="913130">
                   <a:extLst>
                     <a:ext uri="{9D8B030D-6E8A-4147-A177-3AD203B41FA5}">
                       <a16:colId xmlns:a16="http://schemas.microsoft.com/office/drawing/2014/main" val="2548652607"/>
@@ -12420,7 +12283,7 @@
                   </a:extLst>
                 </a:gridCol>
               </a:tblGrid>
-              <a:tr h="374469">
+              <a:tr h="1265729">
                 <a:tc>
                   <a:txBody>
                     <a:bodyPr/>
@@ -12549,8 +12412,13 @@
                       <a:pPr algn="ctr"/>
                       <a:r>
                         <a:rPr lang="en-GB" sz="1800" dirty="0"/>
-                        <a:t>Service ID</a:t>
-                      </a:r>
+                        <a:t>Service </a:t>
+                      </a:r>
+                      <a:r>
+                        <a:rPr lang="en-GB" sz="1800" dirty="0" smtClean="0"/>
+                        <a:t>ID(FK)</a:t>
+                      </a:r>
+                      <a:endParaRPr lang="en-GB" sz="1800" dirty="0"/>
                     </a:p>
                   </a:txBody>
                   <a:tcPr anchor="ctr"/>
@@ -12562,9 +12430,17 @@
                     <a:p>
                       <a:pPr algn="ctr"/>
                       <a:r>
-                        <a:rPr lang="en-US" altLang="en-US" sz="1400" dirty="0"/>
+                        <a:rPr lang="en-US" altLang="en-US" sz="1400" dirty="0" smtClean="0"/>
                         <a:t>Duration</a:t>
                       </a:r>
+                    </a:p>
+                    <a:p>
+                      <a:pPr algn="ctr"/>
+                      <a:r>
+                        <a:rPr lang="en-US" altLang="en-US" sz="1400" dirty="0" smtClean="0"/>
+                        <a:t>(sec)</a:t>
+                      </a:r>
+                      <a:endParaRPr lang="en-US" altLang="en-US" sz="1400" dirty="0"/>
                     </a:p>
                     <a:p>
                       <a:pPr algn="ctr"/>
@@ -12760,6 +12636,282 @@
                 <a:extLst>
                   <a:ext uri="{0D108BD9-81ED-4DB2-BD59-A6C34878D82A}">
                     <a16:rowId xmlns:a16="http://schemas.microsoft.com/office/drawing/2014/main" val="3577827613"/>
+                  </a:ext>
+                </a:extLst>
+              </a:tr>
+            </a:tbl>
+          </a:graphicData>
+        </a:graphic>
+      </p:graphicFrame>
+      <p:graphicFrame>
+        <p:nvGraphicFramePr>
+          <p:cNvPr id="10" name="Table 9"/>
+          <p:cNvGraphicFramePr>
+            <a:graphicFrameLocks noGrp="1"/>
+          </p:cNvGraphicFramePr>
+          <p:nvPr>
+            <p:extLst>
+              <p:ext uri="{D42A27DB-BD31-4B8C-83A1-F6EECF244321}">
+                <p14:modId xmlns:p14="http://schemas.microsoft.com/office/powerpoint/2010/main" val="1998053836"/>
+              </p:ext>
+            </p:extLst>
+          </p:nvPr>
+        </p:nvGraphicFramePr>
+        <p:xfrm>
+          <a:off x="400202" y="3481015"/>
+          <a:ext cx="11102112" cy="914400"/>
+        </p:xfrm>
+        <a:graphic>
+          <a:graphicData uri="http://schemas.openxmlformats.org/drawingml/2006/table">
+            <a:tbl>
+              <a:tblPr firstRow="1" bandRow="1">
+                <a:tableStyleId>{5C22544A-7EE6-4342-B048-85BDC9FD1C3A}</a:tableStyleId>
+              </a:tblPr>
+              <a:tblGrid>
+                <a:gridCol w="710089">
+                  <a:extLst>
+                    <a:ext uri="{9D8B030D-6E8A-4147-A177-3AD203B41FA5}">
+                      <a16:colId xmlns:a16="http://schemas.microsoft.com/office/drawing/2014/main" val="4251094841"/>
+                    </a:ext>
+                  </a:extLst>
+                </a:gridCol>
+                <a:gridCol w="1308476">
+                  <a:extLst>
+                    <a:ext uri="{9D8B030D-6E8A-4147-A177-3AD203B41FA5}">
+                      <a16:colId xmlns:a16="http://schemas.microsoft.com/office/drawing/2014/main" val="1610645073"/>
+                    </a:ext>
+                  </a:extLst>
+                </a:gridCol>
+                <a:gridCol w="1009283">
+                  <a:extLst>
+                    <a:ext uri="{9D8B030D-6E8A-4147-A177-3AD203B41FA5}">
+                      <a16:colId xmlns:a16="http://schemas.microsoft.com/office/drawing/2014/main" val="3836028896"/>
+                    </a:ext>
+                  </a:extLst>
+                </a:gridCol>
+                <a:gridCol w="1009283">
+                  <a:extLst>
+                    <a:ext uri="{9D8B030D-6E8A-4147-A177-3AD203B41FA5}">
+                      <a16:colId xmlns:a16="http://schemas.microsoft.com/office/drawing/2014/main" val="1935004993"/>
+                    </a:ext>
+                  </a:extLst>
+                </a:gridCol>
+                <a:gridCol w="1009283">
+                  <a:extLst>
+                    <a:ext uri="{9D8B030D-6E8A-4147-A177-3AD203B41FA5}">
+                      <a16:colId xmlns:a16="http://schemas.microsoft.com/office/drawing/2014/main" val="3423328262"/>
+                    </a:ext>
+                  </a:extLst>
+                </a:gridCol>
+                <a:gridCol w="1009283">
+                  <a:extLst>
+                    <a:ext uri="{9D8B030D-6E8A-4147-A177-3AD203B41FA5}">
+                      <a16:colId xmlns:a16="http://schemas.microsoft.com/office/drawing/2014/main" val="1628423275"/>
+                    </a:ext>
+                  </a:extLst>
+                </a:gridCol>
+                <a:gridCol w="1009283">
+                  <a:extLst>
+                    <a:ext uri="{9D8B030D-6E8A-4147-A177-3AD203B41FA5}">
+                      <a16:colId xmlns:a16="http://schemas.microsoft.com/office/drawing/2014/main" val="2342477985"/>
+                    </a:ext>
+                  </a:extLst>
+                </a:gridCol>
+                <a:gridCol w="1009283">
+                  <a:extLst>
+                    <a:ext uri="{9D8B030D-6E8A-4147-A177-3AD203B41FA5}">
+                      <a16:colId xmlns:a16="http://schemas.microsoft.com/office/drawing/2014/main" val="1261026011"/>
+                    </a:ext>
+                  </a:extLst>
+                </a:gridCol>
+                <a:gridCol w="1009283">
+                  <a:extLst>
+                    <a:ext uri="{9D8B030D-6E8A-4147-A177-3AD203B41FA5}">
+                      <a16:colId xmlns:a16="http://schemas.microsoft.com/office/drawing/2014/main" val="331378307"/>
+                    </a:ext>
+                  </a:extLst>
+                </a:gridCol>
+                <a:gridCol w="1009283">
+                  <a:extLst>
+                    <a:ext uri="{9D8B030D-6E8A-4147-A177-3AD203B41FA5}">
+                      <a16:colId xmlns:a16="http://schemas.microsoft.com/office/drawing/2014/main" val="3247464116"/>
+                    </a:ext>
+                  </a:extLst>
+                </a:gridCol>
+                <a:gridCol w="1009283">
+                  <a:extLst>
+                    <a:ext uri="{9D8B030D-6E8A-4147-A177-3AD203B41FA5}">
+                      <a16:colId xmlns:a16="http://schemas.microsoft.com/office/drawing/2014/main" val="2154436256"/>
+                    </a:ext>
+                  </a:extLst>
+                </a:gridCol>
+              </a:tblGrid>
+              <a:tr h="370840">
+                <a:tc>
+                  <a:txBody>
+                    <a:bodyPr/>
+                    <a:lstStyle/>
+                    <a:p>
+                      <a:r>
+                        <a:rPr lang="en-US" dirty="0" err="1" smtClean="0"/>
+                        <a:t>Bill_id</a:t>
+                      </a:r>
+                      <a:endParaRPr lang="en-US" dirty="0"/>
+                    </a:p>
+                  </a:txBody>
+                  <a:tcPr/>
+                </a:tc>
+                <a:tc>
+                  <a:txBody>
+                    <a:bodyPr/>
+                    <a:lstStyle/>
+                    <a:p>
+                      <a:r>
+                        <a:rPr lang="en-US" dirty="0" err="1" smtClean="0"/>
+                        <a:t>customerName</a:t>
+                      </a:r>
+                      <a:endParaRPr lang="en-US" dirty="0"/>
+                    </a:p>
+                  </a:txBody>
+                  <a:tcPr/>
+                </a:tc>
+                <a:tc>
+                  <a:txBody>
+                    <a:bodyPr/>
+                    <a:lstStyle/>
+                    <a:p>
+                      <a:r>
+                        <a:rPr lang="en-US" dirty="0" smtClean="0"/>
+                        <a:t>Address</a:t>
+                      </a:r>
+                      <a:endParaRPr lang="en-US" dirty="0"/>
+                    </a:p>
+                  </a:txBody>
+                  <a:tcPr/>
+                </a:tc>
+                <a:tc>
+                  <a:txBody>
+                    <a:bodyPr/>
+                    <a:lstStyle/>
+                    <a:p>
+                      <a:r>
+                        <a:rPr lang="en-US" dirty="0" err="1" smtClean="0"/>
+                        <a:t>profileFees</a:t>
+                      </a:r>
+                      <a:endParaRPr lang="en-US" dirty="0"/>
+                    </a:p>
+                  </a:txBody>
+                  <a:tcPr/>
+                </a:tc>
+                <a:tc>
+                  <a:txBody>
+                    <a:bodyPr/>
+                    <a:lstStyle/>
+                    <a:p>
+                      <a:r>
+                        <a:rPr lang="en-US" dirty="0" err="1" smtClean="0"/>
+                        <a:t>OneTimeFees</a:t>
+                      </a:r>
+                      <a:endParaRPr lang="en-US" dirty="0"/>
+                    </a:p>
+                  </a:txBody>
+                  <a:tcPr/>
+                </a:tc>
+                <a:tc>
+                  <a:txBody>
+                    <a:bodyPr/>
+                    <a:lstStyle/>
+                    <a:p>
+                      <a:r>
+                        <a:rPr lang="en-US" dirty="0" err="1" smtClean="0"/>
+                        <a:t>Reccuring</a:t>
+                      </a:r>
+                      <a:r>
+                        <a:rPr lang="en-US" dirty="0" smtClean="0"/>
+                        <a:t> fees</a:t>
+                      </a:r>
+                      <a:endParaRPr lang="en-US" dirty="0"/>
+                    </a:p>
+                  </a:txBody>
+                  <a:tcPr/>
+                </a:tc>
+                <a:tc>
+                  <a:txBody>
+                    <a:bodyPr/>
+                    <a:lstStyle/>
+                    <a:p>
+                      <a:r>
+                        <a:rPr lang="en-US" dirty="0" err="1" smtClean="0"/>
+                        <a:t>TotalVoice</a:t>
+                      </a:r>
+                      <a:r>
+                        <a:rPr lang="en-US" dirty="0" smtClean="0"/>
+                        <a:t> Cost</a:t>
+                      </a:r>
+                      <a:endParaRPr lang="en-US" dirty="0"/>
+                    </a:p>
+                  </a:txBody>
+                  <a:tcPr/>
+                </a:tc>
+                <a:tc>
+                  <a:txBody>
+                    <a:bodyPr/>
+                    <a:lstStyle/>
+                    <a:p>
+                      <a:r>
+                        <a:rPr lang="en-US" dirty="0" smtClean="0"/>
+                        <a:t>Total SMS cost</a:t>
+                      </a:r>
+                      <a:endParaRPr lang="en-US" dirty="0"/>
+                    </a:p>
+                  </a:txBody>
+                  <a:tcPr/>
+                </a:tc>
+                <a:tc>
+                  <a:txBody>
+                    <a:bodyPr/>
+                    <a:lstStyle/>
+                    <a:p>
+                      <a:r>
+                        <a:rPr lang="en-US" dirty="0" smtClean="0"/>
+                        <a:t>Total Data Cost </a:t>
+                      </a:r>
+                      <a:endParaRPr lang="en-US" dirty="0"/>
+                    </a:p>
+                  </a:txBody>
+                  <a:tcPr/>
+                </a:tc>
+                <a:tc>
+                  <a:txBody>
+                    <a:bodyPr/>
+                    <a:lstStyle/>
+                    <a:p>
+                      <a:r>
+                        <a:rPr lang="en-US" dirty="0" err="1" smtClean="0"/>
+                        <a:t>Taxs</a:t>
+                      </a:r>
+                      <a:endParaRPr lang="en-US" dirty="0"/>
+                    </a:p>
+                  </a:txBody>
+                  <a:tcPr/>
+                </a:tc>
+                <a:tc>
+                  <a:txBody>
+                    <a:bodyPr/>
+                    <a:lstStyle/>
+                    <a:p>
+                      <a:r>
+                        <a:rPr lang="en-US" dirty="0" smtClean="0"/>
+                        <a:t>Total Invoice </a:t>
+                      </a:r>
+                      <a:endParaRPr lang="en-US" dirty="0"/>
+                    </a:p>
+                  </a:txBody>
+                  <a:tcPr/>
+                </a:tc>
+                <a:extLst>
+                  <a:ext uri="{0D108BD9-81ED-4DB2-BD59-A6C34878D82A}">
+                    <a16:rowId xmlns:a16="http://schemas.microsoft.com/office/drawing/2014/main" val="1251800219"/>
                   </a:ext>
                 </a:extLst>
               </a:tr>
@@ -12781,6 +12933,895 @@
 </file>
 
 <file path=ppt/slides/slide7.xml><?xml version="1.0" encoding="utf-8"?>
+<p:sld xmlns:a="http://schemas.openxmlformats.org/drawingml/2006/main" xmlns:r="http://schemas.openxmlformats.org/officeDocument/2006/relationships" xmlns:p="http://schemas.openxmlformats.org/presentationml/2006/main">
+  <p:cSld>
+    <p:spTree>
+      <p:nvGrpSpPr>
+        <p:cNvPr id="1" name=""/>
+        <p:cNvGrpSpPr/>
+        <p:nvPr/>
+      </p:nvGrpSpPr>
+      <p:grpSpPr>
+        <a:xfrm>
+          <a:off x="0" y="0"/>
+          <a:ext cx="0" cy="0"/>
+          <a:chOff x="0" y="0"/>
+          <a:chExt cx="0" cy="0"/>
+        </a:xfrm>
+      </p:grpSpPr>
+      <p:sp>
+        <p:nvSpPr>
+          <p:cNvPr id="3" name="TextBox 2"/>
+          <p:cNvSpPr txBox="1"/>
+          <p:nvPr/>
+        </p:nvSpPr>
+        <p:spPr>
+          <a:xfrm flipH="1">
+            <a:off x="512618" y="374073"/>
+            <a:ext cx="11263746" cy="5355312"/>
+          </a:xfrm>
+          <a:prstGeom prst="rect">
+            <a:avLst/>
+          </a:prstGeom>
+          <a:noFill/>
+        </p:spPr>
+        <p:txBody>
+          <a:bodyPr wrap="square" rtlCol="0">
+            <a:spAutoFit/>
+          </a:bodyPr>
+          <a:lstStyle/>
+          <a:p>
+            <a:r>
+              <a:rPr lang="en-US" dirty="0" smtClean="0">
+                <a:solidFill>
+                  <a:srgbClr val="FF0000"/>
+                </a:solidFill>
+                <a:sym typeface="Wingdings" panose="05000000000000000000" pitchFamily="2" charset="2"/>
+              </a:rPr>
+              <a:t>c</a:t>
+            </a:r>
+            <a:r>
+              <a:rPr lang="en-US" dirty="0">
+                <a:solidFill>
+                  <a:srgbClr val="FF0000"/>
+                </a:solidFill>
+                <a:sym typeface="Wingdings" panose="05000000000000000000" pitchFamily="2" charset="2"/>
+              </a:rPr>
+              <a:t>) add </a:t>
+            </a:r>
+            <a:r>
+              <a:rPr lang="en-US" dirty="0" err="1">
+                <a:solidFill>
+                  <a:srgbClr val="FF0000"/>
+                </a:solidFill>
+                <a:sym typeface="Wingdings" panose="05000000000000000000" pitchFamily="2" charset="2"/>
+              </a:rPr>
+              <a:t>Reccuring</a:t>
+            </a:r>
+            <a:r>
+              <a:rPr lang="en-US" dirty="0">
+                <a:solidFill>
+                  <a:srgbClr val="FF0000"/>
+                </a:solidFill>
+                <a:sym typeface="Wingdings" panose="05000000000000000000" pitchFamily="2" charset="2"/>
+              </a:rPr>
+              <a:t> and </a:t>
+            </a:r>
+            <a:r>
+              <a:rPr lang="en-US" dirty="0">
+                <a:solidFill>
+                  <a:srgbClr val="FF0000"/>
+                </a:solidFill>
+              </a:rPr>
+              <a:t>1)Total Voice cost / customer </a:t>
+            </a:r>
+            <a:r>
+              <a:rPr lang="en-US" dirty="0" err="1">
+                <a:solidFill>
+                  <a:srgbClr val="FF0000"/>
+                </a:solidFill>
+              </a:rPr>
+              <a:t>dialA</a:t>
+            </a:r>
+            <a:r>
+              <a:rPr lang="en-US" dirty="0">
+                <a:solidFill>
+                  <a:srgbClr val="FF0000"/>
+                </a:solidFill>
+              </a:rPr>
+              <a:t>    -    Total Data cost / customer </a:t>
+            </a:r>
+            <a:r>
+              <a:rPr lang="en-US" dirty="0" err="1">
+                <a:solidFill>
+                  <a:srgbClr val="FF0000"/>
+                </a:solidFill>
+              </a:rPr>
+              <a:t>dialA</a:t>
+            </a:r>
+            <a:r>
+              <a:rPr lang="en-US" dirty="0">
+                <a:solidFill>
+                  <a:srgbClr val="FF0000"/>
+                </a:solidFill>
+              </a:rPr>
+              <a:t>     -   Total SMS cost / customer </a:t>
+            </a:r>
+            <a:r>
+              <a:rPr lang="en-US" dirty="0" err="1">
+                <a:solidFill>
+                  <a:srgbClr val="FF0000"/>
+                </a:solidFill>
+              </a:rPr>
+              <a:t>dialA</a:t>
+            </a:r>
+            <a:endParaRPr lang="en-US" dirty="0">
+              <a:solidFill>
+                <a:srgbClr val="FF0000"/>
+              </a:solidFill>
+            </a:endParaRPr>
+          </a:p>
+          <a:p>
+            <a:endParaRPr lang="en-US" dirty="0" smtClean="0">
+              <a:solidFill>
+                <a:srgbClr val="FF0000"/>
+              </a:solidFill>
+              <a:sym typeface="Wingdings" panose="05000000000000000000" pitchFamily="2" charset="2"/>
+            </a:endParaRPr>
+          </a:p>
+          <a:p>
+            <a:r>
+              <a:rPr lang="en-US" dirty="0" smtClean="0">
+                <a:solidFill>
+                  <a:srgbClr val="FFC000"/>
+                </a:solidFill>
+                <a:sym typeface="Wingdings" panose="05000000000000000000" pitchFamily="2" charset="2"/>
+              </a:rPr>
+              <a:t>d)one-Time </a:t>
+            </a:r>
+            <a:r>
+              <a:rPr lang="en-US" dirty="0">
+                <a:solidFill>
+                  <a:srgbClr val="FFC000"/>
+                </a:solidFill>
+                <a:sym typeface="Wingdings" panose="05000000000000000000" pitchFamily="2" charset="2"/>
+              </a:rPr>
+              <a:t>fees  separated/same </a:t>
+            </a:r>
+            <a:r>
+              <a:rPr lang="en-US" dirty="0" smtClean="0">
+                <a:solidFill>
+                  <a:srgbClr val="FFC000"/>
+                </a:solidFill>
+                <a:sym typeface="Wingdings" panose="05000000000000000000" pitchFamily="2" charset="2"/>
+              </a:rPr>
+              <a:t>class</a:t>
+            </a:r>
+          </a:p>
+          <a:p>
+            <a:endParaRPr lang="en-US" dirty="0">
+              <a:solidFill>
+                <a:srgbClr val="FFC000"/>
+              </a:solidFill>
+              <a:sym typeface="Wingdings" panose="05000000000000000000" pitchFamily="2" charset="2"/>
+            </a:endParaRPr>
+          </a:p>
+          <a:p>
+            <a:r>
+              <a:rPr lang="en-US" dirty="0">
+                <a:sym typeface="Wingdings" panose="05000000000000000000" pitchFamily="2" charset="2"/>
+              </a:rPr>
+              <a:t>e</a:t>
+            </a:r>
+            <a:r>
+              <a:rPr lang="en-US" dirty="0" smtClean="0">
+                <a:sym typeface="Wingdings" panose="05000000000000000000" pitchFamily="2" charset="2"/>
+              </a:rPr>
+              <a:t>) </a:t>
+            </a:r>
+            <a:r>
+              <a:rPr lang="en-US" dirty="0">
+                <a:sym typeface="Wingdings" panose="05000000000000000000" pitchFamily="2" charset="2"/>
+              </a:rPr>
+              <a:t>add </a:t>
+            </a:r>
+            <a:r>
+              <a:rPr lang="en-US" dirty="0" err="1">
+                <a:sym typeface="Wingdings" panose="05000000000000000000" pitchFamily="2" charset="2"/>
+              </a:rPr>
+              <a:t>Taxs</a:t>
+            </a:r>
+            <a:r>
+              <a:rPr lang="en-US" dirty="0">
+                <a:sym typeface="Wingdings" panose="05000000000000000000" pitchFamily="2" charset="2"/>
+              </a:rPr>
+              <a:t>  same </a:t>
+            </a:r>
+            <a:r>
+              <a:rPr lang="en-US" dirty="0" smtClean="0">
+                <a:sym typeface="Wingdings" panose="05000000000000000000" pitchFamily="2" charset="2"/>
+              </a:rPr>
+              <a:t>class -------- Invoice  </a:t>
+            </a:r>
+            <a:endParaRPr lang="en-US" dirty="0">
+              <a:sym typeface="Wingdings" panose="05000000000000000000" pitchFamily="2" charset="2"/>
+            </a:endParaRPr>
+          </a:p>
+          <a:p>
+            <a:r>
+              <a:rPr lang="en-US" dirty="0" smtClean="0"/>
+              <a:t>/////////////////////////////////////////////////////////////////////////////////////////////////////////</a:t>
+            </a:r>
+          </a:p>
+          <a:p>
+            <a:r>
+              <a:rPr lang="en-US" dirty="0" smtClean="0"/>
+              <a:t>2)Java Class </a:t>
+            </a:r>
+            <a:r>
+              <a:rPr lang="en-US" b="1" dirty="0" smtClean="0">
+                <a:solidFill>
+                  <a:srgbClr val="FF0000"/>
+                </a:solidFill>
+              </a:rPr>
+              <a:t>bill Sheet generation </a:t>
+            </a:r>
+            <a:r>
+              <a:rPr lang="en-US" dirty="0" smtClean="0">
+                <a:sym typeface="Wingdings" panose="05000000000000000000" pitchFamily="2" charset="2"/>
+              </a:rPr>
+              <a:t> list Customers  for </a:t>
+            </a:r>
+            <a:r>
+              <a:rPr lang="en-US" dirty="0" err="1" smtClean="0">
+                <a:sym typeface="Wingdings" panose="05000000000000000000" pitchFamily="2" charset="2"/>
+              </a:rPr>
+              <a:t>eachone</a:t>
+            </a:r>
+            <a:endParaRPr lang="en-US" dirty="0" smtClean="0">
+              <a:sym typeface="Wingdings" panose="05000000000000000000" pitchFamily="2" charset="2"/>
+            </a:endParaRPr>
+          </a:p>
+          <a:p>
+            <a:r>
+              <a:rPr lang="en-US" dirty="0" smtClean="0">
+                <a:sym typeface="Wingdings" panose="05000000000000000000" pitchFamily="2" charset="2"/>
+              </a:rPr>
+              <a:t>	a)order </a:t>
+            </a:r>
+            <a:r>
+              <a:rPr lang="en-US" dirty="0" err="1" smtClean="0">
+                <a:sym typeface="Wingdings" panose="05000000000000000000" pitchFamily="2" charset="2"/>
+              </a:rPr>
+              <a:t>udrs</a:t>
+            </a:r>
+            <a:r>
+              <a:rPr lang="en-US" dirty="0" smtClean="0">
+                <a:sym typeface="Wingdings" panose="05000000000000000000" pitchFamily="2" charset="2"/>
+              </a:rPr>
+              <a:t> / specific month </a:t>
+            </a:r>
+          </a:p>
+          <a:p>
+            <a:r>
+              <a:rPr lang="en-US" dirty="0">
+                <a:sym typeface="Wingdings" panose="05000000000000000000" pitchFamily="2" charset="2"/>
+              </a:rPr>
+              <a:t>	</a:t>
+            </a:r>
+            <a:r>
+              <a:rPr lang="en-US" dirty="0" smtClean="0">
+                <a:sym typeface="Wingdings" panose="05000000000000000000" pitchFamily="2" charset="2"/>
+              </a:rPr>
+              <a:t>b)call </a:t>
+            </a:r>
+            <a:r>
+              <a:rPr lang="en-US" dirty="0" err="1" smtClean="0">
+                <a:sym typeface="Wingdings" panose="05000000000000000000" pitchFamily="2" charset="2"/>
+              </a:rPr>
+              <a:t>freeUnit</a:t>
+            </a:r>
+            <a:r>
+              <a:rPr lang="en-US" dirty="0" smtClean="0">
+                <a:sym typeface="Wingdings" panose="05000000000000000000" pitchFamily="2" charset="2"/>
+              </a:rPr>
+              <a:t> Voice class - to update </a:t>
+            </a:r>
+            <a:r>
+              <a:rPr lang="en-US" dirty="0" err="1" smtClean="0">
+                <a:sym typeface="Wingdings" panose="05000000000000000000" pitchFamily="2" charset="2"/>
+              </a:rPr>
+              <a:t>fus</a:t>
+            </a:r>
+            <a:r>
+              <a:rPr lang="en-US" dirty="0" smtClean="0">
+                <a:sym typeface="Wingdings" panose="05000000000000000000" pitchFamily="2" charset="2"/>
+              </a:rPr>
+              <a:t> and calculate cost for this service </a:t>
+            </a:r>
+          </a:p>
+          <a:p>
+            <a:r>
+              <a:rPr lang="en-US" dirty="0">
+                <a:sym typeface="Wingdings" panose="05000000000000000000" pitchFamily="2" charset="2"/>
+              </a:rPr>
+              <a:t>	</a:t>
+            </a:r>
+            <a:r>
+              <a:rPr lang="en-US" dirty="0" smtClean="0">
+                <a:sym typeface="Wingdings" panose="05000000000000000000" pitchFamily="2" charset="2"/>
+              </a:rPr>
+              <a:t>-call </a:t>
+            </a:r>
+            <a:r>
+              <a:rPr lang="en-US" dirty="0" err="1">
+                <a:sym typeface="Wingdings" panose="05000000000000000000" pitchFamily="2" charset="2"/>
+              </a:rPr>
+              <a:t>freeUnit</a:t>
+            </a:r>
+            <a:r>
+              <a:rPr lang="en-US" dirty="0">
+                <a:sym typeface="Wingdings" panose="05000000000000000000" pitchFamily="2" charset="2"/>
+              </a:rPr>
+              <a:t> </a:t>
+            </a:r>
+            <a:r>
+              <a:rPr lang="en-US" dirty="0" smtClean="0">
+                <a:sym typeface="Wingdings" panose="05000000000000000000" pitchFamily="2" charset="2"/>
+              </a:rPr>
+              <a:t>data </a:t>
+            </a:r>
+            <a:r>
+              <a:rPr lang="en-US" dirty="0">
+                <a:sym typeface="Wingdings" panose="05000000000000000000" pitchFamily="2" charset="2"/>
+              </a:rPr>
+              <a:t>class - to update </a:t>
+            </a:r>
+            <a:r>
+              <a:rPr lang="en-US" dirty="0" err="1">
+                <a:sym typeface="Wingdings" panose="05000000000000000000" pitchFamily="2" charset="2"/>
+              </a:rPr>
+              <a:t>fus</a:t>
+            </a:r>
+            <a:r>
+              <a:rPr lang="en-US" dirty="0">
+                <a:sym typeface="Wingdings" panose="05000000000000000000" pitchFamily="2" charset="2"/>
+              </a:rPr>
+              <a:t> and calculate cost for this </a:t>
+            </a:r>
+            <a:r>
+              <a:rPr lang="en-US" dirty="0" smtClean="0">
+                <a:sym typeface="Wingdings" panose="05000000000000000000" pitchFamily="2" charset="2"/>
+              </a:rPr>
+              <a:t>service</a:t>
+            </a:r>
+          </a:p>
+          <a:p>
+            <a:r>
+              <a:rPr lang="en-US" dirty="0">
+                <a:sym typeface="Wingdings" panose="05000000000000000000" pitchFamily="2" charset="2"/>
+              </a:rPr>
+              <a:t>	</a:t>
+            </a:r>
+            <a:r>
+              <a:rPr lang="en-US" dirty="0" smtClean="0">
+                <a:sym typeface="Wingdings" panose="05000000000000000000" pitchFamily="2" charset="2"/>
+              </a:rPr>
+              <a:t>call </a:t>
+            </a:r>
+            <a:r>
+              <a:rPr lang="en-US" dirty="0" err="1">
+                <a:sym typeface="Wingdings" panose="05000000000000000000" pitchFamily="2" charset="2"/>
+              </a:rPr>
+              <a:t>freeUnit</a:t>
+            </a:r>
+            <a:r>
+              <a:rPr lang="en-US" dirty="0">
+                <a:sym typeface="Wingdings" panose="05000000000000000000" pitchFamily="2" charset="2"/>
+              </a:rPr>
+              <a:t>  </a:t>
+            </a:r>
+            <a:r>
+              <a:rPr lang="en-US" dirty="0" err="1" smtClean="0">
+                <a:sym typeface="Wingdings" panose="05000000000000000000" pitchFamily="2" charset="2"/>
+              </a:rPr>
+              <a:t>sms</a:t>
+            </a:r>
+            <a:r>
+              <a:rPr lang="en-US" dirty="0" smtClean="0">
+                <a:sym typeface="Wingdings" panose="05000000000000000000" pitchFamily="2" charset="2"/>
+              </a:rPr>
+              <a:t> </a:t>
+            </a:r>
+            <a:r>
+              <a:rPr lang="en-US" dirty="0">
+                <a:sym typeface="Wingdings" panose="05000000000000000000" pitchFamily="2" charset="2"/>
+              </a:rPr>
+              <a:t>class - to update </a:t>
+            </a:r>
+            <a:r>
+              <a:rPr lang="en-US" dirty="0" err="1">
+                <a:sym typeface="Wingdings" panose="05000000000000000000" pitchFamily="2" charset="2"/>
+              </a:rPr>
+              <a:t>fus</a:t>
+            </a:r>
+            <a:r>
+              <a:rPr lang="en-US" dirty="0">
+                <a:sym typeface="Wingdings" panose="05000000000000000000" pitchFamily="2" charset="2"/>
+              </a:rPr>
+              <a:t> and calculate cost for this </a:t>
+            </a:r>
+            <a:r>
+              <a:rPr lang="en-US" dirty="0" smtClean="0">
+                <a:sym typeface="Wingdings" panose="05000000000000000000" pitchFamily="2" charset="2"/>
+              </a:rPr>
+              <a:t>service</a:t>
+            </a:r>
+          </a:p>
+          <a:p>
+            <a:r>
+              <a:rPr lang="en-US" dirty="0">
+                <a:sym typeface="Wingdings" panose="05000000000000000000" pitchFamily="2" charset="2"/>
+              </a:rPr>
+              <a:t>	</a:t>
+            </a:r>
+            <a:r>
+              <a:rPr lang="en-US" b="1" dirty="0" smtClean="0">
+                <a:sym typeface="Wingdings" panose="05000000000000000000" pitchFamily="2" charset="2"/>
+              </a:rPr>
+              <a:t>	e) take return of each class (cost of each service )  in same/different class bill sheet generation </a:t>
+            </a:r>
+          </a:p>
+          <a:p>
+            <a:r>
+              <a:rPr lang="en-US" b="1" dirty="0" smtClean="0">
+                <a:sym typeface="Wingdings" panose="05000000000000000000" pitchFamily="2" charset="2"/>
+              </a:rPr>
+              <a:t>`	will create first Table for bill sheet contains</a:t>
+            </a:r>
+          </a:p>
+          <a:p>
+            <a:r>
+              <a:rPr lang="en-US" b="1" dirty="0">
+                <a:sym typeface="Wingdings" panose="05000000000000000000" pitchFamily="2" charset="2"/>
+              </a:rPr>
+              <a:t>	</a:t>
+            </a:r>
+            <a:r>
+              <a:rPr lang="en-US" b="1" dirty="0" smtClean="0">
+                <a:sym typeface="Wingdings" panose="05000000000000000000" pitchFamily="2" charset="2"/>
+              </a:rPr>
+              <a:t>(</a:t>
+            </a:r>
+            <a:r>
+              <a:rPr lang="en-US" b="1" dirty="0" err="1" smtClean="0">
+                <a:sym typeface="Wingdings" panose="05000000000000000000" pitchFamily="2" charset="2"/>
+              </a:rPr>
+              <a:t>table_id</a:t>
+            </a:r>
+            <a:r>
+              <a:rPr lang="en-US" b="1" dirty="0" smtClean="0">
+                <a:sym typeface="Wingdings" panose="05000000000000000000" pitchFamily="2" charset="2"/>
+              </a:rPr>
+              <a:t>, </a:t>
+            </a:r>
+            <a:r>
+              <a:rPr lang="en-US" b="1" dirty="0" err="1" smtClean="0">
+                <a:solidFill>
+                  <a:srgbClr val="FFC000"/>
+                </a:solidFill>
+                <a:sym typeface="Wingdings" panose="05000000000000000000" pitchFamily="2" charset="2"/>
+              </a:rPr>
+              <a:t>companyName</a:t>
+            </a:r>
+            <a:r>
+              <a:rPr lang="en-US" b="1" dirty="0" smtClean="0">
+                <a:sym typeface="Wingdings" panose="05000000000000000000" pitchFamily="2" charset="2"/>
+              </a:rPr>
+              <a:t>, </a:t>
+            </a:r>
+            <a:r>
+              <a:rPr lang="en-US" b="1" dirty="0" err="1" smtClean="0">
+                <a:solidFill>
+                  <a:srgbClr val="FFC000"/>
+                </a:solidFill>
+                <a:sym typeface="Wingdings" panose="05000000000000000000" pitchFamily="2" charset="2"/>
+              </a:rPr>
+              <a:t>url</a:t>
+            </a:r>
+            <a:r>
+              <a:rPr lang="en-US" b="1" dirty="0" smtClean="0">
+                <a:solidFill>
+                  <a:srgbClr val="FFC000"/>
+                </a:solidFill>
+                <a:sym typeface="Wingdings" panose="05000000000000000000" pitchFamily="2" charset="2"/>
+              </a:rPr>
+              <a:t> of logo </a:t>
+            </a:r>
+            <a:r>
+              <a:rPr lang="en-US" b="1" dirty="0" smtClean="0">
+                <a:sym typeface="Wingdings" panose="05000000000000000000" pitchFamily="2" charset="2"/>
+              </a:rPr>
+              <a:t>, customer </a:t>
+            </a:r>
+            <a:r>
+              <a:rPr lang="en-US" b="1" dirty="0" err="1" smtClean="0">
+                <a:sym typeface="Wingdings" panose="05000000000000000000" pitchFamily="2" charset="2"/>
+              </a:rPr>
+              <a:t>name,Address</a:t>
+            </a:r>
+            <a:r>
+              <a:rPr lang="en-US" b="1" dirty="0" smtClean="0">
+                <a:sym typeface="Wingdings" panose="05000000000000000000" pitchFamily="2" charset="2"/>
+              </a:rPr>
+              <a:t>,</a:t>
+            </a:r>
+          </a:p>
+          <a:p>
+            <a:r>
+              <a:rPr lang="en-US" b="1" dirty="0">
+                <a:sym typeface="Wingdings" panose="05000000000000000000" pitchFamily="2" charset="2"/>
+              </a:rPr>
+              <a:t>	</a:t>
+            </a:r>
+            <a:r>
+              <a:rPr lang="en-US" b="1" dirty="0" smtClean="0">
+                <a:sym typeface="Wingdings" panose="05000000000000000000" pitchFamily="2" charset="2"/>
+              </a:rPr>
+              <a:t> profile Fees, one-Time fees, recurring Fees, Total voice cost, Total SMS cost, </a:t>
+            </a:r>
+            <a:r>
+              <a:rPr lang="en-US" b="1" dirty="0" err="1" smtClean="0">
+                <a:sym typeface="Wingdings" panose="05000000000000000000" pitchFamily="2" charset="2"/>
+              </a:rPr>
+              <a:t>ToTal</a:t>
+            </a:r>
+            <a:r>
+              <a:rPr lang="en-US" b="1" dirty="0" smtClean="0">
+                <a:sym typeface="Wingdings" panose="05000000000000000000" pitchFamily="2" charset="2"/>
+              </a:rPr>
+              <a:t> Data cost, </a:t>
+            </a:r>
+            <a:r>
+              <a:rPr lang="en-US" b="1" dirty="0" err="1" smtClean="0">
+                <a:sym typeface="Wingdings" panose="05000000000000000000" pitchFamily="2" charset="2"/>
+              </a:rPr>
+              <a:t>Taxs</a:t>
+            </a:r>
+            <a:r>
+              <a:rPr lang="en-US" b="1" dirty="0" smtClean="0">
+                <a:sym typeface="Wingdings" panose="05000000000000000000" pitchFamily="2" charset="2"/>
+              </a:rPr>
+              <a:t>, Total 	invoice)</a:t>
+            </a:r>
+          </a:p>
+          <a:p>
+            <a:r>
+              <a:rPr lang="en-US" b="1" dirty="0">
+                <a:sym typeface="Wingdings" panose="05000000000000000000" pitchFamily="2" charset="2"/>
+              </a:rPr>
+              <a:t>	</a:t>
+            </a:r>
+            <a:r>
+              <a:rPr lang="en-US" b="1" dirty="0" smtClean="0">
+                <a:sym typeface="Wingdings" panose="05000000000000000000" pitchFamily="2" charset="2"/>
+              </a:rPr>
+              <a:t>f) call/data/</a:t>
+            </a:r>
+            <a:r>
+              <a:rPr lang="en-US" b="1" dirty="0" err="1" smtClean="0">
+                <a:sym typeface="Wingdings" panose="05000000000000000000" pitchFamily="2" charset="2"/>
+              </a:rPr>
+              <a:t>sms</a:t>
+            </a:r>
+            <a:r>
+              <a:rPr lang="en-US" b="1" dirty="0" smtClean="0">
+                <a:sym typeface="Wingdings" panose="05000000000000000000" pitchFamily="2" charset="2"/>
+              </a:rPr>
+              <a:t> details pages</a:t>
+            </a:r>
+          </a:p>
+          <a:p>
+            <a:r>
+              <a:rPr lang="en-US" b="1" dirty="0" smtClean="0">
+                <a:sym typeface="Wingdings" panose="05000000000000000000" pitchFamily="2" charset="2"/>
+              </a:rPr>
+              <a:t>3) Display on portal (pdf on browser)</a:t>
+            </a:r>
+            <a:endParaRPr lang="en-US" b="1" dirty="0"/>
+          </a:p>
+        </p:txBody>
+      </p:sp>
+      <p:graphicFrame>
+        <p:nvGraphicFramePr>
+          <p:cNvPr id="4" name="Table 3"/>
+          <p:cNvGraphicFramePr>
+            <a:graphicFrameLocks noGrp="1"/>
+          </p:cNvGraphicFramePr>
+          <p:nvPr>
+            <p:extLst>
+              <p:ext uri="{D42A27DB-BD31-4B8C-83A1-F6EECF244321}">
+                <p14:modId xmlns:p14="http://schemas.microsoft.com/office/powerpoint/2010/main" val="3595469872"/>
+              </p:ext>
+            </p:extLst>
+          </p:nvPr>
+        </p:nvGraphicFramePr>
+        <p:xfrm>
+          <a:off x="674252" y="5729385"/>
+          <a:ext cx="11102112" cy="914400"/>
+        </p:xfrm>
+        <a:graphic>
+          <a:graphicData uri="http://schemas.openxmlformats.org/drawingml/2006/table">
+            <a:tbl>
+              <a:tblPr firstRow="1" bandRow="1">
+                <a:tableStyleId>{5C22544A-7EE6-4342-B048-85BDC9FD1C3A}</a:tableStyleId>
+              </a:tblPr>
+              <a:tblGrid>
+                <a:gridCol w="710089">
+                  <a:extLst>
+                    <a:ext uri="{9D8B030D-6E8A-4147-A177-3AD203B41FA5}">
+                      <a16:colId xmlns:a16="http://schemas.microsoft.com/office/drawing/2014/main" val="4251094841"/>
+                    </a:ext>
+                  </a:extLst>
+                </a:gridCol>
+                <a:gridCol w="1308476">
+                  <a:extLst>
+                    <a:ext uri="{9D8B030D-6E8A-4147-A177-3AD203B41FA5}">
+                      <a16:colId xmlns:a16="http://schemas.microsoft.com/office/drawing/2014/main" val="1610645073"/>
+                    </a:ext>
+                  </a:extLst>
+                </a:gridCol>
+                <a:gridCol w="1009283">
+                  <a:extLst>
+                    <a:ext uri="{9D8B030D-6E8A-4147-A177-3AD203B41FA5}">
+                      <a16:colId xmlns:a16="http://schemas.microsoft.com/office/drawing/2014/main" val="3836028896"/>
+                    </a:ext>
+                  </a:extLst>
+                </a:gridCol>
+                <a:gridCol w="1009283">
+                  <a:extLst>
+                    <a:ext uri="{9D8B030D-6E8A-4147-A177-3AD203B41FA5}">
+                      <a16:colId xmlns:a16="http://schemas.microsoft.com/office/drawing/2014/main" val="1935004993"/>
+                    </a:ext>
+                  </a:extLst>
+                </a:gridCol>
+                <a:gridCol w="1009283">
+                  <a:extLst>
+                    <a:ext uri="{9D8B030D-6E8A-4147-A177-3AD203B41FA5}">
+                      <a16:colId xmlns:a16="http://schemas.microsoft.com/office/drawing/2014/main" val="3423328262"/>
+                    </a:ext>
+                  </a:extLst>
+                </a:gridCol>
+                <a:gridCol w="1009283">
+                  <a:extLst>
+                    <a:ext uri="{9D8B030D-6E8A-4147-A177-3AD203B41FA5}">
+                      <a16:colId xmlns:a16="http://schemas.microsoft.com/office/drawing/2014/main" val="1628423275"/>
+                    </a:ext>
+                  </a:extLst>
+                </a:gridCol>
+                <a:gridCol w="1009283">
+                  <a:extLst>
+                    <a:ext uri="{9D8B030D-6E8A-4147-A177-3AD203B41FA5}">
+                      <a16:colId xmlns:a16="http://schemas.microsoft.com/office/drawing/2014/main" val="2342477985"/>
+                    </a:ext>
+                  </a:extLst>
+                </a:gridCol>
+                <a:gridCol w="1009283">
+                  <a:extLst>
+                    <a:ext uri="{9D8B030D-6E8A-4147-A177-3AD203B41FA5}">
+                      <a16:colId xmlns:a16="http://schemas.microsoft.com/office/drawing/2014/main" val="1261026011"/>
+                    </a:ext>
+                  </a:extLst>
+                </a:gridCol>
+                <a:gridCol w="1009283">
+                  <a:extLst>
+                    <a:ext uri="{9D8B030D-6E8A-4147-A177-3AD203B41FA5}">
+                      <a16:colId xmlns:a16="http://schemas.microsoft.com/office/drawing/2014/main" val="331378307"/>
+                    </a:ext>
+                  </a:extLst>
+                </a:gridCol>
+                <a:gridCol w="1009283">
+                  <a:extLst>
+                    <a:ext uri="{9D8B030D-6E8A-4147-A177-3AD203B41FA5}">
+                      <a16:colId xmlns:a16="http://schemas.microsoft.com/office/drawing/2014/main" val="3247464116"/>
+                    </a:ext>
+                  </a:extLst>
+                </a:gridCol>
+                <a:gridCol w="1009283">
+                  <a:extLst>
+                    <a:ext uri="{9D8B030D-6E8A-4147-A177-3AD203B41FA5}">
+                      <a16:colId xmlns:a16="http://schemas.microsoft.com/office/drawing/2014/main" val="2154436256"/>
+                    </a:ext>
+                  </a:extLst>
+                </a:gridCol>
+              </a:tblGrid>
+              <a:tr h="370840">
+                <a:tc>
+                  <a:txBody>
+                    <a:bodyPr/>
+                    <a:lstStyle/>
+                    <a:p>
+                      <a:r>
+                        <a:rPr lang="en-US" dirty="0" err="1" smtClean="0"/>
+                        <a:t>Bill_id</a:t>
+                      </a:r>
+                      <a:endParaRPr lang="en-US" dirty="0"/>
+                    </a:p>
+                  </a:txBody>
+                  <a:tcPr/>
+                </a:tc>
+                <a:tc>
+                  <a:txBody>
+                    <a:bodyPr/>
+                    <a:lstStyle/>
+                    <a:p>
+                      <a:r>
+                        <a:rPr lang="en-US" dirty="0" err="1" smtClean="0"/>
+                        <a:t>customerName</a:t>
+                      </a:r>
+                      <a:endParaRPr lang="en-US" dirty="0"/>
+                    </a:p>
+                  </a:txBody>
+                  <a:tcPr/>
+                </a:tc>
+                <a:tc>
+                  <a:txBody>
+                    <a:bodyPr/>
+                    <a:lstStyle/>
+                    <a:p>
+                      <a:r>
+                        <a:rPr lang="en-US" dirty="0" smtClean="0"/>
+                        <a:t>Address</a:t>
+                      </a:r>
+                      <a:endParaRPr lang="en-US" dirty="0"/>
+                    </a:p>
+                  </a:txBody>
+                  <a:tcPr/>
+                </a:tc>
+                <a:tc>
+                  <a:txBody>
+                    <a:bodyPr/>
+                    <a:lstStyle/>
+                    <a:p>
+                      <a:r>
+                        <a:rPr lang="en-US" dirty="0" err="1" smtClean="0"/>
+                        <a:t>profileFees</a:t>
+                      </a:r>
+                      <a:endParaRPr lang="en-US" dirty="0"/>
+                    </a:p>
+                  </a:txBody>
+                  <a:tcPr/>
+                </a:tc>
+                <a:tc>
+                  <a:txBody>
+                    <a:bodyPr/>
+                    <a:lstStyle/>
+                    <a:p>
+                      <a:r>
+                        <a:rPr lang="en-US" dirty="0" err="1" smtClean="0"/>
+                        <a:t>OneTimeFees</a:t>
+                      </a:r>
+                      <a:endParaRPr lang="en-US" dirty="0"/>
+                    </a:p>
+                  </a:txBody>
+                  <a:tcPr/>
+                </a:tc>
+                <a:tc>
+                  <a:txBody>
+                    <a:bodyPr/>
+                    <a:lstStyle/>
+                    <a:p>
+                      <a:r>
+                        <a:rPr lang="en-US" dirty="0" err="1" smtClean="0"/>
+                        <a:t>Reccuring</a:t>
+                      </a:r>
+                      <a:r>
+                        <a:rPr lang="en-US" dirty="0" smtClean="0"/>
+                        <a:t> fees</a:t>
+                      </a:r>
+                      <a:endParaRPr lang="en-US" dirty="0"/>
+                    </a:p>
+                  </a:txBody>
+                  <a:tcPr/>
+                </a:tc>
+                <a:tc>
+                  <a:txBody>
+                    <a:bodyPr/>
+                    <a:lstStyle/>
+                    <a:p>
+                      <a:r>
+                        <a:rPr lang="en-US" dirty="0" err="1" smtClean="0"/>
+                        <a:t>TotalVoice</a:t>
+                      </a:r>
+                      <a:r>
+                        <a:rPr lang="en-US" dirty="0" smtClean="0"/>
+                        <a:t> Cost</a:t>
+                      </a:r>
+                      <a:endParaRPr lang="en-US" dirty="0"/>
+                    </a:p>
+                  </a:txBody>
+                  <a:tcPr/>
+                </a:tc>
+                <a:tc>
+                  <a:txBody>
+                    <a:bodyPr/>
+                    <a:lstStyle/>
+                    <a:p>
+                      <a:r>
+                        <a:rPr lang="en-US" dirty="0" smtClean="0"/>
+                        <a:t>Total SMS cost</a:t>
+                      </a:r>
+                      <a:endParaRPr lang="en-US" dirty="0"/>
+                    </a:p>
+                  </a:txBody>
+                  <a:tcPr/>
+                </a:tc>
+                <a:tc>
+                  <a:txBody>
+                    <a:bodyPr/>
+                    <a:lstStyle/>
+                    <a:p>
+                      <a:r>
+                        <a:rPr lang="en-US" dirty="0" smtClean="0"/>
+                        <a:t>Total Data Cost </a:t>
+                      </a:r>
+                      <a:endParaRPr lang="en-US" dirty="0"/>
+                    </a:p>
+                  </a:txBody>
+                  <a:tcPr/>
+                </a:tc>
+                <a:tc>
+                  <a:txBody>
+                    <a:bodyPr/>
+                    <a:lstStyle/>
+                    <a:p>
+                      <a:r>
+                        <a:rPr lang="en-US" dirty="0" err="1" smtClean="0"/>
+                        <a:t>Taxs</a:t>
+                      </a:r>
+                      <a:endParaRPr lang="en-US" dirty="0"/>
+                    </a:p>
+                  </a:txBody>
+                  <a:tcPr/>
+                </a:tc>
+                <a:tc>
+                  <a:txBody>
+                    <a:bodyPr/>
+                    <a:lstStyle/>
+                    <a:p>
+                      <a:r>
+                        <a:rPr lang="en-US" dirty="0" smtClean="0"/>
+                        <a:t>Total Invoice </a:t>
+                      </a:r>
+                      <a:endParaRPr lang="en-US" dirty="0"/>
+                    </a:p>
+                  </a:txBody>
+                  <a:tcPr/>
+                </a:tc>
+                <a:extLst>
+                  <a:ext uri="{0D108BD9-81ED-4DB2-BD59-A6C34878D82A}">
+                    <a16:rowId xmlns:a16="http://schemas.microsoft.com/office/drawing/2014/main" val="1251800219"/>
+                  </a:ext>
+                </a:extLst>
+              </a:tr>
+            </a:tbl>
+          </a:graphicData>
+        </a:graphic>
+      </p:graphicFrame>
+    </p:spTree>
+    <p:extLst>
+      <p:ext uri="{BB962C8B-B14F-4D97-AF65-F5344CB8AC3E}">
+        <p14:creationId xmlns:p14="http://schemas.microsoft.com/office/powerpoint/2010/main" val="2526895437"/>
+      </p:ext>
+    </p:extLst>
+  </p:cSld>
+  <p:clrMapOvr>
+    <a:masterClrMapping/>
+  </p:clrMapOvr>
+</p:sld>
+</file>
+
+<file path=ppt/slides/slide8.xml><?xml version="1.0" encoding="utf-8"?>
 <p:sld xmlns:a="http://schemas.openxmlformats.org/drawingml/2006/main" xmlns:r="http://schemas.openxmlformats.org/officeDocument/2006/relationships" xmlns:p="http://schemas.openxmlformats.org/presentationml/2006/main">
   <p:cSld>
     <p:spTree>
